--- a/ONDA_XX-Survival Curve.pptx
+++ b/ONDA_XX-Survival Curve.pptx
@@ -2334,7 +2334,7 @@
           <p:spPr>
             <a:xfrm>
               <a:off x="1496652" y="983989"/>
-              <a:ext cx="4192613" cy="3188077"/>
+              <a:ext cx="3919325" cy="3188077"/>
             </a:xfrm>
             <a:prstGeom prst="rect">
               <a:avLst/>
@@ -2360,20 +2360,20 @@
           <p:spPr>
             <a:xfrm>
               <a:off x="1496652" y="4017305"/>
-              <a:ext cx="4192613" cy="0"/>
+              <a:ext cx="3919325" cy="0"/>
             </a:xfrm>
             <a:custGeom>
               <a:avLst/>
               <a:pathLst>
-                <a:path w="4192613" h="0">
+                <a:path w="3919325" h="0">
                   <a:moveTo>
                     <a:pt x="0" y="0"/>
                   </a:moveTo>
                   <a:lnTo>
-                    <a:pt x="4192613" y="0"/>
-                  </a:lnTo>
-                  <a:lnTo>
-                    <a:pt x="4192613" y="0"/>
+                    <a:pt x="3919325" y="0"/>
+                  </a:lnTo>
+                  <a:lnTo>
+                    <a:pt x="3919325" y="0"/>
                   </a:lnTo>
                 </a:path>
               </a:pathLst>
@@ -2403,20 +2403,20 @@
           <p:spPr>
             <a:xfrm>
               <a:off x="1496652" y="3707783"/>
-              <a:ext cx="4192613" cy="0"/>
+              <a:ext cx="3919325" cy="0"/>
             </a:xfrm>
             <a:custGeom>
               <a:avLst/>
               <a:pathLst>
-                <a:path w="4192613" h="0">
+                <a:path w="3919325" h="0">
                   <a:moveTo>
                     <a:pt x="0" y="0"/>
                   </a:moveTo>
                   <a:lnTo>
-                    <a:pt x="4192613" y="0"/>
-                  </a:lnTo>
-                  <a:lnTo>
-                    <a:pt x="4192613" y="0"/>
+                    <a:pt x="3919325" y="0"/>
+                  </a:lnTo>
+                  <a:lnTo>
+                    <a:pt x="3919325" y="0"/>
                   </a:lnTo>
                 </a:path>
               </a:pathLst>
@@ -2446,20 +2446,20 @@
           <p:spPr>
             <a:xfrm>
               <a:off x="1496652" y="3398261"/>
-              <a:ext cx="4192613" cy="0"/>
+              <a:ext cx="3919325" cy="0"/>
             </a:xfrm>
             <a:custGeom>
               <a:avLst/>
               <a:pathLst>
-                <a:path w="4192613" h="0">
+                <a:path w="3919325" h="0">
                   <a:moveTo>
                     <a:pt x="0" y="0"/>
                   </a:moveTo>
                   <a:lnTo>
-                    <a:pt x="4192613" y="0"/>
-                  </a:lnTo>
-                  <a:lnTo>
-                    <a:pt x="4192613" y="0"/>
+                    <a:pt x="3919325" y="0"/>
+                  </a:lnTo>
+                  <a:lnTo>
+                    <a:pt x="3919325" y="0"/>
                   </a:lnTo>
                 </a:path>
               </a:pathLst>
@@ -2489,20 +2489,20 @@
           <p:spPr>
             <a:xfrm>
               <a:off x="1496652" y="3088739"/>
-              <a:ext cx="4192613" cy="0"/>
+              <a:ext cx="3919325" cy="0"/>
             </a:xfrm>
             <a:custGeom>
               <a:avLst/>
               <a:pathLst>
-                <a:path w="4192613" h="0">
+                <a:path w="3919325" h="0">
                   <a:moveTo>
                     <a:pt x="0" y="0"/>
                   </a:moveTo>
                   <a:lnTo>
-                    <a:pt x="4192613" y="0"/>
-                  </a:lnTo>
-                  <a:lnTo>
-                    <a:pt x="4192613" y="0"/>
+                    <a:pt x="3919325" y="0"/>
+                  </a:lnTo>
+                  <a:lnTo>
+                    <a:pt x="3919325" y="0"/>
                   </a:lnTo>
                 </a:path>
               </a:pathLst>
@@ -2532,20 +2532,20 @@
           <p:spPr>
             <a:xfrm>
               <a:off x="1496652" y="2779217"/>
-              <a:ext cx="4192613" cy="0"/>
+              <a:ext cx="3919325" cy="0"/>
             </a:xfrm>
             <a:custGeom>
               <a:avLst/>
               <a:pathLst>
-                <a:path w="4192613" h="0">
+                <a:path w="3919325" h="0">
                   <a:moveTo>
                     <a:pt x="0" y="0"/>
                   </a:moveTo>
                   <a:lnTo>
-                    <a:pt x="4192613" y="0"/>
-                  </a:lnTo>
-                  <a:lnTo>
-                    <a:pt x="4192613" y="0"/>
+                    <a:pt x="3919325" y="0"/>
+                  </a:lnTo>
+                  <a:lnTo>
+                    <a:pt x="3919325" y="0"/>
                   </a:lnTo>
                 </a:path>
               </a:pathLst>
@@ -2575,20 +2575,20 @@
           <p:spPr>
             <a:xfrm>
               <a:off x="1496652" y="2469695"/>
-              <a:ext cx="4192613" cy="0"/>
+              <a:ext cx="3919325" cy="0"/>
             </a:xfrm>
             <a:custGeom>
               <a:avLst/>
               <a:pathLst>
-                <a:path w="4192613" h="0">
+                <a:path w="3919325" h="0">
                   <a:moveTo>
                     <a:pt x="0" y="0"/>
                   </a:moveTo>
                   <a:lnTo>
-                    <a:pt x="4192613" y="0"/>
-                  </a:lnTo>
-                  <a:lnTo>
-                    <a:pt x="4192613" y="0"/>
+                    <a:pt x="3919325" y="0"/>
+                  </a:lnTo>
+                  <a:lnTo>
+                    <a:pt x="3919325" y="0"/>
                   </a:lnTo>
                 </a:path>
               </a:pathLst>
@@ -2618,20 +2618,20 @@
           <p:spPr>
             <a:xfrm>
               <a:off x="1496652" y="2160172"/>
-              <a:ext cx="4192613" cy="0"/>
+              <a:ext cx="3919325" cy="0"/>
             </a:xfrm>
             <a:custGeom>
               <a:avLst/>
               <a:pathLst>
-                <a:path w="4192613" h="0">
+                <a:path w="3919325" h="0">
                   <a:moveTo>
                     <a:pt x="0" y="0"/>
                   </a:moveTo>
                   <a:lnTo>
-                    <a:pt x="4192613" y="0"/>
-                  </a:lnTo>
-                  <a:lnTo>
-                    <a:pt x="4192613" y="0"/>
+                    <a:pt x="3919325" y="0"/>
+                  </a:lnTo>
+                  <a:lnTo>
+                    <a:pt x="3919325" y="0"/>
                   </a:lnTo>
                 </a:path>
               </a:pathLst>
@@ -2661,20 +2661,20 @@
           <p:spPr>
             <a:xfrm>
               <a:off x="1496652" y="1850650"/>
-              <a:ext cx="4192613" cy="0"/>
+              <a:ext cx="3919325" cy="0"/>
             </a:xfrm>
             <a:custGeom>
               <a:avLst/>
               <a:pathLst>
-                <a:path w="4192613" h="0">
+                <a:path w="3919325" h="0">
                   <a:moveTo>
                     <a:pt x="0" y="0"/>
                   </a:moveTo>
                   <a:lnTo>
-                    <a:pt x="4192613" y="0"/>
-                  </a:lnTo>
-                  <a:lnTo>
-                    <a:pt x="4192613" y="0"/>
+                    <a:pt x="3919325" y="0"/>
+                  </a:lnTo>
+                  <a:lnTo>
+                    <a:pt x="3919325" y="0"/>
                   </a:lnTo>
                 </a:path>
               </a:pathLst>
@@ -2704,20 +2704,20 @@
           <p:spPr>
             <a:xfrm>
               <a:off x="1496652" y="1541128"/>
-              <a:ext cx="4192613" cy="0"/>
+              <a:ext cx="3919325" cy="0"/>
             </a:xfrm>
             <a:custGeom>
               <a:avLst/>
               <a:pathLst>
-                <a:path w="4192613" h="0">
+                <a:path w="3919325" h="0">
                   <a:moveTo>
                     <a:pt x="0" y="0"/>
                   </a:moveTo>
                   <a:lnTo>
-                    <a:pt x="4192613" y="0"/>
-                  </a:lnTo>
-                  <a:lnTo>
-                    <a:pt x="4192613" y="0"/>
+                    <a:pt x="3919325" y="0"/>
+                  </a:lnTo>
+                  <a:lnTo>
+                    <a:pt x="3919325" y="0"/>
                   </a:lnTo>
                 </a:path>
               </a:pathLst>
@@ -2747,20 +2747,20 @@
           <p:spPr>
             <a:xfrm>
               <a:off x="1496652" y="1231606"/>
-              <a:ext cx="4192613" cy="0"/>
+              <a:ext cx="3919325" cy="0"/>
             </a:xfrm>
             <a:custGeom>
               <a:avLst/>
               <a:pathLst>
-                <a:path w="4192613" h="0">
+                <a:path w="3919325" h="0">
                   <a:moveTo>
                     <a:pt x="0" y="0"/>
                   </a:moveTo>
                   <a:lnTo>
-                    <a:pt x="4192613" y="0"/>
-                  </a:lnTo>
-                  <a:lnTo>
-                    <a:pt x="4192613" y="0"/>
+                    <a:pt x="3919325" y="0"/>
+                  </a:lnTo>
+                  <a:lnTo>
+                    <a:pt x="3919325" y="0"/>
                   </a:lnTo>
                 </a:path>
               </a:pathLst>
@@ -2789,7 +2789,7 @@
           </p:nvSpPr>
           <p:spPr>
             <a:xfrm>
-              <a:off x="1706283" y="983989"/>
+              <a:off x="1710434" y="983989"/>
               <a:ext cx="0" cy="3188077"/>
             </a:xfrm>
             <a:custGeom>
@@ -2832,7 +2832,7 @@
           </p:nvSpPr>
           <p:spPr>
             <a:xfrm>
-              <a:off x="2125544" y="983989"/>
+              <a:off x="2137997" y="983989"/>
               <a:ext cx="0" cy="3188077"/>
             </a:xfrm>
             <a:custGeom>
@@ -2875,7 +2875,7 @@
           </p:nvSpPr>
           <p:spPr>
             <a:xfrm>
-              <a:off x="2544806" y="983989"/>
+              <a:off x="2565559" y="983989"/>
               <a:ext cx="0" cy="3188077"/>
             </a:xfrm>
             <a:custGeom>
@@ -2918,7 +2918,7 @@
           </p:nvSpPr>
           <p:spPr>
             <a:xfrm>
-              <a:off x="2964067" y="983989"/>
+              <a:off x="2993122" y="983989"/>
               <a:ext cx="0" cy="3188077"/>
             </a:xfrm>
             <a:custGeom>
@@ -2961,7 +2961,7 @@
           </p:nvSpPr>
           <p:spPr>
             <a:xfrm>
-              <a:off x="3383329" y="983989"/>
+              <a:off x="3420685" y="983989"/>
               <a:ext cx="0" cy="3188077"/>
             </a:xfrm>
             <a:custGeom>
@@ -3004,7 +3004,7 @@
           </p:nvSpPr>
           <p:spPr>
             <a:xfrm>
-              <a:off x="3802590" y="983989"/>
+              <a:off x="3848248" y="983989"/>
               <a:ext cx="0" cy="3188077"/>
             </a:xfrm>
             <a:custGeom>
@@ -3047,7 +3047,7 @@
           </p:nvSpPr>
           <p:spPr>
             <a:xfrm>
-              <a:off x="4221851" y="983989"/>
+              <a:off x="4275811" y="983989"/>
               <a:ext cx="0" cy="3188077"/>
             </a:xfrm>
             <a:custGeom>
@@ -3090,7 +3090,7 @@
           </p:nvSpPr>
           <p:spPr>
             <a:xfrm>
-              <a:off x="4641113" y="983989"/>
+              <a:off x="4703373" y="983989"/>
               <a:ext cx="0" cy="3188077"/>
             </a:xfrm>
             <a:custGeom>
@@ -3133,7 +3133,7 @@
           </p:nvSpPr>
           <p:spPr>
             <a:xfrm>
-              <a:off x="5060374" y="983989"/>
+              <a:off x="5130936" y="983989"/>
               <a:ext cx="0" cy="3188077"/>
             </a:xfrm>
             <a:custGeom>
@@ -3176,64 +3176,21 @@
           </p:nvSpPr>
           <p:spPr>
             <a:xfrm>
-              <a:off x="5479636" y="983989"/>
-              <a:ext cx="0" cy="3188077"/>
+              <a:off x="1496652" y="4172066"/>
+              <a:ext cx="3919325" cy="0"/>
             </a:xfrm>
             <a:custGeom>
               <a:avLst/>
               <a:pathLst>
-                <a:path w="0" h="3188077">
-                  <a:moveTo>
-                    <a:pt x="0" y="3188077"/>
-                  </a:moveTo>
-                  <a:lnTo>
-                    <a:pt x="0" y="0"/>
-                  </a:lnTo>
-                  <a:lnTo>
-                    <a:pt x="0" y="0"/>
-                  </a:lnTo>
-                </a:path>
-              </a:pathLst>
-            </a:custGeom>
-            <a:ln w="6775" cap="flat">
-              <a:solidFill>
-                <a:srgbClr val="FFFFFF">
-                  <a:alpha val="100000"/>
-                </a:srgbClr>
-              </a:solidFill>
-              <a:prstDash val="solid"/>
-              <a:round/>
-            </a:ln>
-          </p:spPr>
-          <p:txBody>
-            <a:bodyPr/>
-            <a:lstStyle/>
-            <a:p/>
-          </p:txBody>
-        </p:sp>
-        <p:sp>
-          <p:nvSpPr>
-            <p:cNvPr id="27" name="pl26"/>
-            <p:cNvSpPr/>
-            <p:nvPr/>
-          </p:nvSpPr>
-          <p:spPr>
-            <a:xfrm>
-              <a:off x="1496652" y="4172066"/>
-              <a:ext cx="4192613" cy="0"/>
-            </a:xfrm>
-            <a:custGeom>
-              <a:avLst/>
-              <a:pathLst>
-                <a:path w="4192613" h="0">
+                <a:path w="3919325" h="0">
                   <a:moveTo>
                     <a:pt x="0" y="0"/>
                   </a:moveTo>
                   <a:lnTo>
-                    <a:pt x="4192613" y="0"/>
-                  </a:lnTo>
-                  <a:lnTo>
-                    <a:pt x="4192613" y="0"/>
+                    <a:pt x="3919325" y="0"/>
+                  </a:lnTo>
+                  <a:lnTo>
+                    <a:pt x="3919325" y="0"/>
                   </a:lnTo>
                 </a:path>
               </a:pathLst>
@@ -3256,27 +3213,27 @@
         </p:sp>
         <p:sp>
           <p:nvSpPr>
-            <p:cNvPr id="28" name="pl27"/>
+            <p:cNvPr id="27" name="pl26"/>
             <p:cNvSpPr/>
             <p:nvPr/>
           </p:nvSpPr>
           <p:spPr>
             <a:xfrm>
               <a:off x="1496652" y="3862544"/>
-              <a:ext cx="4192613" cy="0"/>
+              <a:ext cx="3919325" cy="0"/>
             </a:xfrm>
             <a:custGeom>
               <a:avLst/>
               <a:pathLst>
-                <a:path w="4192613" h="0">
+                <a:path w="3919325" h="0">
                   <a:moveTo>
                     <a:pt x="0" y="0"/>
                   </a:moveTo>
                   <a:lnTo>
-                    <a:pt x="4192613" y="0"/>
-                  </a:lnTo>
-                  <a:lnTo>
-                    <a:pt x="4192613" y="0"/>
+                    <a:pt x="3919325" y="0"/>
+                  </a:lnTo>
+                  <a:lnTo>
+                    <a:pt x="3919325" y="0"/>
                   </a:lnTo>
                 </a:path>
               </a:pathLst>
@@ -3299,27 +3256,27 @@
         </p:sp>
         <p:sp>
           <p:nvSpPr>
-            <p:cNvPr id="29" name="pl28"/>
+            <p:cNvPr id="28" name="pl27"/>
             <p:cNvSpPr/>
             <p:nvPr/>
           </p:nvSpPr>
           <p:spPr>
             <a:xfrm>
               <a:off x="1496652" y="3553022"/>
-              <a:ext cx="4192613" cy="0"/>
+              <a:ext cx="3919325" cy="0"/>
             </a:xfrm>
             <a:custGeom>
               <a:avLst/>
               <a:pathLst>
-                <a:path w="4192613" h="0">
+                <a:path w="3919325" h="0">
                   <a:moveTo>
                     <a:pt x="0" y="0"/>
                   </a:moveTo>
                   <a:lnTo>
-                    <a:pt x="4192613" y="0"/>
-                  </a:lnTo>
-                  <a:lnTo>
-                    <a:pt x="4192613" y="0"/>
+                    <a:pt x="3919325" y="0"/>
+                  </a:lnTo>
+                  <a:lnTo>
+                    <a:pt x="3919325" y="0"/>
                   </a:lnTo>
                 </a:path>
               </a:pathLst>
@@ -3342,27 +3299,27 @@
         </p:sp>
         <p:sp>
           <p:nvSpPr>
-            <p:cNvPr id="30" name="pl29"/>
+            <p:cNvPr id="29" name="pl28"/>
             <p:cNvSpPr/>
             <p:nvPr/>
           </p:nvSpPr>
           <p:spPr>
             <a:xfrm>
               <a:off x="1496652" y="3243500"/>
-              <a:ext cx="4192613" cy="0"/>
+              <a:ext cx="3919325" cy="0"/>
             </a:xfrm>
             <a:custGeom>
               <a:avLst/>
               <a:pathLst>
-                <a:path w="4192613" h="0">
+                <a:path w="3919325" h="0">
                   <a:moveTo>
                     <a:pt x="0" y="0"/>
                   </a:moveTo>
                   <a:lnTo>
-                    <a:pt x="4192613" y="0"/>
-                  </a:lnTo>
-                  <a:lnTo>
-                    <a:pt x="4192613" y="0"/>
+                    <a:pt x="3919325" y="0"/>
+                  </a:lnTo>
+                  <a:lnTo>
+                    <a:pt x="3919325" y="0"/>
                   </a:lnTo>
                 </a:path>
               </a:pathLst>
@@ -3385,27 +3342,27 @@
         </p:sp>
         <p:sp>
           <p:nvSpPr>
-            <p:cNvPr id="31" name="pl30"/>
+            <p:cNvPr id="30" name="pl29"/>
             <p:cNvSpPr/>
             <p:nvPr/>
           </p:nvSpPr>
           <p:spPr>
             <a:xfrm>
               <a:off x="1496652" y="2933978"/>
-              <a:ext cx="4192613" cy="0"/>
+              <a:ext cx="3919325" cy="0"/>
             </a:xfrm>
             <a:custGeom>
               <a:avLst/>
               <a:pathLst>
-                <a:path w="4192613" h="0">
+                <a:path w="3919325" h="0">
                   <a:moveTo>
                     <a:pt x="0" y="0"/>
                   </a:moveTo>
                   <a:lnTo>
-                    <a:pt x="4192613" y="0"/>
-                  </a:lnTo>
-                  <a:lnTo>
-                    <a:pt x="4192613" y="0"/>
+                    <a:pt x="3919325" y="0"/>
+                  </a:lnTo>
+                  <a:lnTo>
+                    <a:pt x="3919325" y="0"/>
                   </a:lnTo>
                 </a:path>
               </a:pathLst>
@@ -3428,27 +3385,27 @@
         </p:sp>
         <p:sp>
           <p:nvSpPr>
-            <p:cNvPr id="32" name="pl31"/>
+            <p:cNvPr id="31" name="pl30"/>
             <p:cNvSpPr/>
             <p:nvPr/>
           </p:nvSpPr>
           <p:spPr>
             <a:xfrm>
               <a:off x="1496652" y="2624456"/>
-              <a:ext cx="4192613" cy="0"/>
+              <a:ext cx="3919325" cy="0"/>
             </a:xfrm>
             <a:custGeom>
               <a:avLst/>
               <a:pathLst>
-                <a:path w="4192613" h="0">
+                <a:path w="3919325" h="0">
                   <a:moveTo>
                     <a:pt x="0" y="0"/>
                   </a:moveTo>
                   <a:lnTo>
-                    <a:pt x="4192613" y="0"/>
-                  </a:lnTo>
-                  <a:lnTo>
-                    <a:pt x="4192613" y="0"/>
+                    <a:pt x="3919325" y="0"/>
+                  </a:lnTo>
+                  <a:lnTo>
+                    <a:pt x="3919325" y="0"/>
                   </a:lnTo>
                 </a:path>
               </a:pathLst>
@@ -3471,27 +3428,27 @@
         </p:sp>
         <p:sp>
           <p:nvSpPr>
-            <p:cNvPr id="33" name="pl32"/>
+            <p:cNvPr id="32" name="pl31"/>
             <p:cNvSpPr/>
             <p:nvPr/>
           </p:nvSpPr>
           <p:spPr>
             <a:xfrm>
               <a:off x="1496652" y="2314934"/>
-              <a:ext cx="4192613" cy="0"/>
+              <a:ext cx="3919325" cy="0"/>
             </a:xfrm>
             <a:custGeom>
               <a:avLst/>
               <a:pathLst>
-                <a:path w="4192613" h="0">
+                <a:path w="3919325" h="0">
                   <a:moveTo>
                     <a:pt x="0" y="0"/>
                   </a:moveTo>
                   <a:lnTo>
-                    <a:pt x="4192613" y="0"/>
-                  </a:lnTo>
-                  <a:lnTo>
-                    <a:pt x="4192613" y="0"/>
+                    <a:pt x="3919325" y="0"/>
+                  </a:lnTo>
+                  <a:lnTo>
+                    <a:pt x="3919325" y="0"/>
                   </a:lnTo>
                 </a:path>
               </a:pathLst>
@@ -3514,27 +3471,27 @@
         </p:sp>
         <p:sp>
           <p:nvSpPr>
-            <p:cNvPr id="34" name="pl33"/>
+            <p:cNvPr id="33" name="pl32"/>
             <p:cNvSpPr/>
             <p:nvPr/>
           </p:nvSpPr>
           <p:spPr>
             <a:xfrm>
               <a:off x="1496652" y="2005411"/>
-              <a:ext cx="4192613" cy="0"/>
+              <a:ext cx="3919325" cy="0"/>
             </a:xfrm>
             <a:custGeom>
               <a:avLst/>
               <a:pathLst>
-                <a:path w="4192613" h="0">
+                <a:path w="3919325" h="0">
                   <a:moveTo>
                     <a:pt x="0" y="0"/>
                   </a:moveTo>
                   <a:lnTo>
-                    <a:pt x="4192613" y="0"/>
-                  </a:lnTo>
-                  <a:lnTo>
-                    <a:pt x="4192613" y="0"/>
+                    <a:pt x="3919325" y="0"/>
+                  </a:lnTo>
+                  <a:lnTo>
+                    <a:pt x="3919325" y="0"/>
                   </a:lnTo>
                 </a:path>
               </a:pathLst>
@@ -3557,27 +3514,27 @@
         </p:sp>
         <p:sp>
           <p:nvSpPr>
-            <p:cNvPr id="35" name="pl34"/>
+            <p:cNvPr id="34" name="pl33"/>
             <p:cNvSpPr/>
             <p:nvPr/>
           </p:nvSpPr>
           <p:spPr>
             <a:xfrm>
               <a:off x="1496652" y="1695889"/>
-              <a:ext cx="4192613" cy="0"/>
+              <a:ext cx="3919325" cy="0"/>
             </a:xfrm>
             <a:custGeom>
               <a:avLst/>
               <a:pathLst>
-                <a:path w="4192613" h="0">
+                <a:path w="3919325" h="0">
                   <a:moveTo>
                     <a:pt x="0" y="0"/>
                   </a:moveTo>
                   <a:lnTo>
-                    <a:pt x="4192613" y="0"/>
-                  </a:lnTo>
-                  <a:lnTo>
-                    <a:pt x="4192613" y="0"/>
+                    <a:pt x="3919325" y="0"/>
+                  </a:lnTo>
+                  <a:lnTo>
+                    <a:pt x="3919325" y="0"/>
                   </a:lnTo>
                 </a:path>
               </a:pathLst>
@@ -3600,27 +3557,27 @@
         </p:sp>
         <p:sp>
           <p:nvSpPr>
-            <p:cNvPr id="36" name="pl35"/>
+            <p:cNvPr id="35" name="pl34"/>
             <p:cNvSpPr/>
             <p:nvPr/>
           </p:nvSpPr>
           <p:spPr>
             <a:xfrm>
               <a:off x="1496652" y="1386367"/>
-              <a:ext cx="4192613" cy="0"/>
+              <a:ext cx="3919325" cy="0"/>
             </a:xfrm>
             <a:custGeom>
               <a:avLst/>
               <a:pathLst>
-                <a:path w="4192613" h="0">
+                <a:path w="3919325" h="0">
                   <a:moveTo>
                     <a:pt x="0" y="0"/>
                   </a:moveTo>
                   <a:lnTo>
-                    <a:pt x="4192613" y="0"/>
-                  </a:lnTo>
-                  <a:lnTo>
-                    <a:pt x="4192613" y="0"/>
+                    <a:pt x="3919325" y="0"/>
+                  </a:lnTo>
+                  <a:lnTo>
+                    <a:pt x="3919325" y="0"/>
                   </a:lnTo>
                 </a:path>
               </a:pathLst>
@@ -3643,27 +3600,27 @@
         </p:sp>
         <p:sp>
           <p:nvSpPr>
-            <p:cNvPr id="37" name="pl36"/>
+            <p:cNvPr id="36" name="pl35"/>
             <p:cNvSpPr/>
             <p:nvPr/>
           </p:nvSpPr>
           <p:spPr>
             <a:xfrm>
               <a:off x="1496652" y="1076845"/>
-              <a:ext cx="4192613" cy="0"/>
+              <a:ext cx="3919325" cy="0"/>
             </a:xfrm>
             <a:custGeom>
               <a:avLst/>
               <a:pathLst>
-                <a:path w="4192613" h="0">
+                <a:path w="3919325" h="0">
                   <a:moveTo>
                     <a:pt x="0" y="0"/>
                   </a:moveTo>
                   <a:lnTo>
-                    <a:pt x="4192613" y="0"/>
-                  </a:lnTo>
-                  <a:lnTo>
-                    <a:pt x="4192613" y="0"/>
+                    <a:pt x="3919325" y="0"/>
+                  </a:lnTo>
+                  <a:lnTo>
+                    <a:pt x="3919325" y="0"/>
                   </a:lnTo>
                 </a:path>
               </a:pathLst>
@@ -3686,7 +3643,7 @@
         </p:sp>
         <p:sp>
           <p:nvSpPr>
-            <p:cNvPr id="38" name="pl37"/>
+            <p:cNvPr id="37" name="pl36"/>
             <p:cNvSpPr/>
             <p:nvPr/>
           </p:nvSpPr>
@@ -3729,13 +3686,13 @@
         </p:sp>
         <p:sp>
           <p:nvSpPr>
-            <p:cNvPr id="39" name="pl38"/>
-            <p:cNvSpPr/>
-            <p:nvPr/>
-          </p:nvSpPr>
-          <p:spPr>
-            <a:xfrm>
-              <a:off x="1915914" y="983989"/>
+            <p:cNvPr id="38" name="pl37"/>
+            <p:cNvSpPr/>
+            <p:nvPr/>
+          </p:nvSpPr>
+          <p:spPr>
+            <a:xfrm>
+              <a:off x="1924215" y="983989"/>
               <a:ext cx="0" cy="3188077"/>
             </a:xfrm>
             <a:custGeom>
@@ -3772,13 +3729,13 @@
         </p:sp>
         <p:sp>
           <p:nvSpPr>
-            <p:cNvPr id="40" name="pl39"/>
-            <p:cNvSpPr/>
-            <p:nvPr/>
-          </p:nvSpPr>
-          <p:spPr>
-            <a:xfrm>
-              <a:off x="2335175" y="983989"/>
+            <p:cNvPr id="39" name="pl38"/>
+            <p:cNvSpPr/>
+            <p:nvPr/>
+          </p:nvSpPr>
+          <p:spPr>
+            <a:xfrm>
+              <a:off x="2351778" y="983989"/>
               <a:ext cx="0" cy="3188077"/>
             </a:xfrm>
             <a:custGeom>
@@ -3815,13 +3772,13 @@
         </p:sp>
         <p:sp>
           <p:nvSpPr>
-            <p:cNvPr id="41" name="pl40"/>
-            <p:cNvSpPr/>
-            <p:nvPr/>
-          </p:nvSpPr>
-          <p:spPr>
-            <a:xfrm>
-              <a:off x="2754437" y="983989"/>
+            <p:cNvPr id="40" name="pl39"/>
+            <p:cNvSpPr/>
+            <p:nvPr/>
+          </p:nvSpPr>
+          <p:spPr>
+            <a:xfrm>
+              <a:off x="2779341" y="983989"/>
               <a:ext cx="0" cy="3188077"/>
             </a:xfrm>
             <a:custGeom>
@@ -3858,13 +3815,13 @@
         </p:sp>
         <p:sp>
           <p:nvSpPr>
-            <p:cNvPr id="42" name="pl41"/>
-            <p:cNvSpPr/>
-            <p:nvPr/>
-          </p:nvSpPr>
-          <p:spPr>
-            <a:xfrm>
-              <a:off x="3173698" y="983989"/>
+            <p:cNvPr id="41" name="pl40"/>
+            <p:cNvSpPr/>
+            <p:nvPr/>
+          </p:nvSpPr>
+          <p:spPr>
+            <a:xfrm>
+              <a:off x="3206904" y="983989"/>
               <a:ext cx="0" cy="3188077"/>
             </a:xfrm>
             <a:custGeom>
@@ -3901,13 +3858,13 @@
         </p:sp>
         <p:sp>
           <p:nvSpPr>
-            <p:cNvPr id="43" name="pl42"/>
-            <p:cNvSpPr/>
-            <p:nvPr/>
-          </p:nvSpPr>
-          <p:spPr>
-            <a:xfrm>
-              <a:off x="3592959" y="983989"/>
+            <p:cNvPr id="42" name="pl41"/>
+            <p:cNvSpPr/>
+            <p:nvPr/>
+          </p:nvSpPr>
+          <p:spPr>
+            <a:xfrm>
+              <a:off x="3634466" y="983989"/>
               <a:ext cx="0" cy="3188077"/>
             </a:xfrm>
             <a:custGeom>
@@ -3944,13 +3901,13 @@
         </p:sp>
         <p:sp>
           <p:nvSpPr>
-            <p:cNvPr id="44" name="pl43"/>
-            <p:cNvSpPr/>
-            <p:nvPr/>
-          </p:nvSpPr>
-          <p:spPr>
-            <a:xfrm>
-              <a:off x="4012221" y="983989"/>
+            <p:cNvPr id="43" name="pl42"/>
+            <p:cNvSpPr/>
+            <p:nvPr/>
+          </p:nvSpPr>
+          <p:spPr>
+            <a:xfrm>
+              <a:off x="4062029" y="983989"/>
               <a:ext cx="0" cy="3188077"/>
             </a:xfrm>
             <a:custGeom>
@@ -3987,13 +3944,13 @@
         </p:sp>
         <p:sp>
           <p:nvSpPr>
-            <p:cNvPr id="45" name="pl44"/>
-            <p:cNvSpPr/>
-            <p:nvPr/>
-          </p:nvSpPr>
-          <p:spPr>
-            <a:xfrm>
-              <a:off x="4431482" y="983989"/>
+            <p:cNvPr id="44" name="pl43"/>
+            <p:cNvSpPr/>
+            <p:nvPr/>
+          </p:nvSpPr>
+          <p:spPr>
+            <a:xfrm>
+              <a:off x="4489592" y="983989"/>
               <a:ext cx="0" cy="3188077"/>
             </a:xfrm>
             <a:custGeom>
@@ -4030,13 +3987,13 @@
         </p:sp>
         <p:sp>
           <p:nvSpPr>
-            <p:cNvPr id="46" name="pl45"/>
-            <p:cNvSpPr/>
-            <p:nvPr/>
-          </p:nvSpPr>
-          <p:spPr>
-            <a:xfrm>
-              <a:off x="4850743" y="983989"/>
+            <p:cNvPr id="45" name="pl44"/>
+            <p:cNvSpPr/>
+            <p:nvPr/>
+          </p:nvSpPr>
+          <p:spPr>
+            <a:xfrm>
+              <a:off x="4917155" y="983989"/>
               <a:ext cx="0" cy="3188077"/>
             </a:xfrm>
             <a:custGeom>
@@ -4073,13 +4030,13 @@
         </p:sp>
         <p:sp>
           <p:nvSpPr>
-            <p:cNvPr id="47" name="pl46"/>
-            <p:cNvSpPr/>
-            <p:nvPr/>
-          </p:nvSpPr>
-          <p:spPr>
-            <a:xfrm>
-              <a:off x="5270005" y="983989"/>
+            <p:cNvPr id="46" name="pl45"/>
+            <p:cNvSpPr/>
+            <p:nvPr/>
+          </p:nvSpPr>
+          <p:spPr>
+            <a:xfrm>
+              <a:off x="5344718" y="983989"/>
               <a:ext cx="0" cy="3188077"/>
             </a:xfrm>
             <a:custGeom>
@@ -4116,97 +4073,141 @@
         </p:sp>
         <p:sp>
           <p:nvSpPr>
-            <p:cNvPr id="48" name="pl47"/>
-            <p:cNvSpPr/>
-            <p:nvPr/>
-          </p:nvSpPr>
-          <p:spPr>
-            <a:xfrm>
-              <a:off x="5689266" y="983989"/>
-              <a:ext cx="0" cy="3188077"/>
+            <p:cNvPr id="47" name="pl46"/>
+            <p:cNvSpPr/>
+            <p:nvPr/>
+          </p:nvSpPr>
+          <p:spPr>
+            <a:xfrm>
+              <a:off x="1496652" y="1076845"/>
+              <a:ext cx="3848065" cy="1083327"/>
             </a:xfrm>
             <a:custGeom>
               <a:avLst/>
               <a:pathLst>
-                <a:path w="0" h="3188077">
-                  <a:moveTo>
-                    <a:pt x="0" y="3188077"/>
-                  </a:moveTo>
-                  <a:lnTo>
-                    <a:pt x="0" y="0"/>
-                  </a:lnTo>
-                  <a:lnTo>
-                    <a:pt x="0" y="0"/>
-                  </a:lnTo>
-                </a:path>
-              </a:pathLst>
-            </a:custGeom>
-            <a:ln w="13550" cap="flat">
-              <a:solidFill>
-                <a:srgbClr val="FFFFFF">
-                  <a:alpha val="100000"/>
-                </a:srgbClr>
-              </a:solidFill>
-              <a:prstDash val="solid"/>
-              <a:round/>
-            </a:ln>
-          </p:spPr>
-          <p:txBody>
-            <a:bodyPr/>
-            <a:lstStyle/>
-            <a:p/>
-          </p:txBody>
-        </p:sp>
-        <p:sp>
-          <p:nvSpPr>
-            <p:cNvPr id="49" name="pl48"/>
-            <p:cNvSpPr/>
-            <p:nvPr/>
-          </p:nvSpPr>
-          <p:spPr>
-            <a:xfrm>
-              <a:off x="1496652" y="1076845"/>
-              <a:ext cx="4192613" cy="144443"/>
-            </a:xfrm>
-            <a:custGeom>
-              <a:avLst/>
-              <a:pathLst>
-                <a:path w="4192613" h="144443">
+                <a:path w="3848065" h="1083327">
                   <a:moveTo>
                     <a:pt x="0" y="0"/>
                   </a:moveTo>
                   <a:lnTo>
-                    <a:pt x="3214337" y="0"/>
-                  </a:lnTo>
-                  <a:lnTo>
-                    <a:pt x="3214337" y="10317"/>
-                  </a:lnTo>
-                  <a:lnTo>
-                    <a:pt x="3633598" y="10317"/>
-                  </a:lnTo>
-                  <a:lnTo>
-                    <a:pt x="3633598" y="61904"/>
-                  </a:lnTo>
-                  <a:lnTo>
-                    <a:pt x="3773352" y="61904"/>
-                  </a:lnTo>
-                  <a:lnTo>
-                    <a:pt x="3773352" y="103174"/>
-                  </a:lnTo>
-                  <a:lnTo>
-                    <a:pt x="4052860" y="103174"/>
-                  </a:lnTo>
-                  <a:lnTo>
-                    <a:pt x="4052860" y="113491"/>
-                  </a:lnTo>
-                  <a:lnTo>
-                    <a:pt x="4192613" y="113491"/>
-                  </a:lnTo>
-                  <a:lnTo>
-                    <a:pt x="4192613" y="113491"/>
-                  </a:lnTo>
-                  <a:lnTo>
-                    <a:pt x="4192613" y="144443"/>
+                    <a:pt x="1924032" y="0"/>
+                  </a:lnTo>
+                  <a:lnTo>
+                    <a:pt x="1924032" y="30952"/>
+                  </a:lnTo>
+                  <a:lnTo>
+                    <a:pt x="2137814" y="30952"/>
+                  </a:lnTo>
+                  <a:lnTo>
+                    <a:pt x="2137814" y="61904"/>
+                  </a:lnTo>
+                  <a:lnTo>
+                    <a:pt x="2209074" y="61904"/>
+                  </a:lnTo>
+                  <a:lnTo>
+                    <a:pt x="2209074" y="92856"/>
+                  </a:lnTo>
+                  <a:lnTo>
+                    <a:pt x="2280334" y="92856"/>
+                  </a:lnTo>
+                  <a:lnTo>
+                    <a:pt x="2280334" y="123808"/>
+                  </a:lnTo>
+                  <a:lnTo>
+                    <a:pt x="2351595" y="123808"/>
+                  </a:lnTo>
+                  <a:lnTo>
+                    <a:pt x="2351595" y="154761"/>
+                  </a:lnTo>
+                  <a:lnTo>
+                    <a:pt x="2422855" y="154761"/>
+                  </a:lnTo>
+                  <a:lnTo>
+                    <a:pt x="2422855" y="185713"/>
+                  </a:lnTo>
+                  <a:lnTo>
+                    <a:pt x="2494116" y="185713"/>
+                  </a:lnTo>
+                  <a:lnTo>
+                    <a:pt x="2494116" y="216665"/>
+                  </a:lnTo>
+                  <a:lnTo>
+                    <a:pt x="2565376" y="216665"/>
+                  </a:lnTo>
+                  <a:lnTo>
+                    <a:pt x="2565376" y="340474"/>
+                  </a:lnTo>
+                  <a:lnTo>
+                    <a:pt x="2636637" y="340474"/>
+                  </a:lnTo>
+                  <a:lnTo>
+                    <a:pt x="2636637" y="464283"/>
+                  </a:lnTo>
+                  <a:lnTo>
+                    <a:pt x="2707897" y="464283"/>
+                  </a:lnTo>
+                  <a:lnTo>
+                    <a:pt x="2707897" y="526187"/>
+                  </a:lnTo>
+                  <a:lnTo>
+                    <a:pt x="2779158" y="526187"/>
+                  </a:lnTo>
+                  <a:lnTo>
+                    <a:pt x="2779158" y="619044"/>
+                  </a:lnTo>
+                  <a:lnTo>
+                    <a:pt x="2850418" y="619044"/>
+                  </a:lnTo>
+                  <a:lnTo>
+                    <a:pt x="2850418" y="680948"/>
+                  </a:lnTo>
+                  <a:lnTo>
+                    <a:pt x="2921679" y="680948"/>
+                  </a:lnTo>
+                  <a:lnTo>
+                    <a:pt x="2921679" y="742853"/>
+                  </a:lnTo>
+                  <a:lnTo>
+                    <a:pt x="3064200" y="742853"/>
+                  </a:lnTo>
+                  <a:lnTo>
+                    <a:pt x="3064200" y="773805"/>
+                  </a:lnTo>
+                  <a:lnTo>
+                    <a:pt x="3206721" y="773805"/>
+                  </a:lnTo>
+                  <a:lnTo>
+                    <a:pt x="3206721" y="866661"/>
+                  </a:lnTo>
+                  <a:lnTo>
+                    <a:pt x="3349241" y="866661"/>
+                  </a:lnTo>
+                  <a:lnTo>
+                    <a:pt x="3349241" y="959518"/>
+                  </a:lnTo>
+                  <a:lnTo>
+                    <a:pt x="3420502" y="959518"/>
+                  </a:lnTo>
+                  <a:lnTo>
+                    <a:pt x="3420502" y="1021422"/>
+                  </a:lnTo>
+                  <a:lnTo>
+                    <a:pt x="3491762" y="1021422"/>
+                  </a:lnTo>
+                  <a:lnTo>
+                    <a:pt x="3491762" y="1052375"/>
+                  </a:lnTo>
+                  <a:lnTo>
+                    <a:pt x="3563023" y="1052375"/>
+                  </a:lnTo>
+                  <a:lnTo>
+                    <a:pt x="3563023" y="1083327"/>
+                  </a:lnTo>
+                  <a:lnTo>
+                    <a:pt x="3848065" y="1083327"/>
+                  </a:lnTo>
+                  <a:lnTo>
+                    <a:pt x="3848065" y="1083327"/>
                   </a:lnTo>
                 </a:path>
               </a:pathLst>
@@ -4229,13 +4230,1584 @@
         </p:sp>
         <p:sp>
           <p:nvSpPr>
-            <p:cNvPr id="50" name="tx49"/>
-            <p:cNvSpPr/>
-            <p:nvPr/>
-          </p:nvSpPr>
-          <p:spPr>
-            <a:xfrm>
-              <a:off x="8992373" y="2159706"/>
+            <p:cNvPr id="48" name="pl47"/>
+            <p:cNvSpPr/>
+            <p:nvPr/>
+          </p:nvSpPr>
+          <p:spPr>
+            <a:xfrm>
+              <a:off x="1496652" y="1076845"/>
+              <a:ext cx="3848065" cy="1207136"/>
+            </a:xfrm>
+            <a:custGeom>
+              <a:avLst/>
+              <a:pathLst>
+                <a:path w="3848065" h="1207136">
+                  <a:moveTo>
+                    <a:pt x="0" y="0"/>
+                  </a:moveTo>
+                  <a:lnTo>
+                    <a:pt x="1852772" y="0"/>
+                  </a:lnTo>
+                  <a:lnTo>
+                    <a:pt x="1852772" y="30952"/>
+                  </a:lnTo>
+                  <a:lnTo>
+                    <a:pt x="1924032" y="30952"/>
+                  </a:lnTo>
+                  <a:lnTo>
+                    <a:pt x="1924032" y="92856"/>
+                  </a:lnTo>
+                  <a:lnTo>
+                    <a:pt x="2137814" y="92856"/>
+                  </a:lnTo>
+                  <a:lnTo>
+                    <a:pt x="2137814" y="154761"/>
+                  </a:lnTo>
+                  <a:lnTo>
+                    <a:pt x="2209074" y="154761"/>
+                  </a:lnTo>
+                  <a:lnTo>
+                    <a:pt x="2209074" y="216665"/>
+                  </a:lnTo>
+                  <a:lnTo>
+                    <a:pt x="2280334" y="216665"/>
+                  </a:lnTo>
+                  <a:lnTo>
+                    <a:pt x="2280334" y="402378"/>
+                  </a:lnTo>
+                  <a:lnTo>
+                    <a:pt x="2351595" y="402378"/>
+                  </a:lnTo>
+                  <a:lnTo>
+                    <a:pt x="2351595" y="526187"/>
+                  </a:lnTo>
+                  <a:lnTo>
+                    <a:pt x="2422855" y="526187"/>
+                  </a:lnTo>
+                  <a:lnTo>
+                    <a:pt x="2422855" y="619044"/>
+                  </a:lnTo>
+                  <a:lnTo>
+                    <a:pt x="2494116" y="619044"/>
+                  </a:lnTo>
+                  <a:lnTo>
+                    <a:pt x="2494116" y="773805"/>
+                  </a:lnTo>
+                  <a:lnTo>
+                    <a:pt x="2565376" y="773805"/>
+                  </a:lnTo>
+                  <a:lnTo>
+                    <a:pt x="2565376" y="928566"/>
+                  </a:lnTo>
+                  <a:lnTo>
+                    <a:pt x="2636637" y="928566"/>
+                  </a:lnTo>
+                  <a:lnTo>
+                    <a:pt x="2636637" y="990470"/>
+                  </a:lnTo>
+                  <a:lnTo>
+                    <a:pt x="2707897" y="990470"/>
+                  </a:lnTo>
+                  <a:lnTo>
+                    <a:pt x="2707897" y="1021422"/>
+                  </a:lnTo>
+                  <a:lnTo>
+                    <a:pt x="2779158" y="1021422"/>
+                  </a:lnTo>
+                  <a:lnTo>
+                    <a:pt x="2779158" y="1052375"/>
+                  </a:lnTo>
+                  <a:lnTo>
+                    <a:pt x="2850418" y="1052375"/>
+                  </a:lnTo>
+                  <a:lnTo>
+                    <a:pt x="2850418" y="1114279"/>
+                  </a:lnTo>
+                  <a:lnTo>
+                    <a:pt x="3349241" y="1114279"/>
+                  </a:lnTo>
+                  <a:lnTo>
+                    <a:pt x="3349241" y="1145231"/>
+                  </a:lnTo>
+                  <a:lnTo>
+                    <a:pt x="3420502" y="1145231"/>
+                  </a:lnTo>
+                  <a:lnTo>
+                    <a:pt x="3420502" y="1176183"/>
+                  </a:lnTo>
+                  <a:lnTo>
+                    <a:pt x="3848065" y="1176183"/>
+                  </a:lnTo>
+                  <a:lnTo>
+                    <a:pt x="3848065" y="1207136"/>
+                  </a:lnTo>
+                </a:path>
+              </a:pathLst>
+            </a:custGeom>
+            <a:ln w="27101" cap="flat">
+              <a:solidFill>
+                <a:srgbClr val="DE8C00">
+                  <a:alpha val="100000"/>
+                </a:srgbClr>
+              </a:solidFill>
+              <a:prstDash val="solid"/>
+              <a:round/>
+            </a:ln>
+          </p:spPr>
+          <p:txBody>
+            <a:bodyPr/>
+            <a:lstStyle/>
+            <a:p/>
+          </p:txBody>
+        </p:sp>
+        <p:sp>
+          <p:nvSpPr>
+            <p:cNvPr id="49" name="pl48"/>
+            <p:cNvSpPr/>
+            <p:nvPr/>
+          </p:nvSpPr>
+          <p:spPr>
+            <a:xfrm>
+              <a:off x="1496652" y="1076845"/>
+              <a:ext cx="3848065" cy="1021422"/>
+            </a:xfrm>
+            <a:custGeom>
+              <a:avLst/>
+              <a:pathLst>
+                <a:path w="3848065" h="1021422">
+                  <a:moveTo>
+                    <a:pt x="0" y="0"/>
+                  </a:moveTo>
+                  <a:lnTo>
+                    <a:pt x="1638990" y="0"/>
+                  </a:lnTo>
+                  <a:lnTo>
+                    <a:pt x="1638990" y="30952"/>
+                  </a:lnTo>
+                  <a:lnTo>
+                    <a:pt x="1852772" y="30952"/>
+                  </a:lnTo>
+                  <a:lnTo>
+                    <a:pt x="1852772" y="154761"/>
+                  </a:lnTo>
+                  <a:lnTo>
+                    <a:pt x="1924032" y="154761"/>
+                  </a:lnTo>
+                  <a:lnTo>
+                    <a:pt x="1924032" y="185713"/>
+                  </a:lnTo>
+                  <a:lnTo>
+                    <a:pt x="2066553" y="185713"/>
+                  </a:lnTo>
+                  <a:lnTo>
+                    <a:pt x="2066553" y="216665"/>
+                  </a:lnTo>
+                  <a:lnTo>
+                    <a:pt x="2209074" y="216665"/>
+                  </a:lnTo>
+                  <a:lnTo>
+                    <a:pt x="2209074" y="247617"/>
+                  </a:lnTo>
+                  <a:lnTo>
+                    <a:pt x="2280334" y="247617"/>
+                  </a:lnTo>
+                  <a:lnTo>
+                    <a:pt x="2280334" y="278569"/>
+                  </a:lnTo>
+                  <a:lnTo>
+                    <a:pt x="2351595" y="278569"/>
+                  </a:lnTo>
+                  <a:lnTo>
+                    <a:pt x="2351595" y="309522"/>
+                  </a:lnTo>
+                  <a:lnTo>
+                    <a:pt x="2422855" y="309522"/>
+                  </a:lnTo>
+                  <a:lnTo>
+                    <a:pt x="2422855" y="371426"/>
+                  </a:lnTo>
+                  <a:lnTo>
+                    <a:pt x="2494116" y="371426"/>
+                  </a:lnTo>
+                  <a:lnTo>
+                    <a:pt x="2494116" y="433330"/>
+                  </a:lnTo>
+                  <a:lnTo>
+                    <a:pt x="2565376" y="433330"/>
+                  </a:lnTo>
+                  <a:lnTo>
+                    <a:pt x="2565376" y="495235"/>
+                  </a:lnTo>
+                  <a:lnTo>
+                    <a:pt x="2636637" y="495235"/>
+                  </a:lnTo>
+                  <a:lnTo>
+                    <a:pt x="2636637" y="557139"/>
+                  </a:lnTo>
+                  <a:lnTo>
+                    <a:pt x="2850418" y="557139"/>
+                  </a:lnTo>
+                  <a:lnTo>
+                    <a:pt x="2850418" y="619044"/>
+                  </a:lnTo>
+                  <a:lnTo>
+                    <a:pt x="3064200" y="619044"/>
+                  </a:lnTo>
+                  <a:lnTo>
+                    <a:pt x="3064200" y="649996"/>
+                  </a:lnTo>
+                  <a:lnTo>
+                    <a:pt x="3135460" y="649996"/>
+                  </a:lnTo>
+                  <a:lnTo>
+                    <a:pt x="3135460" y="711900"/>
+                  </a:lnTo>
+                  <a:lnTo>
+                    <a:pt x="3206721" y="711900"/>
+                  </a:lnTo>
+                  <a:lnTo>
+                    <a:pt x="3206721" y="804757"/>
+                  </a:lnTo>
+                  <a:lnTo>
+                    <a:pt x="3277981" y="804757"/>
+                  </a:lnTo>
+                  <a:lnTo>
+                    <a:pt x="3277981" y="835709"/>
+                  </a:lnTo>
+                  <a:lnTo>
+                    <a:pt x="3420502" y="835709"/>
+                  </a:lnTo>
+                  <a:lnTo>
+                    <a:pt x="3420502" y="928566"/>
+                  </a:lnTo>
+                  <a:lnTo>
+                    <a:pt x="3491762" y="928566"/>
+                  </a:lnTo>
+                  <a:lnTo>
+                    <a:pt x="3491762" y="990470"/>
+                  </a:lnTo>
+                  <a:lnTo>
+                    <a:pt x="3563023" y="990470"/>
+                  </a:lnTo>
+                  <a:lnTo>
+                    <a:pt x="3563023" y="1021422"/>
+                  </a:lnTo>
+                  <a:lnTo>
+                    <a:pt x="3848065" y="1021422"/>
+                  </a:lnTo>
+                  <a:lnTo>
+                    <a:pt x="3848065" y="1021422"/>
+                  </a:lnTo>
+                </a:path>
+              </a:pathLst>
+            </a:custGeom>
+            <a:ln w="27101" cap="flat">
+              <a:solidFill>
+                <a:srgbClr val="B79F00">
+                  <a:alpha val="100000"/>
+                </a:srgbClr>
+              </a:solidFill>
+              <a:prstDash val="solid"/>
+              <a:round/>
+            </a:ln>
+          </p:spPr>
+          <p:txBody>
+            <a:bodyPr/>
+            <a:lstStyle/>
+            <a:p/>
+          </p:txBody>
+        </p:sp>
+        <p:sp>
+          <p:nvSpPr>
+            <p:cNvPr id="50" name="pl49"/>
+            <p:cNvSpPr/>
+            <p:nvPr/>
+          </p:nvSpPr>
+          <p:spPr>
+            <a:xfrm>
+              <a:off x="1496652" y="1076845"/>
+              <a:ext cx="3848065" cy="1145231"/>
+            </a:xfrm>
+            <a:custGeom>
+              <a:avLst/>
+              <a:pathLst>
+                <a:path w="3848065" h="1145231">
+                  <a:moveTo>
+                    <a:pt x="0" y="0"/>
+                  </a:moveTo>
+                  <a:lnTo>
+                    <a:pt x="0" y="0"/>
+                  </a:lnTo>
+                  <a:lnTo>
+                    <a:pt x="0" y="30952"/>
+                  </a:lnTo>
+                  <a:lnTo>
+                    <a:pt x="1353948" y="30952"/>
+                  </a:lnTo>
+                  <a:lnTo>
+                    <a:pt x="1353948" y="61904"/>
+                  </a:lnTo>
+                  <a:lnTo>
+                    <a:pt x="1496469" y="61904"/>
+                  </a:lnTo>
+                  <a:lnTo>
+                    <a:pt x="1496469" y="92856"/>
+                  </a:lnTo>
+                  <a:lnTo>
+                    <a:pt x="1567730" y="92856"/>
+                  </a:lnTo>
+                  <a:lnTo>
+                    <a:pt x="1567730" y="123808"/>
+                  </a:lnTo>
+                  <a:lnTo>
+                    <a:pt x="1710251" y="123808"/>
+                  </a:lnTo>
+                  <a:lnTo>
+                    <a:pt x="1710251" y="154761"/>
+                  </a:lnTo>
+                  <a:lnTo>
+                    <a:pt x="1924032" y="154761"/>
+                  </a:lnTo>
+                  <a:lnTo>
+                    <a:pt x="1924032" y="216665"/>
+                  </a:lnTo>
+                  <a:lnTo>
+                    <a:pt x="2066553" y="216665"/>
+                  </a:lnTo>
+                  <a:lnTo>
+                    <a:pt x="2066553" y="247617"/>
+                  </a:lnTo>
+                  <a:lnTo>
+                    <a:pt x="2137814" y="247617"/>
+                  </a:lnTo>
+                  <a:lnTo>
+                    <a:pt x="2137814" y="402378"/>
+                  </a:lnTo>
+                  <a:lnTo>
+                    <a:pt x="2209074" y="402378"/>
+                  </a:lnTo>
+                  <a:lnTo>
+                    <a:pt x="2209074" y="433330"/>
+                  </a:lnTo>
+                  <a:lnTo>
+                    <a:pt x="2351595" y="433330"/>
+                  </a:lnTo>
+                  <a:lnTo>
+                    <a:pt x="2351595" y="557139"/>
+                  </a:lnTo>
+                  <a:lnTo>
+                    <a:pt x="2422855" y="557139"/>
+                  </a:lnTo>
+                  <a:lnTo>
+                    <a:pt x="2422855" y="649996"/>
+                  </a:lnTo>
+                  <a:lnTo>
+                    <a:pt x="2494116" y="649996"/>
+                  </a:lnTo>
+                  <a:lnTo>
+                    <a:pt x="2494116" y="742853"/>
+                  </a:lnTo>
+                  <a:lnTo>
+                    <a:pt x="2565376" y="742853"/>
+                  </a:lnTo>
+                  <a:lnTo>
+                    <a:pt x="2565376" y="804757"/>
+                  </a:lnTo>
+                  <a:lnTo>
+                    <a:pt x="2636637" y="804757"/>
+                  </a:lnTo>
+                  <a:lnTo>
+                    <a:pt x="2636637" y="866661"/>
+                  </a:lnTo>
+                  <a:lnTo>
+                    <a:pt x="2707897" y="866661"/>
+                  </a:lnTo>
+                  <a:lnTo>
+                    <a:pt x="2707897" y="897614"/>
+                  </a:lnTo>
+                  <a:lnTo>
+                    <a:pt x="2850418" y="897614"/>
+                  </a:lnTo>
+                  <a:lnTo>
+                    <a:pt x="2850418" y="959518"/>
+                  </a:lnTo>
+                  <a:lnTo>
+                    <a:pt x="2921679" y="959518"/>
+                  </a:lnTo>
+                  <a:lnTo>
+                    <a:pt x="2921679" y="1021422"/>
+                  </a:lnTo>
+                  <a:lnTo>
+                    <a:pt x="2992939" y="1021422"/>
+                  </a:lnTo>
+                  <a:lnTo>
+                    <a:pt x="2992939" y="1052375"/>
+                  </a:lnTo>
+                  <a:lnTo>
+                    <a:pt x="3064200" y="1052375"/>
+                  </a:lnTo>
+                  <a:lnTo>
+                    <a:pt x="3064200" y="1114279"/>
+                  </a:lnTo>
+                  <a:lnTo>
+                    <a:pt x="3491762" y="1114279"/>
+                  </a:lnTo>
+                  <a:lnTo>
+                    <a:pt x="3491762" y="1145231"/>
+                  </a:lnTo>
+                  <a:lnTo>
+                    <a:pt x="3848065" y="1145231"/>
+                  </a:lnTo>
+                  <a:lnTo>
+                    <a:pt x="3848065" y="1145231"/>
+                  </a:lnTo>
+                </a:path>
+              </a:pathLst>
+            </a:custGeom>
+            <a:ln w="27101" cap="flat">
+              <a:solidFill>
+                <a:srgbClr val="7CAE00">
+                  <a:alpha val="100000"/>
+                </a:srgbClr>
+              </a:solidFill>
+              <a:prstDash val="solid"/>
+              <a:round/>
+            </a:ln>
+          </p:spPr>
+          <p:txBody>
+            <a:bodyPr/>
+            <a:lstStyle/>
+            <a:p/>
+          </p:txBody>
+        </p:sp>
+        <p:sp>
+          <p:nvSpPr>
+            <p:cNvPr id="51" name="pl50"/>
+            <p:cNvSpPr/>
+            <p:nvPr/>
+          </p:nvSpPr>
+          <p:spPr>
+            <a:xfrm>
+              <a:off x="1496652" y="1076845"/>
+              <a:ext cx="3848065" cy="1114279"/>
+            </a:xfrm>
+            <a:custGeom>
+              <a:avLst/>
+              <a:pathLst>
+                <a:path w="3848065" h="1114279">
+                  <a:moveTo>
+                    <a:pt x="0" y="0"/>
+                  </a:moveTo>
+                  <a:lnTo>
+                    <a:pt x="1425209" y="0"/>
+                  </a:lnTo>
+                  <a:lnTo>
+                    <a:pt x="1425209" y="61904"/>
+                  </a:lnTo>
+                  <a:lnTo>
+                    <a:pt x="1710251" y="61904"/>
+                  </a:lnTo>
+                  <a:lnTo>
+                    <a:pt x="1710251" y="92856"/>
+                  </a:lnTo>
+                  <a:lnTo>
+                    <a:pt x="1781511" y="92856"/>
+                  </a:lnTo>
+                  <a:lnTo>
+                    <a:pt x="1781511" y="123808"/>
+                  </a:lnTo>
+                  <a:lnTo>
+                    <a:pt x="1852772" y="123808"/>
+                  </a:lnTo>
+                  <a:lnTo>
+                    <a:pt x="1852772" y="247617"/>
+                  </a:lnTo>
+                  <a:lnTo>
+                    <a:pt x="1924032" y="247617"/>
+                  </a:lnTo>
+                  <a:lnTo>
+                    <a:pt x="1924032" y="371426"/>
+                  </a:lnTo>
+                  <a:lnTo>
+                    <a:pt x="1995293" y="371426"/>
+                  </a:lnTo>
+                  <a:lnTo>
+                    <a:pt x="1995293" y="433330"/>
+                  </a:lnTo>
+                  <a:lnTo>
+                    <a:pt x="2066553" y="433330"/>
+                  </a:lnTo>
+                  <a:lnTo>
+                    <a:pt x="2066553" y="557139"/>
+                  </a:lnTo>
+                  <a:lnTo>
+                    <a:pt x="2137814" y="557139"/>
+                  </a:lnTo>
+                  <a:lnTo>
+                    <a:pt x="2137814" y="680948"/>
+                  </a:lnTo>
+                  <a:lnTo>
+                    <a:pt x="2209074" y="680948"/>
+                  </a:lnTo>
+                  <a:lnTo>
+                    <a:pt x="2209074" y="773805"/>
+                  </a:lnTo>
+                  <a:lnTo>
+                    <a:pt x="2280334" y="773805"/>
+                  </a:lnTo>
+                  <a:lnTo>
+                    <a:pt x="2280334" y="804757"/>
+                  </a:lnTo>
+                  <a:lnTo>
+                    <a:pt x="2351595" y="804757"/>
+                  </a:lnTo>
+                  <a:lnTo>
+                    <a:pt x="2351595" y="866661"/>
+                  </a:lnTo>
+                  <a:lnTo>
+                    <a:pt x="2422855" y="866661"/>
+                  </a:lnTo>
+                  <a:lnTo>
+                    <a:pt x="2422855" y="897614"/>
+                  </a:lnTo>
+                  <a:lnTo>
+                    <a:pt x="2494116" y="897614"/>
+                  </a:lnTo>
+                  <a:lnTo>
+                    <a:pt x="2494116" y="959518"/>
+                  </a:lnTo>
+                  <a:lnTo>
+                    <a:pt x="2565376" y="959518"/>
+                  </a:lnTo>
+                  <a:lnTo>
+                    <a:pt x="2565376" y="990470"/>
+                  </a:lnTo>
+                  <a:lnTo>
+                    <a:pt x="2636637" y="990470"/>
+                  </a:lnTo>
+                  <a:lnTo>
+                    <a:pt x="2636637" y="1021422"/>
+                  </a:lnTo>
+                  <a:lnTo>
+                    <a:pt x="2707897" y="1021422"/>
+                  </a:lnTo>
+                  <a:lnTo>
+                    <a:pt x="2707897" y="1052375"/>
+                  </a:lnTo>
+                  <a:lnTo>
+                    <a:pt x="2850418" y="1052375"/>
+                  </a:lnTo>
+                  <a:lnTo>
+                    <a:pt x="2850418" y="1083327"/>
+                  </a:lnTo>
+                  <a:lnTo>
+                    <a:pt x="3064200" y="1083327"/>
+                  </a:lnTo>
+                  <a:lnTo>
+                    <a:pt x="3064200" y="1114279"/>
+                  </a:lnTo>
+                  <a:lnTo>
+                    <a:pt x="3848065" y="1114279"/>
+                  </a:lnTo>
+                  <a:lnTo>
+                    <a:pt x="3848065" y="1114279"/>
+                  </a:lnTo>
+                </a:path>
+              </a:pathLst>
+            </a:custGeom>
+            <a:ln w="27101" cap="flat">
+              <a:solidFill>
+                <a:srgbClr val="00BA38">
+                  <a:alpha val="100000"/>
+                </a:srgbClr>
+              </a:solidFill>
+              <a:prstDash val="solid"/>
+              <a:round/>
+            </a:ln>
+          </p:spPr>
+          <p:txBody>
+            <a:bodyPr/>
+            <a:lstStyle/>
+            <a:p/>
+          </p:txBody>
+        </p:sp>
+        <p:sp>
+          <p:nvSpPr>
+            <p:cNvPr id="52" name="pl51"/>
+            <p:cNvSpPr/>
+            <p:nvPr/>
+          </p:nvSpPr>
+          <p:spPr>
+            <a:xfrm>
+              <a:off x="1496652" y="1076845"/>
+              <a:ext cx="3848065" cy="1083327"/>
+            </a:xfrm>
+            <a:custGeom>
+              <a:avLst/>
+              <a:pathLst>
+                <a:path w="3848065" h="1083327">
+                  <a:moveTo>
+                    <a:pt x="0" y="0"/>
+                  </a:moveTo>
+                  <a:lnTo>
+                    <a:pt x="285041" y="0"/>
+                  </a:lnTo>
+                  <a:lnTo>
+                    <a:pt x="285041" y="30952"/>
+                  </a:lnTo>
+                  <a:lnTo>
+                    <a:pt x="498823" y="30952"/>
+                  </a:lnTo>
+                  <a:lnTo>
+                    <a:pt x="498823" y="61904"/>
+                  </a:lnTo>
+                  <a:lnTo>
+                    <a:pt x="1567730" y="61904"/>
+                  </a:lnTo>
+                  <a:lnTo>
+                    <a:pt x="1567730" y="92856"/>
+                  </a:lnTo>
+                  <a:lnTo>
+                    <a:pt x="1781511" y="92856"/>
+                  </a:lnTo>
+                  <a:lnTo>
+                    <a:pt x="1781511" y="123808"/>
+                  </a:lnTo>
+                  <a:lnTo>
+                    <a:pt x="1924032" y="123808"/>
+                  </a:lnTo>
+                  <a:lnTo>
+                    <a:pt x="1924032" y="185713"/>
+                  </a:lnTo>
+                  <a:lnTo>
+                    <a:pt x="1995293" y="185713"/>
+                  </a:lnTo>
+                  <a:lnTo>
+                    <a:pt x="1995293" y="247617"/>
+                  </a:lnTo>
+                  <a:lnTo>
+                    <a:pt x="2066553" y="247617"/>
+                  </a:lnTo>
+                  <a:lnTo>
+                    <a:pt x="2066553" y="340474"/>
+                  </a:lnTo>
+                  <a:lnTo>
+                    <a:pt x="2137814" y="340474"/>
+                  </a:lnTo>
+                  <a:lnTo>
+                    <a:pt x="2137814" y="526187"/>
+                  </a:lnTo>
+                  <a:lnTo>
+                    <a:pt x="2209074" y="526187"/>
+                  </a:lnTo>
+                  <a:lnTo>
+                    <a:pt x="2209074" y="588091"/>
+                  </a:lnTo>
+                  <a:lnTo>
+                    <a:pt x="2280334" y="588091"/>
+                  </a:lnTo>
+                  <a:lnTo>
+                    <a:pt x="2280334" y="649996"/>
+                  </a:lnTo>
+                  <a:lnTo>
+                    <a:pt x="2351595" y="649996"/>
+                  </a:lnTo>
+                  <a:lnTo>
+                    <a:pt x="2351595" y="742853"/>
+                  </a:lnTo>
+                  <a:lnTo>
+                    <a:pt x="2422855" y="742853"/>
+                  </a:lnTo>
+                  <a:lnTo>
+                    <a:pt x="2422855" y="804757"/>
+                  </a:lnTo>
+                  <a:lnTo>
+                    <a:pt x="2494116" y="804757"/>
+                  </a:lnTo>
+                  <a:lnTo>
+                    <a:pt x="2494116" y="897614"/>
+                  </a:lnTo>
+                  <a:lnTo>
+                    <a:pt x="2565376" y="897614"/>
+                  </a:lnTo>
+                  <a:lnTo>
+                    <a:pt x="2565376" y="928566"/>
+                  </a:lnTo>
+                  <a:lnTo>
+                    <a:pt x="2636637" y="928566"/>
+                  </a:lnTo>
+                  <a:lnTo>
+                    <a:pt x="2636637" y="1021422"/>
+                  </a:lnTo>
+                  <a:lnTo>
+                    <a:pt x="2707897" y="1021422"/>
+                  </a:lnTo>
+                  <a:lnTo>
+                    <a:pt x="2707897" y="1052375"/>
+                  </a:lnTo>
+                  <a:lnTo>
+                    <a:pt x="3420502" y="1052375"/>
+                  </a:lnTo>
+                  <a:lnTo>
+                    <a:pt x="3420502" y="1083327"/>
+                  </a:lnTo>
+                  <a:lnTo>
+                    <a:pt x="3848065" y="1083327"/>
+                  </a:lnTo>
+                  <a:lnTo>
+                    <a:pt x="3848065" y="1083327"/>
+                  </a:lnTo>
+                </a:path>
+              </a:pathLst>
+            </a:custGeom>
+            <a:ln w="27101" cap="flat">
+              <a:solidFill>
+                <a:srgbClr val="00C08B">
+                  <a:alpha val="100000"/>
+                </a:srgbClr>
+              </a:solidFill>
+              <a:prstDash val="solid"/>
+              <a:round/>
+            </a:ln>
+          </p:spPr>
+          <p:txBody>
+            <a:bodyPr/>
+            <a:lstStyle/>
+            <a:p/>
+          </p:txBody>
+        </p:sp>
+        <p:sp>
+          <p:nvSpPr>
+            <p:cNvPr id="53" name="pl52"/>
+            <p:cNvSpPr/>
+            <p:nvPr/>
+          </p:nvSpPr>
+          <p:spPr>
+            <a:xfrm>
+              <a:off x="1496652" y="1076845"/>
+              <a:ext cx="3848065" cy="835709"/>
+            </a:xfrm>
+            <a:custGeom>
+              <a:avLst/>
+              <a:pathLst>
+                <a:path w="3848065" h="835709">
+                  <a:moveTo>
+                    <a:pt x="0" y="0"/>
+                  </a:moveTo>
+                  <a:lnTo>
+                    <a:pt x="1425209" y="0"/>
+                  </a:lnTo>
+                  <a:lnTo>
+                    <a:pt x="1425209" y="30952"/>
+                  </a:lnTo>
+                  <a:lnTo>
+                    <a:pt x="1852772" y="30952"/>
+                  </a:lnTo>
+                  <a:lnTo>
+                    <a:pt x="1852772" y="61904"/>
+                  </a:lnTo>
+                  <a:lnTo>
+                    <a:pt x="1995293" y="61904"/>
+                  </a:lnTo>
+                  <a:lnTo>
+                    <a:pt x="1995293" y="92856"/>
+                  </a:lnTo>
+                  <a:lnTo>
+                    <a:pt x="2066553" y="92856"/>
+                  </a:lnTo>
+                  <a:lnTo>
+                    <a:pt x="2066553" y="123808"/>
+                  </a:lnTo>
+                  <a:lnTo>
+                    <a:pt x="2137814" y="123808"/>
+                  </a:lnTo>
+                  <a:lnTo>
+                    <a:pt x="2137814" y="216665"/>
+                  </a:lnTo>
+                  <a:lnTo>
+                    <a:pt x="2209074" y="216665"/>
+                  </a:lnTo>
+                  <a:lnTo>
+                    <a:pt x="2209074" y="309522"/>
+                  </a:lnTo>
+                  <a:lnTo>
+                    <a:pt x="2280334" y="309522"/>
+                  </a:lnTo>
+                  <a:lnTo>
+                    <a:pt x="2280334" y="340474"/>
+                  </a:lnTo>
+                  <a:lnTo>
+                    <a:pt x="2351595" y="340474"/>
+                  </a:lnTo>
+                  <a:lnTo>
+                    <a:pt x="2351595" y="464283"/>
+                  </a:lnTo>
+                  <a:lnTo>
+                    <a:pt x="2422855" y="464283"/>
+                  </a:lnTo>
+                  <a:lnTo>
+                    <a:pt x="2422855" y="526187"/>
+                  </a:lnTo>
+                  <a:lnTo>
+                    <a:pt x="2494116" y="526187"/>
+                  </a:lnTo>
+                  <a:lnTo>
+                    <a:pt x="2494116" y="588091"/>
+                  </a:lnTo>
+                  <a:lnTo>
+                    <a:pt x="2565376" y="588091"/>
+                  </a:lnTo>
+                  <a:lnTo>
+                    <a:pt x="2565376" y="649996"/>
+                  </a:lnTo>
+                  <a:lnTo>
+                    <a:pt x="2636637" y="649996"/>
+                  </a:lnTo>
+                  <a:lnTo>
+                    <a:pt x="2636637" y="711900"/>
+                  </a:lnTo>
+                  <a:lnTo>
+                    <a:pt x="2779158" y="711900"/>
+                  </a:lnTo>
+                  <a:lnTo>
+                    <a:pt x="2779158" y="742853"/>
+                  </a:lnTo>
+                  <a:lnTo>
+                    <a:pt x="2921679" y="742853"/>
+                  </a:lnTo>
+                  <a:lnTo>
+                    <a:pt x="2921679" y="804757"/>
+                  </a:lnTo>
+                  <a:lnTo>
+                    <a:pt x="3135460" y="804757"/>
+                  </a:lnTo>
+                  <a:lnTo>
+                    <a:pt x="3135460" y="835709"/>
+                  </a:lnTo>
+                  <a:lnTo>
+                    <a:pt x="3848065" y="835709"/>
+                  </a:lnTo>
+                  <a:lnTo>
+                    <a:pt x="3848065" y="835709"/>
+                  </a:lnTo>
+                </a:path>
+              </a:pathLst>
+            </a:custGeom>
+            <a:ln w="27101" cap="flat">
+              <a:solidFill>
+                <a:srgbClr val="00BFC4">
+                  <a:alpha val="100000"/>
+                </a:srgbClr>
+              </a:solidFill>
+              <a:prstDash val="solid"/>
+              <a:round/>
+            </a:ln>
+          </p:spPr>
+          <p:txBody>
+            <a:bodyPr/>
+            <a:lstStyle/>
+            <a:p/>
+          </p:txBody>
+        </p:sp>
+        <p:sp>
+          <p:nvSpPr>
+            <p:cNvPr id="54" name="pl53"/>
+            <p:cNvSpPr/>
+            <p:nvPr/>
+          </p:nvSpPr>
+          <p:spPr>
+            <a:xfrm>
+              <a:off x="1496652" y="1076845"/>
+              <a:ext cx="3848065" cy="928566"/>
+            </a:xfrm>
+            <a:custGeom>
+              <a:avLst/>
+              <a:pathLst>
+                <a:path w="3848065" h="928566">
+                  <a:moveTo>
+                    <a:pt x="0" y="0"/>
+                  </a:moveTo>
+                  <a:lnTo>
+                    <a:pt x="1924032" y="0"/>
+                  </a:lnTo>
+                  <a:lnTo>
+                    <a:pt x="1924032" y="30952"/>
+                  </a:lnTo>
+                  <a:lnTo>
+                    <a:pt x="1995293" y="30952"/>
+                  </a:lnTo>
+                  <a:lnTo>
+                    <a:pt x="1995293" y="61904"/>
+                  </a:lnTo>
+                  <a:lnTo>
+                    <a:pt x="2066553" y="61904"/>
+                  </a:lnTo>
+                  <a:lnTo>
+                    <a:pt x="2066553" y="92856"/>
+                  </a:lnTo>
+                  <a:lnTo>
+                    <a:pt x="2137814" y="92856"/>
+                  </a:lnTo>
+                  <a:lnTo>
+                    <a:pt x="2137814" y="123808"/>
+                  </a:lnTo>
+                  <a:lnTo>
+                    <a:pt x="2209074" y="123808"/>
+                  </a:lnTo>
+                  <a:lnTo>
+                    <a:pt x="2209074" y="154761"/>
+                  </a:lnTo>
+                  <a:lnTo>
+                    <a:pt x="2351595" y="154761"/>
+                  </a:lnTo>
+                  <a:lnTo>
+                    <a:pt x="2351595" y="216665"/>
+                  </a:lnTo>
+                  <a:lnTo>
+                    <a:pt x="2422855" y="216665"/>
+                  </a:lnTo>
+                  <a:lnTo>
+                    <a:pt x="2422855" y="247617"/>
+                  </a:lnTo>
+                  <a:lnTo>
+                    <a:pt x="2494116" y="247617"/>
+                  </a:lnTo>
+                  <a:lnTo>
+                    <a:pt x="2494116" y="402378"/>
+                  </a:lnTo>
+                  <a:lnTo>
+                    <a:pt x="2565376" y="402378"/>
+                  </a:lnTo>
+                  <a:lnTo>
+                    <a:pt x="2565376" y="464283"/>
+                  </a:lnTo>
+                  <a:lnTo>
+                    <a:pt x="2636637" y="464283"/>
+                  </a:lnTo>
+                  <a:lnTo>
+                    <a:pt x="2636637" y="526187"/>
+                  </a:lnTo>
+                  <a:lnTo>
+                    <a:pt x="2707897" y="526187"/>
+                  </a:lnTo>
+                  <a:lnTo>
+                    <a:pt x="2707897" y="619044"/>
+                  </a:lnTo>
+                  <a:lnTo>
+                    <a:pt x="2779158" y="619044"/>
+                  </a:lnTo>
+                  <a:lnTo>
+                    <a:pt x="2779158" y="649996"/>
+                  </a:lnTo>
+                  <a:lnTo>
+                    <a:pt x="2850418" y="649996"/>
+                  </a:lnTo>
+                  <a:lnTo>
+                    <a:pt x="2850418" y="680948"/>
+                  </a:lnTo>
+                  <a:lnTo>
+                    <a:pt x="2921679" y="680948"/>
+                  </a:lnTo>
+                  <a:lnTo>
+                    <a:pt x="2921679" y="711900"/>
+                  </a:lnTo>
+                  <a:lnTo>
+                    <a:pt x="3064200" y="711900"/>
+                  </a:lnTo>
+                  <a:lnTo>
+                    <a:pt x="3064200" y="742853"/>
+                  </a:lnTo>
+                  <a:lnTo>
+                    <a:pt x="3206721" y="742853"/>
+                  </a:lnTo>
+                  <a:lnTo>
+                    <a:pt x="3206721" y="835709"/>
+                  </a:lnTo>
+                  <a:lnTo>
+                    <a:pt x="3420502" y="835709"/>
+                  </a:lnTo>
+                  <a:lnTo>
+                    <a:pt x="3420502" y="866661"/>
+                  </a:lnTo>
+                  <a:lnTo>
+                    <a:pt x="3491762" y="866661"/>
+                  </a:lnTo>
+                  <a:lnTo>
+                    <a:pt x="3491762" y="928566"/>
+                  </a:lnTo>
+                  <a:lnTo>
+                    <a:pt x="3848065" y="928566"/>
+                  </a:lnTo>
+                  <a:lnTo>
+                    <a:pt x="3848065" y="928566"/>
+                  </a:lnTo>
+                </a:path>
+              </a:pathLst>
+            </a:custGeom>
+            <a:ln w="27101" cap="flat">
+              <a:solidFill>
+                <a:srgbClr val="00B4F0">
+                  <a:alpha val="100000"/>
+                </a:srgbClr>
+              </a:solidFill>
+              <a:prstDash val="solid"/>
+              <a:round/>
+            </a:ln>
+          </p:spPr>
+          <p:txBody>
+            <a:bodyPr/>
+            <a:lstStyle/>
+            <a:p/>
+          </p:txBody>
+        </p:sp>
+        <p:sp>
+          <p:nvSpPr>
+            <p:cNvPr id="55" name="pl54"/>
+            <p:cNvSpPr/>
+            <p:nvPr/>
+          </p:nvSpPr>
+          <p:spPr>
+            <a:xfrm>
+              <a:off x="1496652" y="1076845"/>
+              <a:ext cx="3848065" cy="959518"/>
+            </a:xfrm>
+            <a:custGeom>
+              <a:avLst/>
+              <a:pathLst>
+                <a:path w="3848065" h="959518">
+                  <a:moveTo>
+                    <a:pt x="0" y="0"/>
+                  </a:moveTo>
+                  <a:lnTo>
+                    <a:pt x="1567730" y="0"/>
+                  </a:lnTo>
+                  <a:lnTo>
+                    <a:pt x="1567730" y="30952"/>
+                  </a:lnTo>
+                  <a:lnTo>
+                    <a:pt x="1710251" y="30952"/>
+                  </a:lnTo>
+                  <a:lnTo>
+                    <a:pt x="1710251" y="61904"/>
+                  </a:lnTo>
+                  <a:lnTo>
+                    <a:pt x="1852772" y="61904"/>
+                  </a:lnTo>
+                  <a:lnTo>
+                    <a:pt x="1852772" y="92856"/>
+                  </a:lnTo>
+                  <a:lnTo>
+                    <a:pt x="1924032" y="92856"/>
+                  </a:lnTo>
+                  <a:lnTo>
+                    <a:pt x="1924032" y="154761"/>
+                  </a:lnTo>
+                  <a:lnTo>
+                    <a:pt x="1995293" y="154761"/>
+                  </a:lnTo>
+                  <a:lnTo>
+                    <a:pt x="1995293" y="185713"/>
+                  </a:lnTo>
+                  <a:lnTo>
+                    <a:pt x="2137814" y="185713"/>
+                  </a:lnTo>
+                  <a:lnTo>
+                    <a:pt x="2137814" y="216665"/>
+                  </a:lnTo>
+                  <a:lnTo>
+                    <a:pt x="2209074" y="216665"/>
+                  </a:lnTo>
+                  <a:lnTo>
+                    <a:pt x="2209074" y="309522"/>
+                  </a:lnTo>
+                  <a:lnTo>
+                    <a:pt x="2280334" y="309522"/>
+                  </a:lnTo>
+                  <a:lnTo>
+                    <a:pt x="2280334" y="340474"/>
+                  </a:lnTo>
+                  <a:lnTo>
+                    <a:pt x="2351595" y="340474"/>
+                  </a:lnTo>
+                  <a:lnTo>
+                    <a:pt x="2351595" y="495235"/>
+                  </a:lnTo>
+                  <a:lnTo>
+                    <a:pt x="2422855" y="495235"/>
+                  </a:lnTo>
+                  <a:lnTo>
+                    <a:pt x="2422855" y="649996"/>
+                  </a:lnTo>
+                  <a:lnTo>
+                    <a:pt x="2494116" y="649996"/>
+                  </a:lnTo>
+                  <a:lnTo>
+                    <a:pt x="2494116" y="742853"/>
+                  </a:lnTo>
+                  <a:lnTo>
+                    <a:pt x="2565376" y="742853"/>
+                  </a:lnTo>
+                  <a:lnTo>
+                    <a:pt x="2565376" y="804757"/>
+                  </a:lnTo>
+                  <a:lnTo>
+                    <a:pt x="2636637" y="804757"/>
+                  </a:lnTo>
+                  <a:lnTo>
+                    <a:pt x="2636637" y="866661"/>
+                  </a:lnTo>
+                  <a:lnTo>
+                    <a:pt x="2707897" y="866661"/>
+                  </a:lnTo>
+                  <a:lnTo>
+                    <a:pt x="2707897" y="897614"/>
+                  </a:lnTo>
+                  <a:lnTo>
+                    <a:pt x="2779158" y="897614"/>
+                  </a:lnTo>
+                  <a:lnTo>
+                    <a:pt x="2779158" y="928566"/>
+                  </a:lnTo>
+                  <a:lnTo>
+                    <a:pt x="3634283" y="928566"/>
+                  </a:lnTo>
+                  <a:lnTo>
+                    <a:pt x="3634283" y="959518"/>
+                  </a:lnTo>
+                  <a:lnTo>
+                    <a:pt x="3848065" y="959518"/>
+                  </a:lnTo>
+                  <a:lnTo>
+                    <a:pt x="3848065" y="959518"/>
+                  </a:lnTo>
+                </a:path>
+              </a:pathLst>
+            </a:custGeom>
+            <a:ln w="27101" cap="flat">
+              <a:solidFill>
+                <a:srgbClr val="619CFF">
+                  <a:alpha val="100000"/>
+                </a:srgbClr>
+              </a:solidFill>
+              <a:prstDash val="solid"/>
+              <a:round/>
+            </a:ln>
+          </p:spPr>
+          <p:txBody>
+            <a:bodyPr/>
+            <a:lstStyle/>
+            <a:p/>
+          </p:txBody>
+        </p:sp>
+        <p:sp>
+          <p:nvSpPr>
+            <p:cNvPr id="56" name="pl55"/>
+            <p:cNvSpPr/>
+            <p:nvPr/>
+          </p:nvSpPr>
+          <p:spPr>
+            <a:xfrm>
+              <a:off x="1496652" y="1076845"/>
+              <a:ext cx="3848065" cy="1083327"/>
+            </a:xfrm>
+            <a:custGeom>
+              <a:avLst/>
+              <a:pathLst>
+                <a:path w="3848065" h="1083327">
+                  <a:moveTo>
+                    <a:pt x="0" y="0"/>
+                  </a:moveTo>
+                  <a:lnTo>
+                    <a:pt x="1924032" y="0"/>
+                  </a:lnTo>
+                  <a:lnTo>
+                    <a:pt x="1924032" y="30952"/>
+                  </a:lnTo>
+                  <a:lnTo>
+                    <a:pt x="2066553" y="30952"/>
+                  </a:lnTo>
+                  <a:lnTo>
+                    <a:pt x="2066553" y="92856"/>
+                  </a:lnTo>
+                  <a:lnTo>
+                    <a:pt x="2137814" y="92856"/>
+                  </a:lnTo>
+                  <a:lnTo>
+                    <a:pt x="2137814" y="247617"/>
+                  </a:lnTo>
+                  <a:lnTo>
+                    <a:pt x="2209074" y="247617"/>
+                  </a:lnTo>
+                  <a:lnTo>
+                    <a:pt x="2209074" y="402378"/>
+                  </a:lnTo>
+                  <a:lnTo>
+                    <a:pt x="2280334" y="402378"/>
+                  </a:lnTo>
+                  <a:lnTo>
+                    <a:pt x="2280334" y="526187"/>
+                  </a:lnTo>
+                  <a:lnTo>
+                    <a:pt x="2351595" y="526187"/>
+                  </a:lnTo>
+                  <a:lnTo>
+                    <a:pt x="2351595" y="557139"/>
+                  </a:lnTo>
+                  <a:lnTo>
+                    <a:pt x="2494116" y="557139"/>
+                  </a:lnTo>
+                  <a:lnTo>
+                    <a:pt x="2494116" y="649996"/>
+                  </a:lnTo>
+                  <a:lnTo>
+                    <a:pt x="2565376" y="649996"/>
+                  </a:lnTo>
+                  <a:lnTo>
+                    <a:pt x="2565376" y="773805"/>
+                  </a:lnTo>
+                  <a:lnTo>
+                    <a:pt x="2636637" y="773805"/>
+                  </a:lnTo>
+                  <a:lnTo>
+                    <a:pt x="2636637" y="804757"/>
+                  </a:lnTo>
+                  <a:lnTo>
+                    <a:pt x="2707897" y="804757"/>
+                  </a:lnTo>
+                  <a:lnTo>
+                    <a:pt x="2707897" y="897614"/>
+                  </a:lnTo>
+                  <a:lnTo>
+                    <a:pt x="2850418" y="897614"/>
+                  </a:lnTo>
+                  <a:lnTo>
+                    <a:pt x="2850418" y="928566"/>
+                  </a:lnTo>
+                  <a:lnTo>
+                    <a:pt x="3206721" y="928566"/>
+                  </a:lnTo>
+                  <a:lnTo>
+                    <a:pt x="3206721" y="990470"/>
+                  </a:lnTo>
+                  <a:lnTo>
+                    <a:pt x="3277981" y="990470"/>
+                  </a:lnTo>
+                  <a:lnTo>
+                    <a:pt x="3277981" y="1021422"/>
+                  </a:lnTo>
+                  <a:lnTo>
+                    <a:pt x="3349241" y="1021422"/>
+                  </a:lnTo>
+                  <a:lnTo>
+                    <a:pt x="3349241" y="1052375"/>
+                  </a:lnTo>
+                  <a:lnTo>
+                    <a:pt x="3420502" y="1052375"/>
+                  </a:lnTo>
+                  <a:lnTo>
+                    <a:pt x="3420502" y="1083327"/>
+                  </a:lnTo>
+                  <a:lnTo>
+                    <a:pt x="3848065" y="1083327"/>
+                  </a:lnTo>
+                  <a:lnTo>
+                    <a:pt x="3848065" y="1083327"/>
+                  </a:lnTo>
+                </a:path>
+              </a:pathLst>
+            </a:custGeom>
+            <a:ln w="27101" cap="flat">
+              <a:solidFill>
+                <a:srgbClr val="C77CFF">
+                  <a:alpha val="100000"/>
+                </a:srgbClr>
+              </a:solidFill>
+              <a:prstDash val="solid"/>
+              <a:round/>
+            </a:ln>
+          </p:spPr>
+          <p:txBody>
+            <a:bodyPr/>
+            <a:lstStyle/>
+            <a:p/>
+          </p:txBody>
+        </p:sp>
+        <p:sp>
+          <p:nvSpPr>
+            <p:cNvPr id="57" name="pl56"/>
+            <p:cNvSpPr/>
+            <p:nvPr/>
+          </p:nvSpPr>
+          <p:spPr>
+            <a:xfrm>
+              <a:off x="1496652" y="1076845"/>
+              <a:ext cx="3848065" cy="835709"/>
+            </a:xfrm>
+            <a:custGeom>
+              <a:avLst/>
+              <a:pathLst>
+                <a:path w="3848065" h="835709">
+                  <a:moveTo>
+                    <a:pt x="0" y="0"/>
+                  </a:moveTo>
+                  <a:lnTo>
+                    <a:pt x="1852772" y="0"/>
+                  </a:lnTo>
+                  <a:lnTo>
+                    <a:pt x="1852772" y="61904"/>
+                  </a:lnTo>
+                  <a:lnTo>
+                    <a:pt x="1924032" y="61904"/>
+                  </a:lnTo>
+                  <a:lnTo>
+                    <a:pt x="1924032" y="92856"/>
+                  </a:lnTo>
+                  <a:lnTo>
+                    <a:pt x="2066553" y="92856"/>
+                  </a:lnTo>
+                  <a:lnTo>
+                    <a:pt x="2066553" y="247617"/>
+                  </a:lnTo>
+                  <a:lnTo>
+                    <a:pt x="2137814" y="247617"/>
+                  </a:lnTo>
+                  <a:lnTo>
+                    <a:pt x="2137814" y="278569"/>
+                  </a:lnTo>
+                  <a:lnTo>
+                    <a:pt x="2351595" y="278569"/>
+                  </a:lnTo>
+                  <a:lnTo>
+                    <a:pt x="2351595" y="309522"/>
+                  </a:lnTo>
+                  <a:lnTo>
+                    <a:pt x="2422855" y="309522"/>
+                  </a:lnTo>
+                  <a:lnTo>
+                    <a:pt x="2422855" y="433330"/>
+                  </a:lnTo>
+                  <a:lnTo>
+                    <a:pt x="2494116" y="433330"/>
+                  </a:lnTo>
+                  <a:lnTo>
+                    <a:pt x="2494116" y="588091"/>
+                  </a:lnTo>
+                  <a:lnTo>
+                    <a:pt x="2565376" y="588091"/>
+                  </a:lnTo>
+                  <a:lnTo>
+                    <a:pt x="2565376" y="649996"/>
+                  </a:lnTo>
+                  <a:lnTo>
+                    <a:pt x="2636637" y="649996"/>
+                  </a:lnTo>
+                  <a:lnTo>
+                    <a:pt x="2636637" y="711900"/>
+                  </a:lnTo>
+                  <a:lnTo>
+                    <a:pt x="2707897" y="711900"/>
+                  </a:lnTo>
+                  <a:lnTo>
+                    <a:pt x="2707897" y="742853"/>
+                  </a:lnTo>
+                  <a:lnTo>
+                    <a:pt x="2779158" y="742853"/>
+                  </a:lnTo>
+                  <a:lnTo>
+                    <a:pt x="2779158" y="773805"/>
+                  </a:lnTo>
+                  <a:lnTo>
+                    <a:pt x="3349241" y="773805"/>
+                  </a:lnTo>
+                  <a:lnTo>
+                    <a:pt x="3349241" y="804757"/>
+                  </a:lnTo>
+                  <a:lnTo>
+                    <a:pt x="3634283" y="804757"/>
+                  </a:lnTo>
+                  <a:lnTo>
+                    <a:pt x="3634283" y="835709"/>
+                  </a:lnTo>
+                  <a:lnTo>
+                    <a:pt x="3848065" y="835709"/>
+                  </a:lnTo>
+                  <a:lnTo>
+                    <a:pt x="3848065" y="835709"/>
+                  </a:lnTo>
+                </a:path>
+              </a:pathLst>
+            </a:custGeom>
+            <a:ln w="27101" cap="flat">
+              <a:solidFill>
+                <a:srgbClr val="F564E3">
+                  <a:alpha val="100000"/>
+                </a:srgbClr>
+              </a:solidFill>
+              <a:prstDash val="solid"/>
+              <a:round/>
+            </a:ln>
+          </p:spPr>
+          <p:txBody>
+            <a:bodyPr/>
+            <a:lstStyle/>
+            <a:p/>
+          </p:txBody>
+        </p:sp>
+        <p:sp>
+          <p:nvSpPr>
+            <p:cNvPr id="58" name="pl57"/>
+            <p:cNvSpPr/>
+            <p:nvPr/>
+          </p:nvSpPr>
+          <p:spPr>
+            <a:xfrm>
+              <a:off x="1496652" y="1076845"/>
+              <a:ext cx="3848065" cy="1052375"/>
+            </a:xfrm>
+            <a:custGeom>
+              <a:avLst/>
+              <a:pathLst>
+                <a:path w="3848065" h="1052375">
+                  <a:moveTo>
+                    <a:pt x="0" y="0"/>
+                  </a:moveTo>
+                  <a:lnTo>
+                    <a:pt x="1353948" y="0"/>
+                  </a:lnTo>
+                  <a:lnTo>
+                    <a:pt x="1353948" y="30952"/>
+                  </a:lnTo>
+                  <a:lnTo>
+                    <a:pt x="1496469" y="30952"/>
+                  </a:lnTo>
+                  <a:lnTo>
+                    <a:pt x="1496469" y="61904"/>
+                  </a:lnTo>
+                  <a:lnTo>
+                    <a:pt x="1567730" y="61904"/>
+                  </a:lnTo>
+                  <a:lnTo>
+                    <a:pt x="1567730" y="92856"/>
+                  </a:lnTo>
+                  <a:lnTo>
+                    <a:pt x="1781511" y="92856"/>
+                  </a:lnTo>
+                  <a:lnTo>
+                    <a:pt x="1781511" y="123808"/>
+                  </a:lnTo>
+                  <a:lnTo>
+                    <a:pt x="1995293" y="123808"/>
+                  </a:lnTo>
+                  <a:lnTo>
+                    <a:pt x="1995293" y="154761"/>
+                  </a:lnTo>
+                  <a:lnTo>
+                    <a:pt x="2137814" y="154761"/>
+                  </a:lnTo>
+                  <a:lnTo>
+                    <a:pt x="2137814" y="185713"/>
+                  </a:lnTo>
+                  <a:lnTo>
+                    <a:pt x="2209074" y="185713"/>
+                  </a:lnTo>
+                  <a:lnTo>
+                    <a:pt x="2209074" y="340474"/>
+                  </a:lnTo>
+                  <a:lnTo>
+                    <a:pt x="2351595" y="340474"/>
+                  </a:lnTo>
+                  <a:lnTo>
+                    <a:pt x="2351595" y="371426"/>
+                  </a:lnTo>
+                  <a:lnTo>
+                    <a:pt x="2422855" y="371426"/>
+                  </a:lnTo>
+                  <a:lnTo>
+                    <a:pt x="2422855" y="464283"/>
+                  </a:lnTo>
+                  <a:lnTo>
+                    <a:pt x="2494116" y="464283"/>
+                  </a:lnTo>
+                  <a:lnTo>
+                    <a:pt x="2494116" y="619044"/>
+                  </a:lnTo>
+                  <a:lnTo>
+                    <a:pt x="2565376" y="619044"/>
+                  </a:lnTo>
+                  <a:lnTo>
+                    <a:pt x="2565376" y="680948"/>
+                  </a:lnTo>
+                  <a:lnTo>
+                    <a:pt x="2636637" y="680948"/>
+                  </a:lnTo>
+                  <a:lnTo>
+                    <a:pt x="2636637" y="711900"/>
+                  </a:lnTo>
+                  <a:lnTo>
+                    <a:pt x="2707897" y="711900"/>
+                  </a:lnTo>
+                  <a:lnTo>
+                    <a:pt x="2707897" y="804757"/>
+                  </a:lnTo>
+                  <a:lnTo>
+                    <a:pt x="2779158" y="804757"/>
+                  </a:lnTo>
+                  <a:lnTo>
+                    <a:pt x="2779158" y="928566"/>
+                  </a:lnTo>
+                  <a:lnTo>
+                    <a:pt x="2850418" y="928566"/>
+                  </a:lnTo>
+                  <a:lnTo>
+                    <a:pt x="2850418" y="959518"/>
+                  </a:lnTo>
+                  <a:lnTo>
+                    <a:pt x="2992939" y="959518"/>
+                  </a:lnTo>
+                  <a:lnTo>
+                    <a:pt x="2992939" y="990470"/>
+                  </a:lnTo>
+                  <a:lnTo>
+                    <a:pt x="3420502" y="990470"/>
+                  </a:lnTo>
+                  <a:lnTo>
+                    <a:pt x="3420502" y="1021422"/>
+                  </a:lnTo>
+                  <a:lnTo>
+                    <a:pt x="3848065" y="1021422"/>
+                  </a:lnTo>
+                  <a:lnTo>
+                    <a:pt x="3848065" y="1052375"/>
+                  </a:lnTo>
+                </a:path>
+              </a:pathLst>
+            </a:custGeom>
+            <a:ln w="27101" cap="flat">
+              <a:solidFill>
+                <a:srgbClr val="FF64B0">
+                  <a:alpha val="100000"/>
+                </a:srgbClr>
+              </a:solidFill>
+              <a:prstDash val="solid"/>
+              <a:round/>
+            </a:ln>
+          </p:spPr>
+          <p:txBody>
+            <a:bodyPr/>
+            <a:lstStyle/>
+            <a:p/>
+          </p:txBody>
+        </p:sp>
+        <p:sp>
+          <p:nvSpPr>
+            <p:cNvPr id="59" name="tx58"/>
+            <p:cNvSpPr/>
+            <p:nvPr/>
+          </p:nvSpPr>
+          <p:spPr>
+            <a:xfrm>
+              <a:off x="5293734" y="2139071"/>
               <a:ext cx="101968" cy="82614"/>
             </a:xfrm>
             <a:prstGeom prst="rect">
@@ -4275,7 +5847,513 @@
         </p:sp>
         <p:sp>
           <p:nvSpPr>
-            <p:cNvPr id="51" name="tx50"/>
+            <p:cNvPr id="60" name="tx59"/>
+            <p:cNvSpPr/>
+            <p:nvPr/>
+          </p:nvSpPr>
+          <p:spPr>
+            <a:xfrm>
+              <a:off x="5293734" y="2262880"/>
+              <a:ext cx="101968" cy="82614"/>
+            </a:xfrm>
+            <a:prstGeom prst="rect">
+              <a:avLst/>
+            </a:prstGeom>
+            <a:noFill/>
+          </p:spPr>
+          <p:txBody>
+            <a:bodyPr lIns="0" rIns="0" tIns="0" bIns="0" anchorCtr="1" anchor="ctr" wrap="none"/>
+            <a:lstStyle/>
+            <a:p>
+              <a:pPr algn="l" marL="0" marR="0" indent="0">
+                <a:lnSpc>
+                  <a:spcPts val="1374"/>
+                </a:lnSpc>
+                <a:spcBef>
+                  <a:spcPts val="0"/>
+                </a:spcBef>
+                <a:spcAft>
+                  <a:spcPts val="0"/>
+                </a:spcAft>
+              </a:pPr>
+              <a:r>
+                <a:rPr sz="1374">
+                  <a:solidFill>
+                    <a:srgbClr val="DE8C00">
+                      <a:alpha val="100000"/>
+                    </a:srgbClr>
+                  </a:solidFill>
+                  <a:latin typeface="Arial"/>
+                  <a:cs typeface="Arial"/>
+                </a:rPr>
+                <a:t>+</a:t>
+              </a:r>
+            </a:p>
+          </p:txBody>
+        </p:sp>
+        <p:sp>
+          <p:nvSpPr>
+            <p:cNvPr id="61" name="tx60"/>
+            <p:cNvSpPr/>
+            <p:nvPr/>
+          </p:nvSpPr>
+          <p:spPr>
+            <a:xfrm>
+              <a:off x="5293734" y="2077167"/>
+              <a:ext cx="101968" cy="82614"/>
+            </a:xfrm>
+            <a:prstGeom prst="rect">
+              <a:avLst/>
+            </a:prstGeom>
+            <a:noFill/>
+          </p:spPr>
+          <p:txBody>
+            <a:bodyPr lIns="0" rIns="0" tIns="0" bIns="0" anchorCtr="1" anchor="ctr" wrap="none"/>
+            <a:lstStyle/>
+            <a:p>
+              <a:pPr algn="l" marL="0" marR="0" indent="0">
+                <a:lnSpc>
+                  <a:spcPts val="1374"/>
+                </a:lnSpc>
+                <a:spcBef>
+                  <a:spcPts val="0"/>
+                </a:spcBef>
+                <a:spcAft>
+                  <a:spcPts val="0"/>
+                </a:spcAft>
+              </a:pPr>
+              <a:r>
+                <a:rPr sz="1374">
+                  <a:solidFill>
+                    <a:srgbClr val="B79F00">
+                      <a:alpha val="100000"/>
+                    </a:srgbClr>
+                  </a:solidFill>
+                  <a:latin typeface="Arial"/>
+                  <a:cs typeface="Arial"/>
+                </a:rPr>
+                <a:t>+</a:t>
+              </a:r>
+            </a:p>
+          </p:txBody>
+        </p:sp>
+        <p:sp>
+          <p:nvSpPr>
+            <p:cNvPr id="62" name="tx61"/>
+            <p:cNvSpPr/>
+            <p:nvPr/>
+          </p:nvSpPr>
+          <p:spPr>
+            <a:xfrm>
+              <a:off x="5293734" y="2200976"/>
+              <a:ext cx="101968" cy="82614"/>
+            </a:xfrm>
+            <a:prstGeom prst="rect">
+              <a:avLst/>
+            </a:prstGeom>
+            <a:noFill/>
+          </p:spPr>
+          <p:txBody>
+            <a:bodyPr lIns="0" rIns="0" tIns="0" bIns="0" anchorCtr="1" anchor="ctr" wrap="none"/>
+            <a:lstStyle/>
+            <a:p>
+              <a:pPr algn="l" marL="0" marR="0" indent="0">
+                <a:lnSpc>
+                  <a:spcPts val="1374"/>
+                </a:lnSpc>
+                <a:spcBef>
+                  <a:spcPts val="0"/>
+                </a:spcBef>
+                <a:spcAft>
+                  <a:spcPts val="0"/>
+                </a:spcAft>
+              </a:pPr>
+              <a:r>
+                <a:rPr sz="1374">
+                  <a:solidFill>
+                    <a:srgbClr val="7CAE00">
+                      <a:alpha val="100000"/>
+                    </a:srgbClr>
+                  </a:solidFill>
+                  <a:latin typeface="Arial"/>
+                  <a:cs typeface="Arial"/>
+                </a:rPr>
+                <a:t>+</a:t>
+              </a:r>
+            </a:p>
+          </p:txBody>
+        </p:sp>
+        <p:sp>
+          <p:nvSpPr>
+            <p:cNvPr id="63" name="tx62"/>
+            <p:cNvSpPr/>
+            <p:nvPr/>
+          </p:nvSpPr>
+          <p:spPr>
+            <a:xfrm>
+              <a:off x="5293734" y="2170023"/>
+              <a:ext cx="101968" cy="82614"/>
+            </a:xfrm>
+            <a:prstGeom prst="rect">
+              <a:avLst/>
+            </a:prstGeom>
+            <a:noFill/>
+          </p:spPr>
+          <p:txBody>
+            <a:bodyPr lIns="0" rIns="0" tIns="0" bIns="0" anchorCtr="1" anchor="ctr" wrap="none"/>
+            <a:lstStyle/>
+            <a:p>
+              <a:pPr algn="l" marL="0" marR="0" indent="0">
+                <a:lnSpc>
+                  <a:spcPts val="1374"/>
+                </a:lnSpc>
+                <a:spcBef>
+                  <a:spcPts val="0"/>
+                </a:spcBef>
+                <a:spcAft>
+                  <a:spcPts val="0"/>
+                </a:spcAft>
+              </a:pPr>
+              <a:r>
+                <a:rPr sz="1374">
+                  <a:solidFill>
+                    <a:srgbClr val="00BA38">
+                      <a:alpha val="100000"/>
+                    </a:srgbClr>
+                  </a:solidFill>
+                  <a:latin typeface="Arial"/>
+                  <a:cs typeface="Arial"/>
+                </a:rPr>
+                <a:t>+</a:t>
+              </a:r>
+            </a:p>
+          </p:txBody>
+        </p:sp>
+        <p:sp>
+          <p:nvSpPr>
+            <p:cNvPr id="64" name="tx63"/>
+            <p:cNvSpPr/>
+            <p:nvPr/>
+          </p:nvSpPr>
+          <p:spPr>
+            <a:xfrm>
+              <a:off x="5293734" y="2139071"/>
+              <a:ext cx="101968" cy="82614"/>
+            </a:xfrm>
+            <a:prstGeom prst="rect">
+              <a:avLst/>
+            </a:prstGeom>
+            <a:noFill/>
+          </p:spPr>
+          <p:txBody>
+            <a:bodyPr lIns="0" rIns="0" tIns="0" bIns="0" anchorCtr="1" anchor="ctr" wrap="none"/>
+            <a:lstStyle/>
+            <a:p>
+              <a:pPr algn="l" marL="0" marR="0" indent="0">
+                <a:lnSpc>
+                  <a:spcPts val="1374"/>
+                </a:lnSpc>
+                <a:spcBef>
+                  <a:spcPts val="0"/>
+                </a:spcBef>
+                <a:spcAft>
+                  <a:spcPts val="0"/>
+                </a:spcAft>
+              </a:pPr>
+              <a:r>
+                <a:rPr sz="1374">
+                  <a:solidFill>
+                    <a:srgbClr val="00C08B">
+                      <a:alpha val="100000"/>
+                    </a:srgbClr>
+                  </a:solidFill>
+                  <a:latin typeface="Arial"/>
+                  <a:cs typeface="Arial"/>
+                </a:rPr>
+                <a:t>+</a:t>
+              </a:r>
+            </a:p>
+          </p:txBody>
+        </p:sp>
+        <p:sp>
+          <p:nvSpPr>
+            <p:cNvPr id="65" name="tx64"/>
+            <p:cNvSpPr/>
+            <p:nvPr/>
+          </p:nvSpPr>
+          <p:spPr>
+            <a:xfrm>
+              <a:off x="5293734" y="1891454"/>
+              <a:ext cx="101968" cy="82614"/>
+            </a:xfrm>
+            <a:prstGeom prst="rect">
+              <a:avLst/>
+            </a:prstGeom>
+            <a:noFill/>
+          </p:spPr>
+          <p:txBody>
+            <a:bodyPr lIns="0" rIns="0" tIns="0" bIns="0" anchorCtr="1" anchor="ctr" wrap="none"/>
+            <a:lstStyle/>
+            <a:p>
+              <a:pPr algn="l" marL="0" marR="0" indent="0">
+                <a:lnSpc>
+                  <a:spcPts val="1374"/>
+                </a:lnSpc>
+                <a:spcBef>
+                  <a:spcPts val="0"/>
+                </a:spcBef>
+                <a:spcAft>
+                  <a:spcPts val="0"/>
+                </a:spcAft>
+              </a:pPr>
+              <a:r>
+                <a:rPr sz="1374">
+                  <a:solidFill>
+                    <a:srgbClr val="00BFC4">
+                      <a:alpha val="100000"/>
+                    </a:srgbClr>
+                  </a:solidFill>
+                  <a:latin typeface="Arial"/>
+                  <a:cs typeface="Arial"/>
+                </a:rPr>
+                <a:t>+</a:t>
+              </a:r>
+            </a:p>
+          </p:txBody>
+        </p:sp>
+        <p:sp>
+          <p:nvSpPr>
+            <p:cNvPr id="66" name="tx65"/>
+            <p:cNvSpPr/>
+            <p:nvPr/>
+          </p:nvSpPr>
+          <p:spPr>
+            <a:xfrm>
+              <a:off x="5293734" y="1984310"/>
+              <a:ext cx="101968" cy="82614"/>
+            </a:xfrm>
+            <a:prstGeom prst="rect">
+              <a:avLst/>
+            </a:prstGeom>
+            <a:noFill/>
+          </p:spPr>
+          <p:txBody>
+            <a:bodyPr lIns="0" rIns="0" tIns="0" bIns="0" anchorCtr="1" anchor="ctr" wrap="none"/>
+            <a:lstStyle/>
+            <a:p>
+              <a:pPr algn="l" marL="0" marR="0" indent="0">
+                <a:lnSpc>
+                  <a:spcPts val="1374"/>
+                </a:lnSpc>
+                <a:spcBef>
+                  <a:spcPts val="0"/>
+                </a:spcBef>
+                <a:spcAft>
+                  <a:spcPts val="0"/>
+                </a:spcAft>
+              </a:pPr>
+              <a:r>
+                <a:rPr sz="1374">
+                  <a:solidFill>
+                    <a:srgbClr val="00B4F0">
+                      <a:alpha val="100000"/>
+                    </a:srgbClr>
+                  </a:solidFill>
+                  <a:latin typeface="Arial"/>
+                  <a:cs typeface="Arial"/>
+                </a:rPr>
+                <a:t>+</a:t>
+              </a:r>
+            </a:p>
+          </p:txBody>
+        </p:sp>
+        <p:sp>
+          <p:nvSpPr>
+            <p:cNvPr id="67" name="tx66"/>
+            <p:cNvSpPr/>
+            <p:nvPr/>
+          </p:nvSpPr>
+          <p:spPr>
+            <a:xfrm>
+              <a:off x="5293734" y="2015262"/>
+              <a:ext cx="101968" cy="82614"/>
+            </a:xfrm>
+            <a:prstGeom prst="rect">
+              <a:avLst/>
+            </a:prstGeom>
+            <a:noFill/>
+          </p:spPr>
+          <p:txBody>
+            <a:bodyPr lIns="0" rIns="0" tIns="0" bIns="0" anchorCtr="1" anchor="ctr" wrap="none"/>
+            <a:lstStyle/>
+            <a:p>
+              <a:pPr algn="l" marL="0" marR="0" indent="0">
+                <a:lnSpc>
+                  <a:spcPts val="1374"/>
+                </a:lnSpc>
+                <a:spcBef>
+                  <a:spcPts val="0"/>
+                </a:spcBef>
+                <a:spcAft>
+                  <a:spcPts val="0"/>
+                </a:spcAft>
+              </a:pPr>
+              <a:r>
+                <a:rPr sz="1374">
+                  <a:solidFill>
+                    <a:srgbClr val="619CFF">
+                      <a:alpha val="100000"/>
+                    </a:srgbClr>
+                  </a:solidFill>
+                  <a:latin typeface="Arial"/>
+                  <a:cs typeface="Arial"/>
+                </a:rPr>
+                <a:t>+</a:t>
+              </a:r>
+            </a:p>
+          </p:txBody>
+        </p:sp>
+        <p:sp>
+          <p:nvSpPr>
+            <p:cNvPr id="68" name="tx67"/>
+            <p:cNvSpPr/>
+            <p:nvPr/>
+          </p:nvSpPr>
+          <p:spPr>
+            <a:xfrm>
+              <a:off x="5293734" y="2139071"/>
+              <a:ext cx="101968" cy="82614"/>
+            </a:xfrm>
+            <a:prstGeom prst="rect">
+              <a:avLst/>
+            </a:prstGeom>
+            <a:noFill/>
+          </p:spPr>
+          <p:txBody>
+            <a:bodyPr lIns="0" rIns="0" tIns="0" bIns="0" anchorCtr="1" anchor="ctr" wrap="none"/>
+            <a:lstStyle/>
+            <a:p>
+              <a:pPr algn="l" marL="0" marR="0" indent="0">
+                <a:lnSpc>
+                  <a:spcPts val="1374"/>
+                </a:lnSpc>
+                <a:spcBef>
+                  <a:spcPts val="0"/>
+                </a:spcBef>
+                <a:spcAft>
+                  <a:spcPts val="0"/>
+                </a:spcAft>
+              </a:pPr>
+              <a:r>
+                <a:rPr sz="1374">
+                  <a:solidFill>
+                    <a:srgbClr val="C77CFF">
+                      <a:alpha val="100000"/>
+                    </a:srgbClr>
+                  </a:solidFill>
+                  <a:latin typeface="Arial"/>
+                  <a:cs typeface="Arial"/>
+                </a:rPr>
+                <a:t>+</a:t>
+              </a:r>
+            </a:p>
+          </p:txBody>
+        </p:sp>
+        <p:sp>
+          <p:nvSpPr>
+            <p:cNvPr id="69" name="tx68"/>
+            <p:cNvSpPr/>
+            <p:nvPr/>
+          </p:nvSpPr>
+          <p:spPr>
+            <a:xfrm>
+              <a:off x="5293734" y="1891454"/>
+              <a:ext cx="101968" cy="82614"/>
+            </a:xfrm>
+            <a:prstGeom prst="rect">
+              <a:avLst/>
+            </a:prstGeom>
+            <a:noFill/>
+          </p:spPr>
+          <p:txBody>
+            <a:bodyPr lIns="0" rIns="0" tIns="0" bIns="0" anchorCtr="1" anchor="ctr" wrap="none"/>
+            <a:lstStyle/>
+            <a:p>
+              <a:pPr algn="l" marL="0" marR="0" indent="0">
+                <a:lnSpc>
+                  <a:spcPts val="1374"/>
+                </a:lnSpc>
+                <a:spcBef>
+                  <a:spcPts val="0"/>
+                </a:spcBef>
+                <a:spcAft>
+                  <a:spcPts val="0"/>
+                </a:spcAft>
+              </a:pPr>
+              <a:r>
+                <a:rPr sz="1374">
+                  <a:solidFill>
+                    <a:srgbClr val="F564E3">
+                      <a:alpha val="100000"/>
+                    </a:srgbClr>
+                  </a:solidFill>
+                  <a:latin typeface="Arial"/>
+                  <a:cs typeface="Arial"/>
+                </a:rPr>
+                <a:t>+</a:t>
+              </a:r>
+            </a:p>
+          </p:txBody>
+        </p:sp>
+        <p:sp>
+          <p:nvSpPr>
+            <p:cNvPr id="70" name="tx69"/>
+            <p:cNvSpPr/>
+            <p:nvPr/>
+          </p:nvSpPr>
+          <p:spPr>
+            <a:xfrm>
+              <a:off x="5293734" y="2108119"/>
+              <a:ext cx="101968" cy="82614"/>
+            </a:xfrm>
+            <a:prstGeom prst="rect">
+              <a:avLst/>
+            </a:prstGeom>
+            <a:noFill/>
+          </p:spPr>
+          <p:txBody>
+            <a:bodyPr lIns="0" rIns="0" tIns="0" bIns="0" anchorCtr="1" anchor="ctr" wrap="none"/>
+            <a:lstStyle/>
+            <a:p>
+              <a:pPr algn="l" marL="0" marR="0" indent="0">
+                <a:lnSpc>
+                  <a:spcPts val="1374"/>
+                </a:lnSpc>
+                <a:spcBef>
+                  <a:spcPts val="0"/>
+                </a:spcBef>
+                <a:spcAft>
+                  <a:spcPts val="0"/>
+                </a:spcAft>
+              </a:pPr>
+              <a:r>
+                <a:rPr sz="1374">
+                  <a:solidFill>
+                    <a:srgbClr val="FF64B0">
+                      <a:alpha val="100000"/>
+                    </a:srgbClr>
+                  </a:solidFill>
+                  <a:latin typeface="Arial"/>
+                  <a:cs typeface="Arial"/>
+                </a:rPr>
+                <a:t>+</a:t>
+              </a:r>
+            </a:p>
+          </p:txBody>
+        </p:sp>
+        <p:sp>
+          <p:nvSpPr>
+            <p:cNvPr id="71" name="tx70"/>
             <p:cNvSpPr/>
             <p:nvPr/>
           </p:nvSpPr>
@@ -4321,7 +6399,7 @@
         </p:sp>
         <p:sp>
           <p:nvSpPr>
-            <p:cNvPr id="52" name="tx51"/>
+            <p:cNvPr id="72" name="tx71"/>
             <p:cNvSpPr/>
             <p:nvPr/>
           </p:nvSpPr>
@@ -4367,7 +6445,7 @@
         </p:sp>
         <p:sp>
           <p:nvSpPr>
-            <p:cNvPr id="53" name="tx52"/>
+            <p:cNvPr id="73" name="tx72"/>
             <p:cNvSpPr/>
             <p:nvPr/>
           </p:nvSpPr>
@@ -4413,7 +6491,7 @@
         </p:sp>
         <p:sp>
           <p:nvSpPr>
-            <p:cNvPr id="54" name="tx53"/>
+            <p:cNvPr id="74" name="tx73"/>
             <p:cNvSpPr/>
             <p:nvPr/>
           </p:nvSpPr>
@@ -4459,7 +6537,7 @@
         </p:sp>
         <p:sp>
           <p:nvSpPr>
-            <p:cNvPr id="55" name="tx54"/>
+            <p:cNvPr id="75" name="tx74"/>
             <p:cNvSpPr/>
             <p:nvPr/>
           </p:nvSpPr>
@@ -4505,7 +6583,7 @@
         </p:sp>
         <p:sp>
           <p:nvSpPr>
-            <p:cNvPr id="56" name="tx55"/>
+            <p:cNvPr id="76" name="tx75"/>
             <p:cNvSpPr/>
             <p:nvPr/>
           </p:nvSpPr>
@@ -4551,7 +6629,7 @@
         </p:sp>
         <p:sp>
           <p:nvSpPr>
-            <p:cNvPr id="57" name="tx56"/>
+            <p:cNvPr id="77" name="tx76"/>
             <p:cNvSpPr/>
             <p:nvPr/>
           </p:nvSpPr>
@@ -4597,7 +6675,7 @@
         </p:sp>
         <p:sp>
           <p:nvSpPr>
-            <p:cNvPr id="58" name="tx57"/>
+            <p:cNvPr id="78" name="tx77"/>
             <p:cNvSpPr/>
             <p:nvPr/>
           </p:nvSpPr>
@@ -4643,7 +6721,7 @@
         </p:sp>
         <p:sp>
           <p:nvSpPr>
-            <p:cNvPr id="59" name="tx58"/>
+            <p:cNvPr id="79" name="tx78"/>
             <p:cNvSpPr/>
             <p:nvPr/>
           </p:nvSpPr>
@@ -4689,7 +6767,7 @@
         </p:sp>
         <p:sp>
           <p:nvSpPr>
-            <p:cNvPr id="60" name="tx59"/>
+            <p:cNvPr id="80" name="tx79"/>
             <p:cNvSpPr/>
             <p:nvPr/>
           </p:nvSpPr>
@@ -4735,7 +6813,7 @@
         </p:sp>
         <p:sp>
           <p:nvSpPr>
-            <p:cNvPr id="61" name="tx60"/>
+            <p:cNvPr id="81" name="tx80"/>
             <p:cNvSpPr/>
             <p:nvPr/>
           </p:nvSpPr>
@@ -4781,7 +6859,7 @@
         </p:sp>
         <p:sp>
           <p:nvSpPr>
-            <p:cNvPr id="62" name="pl61"/>
+            <p:cNvPr id="82" name="pl81"/>
             <p:cNvSpPr/>
             <p:nvPr/>
           </p:nvSpPr>
@@ -4821,7 +6899,7 @@
         </p:sp>
         <p:sp>
           <p:nvSpPr>
-            <p:cNvPr id="63" name="pl62"/>
+            <p:cNvPr id="83" name="pl82"/>
             <p:cNvSpPr/>
             <p:nvPr/>
           </p:nvSpPr>
@@ -4861,7 +6939,7 @@
         </p:sp>
         <p:sp>
           <p:nvSpPr>
-            <p:cNvPr id="64" name="pl63"/>
+            <p:cNvPr id="84" name="pl83"/>
             <p:cNvSpPr/>
             <p:nvPr/>
           </p:nvSpPr>
@@ -4901,7 +6979,7 @@
         </p:sp>
         <p:sp>
           <p:nvSpPr>
-            <p:cNvPr id="65" name="pl64"/>
+            <p:cNvPr id="85" name="pl84"/>
             <p:cNvSpPr/>
             <p:nvPr/>
           </p:nvSpPr>
@@ -4941,7 +7019,7 @@
         </p:sp>
         <p:sp>
           <p:nvSpPr>
-            <p:cNvPr id="66" name="pl65"/>
+            <p:cNvPr id="86" name="pl85"/>
             <p:cNvSpPr/>
             <p:nvPr/>
           </p:nvSpPr>
@@ -4981,7 +7059,7 @@
         </p:sp>
         <p:sp>
           <p:nvSpPr>
-            <p:cNvPr id="67" name="pl66"/>
+            <p:cNvPr id="87" name="pl86"/>
             <p:cNvSpPr/>
             <p:nvPr/>
           </p:nvSpPr>
@@ -5021,7 +7099,7 @@
         </p:sp>
         <p:sp>
           <p:nvSpPr>
-            <p:cNvPr id="68" name="pl67"/>
+            <p:cNvPr id="88" name="pl87"/>
             <p:cNvSpPr/>
             <p:nvPr/>
           </p:nvSpPr>
@@ -5061,7 +7139,7 @@
         </p:sp>
         <p:sp>
           <p:nvSpPr>
-            <p:cNvPr id="69" name="pl68"/>
+            <p:cNvPr id="89" name="pl88"/>
             <p:cNvSpPr/>
             <p:nvPr/>
           </p:nvSpPr>
@@ -5101,7 +7179,7 @@
         </p:sp>
         <p:sp>
           <p:nvSpPr>
-            <p:cNvPr id="70" name="pl69"/>
+            <p:cNvPr id="90" name="pl89"/>
             <p:cNvSpPr/>
             <p:nvPr/>
           </p:nvSpPr>
@@ -5141,7 +7219,7 @@
         </p:sp>
         <p:sp>
           <p:nvSpPr>
-            <p:cNvPr id="71" name="pl70"/>
+            <p:cNvPr id="91" name="pl90"/>
             <p:cNvSpPr/>
             <p:nvPr/>
           </p:nvSpPr>
@@ -5181,7 +7259,7 @@
         </p:sp>
         <p:sp>
           <p:nvSpPr>
-            <p:cNvPr id="72" name="pl71"/>
+            <p:cNvPr id="92" name="pl91"/>
             <p:cNvSpPr/>
             <p:nvPr/>
           </p:nvSpPr>
@@ -5221,7 +7299,7 @@
         </p:sp>
         <p:sp>
           <p:nvSpPr>
-            <p:cNvPr id="73" name="pl72"/>
+            <p:cNvPr id="93" name="pl92"/>
             <p:cNvSpPr/>
             <p:nvPr/>
           </p:nvSpPr>
@@ -5261,13 +7339,13 @@
         </p:sp>
         <p:sp>
           <p:nvSpPr>
-            <p:cNvPr id="74" name="pl73"/>
-            <p:cNvSpPr/>
-            <p:nvPr/>
-          </p:nvSpPr>
-          <p:spPr>
-            <a:xfrm>
-              <a:off x="1915914" y="4172066"/>
+            <p:cNvPr id="94" name="pl93"/>
+            <p:cNvSpPr/>
+            <p:nvPr/>
+          </p:nvSpPr>
+          <p:spPr>
+            <a:xfrm>
+              <a:off x="1924215" y="4172066"/>
               <a:ext cx="0" cy="34794"/>
             </a:xfrm>
             <a:custGeom>
@@ -5301,13 +7379,13 @@
         </p:sp>
         <p:sp>
           <p:nvSpPr>
-            <p:cNvPr id="75" name="pl74"/>
-            <p:cNvSpPr/>
-            <p:nvPr/>
-          </p:nvSpPr>
-          <p:spPr>
-            <a:xfrm>
-              <a:off x="2335175" y="4172066"/>
+            <p:cNvPr id="95" name="pl94"/>
+            <p:cNvSpPr/>
+            <p:nvPr/>
+          </p:nvSpPr>
+          <p:spPr>
+            <a:xfrm>
+              <a:off x="2351778" y="4172066"/>
               <a:ext cx="0" cy="34794"/>
             </a:xfrm>
             <a:custGeom>
@@ -5341,13 +7419,13 @@
         </p:sp>
         <p:sp>
           <p:nvSpPr>
-            <p:cNvPr id="76" name="pl75"/>
-            <p:cNvSpPr/>
-            <p:nvPr/>
-          </p:nvSpPr>
-          <p:spPr>
-            <a:xfrm>
-              <a:off x="2754437" y="4172066"/>
+            <p:cNvPr id="96" name="pl95"/>
+            <p:cNvSpPr/>
+            <p:nvPr/>
+          </p:nvSpPr>
+          <p:spPr>
+            <a:xfrm>
+              <a:off x="2779341" y="4172066"/>
               <a:ext cx="0" cy="34794"/>
             </a:xfrm>
             <a:custGeom>
@@ -5381,13 +7459,13 @@
         </p:sp>
         <p:sp>
           <p:nvSpPr>
-            <p:cNvPr id="77" name="pl76"/>
-            <p:cNvSpPr/>
-            <p:nvPr/>
-          </p:nvSpPr>
-          <p:spPr>
-            <a:xfrm>
-              <a:off x="3173698" y="4172066"/>
+            <p:cNvPr id="97" name="pl96"/>
+            <p:cNvSpPr/>
+            <p:nvPr/>
+          </p:nvSpPr>
+          <p:spPr>
+            <a:xfrm>
+              <a:off x="3206904" y="4172066"/>
               <a:ext cx="0" cy="34794"/>
             </a:xfrm>
             <a:custGeom>
@@ -5421,13 +7499,13 @@
         </p:sp>
         <p:sp>
           <p:nvSpPr>
-            <p:cNvPr id="78" name="pl77"/>
-            <p:cNvSpPr/>
-            <p:nvPr/>
-          </p:nvSpPr>
-          <p:spPr>
-            <a:xfrm>
-              <a:off x="3592959" y="4172066"/>
+            <p:cNvPr id="98" name="pl97"/>
+            <p:cNvSpPr/>
+            <p:nvPr/>
+          </p:nvSpPr>
+          <p:spPr>
+            <a:xfrm>
+              <a:off x="3634466" y="4172066"/>
               <a:ext cx="0" cy="34794"/>
             </a:xfrm>
             <a:custGeom>
@@ -5461,13 +7539,13 @@
         </p:sp>
         <p:sp>
           <p:nvSpPr>
-            <p:cNvPr id="79" name="pl78"/>
-            <p:cNvSpPr/>
-            <p:nvPr/>
-          </p:nvSpPr>
-          <p:spPr>
-            <a:xfrm>
-              <a:off x="4012221" y="4172066"/>
+            <p:cNvPr id="99" name="pl98"/>
+            <p:cNvSpPr/>
+            <p:nvPr/>
+          </p:nvSpPr>
+          <p:spPr>
+            <a:xfrm>
+              <a:off x="4062029" y="4172066"/>
               <a:ext cx="0" cy="34794"/>
             </a:xfrm>
             <a:custGeom>
@@ -5501,13 +7579,13 @@
         </p:sp>
         <p:sp>
           <p:nvSpPr>
-            <p:cNvPr id="80" name="pl79"/>
-            <p:cNvSpPr/>
-            <p:nvPr/>
-          </p:nvSpPr>
-          <p:spPr>
-            <a:xfrm>
-              <a:off x="4431482" y="4172066"/>
+            <p:cNvPr id="100" name="pl99"/>
+            <p:cNvSpPr/>
+            <p:nvPr/>
+          </p:nvSpPr>
+          <p:spPr>
+            <a:xfrm>
+              <a:off x="4489592" y="4172066"/>
               <a:ext cx="0" cy="34794"/>
             </a:xfrm>
             <a:custGeom>
@@ -5541,13 +7619,13 @@
         </p:sp>
         <p:sp>
           <p:nvSpPr>
-            <p:cNvPr id="81" name="pl80"/>
-            <p:cNvSpPr/>
-            <p:nvPr/>
-          </p:nvSpPr>
-          <p:spPr>
-            <a:xfrm>
-              <a:off x="4850743" y="4172066"/>
+            <p:cNvPr id="101" name="pl100"/>
+            <p:cNvSpPr/>
+            <p:nvPr/>
+          </p:nvSpPr>
+          <p:spPr>
+            <a:xfrm>
+              <a:off x="4917155" y="4172066"/>
               <a:ext cx="0" cy="34794"/>
             </a:xfrm>
             <a:custGeom>
@@ -5581,13 +7659,13 @@
         </p:sp>
         <p:sp>
           <p:nvSpPr>
-            <p:cNvPr id="82" name="pl81"/>
-            <p:cNvSpPr/>
-            <p:nvPr/>
-          </p:nvSpPr>
-          <p:spPr>
-            <a:xfrm>
-              <a:off x="5270005" y="4172066"/>
+            <p:cNvPr id="102" name="pl101"/>
+            <p:cNvSpPr/>
+            <p:nvPr/>
+          </p:nvSpPr>
+          <p:spPr>
+            <a:xfrm>
+              <a:off x="5344718" y="4172066"/>
               <a:ext cx="0" cy="34794"/>
             </a:xfrm>
             <a:custGeom>
@@ -5621,47 +7699,7 @@
         </p:sp>
         <p:sp>
           <p:nvSpPr>
-            <p:cNvPr id="83" name="pl82"/>
-            <p:cNvSpPr/>
-            <p:nvPr/>
-          </p:nvSpPr>
-          <p:spPr>
-            <a:xfrm>
-              <a:off x="5689266" y="4172066"/>
-              <a:ext cx="0" cy="34794"/>
-            </a:xfrm>
-            <a:custGeom>
-              <a:avLst/>
-              <a:pathLst>
-                <a:path w="0" h="34794">
-                  <a:moveTo>
-                    <a:pt x="0" y="34794"/>
-                  </a:moveTo>
-                  <a:lnTo>
-                    <a:pt x="0" y="0"/>
-                  </a:lnTo>
-                </a:path>
-              </a:pathLst>
-            </a:custGeom>
-            <a:ln w="13550" cap="flat">
-              <a:solidFill>
-                <a:srgbClr val="000000">
-                  <a:alpha val="100000"/>
-                </a:srgbClr>
-              </a:solidFill>
-              <a:prstDash val="solid"/>
-              <a:round/>
-            </a:ln>
-          </p:spPr>
-          <p:txBody>
-            <a:bodyPr/>
-            <a:lstStyle/>
-            <a:p/>
-          </p:txBody>
-        </p:sp>
-        <p:sp>
-          <p:nvSpPr>
-            <p:cNvPr id="84" name="tx83"/>
+            <p:cNvPr id="103" name="tx102"/>
             <p:cNvSpPr/>
             <p:nvPr/>
           </p:nvSpPr>
@@ -5707,59 +7745,13 @@
         </p:sp>
         <p:sp>
           <p:nvSpPr>
-            <p:cNvPr id="85" name="tx84"/>
-            <p:cNvSpPr/>
-            <p:nvPr/>
-          </p:nvSpPr>
-          <p:spPr>
-            <a:xfrm>
-              <a:off x="1884836" y="4232950"/>
-              <a:ext cx="62155" cy="81746"/>
-            </a:xfrm>
-            <a:prstGeom prst="rect">
-              <a:avLst/>
-            </a:prstGeom>
-            <a:noFill/>
-          </p:spPr>
-          <p:txBody>
-            <a:bodyPr lIns="0" rIns="0" tIns="0" bIns="0" anchorCtr="1" anchor="ctr" wrap="none"/>
-            <a:lstStyle/>
-            <a:p>
-              <a:pPr algn="l" marL="0" marR="0" indent="0">
-                <a:lnSpc>
-                  <a:spcPts val="880"/>
-                </a:lnSpc>
-                <a:spcBef>
-                  <a:spcPts val="0"/>
-                </a:spcBef>
-                <a:spcAft>
-                  <a:spcPts val="0"/>
-                </a:spcAft>
-              </a:pPr>
-              <a:r>
-                <a:rPr sz="880">
-                  <a:solidFill>
-                    <a:srgbClr val="4D4D4D">
-                      <a:alpha val="100000"/>
-                    </a:srgbClr>
-                  </a:solidFill>
-                  <a:latin typeface="Arial"/>
-                  <a:cs typeface="Arial"/>
-                </a:rPr>
-                <a:t>3</a:t>
-              </a:r>
-            </a:p>
-          </p:txBody>
-        </p:sp>
-        <p:sp>
-          <p:nvSpPr>
-            <p:cNvPr id="86" name="tx85"/>
-            <p:cNvSpPr/>
-            <p:nvPr/>
-          </p:nvSpPr>
-          <p:spPr>
-            <a:xfrm>
-              <a:off x="2304097" y="4233005"/>
+            <p:cNvPr id="104" name="tx103"/>
+            <p:cNvSpPr/>
+            <p:nvPr/>
+          </p:nvSpPr>
+          <p:spPr>
+            <a:xfrm>
+              <a:off x="1893137" y="4233005"/>
               <a:ext cx="62155" cy="81691"/>
             </a:xfrm>
             <a:prstGeom prst="rect">
@@ -5799,59 +7791,13 @@
         </p:sp>
         <p:sp>
           <p:nvSpPr>
-            <p:cNvPr id="87" name="tx86"/>
-            <p:cNvSpPr/>
-            <p:nvPr/>
-          </p:nvSpPr>
-          <p:spPr>
-            <a:xfrm>
-              <a:off x="2723359" y="4233005"/>
-              <a:ext cx="62155" cy="81691"/>
-            </a:xfrm>
-            <a:prstGeom prst="rect">
-              <a:avLst/>
-            </a:prstGeom>
-            <a:noFill/>
-          </p:spPr>
-          <p:txBody>
-            <a:bodyPr lIns="0" rIns="0" tIns="0" bIns="0" anchorCtr="1" anchor="ctr" wrap="none"/>
-            <a:lstStyle/>
-            <a:p>
-              <a:pPr algn="l" marL="0" marR="0" indent="0">
-                <a:lnSpc>
-                  <a:spcPts val="880"/>
-                </a:lnSpc>
-                <a:spcBef>
-                  <a:spcPts val="0"/>
-                </a:spcBef>
-                <a:spcAft>
-                  <a:spcPts val="0"/>
-                </a:spcAft>
-              </a:pPr>
-              <a:r>
-                <a:rPr sz="880">
-                  <a:solidFill>
-                    <a:srgbClr val="4D4D4D">
-                      <a:alpha val="100000"/>
-                    </a:srgbClr>
-                  </a:solidFill>
-                  <a:latin typeface="Arial"/>
-                  <a:cs typeface="Arial"/>
-                </a:rPr>
-                <a:t>9</a:t>
-              </a:r>
-            </a:p>
-          </p:txBody>
-        </p:sp>
-        <p:sp>
-          <p:nvSpPr>
-            <p:cNvPr id="88" name="tx87"/>
-            <p:cNvSpPr/>
-            <p:nvPr/>
-          </p:nvSpPr>
-          <p:spPr>
-            <a:xfrm>
-              <a:off x="3111542" y="4234369"/>
+            <p:cNvPr id="105" name="tx104"/>
+            <p:cNvSpPr/>
+            <p:nvPr/>
+          </p:nvSpPr>
+          <p:spPr>
+            <a:xfrm>
+              <a:off x="2289622" y="4234369"/>
               <a:ext cx="124311" cy="80327"/>
             </a:xfrm>
             <a:prstGeom prst="rect">
@@ -5891,59 +7837,13 @@
         </p:sp>
         <p:sp>
           <p:nvSpPr>
-            <p:cNvPr id="89" name="tx88"/>
-            <p:cNvSpPr/>
-            <p:nvPr/>
-          </p:nvSpPr>
-          <p:spPr>
-            <a:xfrm>
-              <a:off x="3530804" y="4233005"/>
-              <a:ext cx="124311" cy="81691"/>
-            </a:xfrm>
-            <a:prstGeom prst="rect">
-              <a:avLst/>
-            </a:prstGeom>
-            <a:noFill/>
-          </p:spPr>
-          <p:txBody>
-            <a:bodyPr lIns="0" rIns="0" tIns="0" bIns="0" anchorCtr="1" anchor="ctr" wrap="none"/>
-            <a:lstStyle/>
-            <a:p>
-              <a:pPr algn="l" marL="0" marR="0" indent="0">
-                <a:lnSpc>
-                  <a:spcPts val="880"/>
-                </a:lnSpc>
-                <a:spcBef>
-                  <a:spcPts val="0"/>
-                </a:spcBef>
-                <a:spcAft>
-                  <a:spcPts val="0"/>
-                </a:spcAft>
-              </a:pPr>
-              <a:r>
-                <a:rPr sz="880">
-                  <a:solidFill>
-                    <a:srgbClr val="4D4D4D">
-                      <a:alpha val="100000"/>
-                    </a:srgbClr>
-                  </a:solidFill>
-                  <a:latin typeface="Arial"/>
-                  <a:cs typeface="Arial"/>
-                </a:rPr>
-                <a:t>15</a:t>
-              </a:r>
-            </a:p>
-          </p:txBody>
-        </p:sp>
-        <p:sp>
-          <p:nvSpPr>
-            <p:cNvPr id="90" name="tx89"/>
-            <p:cNvSpPr/>
-            <p:nvPr/>
-          </p:nvSpPr>
-          <p:spPr>
-            <a:xfrm>
-              <a:off x="3950065" y="4233005"/>
+            <p:cNvPr id="106" name="tx105"/>
+            <p:cNvSpPr/>
+            <p:nvPr/>
+          </p:nvSpPr>
+          <p:spPr>
+            <a:xfrm>
+              <a:off x="2717185" y="4233005"/>
               <a:ext cx="124311" cy="81691"/>
             </a:xfrm>
             <a:prstGeom prst="rect">
@@ -5983,59 +7883,13 @@
         </p:sp>
         <p:sp>
           <p:nvSpPr>
-            <p:cNvPr id="91" name="tx90"/>
-            <p:cNvSpPr/>
-            <p:nvPr/>
-          </p:nvSpPr>
-          <p:spPr>
-            <a:xfrm>
-              <a:off x="4369326" y="4234369"/>
-              <a:ext cx="124311" cy="80327"/>
-            </a:xfrm>
-            <a:prstGeom prst="rect">
-              <a:avLst/>
-            </a:prstGeom>
-            <a:noFill/>
-          </p:spPr>
-          <p:txBody>
-            <a:bodyPr lIns="0" rIns="0" tIns="0" bIns="0" anchorCtr="1" anchor="ctr" wrap="none"/>
-            <a:lstStyle/>
-            <a:p>
-              <a:pPr algn="l" marL="0" marR="0" indent="0">
-                <a:lnSpc>
-                  <a:spcPts val="880"/>
-                </a:lnSpc>
-                <a:spcBef>
-                  <a:spcPts val="0"/>
-                </a:spcBef>
-                <a:spcAft>
-                  <a:spcPts val="0"/>
-                </a:spcAft>
-              </a:pPr>
-              <a:r>
-                <a:rPr sz="880">
-                  <a:solidFill>
-                    <a:srgbClr val="4D4D4D">
-                      <a:alpha val="100000"/>
-                    </a:srgbClr>
-                  </a:solidFill>
-                  <a:latin typeface="Arial"/>
-                  <a:cs typeface="Arial"/>
-                </a:rPr>
-                <a:t>21</a:t>
-              </a:r>
-            </a:p>
-          </p:txBody>
-        </p:sp>
-        <p:sp>
-          <p:nvSpPr>
-            <p:cNvPr id="92" name="tx91"/>
-            <p:cNvSpPr/>
-            <p:nvPr/>
-          </p:nvSpPr>
-          <p:spPr>
-            <a:xfrm>
-              <a:off x="4788588" y="4234369"/>
+            <p:cNvPr id="107" name="tx106"/>
+            <p:cNvSpPr/>
+            <p:nvPr/>
+          </p:nvSpPr>
+          <p:spPr>
+            <a:xfrm>
+              <a:off x="3144748" y="4234369"/>
               <a:ext cx="124311" cy="80327"/>
             </a:xfrm>
             <a:prstGeom prst="rect">
@@ -6075,59 +7929,13 @@
         </p:sp>
         <p:sp>
           <p:nvSpPr>
-            <p:cNvPr id="93" name="tx92"/>
-            <p:cNvSpPr/>
-            <p:nvPr/>
-          </p:nvSpPr>
-          <p:spPr>
-            <a:xfrm>
-              <a:off x="5207849" y="4234369"/>
-              <a:ext cx="124311" cy="80327"/>
-            </a:xfrm>
-            <a:prstGeom prst="rect">
-              <a:avLst/>
-            </a:prstGeom>
-            <a:noFill/>
-          </p:spPr>
-          <p:txBody>
-            <a:bodyPr lIns="0" rIns="0" tIns="0" bIns="0" anchorCtr="1" anchor="ctr" wrap="none"/>
-            <a:lstStyle/>
-            <a:p>
-              <a:pPr algn="l" marL="0" marR="0" indent="0">
-                <a:lnSpc>
-                  <a:spcPts val="880"/>
-                </a:lnSpc>
-                <a:spcBef>
-                  <a:spcPts val="0"/>
-                </a:spcBef>
-                <a:spcAft>
-                  <a:spcPts val="0"/>
-                </a:spcAft>
-              </a:pPr>
-              <a:r>
-                <a:rPr sz="880">
-                  <a:solidFill>
-                    <a:srgbClr val="4D4D4D">
-                      <a:alpha val="100000"/>
-                    </a:srgbClr>
-                  </a:solidFill>
-                  <a:latin typeface="Arial"/>
-                  <a:cs typeface="Arial"/>
-                </a:rPr>
-                <a:t>27</a:t>
-              </a:r>
-            </a:p>
-          </p:txBody>
-        </p:sp>
-        <p:sp>
-          <p:nvSpPr>
-            <p:cNvPr id="94" name="tx93"/>
-            <p:cNvSpPr/>
-            <p:nvPr/>
-          </p:nvSpPr>
-          <p:spPr>
-            <a:xfrm>
-              <a:off x="5627111" y="4232950"/>
+            <p:cNvPr id="108" name="tx107"/>
+            <p:cNvSpPr/>
+            <p:nvPr/>
+          </p:nvSpPr>
+          <p:spPr>
+            <a:xfrm>
+              <a:off x="3572311" y="4232950"/>
               <a:ext cx="124311" cy="81746"/>
             </a:xfrm>
             <a:prstGeom prst="rect">
@@ -6167,13 +7975,197 @@
         </p:sp>
         <p:sp>
           <p:nvSpPr>
-            <p:cNvPr id="95" name="tx94"/>
-            <p:cNvSpPr/>
-            <p:nvPr/>
-          </p:nvSpPr>
-          <p:spPr>
-            <a:xfrm>
-              <a:off x="2940674" y="4341906"/>
+            <p:cNvPr id="109" name="tx108"/>
+            <p:cNvSpPr/>
+            <p:nvPr/>
+          </p:nvSpPr>
+          <p:spPr>
+            <a:xfrm>
+              <a:off x="3999874" y="4232950"/>
+              <a:ext cx="124311" cy="81746"/>
+            </a:xfrm>
+            <a:prstGeom prst="rect">
+              <a:avLst/>
+            </a:prstGeom>
+            <a:noFill/>
+          </p:spPr>
+          <p:txBody>
+            <a:bodyPr lIns="0" rIns="0" tIns="0" bIns="0" anchorCtr="1" anchor="ctr" wrap="none"/>
+            <a:lstStyle/>
+            <a:p>
+              <a:pPr algn="l" marL="0" marR="0" indent="0">
+                <a:lnSpc>
+                  <a:spcPts val="880"/>
+                </a:lnSpc>
+                <a:spcBef>
+                  <a:spcPts val="0"/>
+                </a:spcBef>
+                <a:spcAft>
+                  <a:spcPts val="0"/>
+                </a:spcAft>
+              </a:pPr>
+              <a:r>
+                <a:rPr sz="880">
+                  <a:solidFill>
+                    <a:srgbClr val="4D4D4D">
+                      <a:alpha val="100000"/>
+                    </a:srgbClr>
+                  </a:solidFill>
+                  <a:latin typeface="Arial"/>
+                  <a:cs typeface="Arial"/>
+                </a:rPr>
+                <a:t>36</a:t>
+              </a:r>
+            </a:p>
+          </p:txBody>
+        </p:sp>
+        <p:sp>
+          <p:nvSpPr>
+            <p:cNvPr id="110" name="tx109"/>
+            <p:cNvSpPr/>
+            <p:nvPr/>
+          </p:nvSpPr>
+          <p:spPr>
+            <a:xfrm>
+              <a:off x="4427436" y="4234369"/>
+              <a:ext cx="124311" cy="80327"/>
+            </a:xfrm>
+            <a:prstGeom prst="rect">
+              <a:avLst/>
+            </a:prstGeom>
+            <a:noFill/>
+          </p:spPr>
+          <p:txBody>
+            <a:bodyPr lIns="0" rIns="0" tIns="0" bIns="0" anchorCtr="1" anchor="ctr" wrap="none"/>
+            <a:lstStyle/>
+            <a:p>
+              <a:pPr algn="l" marL="0" marR="0" indent="0">
+                <a:lnSpc>
+                  <a:spcPts val="880"/>
+                </a:lnSpc>
+                <a:spcBef>
+                  <a:spcPts val="0"/>
+                </a:spcBef>
+                <a:spcAft>
+                  <a:spcPts val="0"/>
+                </a:spcAft>
+              </a:pPr>
+              <a:r>
+                <a:rPr sz="880">
+                  <a:solidFill>
+                    <a:srgbClr val="4D4D4D">
+                      <a:alpha val="100000"/>
+                    </a:srgbClr>
+                  </a:solidFill>
+                  <a:latin typeface="Arial"/>
+                  <a:cs typeface="Arial"/>
+                </a:rPr>
+                <a:t>42</a:t>
+              </a:r>
+            </a:p>
+          </p:txBody>
+        </p:sp>
+        <p:sp>
+          <p:nvSpPr>
+            <p:cNvPr id="111" name="tx110"/>
+            <p:cNvSpPr/>
+            <p:nvPr/>
+          </p:nvSpPr>
+          <p:spPr>
+            <a:xfrm>
+              <a:off x="4854999" y="4233005"/>
+              <a:ext cx="124311" cy="81691"/>
+            </a:xfrm>
+            <a:prstGeom prst="rect">
+              <a:avLst/>
+            </a:prstGeom>
+            <a:noFill/>
+          </p:spPr>
+          <p:txBody>
+            <a:bodyPr lIns="0" rIns="0" tIns="0" bIns="0" anchorCtr="1" anchor="ctr" wrap="none"/>
+            <a:lstStyle/>
+            <a:p>
+              <a:pPr algn="l" marL="0" marR="0" indent="0">
+                <a:lnSpc>
+                  <a:spcPts val="880"/>
+                </a:lnSpc>
+                <a:spcBef>
+                  <a:spcPts val="0"/>
+                </a:spcBef>
+                <a:spcAft>
+                  <a:spcPts val="0"/>
+                </a:spcAft>
+              </a:pPr>
+              <a:r>
+                <a:rPr sz="880">
+                  <a:solidFill>
+                    <a:srgbClr val="4D4D4D">
+                      <a:alpha val="100000"/>
+                    </a:srgbClr>
+                  </a:solidFill>
+                  <a:latin typeface="Arial"/>
+                  <a:cs typeface="Arial"/>
+                </a:rPr>
+                <a:t>48</a:t>
+              </a:r>
+            </a:p>
+          </p:txBody>
+        </p:sp>
+        <p:sp>
+          <p:nvSpPr>
+            <p:cNvPr id="112" name="tx111"/>
+            <p:cNvSpPr/>
+            <p:nvPr/>
+          </p:nvSpPr>
+          <p:spPr>
+            <a:xfrm>
+              <a:off x="5282562" y="4233332"/>
+              <a:ext cx="124311" cy="81364"/>
+            </a:xfrm>
+            <a:prstGeom prst="rect">
+              <a:avLst/>
+            </a:prstGeom>
+            <a:noFill/>
+          </p:spPr>
+          <p:txBody>
+            <a:bodyPr lIns="0" rIns="0" tIns="0" bIns="0" anchorCtr="1" anchor="ctr" wrap="none"/>
+            <a:lstStyle/>
+            <a:p>
+              <a:pPr algn="l" marL="0" marR="0" indent="0">
+                <a:lnSpc>
+                  <a:spcPts val="880"/>
+                </a:lnSpc>
+                <a:spcBef>
+                  <a:spcPts val="0"/>
+                </a:spcBef>
+                <a:spcAft>
+                  <a:spcPts val="0"/>
+                </a:spcAft>
+              </a:pPr>
+              <a:r>
+                <a:rPr sz="880">
+                  <a:solidFill>
+                    <a:srgbClr val="4D4D4D">
+                      <a:alpha val="100000"/>
+                    </a:srgbClr>
+                  </a:solidFill>
+                  <a:latin typeface="Arial"/>
+                  <a:cs typeface="Arial"/>
+                </a:rPr>
+                <a:t>54</a:t>
+              </a:r>
+            </a:p>
+          </p:txBody>
+        </p:sp>
+        <p:sp>
+          <p:nvSpPr>
+            <p:cNvPr id="113" name="tx112"/>
+            <p:cNvSpPr/>
+            <p:nvPr/>
+          </p:nvSpPr>
+          <p:spPr>
+            <a:xfrm>
+              <a:off x="2804029" y="4341906"/>
               <a:ext cx="1304571" cy="131105"/>
             </a:xfrm>
             <a:prstGeom prst="rect">
@@ -6213,7 +8205,7 @@
         </p:sp>
         <p:sp>
           <p:nvSpPr>
-            <p:cNvPr id="96" name="tx95"/>
+            <p:cNvPr id="114" name="tx113"/>
             <p:cNvSpPr/>
             <p:nvPr/>
           </p:nvSpPr>
@@ -6259,14 +8251,14 @@
         </p:sp>
         <p:sp>
           <p:nvSpPr>
-            <p:cNvPr id="97" name="rc96"/>
-            <p:cNvSpPr/>
-            <p:nvPr/>
-          </p:nvSpPr>
-          <p:spPr>
-            <a:xfrm>
-              <a:off x="5828444" y="2299216"/>
-              <a:ext cx="502766" cy="557622"/>
+            <p:cNvPr id="115" name="rc114"/>
+            <p:cNvSpPr/>
+            <p:nvPr/>
+          </p:nvSpPr>
+          <p:spPr>
+            <a:xfrm>
+              <a:off x="5555156" y="1016770"/>
+              <a:ext cx="776054" cy="3122514"/>
             </a:xfrm>
             <a:prstGeom prst="rect">
               <a:avLst/>
@@ -6285,14 +8277,14 @@
         </p:sp>
         <p:sp>
           <p:nvSpPr>
-            <p:cNvPr id="98" name="tx97"/>
-            <p:cNvSpPr/>
-            <p:nvPr/>
-          </p:nvSpPr>
-          <p:spPr>
-            <a:xfrm>
-              <a:off x="5898033" y="2382550"/>
-              <a:ext cx="349181" cy="100955"/>
+            <p:cNvPr id="116" name="tx115"/>
+            <p:cNvSpPr/>
+            <p:nvPr/>
+          </p:nvSpPr>
+          <p:spPr>
+            <a:xfrm>
+              <a:off x="5624745" y="1081277"/>
+              <a:ext cx="387994" cy="119781"/>
             </a:xfrm>
             <a:prstGeom prst="rect">
               <a:avLst/>
@@ -6324,20 +8316,66 @@
                   <a:latin typeface="Arial"/>
                   <a:cs typeface="Arial"/>
                 </a:rPr>
-                <a:t>Trt.ID</a:t>
+                <a:t>Trt.ID,</a:t>
               </a:r>
             </a:p>
           </p:txBody>
         </p:sp>
         <p:sp>
           <p:nvSpPr>
-            <p:cNvPr id="99" name="rc98"/>
-            <p:cNvSpPr/>
-            <p:nvPr/>
-          </p:nvSpPr>
-          <p:spPr>
-            <a:xfrm>
-              <a:off x="5898033" y="2567794"/>
+            <p:cNvPr id="117" name="tx116"/>
+            <p:cNvSpPr/>
+            <p:nvPr/>
+          </p:nvSpPr>
+          <p:spPr>
+            <a:xfrm>
+              <a:off x="5624745" y="1250298"/>
+              <a:ext cx="489086" cy="101637"/>
+            </a:xfrm>
+            <a:prstGeom prst="rect">
+              <a:avLst/>
+            </a:prstGeom>
+            <a:noFill/>
+          </p:spPr>
+          <p:txBody>
+            <a:bodyPr lIns="0" rIns="0" tIns="0" bIns="0" anchorCtr="1" anchor="ctr" wrap="none"/>
+            <a:lstStyle/>
+            <a:p>
+              <a:pPr algn="l" marL="0" marR="0" indent="0">
+                <a:lnSpc>
+                  <a:spcPts val="1100"/>
+                </a:lnSpc>
+                <a:spcBef>
+                  <a:spcPts val="0"/>
+                </a:spcBef>
+                <a:spcAft>
+                  <a:spcPts val="0"/>
+                </a:spcAft>
+              </a:pPr>
+              <a:r>
+                <a:rPr sz="1100">
+                  <a:solidFill>
+                    <a:srgbClr val="000000">
+                      <a:alpha val="100000"/>
+                    </a:srgbClr>
+                  </a:solidFill>
+                  <a:latin typeface="Arial"/>
+                  <a:cs typeface="Arial"/>
+                </a:rPr>
+                <a:t>Tank.ID</a:t>
+              </a:r>
+            </a:p>
+          </p:txBody>
+        </p:sp>
+        <p:sp>
+          <p:nvSpPr>
+            <p:cNvPr id="118" name="rc117"/>
+            <p:cNvSpPr/>
+            <p:nvPr/>
+          </p:nvSpPr>
+          <p:spPr>
+            <a:xfrm>
+              <a:off x="5624745" y="1436224"/>
               <a:ext cx="219455" cy="219456"/>
             </a:xfrm>
             <a:prstGeom prst="rect">
@@ -6357,13 +8395,13 @@
         </p:sp>
         <p:sp>
           <p:nvSpPr>
-            <p:cNvPr id="100" name="pl99"/>
-            <p:cNvSpPr/>
-            <p:nvPr/>
-          </p:nvSpPr>
-          <p:spPr>
-            <a:xfrm>
-              <a:off x="5919979" y="2677522"/>
+            <p:cNvPr id="119" name="pl118"/>
+            <p:cNvSpPr/>
+            <p:nvPr/>
+          </p:nvSpPr>
+          <p:spPr>
+            <a:xfrm>
+              <a:off x="5646691" y="1545952"/>
               <a:ext cx="175564" cy="0"/>
             </a:xfrm>
             <a:custGeom>
@@ -6397,13 +8435,13 @@
         </p:sp>
         <p:sp>
           <p:nvSpPr>
-            <p:cNvPr id="101" name="tx100"/>
-            <p:cNvSpPr/>
-            <p:nvPr/>
-          </p:nvSpPr>
-          <p:spPr>
-            <a:xfrm>
-              <a:off x="5956777" y="2656421"/>
+            <p:cNvPr id="120" name="tx119"/>
+            <p:cNvSpPr/>
+            <p:nvPr/>
+          </p:nvSpPr>
+          <p:spPr>
+            <a:xfrm>
+              <a:off x="5683489" y="1524851"/>
               <a:ext cx="101968" cy="82614"/>
             </a:xfrm>
             <a:prstGeom prst="rect">
@@ -6443,14 +8481,1246 @@
         </p:sp>
         <p:sp>
           <p:nvSpPr>
-            <p:cNvPr id="102" name="tx101"/>
-            <p:cNvSpPr/>
-            <p:nvPr/>
-          </p:nvSpPr>
-          <p:spPr>
-            <a:xfrm>
-              <a:off x="6187078" y="2637522"/>
-              <a:ext cx="74543" cy="80000"/>
+            <p:cNvPr id="121" name="rc120"/>
+            <p:cNvSpPr/>
+            <p:nvPr/>
+          </p:nvSpPr>
+          <p:spPr>
+            <a:xfrm>
+              <a:off x="5624745" y="1655680"/>
+              <a:ext cx="219455" cy="219456"/>
+            </a:xfrm>
+            <a:prstGeom prst="rect">
+              <a:avLst/>
+            </a:prstGeom>
+            <a:solidFill>
+              <a:srgbClr val="EBEBEB">
+                <a:alpha val="100000"/>
+              </a:srgbClr>
+            </a:solidFill>
+          </p:spPr>
+          <p:txBody>
+            <a:bodyPr/>
+            <a:lstStyle/>
+            <a:p/>
+          </p:txBody>
+        </p:sp>
+        <p:sp>
+          <p:nvSpPr>
+            <p:cNvPr id="122" name="pl121"/>
+            <p:cNvSpPr/>
+            <p:nvPr/>
+          </p:nvSpPr>
+          <p:spPr>
+            <a:xfrm>
+              <a:off x="5646691" y="1765408"/>
+              <a:ext cx="175564" cy="0"/>
+            </a:xfrm>
+            <a:custGeom>
+              <a:avLst/>
+              <a:pathLst>
+                <a:path w="175564" h="0">
+                  <a:moveTo>
+                    <a:pt x="0" y="0"/>
+                  </a:moveTo>
+                  <a:lnTo>
+                    <a:pt x="175564" y="0"/>
+                  </a:lnTo>
+                </a:path>
+              </a:pathLst>
+            </a:custGeom>
+            <a:ln w="27101" cap="flat">
+              <a:solidFill>
+                <a:srgbClr val="DE8C00">
+                  <a:alpha val="100000"/>
+                </a:srgbClr>
+              </a:solidFill>
+              <a:prstDash val="solid"/>
+              <a:round/>
+            </a:ln>
+          </p:spPr>
+          <p:txBody>
+            <a:bodyPr/>
+            <a:lstStyle/>
+            <a:p/>
+          </p:txBody>
+        </p:sp>
+        <p:sp>
+          <p:nvSpPr>
+            <p:cNvPr id="123" name="tx122"/>
+            <p:cNvSpPr/>
+            <p:nvPr/>
+          </p:nvSpPr>
+          <p:spPr>
+            <a:xfrm>
+              <a:off x="5683489" y="1744307"/>
+              <a:ext cx="101968" cy="82614"/>
+            </a:xfrm>
+            <a:prstGeom prst="rect">
+              <a:avLst/>
+            </a:prstGeom>
+            <a:noFill/>
+          </p:spPr>
+          <p:txBody>
+            <a:bodyPr lIns="0" rIns="0" tIns="0" bIns="0" anchorCtr="1" anchor="ctr" wrap="none"/>
+            <a:lstStyle/>
+            <a:p>
+              <a:pPr algn="l" marL="0" marR="0" indent="0">
+                <a:lnSpc>
+                  <a:spcPts val="1374"/>
+                </a:lnSpc>
+                <a:spcBef>
+                  <a:spcPts val="0"/>
+                </a:spcBef>
+                <a:spcAft>
+                  <a:spcPts val="0"/>
+                </a:spcAft>
+              </a:pPr>
+              <a:r>
+                <a:rPr sz="1374">
+                  <a:solidFill>
+                    <a:srgbClr val="DE8C00">
+                      <a:alpha val="100000"/>
+                    </a:srgbClr>
+                  </a:solidFill>
+                  <a:latin typeface="Arial"/>
+                  <a:cs typeface="Arial"/>
+                </a:rPr>
+                <a:t>+</a:t>
+              </a:r>
+            </a:p>
+          </p:txBody>
+        </p:sp>
+        <p:sp>
+          <p:nvSpPr>
+            <p:cNvPr id="124" name="rc123"/>
+            <p:cNvSpPr/>
+            <p:nvPr/>
+          </p:nvSpPr>
+          <p:spPr>
+            <a:xfrm>
+              <a:off x="5624745" y="1875136"/>
+              <a:ext cx="219455" cy="219456"/>
+            </a:xfrm>
+            <a:prstGeom prst="rect">
+              <a:avLst/>
+            </a:prstGeom>
+            <a:solidFill>
+              <a:srgbClr val="EBEBEB">
+                <a:alpha val="100000"/>
+              </a:srgbClr>
+            </a:solidFill>
+          </p:spPr>
+          <p:txBody>
+            <a:bodyPr/>
+            <a:lstStyle/>
+            <a:p/>
+          </p:txBody>
+        </p:sp>
+        <p:sp>
+          <p:nvSpPr>
+            <p:cNvPr id="125" name="pl124"/>
+            <p:cNvSpPr/>
+            <p:nvPr/>
+          </p:nvSpPr>
+          <p:spPr>
+            <a:xfrm>
+              <a:off x="5646691" y="1984864"/>
+              <a:ext cx="175564" cy="0"/>
+            </a:xfrm>
+            <a:custGeom>
+              <a:avLst/>
+              <a:pathLst>
+                <a:path w="175564" h="0">
+                  <a:moveTo>
+                    <a:pt x="0" y="0"/>
+                  </a:moveTo>
+                  <a:lnTo>
+                    <a:pt x="175564" y="0"/>
+                  </a:lnTo>
+                </a:path>
+              </a:pathLst>
+            </a:custGeom>
+            <a:ln w="27101" cap="flat">
+              <a:solidFill>
+                <a:srgbClr val="B79F00">
+                  <a:alpha val="100000"/>
+                </a:srgbClr>
+              </a:solidFill>
+              <a:prstDash val="solid"/>
+              <a:round/>
+            </a:ln>
+          </p:spPr>
+          <p:txBody>
+            <a:bodyPr/>
+            <a:lstStyle/>
+            <a:p/>
+          </p:txBody>
+        </p:sp>
+        <p:sp>
+          <p:nvSpPr>
+            <p:cNvPr id="126" name="tx125"/>
+            <p:cNvSpPr/>
+            <p:nvPr/>
+          </p:nvSpPr>
+          <p:spPr>
+            <a:xfrm>
+              <a:off x="5683489" y="1963763"/>
+              <a:ext cx="101968" cy="82614"/>
+            </a:xfrm>
+            <a:prstGeom prst="rect">
+              <a:avLst/>
+            </a:prstGeom>
+            <a:noFill/>
+          </p:spPr>
+          <p:txBody>
+            <a:bodyPr lIns="0" rIns="0" tIns="0" bIns="0" anchorCtr="1" anchor="ctr" wrap="none"/>
+            <a:lstStyle/>
+            <a:p>
+              <a:pPr algn="l" marL="0" marR="0" indent="0">
+                <a:lnSpc>
+                  <a:spcPts val="1374"/>
+                </a:lnSpc>
+                <a:spcBef>
+                  <a:spcPts val="0"/>
+                </a:spcBef>
+                <a:spcAft>
+                  <a:spcPts val="0"/>
+                </a:spcAft>
+              </a:pPr>
+              <a:r>
+                <a:rPr sz="1374">
+                  <a:solidFill>
+                    <a:srgbClr val="B79F00">
+                      <a:alpha val="100000"/>
+                    </a:srgbClr>
+                  </a:solidFill>
+                  <a:latin typeface="Arial"/>
+                  <a:cs typeface="Arial"/>
+                </a:rPr>
+                <a:t>+</a:t>
+              </a:r>
+            </a:p>
+          </p:txBody>
+        </p:sp>
+        <p:sp>
+          <p:nvSpPr>
+            <p:cNvPr id="127" name="rc126"/>
+            <p:cNvSpPr/>
+            <p:nvPr/>
+          </p:nvSpPr>
+          <p:spPr>
+            <a:xfrm>
+              <a:off x="5624745" y="2094592"/>
+              <a:ext cx="219455" cy="219456"/>
+            </a:xfrm>
+            <a:prstGeom prst="rect">
+              <a:avLst/>
+            </a:prstGeom>
+            <a:solidFill>
+              <a:srgbClr val="EBEBEB">
+                <a:alpha val="100000"/>
+              </a:srgbClr>
+            </a:solidFill>
+          </p:spPr>
+          <p:txBody>
+            <a:bodyPr/>
+            <a:lstStyle/>
+            <a:p/>
+          </p:txBody>
+        </p:sp>
+        <p:sp>
+          <p:nvSpPr>
+            <p:cNvPr id="128" name="pl127"/>
+            <p:cNvSpPr/>
+            <p:nvPr/>
+          </p:nvSpPr>
+          <p:spPr>
+            <a:xfrm>
+              <a:off x="5646691" y="2204320"/>
+              <a:ext cx="175564" cy="0"/>
+            </a:xfrm>
+            <a:custGeom>
+              <a:avLst/>
+              <a:pathLst>
+                <a:path w="175564" h="0">
+                  <a:moveTo>
+                    <a:pt x="0" y="0"/>
+                  </a:moveTo>
+                  <a:lnTo>
+                    <a:pt x="175564" y="0"/>
+                  </a:lnTo>
+                </a:path>
+              </a:pathLst>
+            </a:custGeom>
+            <a:ln w="27101" cap="flat">
+              <a:solidFill>
+                <a:srgbClr val="7CAE00">
+                  <a:alpha val="100000"/>
+                </a:srgbClr>
+              </a:solidFill>
+              <a:prstDash val="solid"/>
+              <a:round/>
+            </a:ln>
+          </p:spPr>
+          <p:txBody>
+            <a:bodyPr/>
+            <a:lstStyle/>
+            <a:p/>
+          </p:txBody>
+        </p:sp>
+        <p:sp>
+          <p:nvSpPr>
+            <p:cNvPr id="129" name="tx128"/>
+            <p:cNvSpPr/>
+            <p:nvPr/>
+          </p:nvSpPr>
+          <p:spPr>
+            <a:xfrm>
+              <a:off x="5683489" y="2183219"/>
+              <a:ext cx="101968" cy="82614"/>
+            </a:xfrm>
+            <a:prstGeom prst="rect">
+              <a:avLst/>
+            </a:prstGeom>
+            <a:noFill/>
+          </p:spPr>
+          <p:txBody>
+            <a:bodyPr lIns="0" rIns="0" tIns="0" bIns="0" anchorCtr="1" anchor="ctr" wrap="none"/>
+            <a:lstStyle/>
+            <a:p>
+              <a:pPr algn="l" marL="0" marR="0" indent="0">
+                <a:lnSpc>
+                  <a:spcPts val="1374"/>
+                </a:lnSpc>
+                <a:spcBef>
+                  <a:spcPts val="0"/>
+                </a:spcBef>
+                <a:spcAft>
+                  <a:spcPts val="0"/>
+                </a:spcAft>
+              </a:pPr>
+              <a:r>
+                <a:rPr sz="1374">
+                  <a:solidFill>
+                    <a:srgbClr val="7CAE00">
+                      <a:alpha val="100000"/>
+                    </a:srgbClr>
+                  </a:solidFill>
+                  <a:latin typeface="Arial"/>
+                  <a:cs typeface="Arial"/>
+                </a:rPr>
+                <a:t>+</a:t>
+              </a:r>
+            </a:p>
+          </p:txBody>
+        </p:sp>
+        <p:sp>
+          <p:nvSpPr>
+            <p:cNvPr id="130" name="rc129"/>
+            <p:cNvSpPr/>
+            <p:nvPr/>
+          </p:nvSpPr>
+          <p:spPr>
+            <a:xfrm>
+              <a:off x="5624745" y="2314048"/>
+              <a:ext cx="219455" cy="219456"/>
+            </a:xfrm>
+            <a:prstGeom prst="rect">
+              <a:avLst/>
+            </a:prstGeom>
+            <a:solidFill>
+              <a:srgbClr val="EBEBEB">
+                <a:alpha val="100000"/>
+              </a:srgbClr>
+            </a:solidFill>
+          </p:spPr>
+          <p:txBody>
+            <a:bodyPr/>
+            <a:lstStyle/>
+            <a:p/>
+          </p:txBody>
+        </p:sp>
+        <p:sp>
+          <p:nvSpPr>
+            <p:cNvPr id="131" name="pl130"/>
+            <p:cNvSpPr/>
+            <p:nvPr/>
+          </p:nvSpPr>
+          <p:spPr>
+            <a:xfrm>
+              <a:off x="5646691" y="2423776"/>
+              <a:ext cx="175564" cy="0"/>
+            </a:xfrm>
+            <a:custGeom>
+              <a:avLst/>
+              <a:pathLst>
+                <a:path w="175564" h="0">
+                  <a:moveTo>
+                    <a:pt x="0" y="0"/>
+                  </a:moveTo>
+                  <a:lnTo>
+                    <a:pt x="175564" y="0"/>
+                  </a:lnTo>
+                </a:path>
+              </a:pathLst>
+            </a:custGeom>
+            <a:ln w="27101" cap="flat">
+              <a:solidFill>
+                <a:srgbClr val="00BA38">
+                  <a:alpha val="100000"/>
+                </a:srgbClr>
+              </a:solidFill>
+              <a:prstDash val="solid"/>
+              <a:round/>
+            </a:ln>
+          </p:spPr>
+          <p:txBody>
+            <a:bodyPr/>
+            <a:lstStyle/>
+            <a:p/>
+          </p:txBody>
+        </p:sp>
+        <p:sp>
+          <p:nvSpPr>
+            <p:cNvPr id="132" name="tx131"/>
+            <p:cNvSpPr/>
+            <p:nvPr/>
+          </p:nvSpPr>
+          <p:spPr>
+            <a:xfrm>
+              <a:off x="5683489" y="2402675"/>
+              <a:ext cx="101968" cy="82614"/>
+            </a:xfrm>
+            <a:prstGeom prst="rect">
+              <a:avLst/>
+            </a:prstGeom>
+            <a:noFill/>
+          </p:spPr>
+          <p:txBody>
+            <a:bodyPr lIns="0" rIns="0" tIns="0" bIns="0" anchorCtr="1" anchor="ctr" wrap="none"/>
+            <a:lstStyle/>
+            <a:p>
+              <a:pPr algn="l" marL="0" marR="0" indent="0">
+                <a:lnSpc>
+                  <a:spcPts val="1374"/>
+                </a:lnSpc>
+                <a:spcBef>
+                  <a:spcPts val="0"/>
+                </a:spcBef>
+                <a:spcAft>
+                  <a:spcPts val="0"/>
+                </a:spcAft>
+              </a:pPr>
+              <a:r>
+                <a:rPr sz="1374">
+                  <a:solidFill>
+                    <a:srgbClr val="00BA38">
+                      <a:alpha val="100000"/>
+                    </a:srgbClr>
+                  </a:solidFill>
+                  <a:latin typeface="Arial"/>
+                  <a:cs typeface="Arial"/>
+                </a:rPr>
+                <a:t>+</a:t>
+              </a:r>
+            </a:p>
+          </p:txBody>
+        </p:sp>
+        <p:sp>
+          <p:nvSpPr>
+            <p:cNvPr id="133" name="rc132"/>
+            <p:cNvSpPr/>
+            <p:nvPr/>
+          </p:nvSpPr>
+          <p:spPr>
+            <a:xfrm>
+              <a:off x="5624745" y="2533504"/>
+              <a:ext cx="219455" cy="219456"/>
+            </a:xfrm>
+            <a:prstGeom prst="rect">
+              <a:avLst/>
+            </a:prstGeom>
+            <a:solidFill>
+              <a:srgbClr val="EBEBEB">
+                <a:alpha val="100000"/>
+              </a:srgbClr>
+            </a:solidFill>
+          </p:spPr>
+          <p:txBody>
+            <a:bodyPr/>
+            <a:lstStyle/>
+            <a:p/>
+          </p:txBody>
+        </p:sp>
+        <p:sp>
+          <p:nvSpPr>
+            <p:cNvPr id="134" name="pl133"/>
+            <p:cNvSpPr/>
+            <p:nvPr/>
+          </p:nvSpPr>
+          <p:spPr>
+            <a:xfrm>
+              <a:off x="5646691" y="2643232"/>
+              <a:ext cx="175564" cy="0"/>
+            </a:xfrm>
+            <a:custGeom>
+              <a:avLst/>
+              <a:pathLst>
+                <a:path w="175564" h="0">
+                  <a:moveTo>
+                    <a:pt x="0" y="0"/>
+                  </a:moveTo>
+                  <a:lnTo>
+                    <a:pt x="175564" y="0"/>
+                  </a:lnTo>
+                </a:path>
+              </a:pathLst>
+            </a:custGeom>
+            <a:ln w="27101" cap="flat">
+              <a:solidFill>
+                <a:srgbClr val="00C08B">
+                  <a:alpha val="100000"/>
+                </a:srgbClr>
+              </a:solidFill>
+              <a:prstDash val="solid"/>
+              <a:round/>
+            </a:ln>
+          </p:spPr>
+          <p:txBody>
+            <a:bodyPr/>
+            <a:lstStyle/>
+            <a:p/>
+          </p:txBody>
+        </p:sp>
+        <p:sp>
+          <p:nvSpPr>
+            <p:cNvPr id="135" name="tx134"/>
+            <p:cNvSpPr/>
+            <p:nvPr/>
+          </p:nvSpPr>
+          <p:spPr>
+            <a:xfrm>
+              <a:off x="5683489" y="2622131"/>
+              <a:ext cx="101968" cy="82614"/>
+            </a:xfrm>
+            <a:prstGeom prst="rect">
+              <a:avLst/>
+            </a:prstGeom>
+            <a:noFill/>
+          </p:spPr>
+          <p:txBody>
+            <a:bodyPr lIns="0" rIns="0" tIns="0" bIns="0" anchorCtr="1" anchor="ctr" wrap="none"/>
+            <a:lstStyle/>
+            <a:p>
+              <a:pPr algn="l" marL="0" marR="0" indent="0">
+                <a:lnSpc>
+                  <a:spcPts val="1374"/>
+                </a:lnSpc>
+                <a:spcBef>
+                  <a:spcPts val="0"/>
+                </a:spcBef>
+                <a:spcAft>
+                  <a:spcPts val="0"/>
+                </a:spcAft>
+              </a:pPr>
+              <a:r>
+                <a:rPr sz="1374">
+                  <a:solidFill>
+                    <a:srgbClr val="00C08B">
+                      <a:alpha val="100000"/>
+                    </a:srgbClr>
+                  </a:solidFill>
+                  <a:latin typeface="Arial"/>
+                  <a:cs typeface="Arial"/>
+                </a:rPr>
+                <a:t>+</a:t>
+              </a:r>
+            </a:p>
+          </p:txBody>
+        </p:sp>
+        <p:sp>
+          <p:nvSpPr>
+            <p:cNvPr id="136" name="rc135"/>
+            <p:cNvSpPr/>
+            <p:nvPr/>
+          </p:nvSpPr>
+          <p:spPr>
+            <a:xfrm>
+              <a:off x="5624745" y="2752960"/>
+              <a:ext cx="219455" cy="219456"/>
+            </a:xfrm>
+            <a:prstGeom prst="rect">
+              <a:avLst/>
+            </a:prstGeom>
+            <a:solidFill>
+              <a:srgbClr val="EBEBEB">
+                <a:alpha val="100000"/>
+              </a:srgbClr>
+            </a:solidFill>
+          </p:spPr>
+          <p:txBody>
+            <a:bodyPr/>
+            <a:lstStyle/>
+            <a:p/>
+          </p:txBody>
+        </p:sp>
+        <p:sp>
+          <p:nvSpPr>
+            <p:cNvPr id="137" name="pl136"/>
+            <p:cNvSpPr/>
+            <p:nvPr/>
+          </p:nvSpPr>
+          <p:spPr>
+            <a:xfrm>
+              <a:off x="5646691" y="2862688"/>
+              <a:ext cx="175564" cy="0"/>
+            </a:xfrm>
+            <a:custGeom>
+              <a:avLst/>
+              <a:pathLst>
+                <a:path w="175564" h="0">
+                  <a:moveTo>
+                    <a:pt x="0" y="0"/>
+                  </a:moveTo>
+                  <a:lnTo>
+                    <a:pt x="175564" y="0"/>
+                  </a:lnTo>
+                </a:path>
+              </a:pathLst>
+            </a:custGeom>
+            <a:ln w="27101" cap="flat">
+              <a:solidFill>
+                <a:srgbClr val="00BFC4">
+                  <a:alpha val="100000"/>
+                </a:srgbClr>
+              </a:solidFill>
+              <a:prstDash val="solid"/>
+              <a:round/>
+            </a:ln>
+          </p:spPr>
+          <p:txBody>
+            <a:bodyPr/>
+            <a:lstStyle/>
+            <a:p/>
+          </p:txBody>
+        </p:sp>
+        <p:sp>
+          <p:nvSpPr>
+            <p:cNvPr id="138" name="tx137"/>
+            <p:cNvSpPr/>
+            <p:nvPr/>
+          </p:nvSpPr>
+          <p:spPr>
+            <a:xfrm>
+              <a:off x="5683489" y="2841587"/>
+              <a:ext cx="101968" cy="82614"/>
+            </a:xfrm>
+            <a:prstGeom prst="rect">
+              <a:avLst/>
+            </a:prstGeom>
+            <a:noFill/>
+          </p:spPr>
+          <p:txBody>
+            <a:bodyPr lIns="0" rIns="0" tIns="0" bIns="0" anchorCtr="1" anchor="ctr" wrap="none"/>
+            <a:lstStyle/>
+            <a:p>
+              <a:pPr algn="l" marL="0" marR="0" indent="0">
+                <a:lnSpc>
+                  <a:spcPts val="1374"/>
+                </a:lnSpc>
+                <a:spcBef>
+                  <a:spcPts val="0"/>
+                </a:spcBef>
+                <a:spcAft>
+                  <a:spcPts val="0"/>
+                </a:spcAft>
+              </a:pPr>
+              <a:r>
+                <a:rPr sz="1374">
+                  <a:solidFill>
+                    <a:srgbClr val="00BFC4">
+                      <a:alpha val="100000"/>
+                    </a:srgbClr>
+                  </a:solidFill>
+                  <a:latin typeface="Arial"/>
+                  <a:cs typeface="Arial"/>
+                </a:rPr>
+                <a:t>+</a:t>
+              </a:r>
+            </a:p>
+          </p:txBody>
+        </p:sp>
+        <p:sp>
+          <p:nvSpPr>
+            <p:cNvPr id="139" name="rc138"/>
+            <p:cNvSpPr/>
+            <p:nvPr/>
+          </p:nvSpPr>
+          <p:spPr>
+            <a:xfrm>
+              <a:off x="5624745" y="2972416"/>
+              <a:ext cx="219455" cy="219456"/>
+            </a:xfrm>
+            <a:prstGeom prst="rect">
+              <a:avLst/>
+            </a:prstGeom>
+            <a:solidFill>
+              <a:srgbClr val="EBEBEB">
+                <a:alpha val="100000"/>
+              </a:srgbClr>
+            </a:solidFill>
+          </p:spPr>
+          <p:txBody>
+            <a:bodyPr/>
+            <a:lstStyle/>
+            <a:p/>
+          </p:txBody>
+        </p:sp>
+        <p:sp>
+          <p:nvSpPr>
+            <p:cNvPr id="140" name="pl139"/>
+            <p:cNvSpPr/>
+            <p:nvPr/>
+          </p:nvSpPr>
+          <p:spPr>
+            <a:xfrm>
+              <a:off x="5646691" y="3082144"/>
+              <a:ext cx="175564" cy="0"/>
+            </a:xfrm>
+            <a:custGeom>
+              <a:avLst/>
+              <a:pathLst>
+                <a:path w="175564" h="0">
+                  <a:moveTo>
+                    <a:pt x="0" y="0"/>
+                  </a:moveTo>
+                  <a:lnTo>
+                    <a:pt x="175564" y="0"/>
+                  </a:lnTo>
+                </a:path>
+              </a:pathLst>
+            </a:custGeom>
+            <a:ln w="27101" cap="flat">
+              <a:solidFill>
+                <a:srgbClr val="00B4F0">
+                  <a:alpha val="100000"/>
+                </a:srgbClr>
+              </a:solidFill>
+              <a:prstDash val="solid"/>
+              <a:round/>
+            </a:ln>
+          </p:spPr>
+          <p:txBody>
+            <a:bodyPr/>
+            <a:lstStyle/>
+            <a:p/>
+          </p:txBody>
+        </p:sp>
+        <p:sp>
+          <p:nvSpPr>
+            <p:cNvPr id="141" name="tx140"/>
+            <p:cNvSpPr/>
+            <p:nvPr/>
+          </p:nvSpPr>
+          <p:spPr>
+            <a:xfrm>
+              <a:off x="5683489" y="3061043"/>
+              <a:ext cx="101968" cy="82614"/>
+            </a:xfrm>
+            <a:prstGeom prst="rect">
+              <a:avLst/>
+            </a:prstGeom>
+            <a:noFill/>
+          </p:spPr>
+          <p:txBody>
+            <a:bodyPr lIns="0" rIns="0" tIns="0" bIns="0" anchorCtr="1" anchor="ctr" wrap="none"/>
+            <a:lstStyle/>
+            <a:p>
+              <a:pPr algn="l" marL="0" marR="0" indent="0">
+                <a:lnSpc>
+                  <a:spcPts val="1374"/>
+                </a:lnSpc>
+                <a:spcBef>
+                  <a:spcPts val="0"/>
+                </a:spcBef>
+                <a:spcAft>
+                  <a:spcPts val="0"/>
+                </a:spcAft>
+              </a:pPr>
+              <a:r>
+                <a:rPr sz="1374">
+                  <a:solidFill>
+                    <a:srgbClr val="00B4F0">
+                      <a:alpha val="100000"/>
+                    </a:srgbClr>
+                  </a:solidFill>
+                  <a:latin typeface="Arial"/>
+                  <a:cs typeface="Arial"/>
+                </a:rPr>
+                <a:t>+</a:t>
+              </a:r>
+            </a:p>
+          </p:txBody>
+        </p:sp>
+        <p:sp>
+          <p:nvSpPr>
+            <p:cNvPr id="142" name="rc141"/>
+            <p:cNvSpPr/>
+            <p:nvPr/>
+          </p:nvSpPr>
+          <p:spPr>
+            <a:xfrm>
+              <a:off x="5624745" y="3191872"/>
+              <a:ext cx="219455" cy="219456"/>
+            </a:xfrm>
+            <a:prstGeom prst="rect">
+              <a:avLst/>
+            </a:prstGeom>
+            <a:solidFill>
+              <a:srgbClr val="EBEBEB">
+                <a:alpha val="100000"/>
+              </a:srgbClr>
+            </a:solidFill>
+          </p:spPr>
+          <p:txBody>
+            <a:bodyPr/>
+            <a:lstStyle/>
+            <a:p/>
+          </p:txBody>
+        </p:sp>
+        <p:sp>
+          <p:nvSpPr>
+            <p:cNvPr id="143" name="pl142"/>
+            <p:cNvSpPr/>
+            <p:nvPr/>
+          </p:nvSpPr>
+          <p:spPr>
+            <a:xfrm>
+              <a:off x="5646691" y="3301600"/>
+              <a:ext cx="175564" cy="0"/>
+            </a:xfrm>
+            <a:custGeom>
+              <a:avLst/>
+              <a:pathLst>
+                <a:path w="175564" h="0">
+                  <a:moveTo>
+                    <a:pt x="0" y="0"/>
+                  </a:moveTo>
+                  <a:lnTo>
+                    <a:pt x="175564" y="0"/>
+                  </a:lnTo>
+                </a:path>
+              </a:pathLst>
+            </a:custGeom>
+            <a:ln w="27101" cap="flat">
+              <a:solidFill>
+                <a:srgbClr val="619CFF">
+                  <a:alpha val="100000"/>
+                </a:srgbClr>
+              </a:solidFill>
+              <a:prstDash val="solid"/>
+              <a:round/>
+            </a:ln>
+          </p:spPr>
+          <p:txBody>
+            <a:bodyPr/>
+            <a:lstStyle/>
+            <a:p/>
+          </p:txBody>
+        </p:sp>
+        <p:sp>
+          <p:nvSpPr>
+            <p:cNvPr id="144" name="tx143"/>
+            <p:cNvSpPr/>
+            <p:nvPr/>
+          </p:nvSpPr>
+          <p:spPr>
+            <a:xfrm>
+              <a:off x="5683489" y="3280499"/>
+              <a:ext cx="101968" cy="82614"/>
+            </a:xfrm>
+            <a:prstGeom prst="rect">
+              <a:avLst/>
+            </a:prstGeom>
+            <a:noFill/>
+          </p:spPr>
+          <p:txBody>
+            <a:bodyPr lIns="0" rIns="0" tIns="0" bIns="0" anchorCtr="1" anchor="ctr" wrap="none"/>
+            <a:lstStyle/>
+            <a:p>
+              <a:pPr algn="l" marL="0" marR="0" indent="0">
+                <a:lnSpc>
+                  <a:spcPts val="1374"/>
+                </a:lnSpc>
+                <a:spcBef>
+                  <a:spcPts val="0"/>
+                </a:spcBef>
+                <a:spcAft>
+                  <a:spcPts val="0"/>
+                </a:spcAft>
+              </a:pPr>
+              <a:r>
+                <a:rPr sz="1374">
+                  <a:solidFill>
+                    <a:srgbClr val="619CFF">
+                      <a:alpha val="100000"/>
+                    </a:srgbClr>
+                  </a:solidFill>
+                  <a:latin typeface="Arial"/>
+                  <a:cs typeface="Arial"/>
+                </a:rPr>
+                <a:t>+</a:t>
+              </a:r>
+            </a:p>
+          </p:txBody>
+        </p:sp>
+        <p:sp>
+          <p:nvSpPr>
+            <p:cNvPr id="145" name="rc144"/>
+            <p:cNvSpPr/>
+            <p:nvPr/>
+          </p:nvSpPr>
+          <p:spPr>
+            <a:xfrm>
+              <a:off x="5624745" y="3411328"/>
+              <a:ext cx="219455" cy="219455"/>
+            </a:xfrm>
+            <a:prstGeom prst="rect">
+              <a:avLst/>
+            </a:prstGeom>
+            <a:solidFill>
+              <a:srgbClr val="EBEBEB">
+                <a:alpha val="100000"/>
+              </a:srgbClr>
+            </a:solidFill>
+          </p:spPr>
+          <p:txBody>
+            <a:bodyPr/>
+            <a:lstStyle/>
+            <a:p/>
+          </p:txBody>
+        </p:sp>
+        <p:sp>
+          <p:nvSpPr>
+            <p:cNvPr id="146" name="pl145"/>
+            <p:cNvSpPr/>
+            <p:nvPr/>
+          </p:nvSpPr>
+          <p:spPr>
+            <a:xfrm>
+              <a:off x="5646691" y="3521056"/>
+              <a:ext cx="175564" cy="0"/>
+            </a:xfrm>
+            <a:custGeom>
+              <a:avLst/>
+              <a:pathLst>
+                <a:path w="175564" h="0">
+                  <a:moveTo>
+                    <a:pt x="0" y="0"/>
+                  </a:moveTo>
+                  <a:lnTo>
+                    <a:pt x="175564" y="0"/>
+                  </a:lnTo>
+                </a:path>
+              </a:pathLst>
+            </a:custGeom>
+            <a:ln w="27101" cap="flat">
+              <a:solidFill>
+                <a:srgbClr val="C77CFF">
+                  <a:alpha val="100000"/>
+                </a:srgbClr>
+              </a:solidFill>
+              <a:prstDash val="solid"/>
+              <a:round/>
+            </a:ln>
+          </p:spPr>
+          <p:txBody>
+            <a:bodyPr/>
+            <a:lstStyle/>
+            <a:p/>
+          </p:txBody>
+        </p:sp>
+        <p:sp>
+          <p:nvSpPr>
+            <p:cNvPr id="147" name="tx146"/>
+            <p:cNvSpPr/>
+            <p:nvPr/>
+          </p:nvSpPr>
+          <p:spPr>
+            <a:xfrm>
+              <a:off x="5683489" y="3499955"/>
+              <a:ext cx="101968" cy="82614"/>
+            </a:xfrm>
+            <a:prstGeom prst="rect">
+              <a:avLst/>
+            </a:prstGeom>
+            <a:noFill/>
+          </p:spPr>
+          <p:txBody>
+            <a:bodyPr lIns="0" rIns="0" tIns="0" bIns="0" anchorCtr="1" anchor="ctr" wrap="none"/>
+            <a:lstStyle/>
+            <a:p>
+              <a:pPr algn="l" marL="0" marR="0" indent="0">
+                <a:lnSpc>
+                  <a:spcPts val="1374"/>
+                </a:lnSpc>
+                <a:spcBef>
+                  <a:spcPts val="0"/>
+                </a:spcBef>
+                <a:spcAft>
+                  <a:spcPts val="0"/>
+                </a:spcAft>
+              </a:pPr>
+              <a:r>
+                <a:rPr sz="1374">
+                  <a:solidFill>
+                    <a:srgbClr val="C77CFF">
+                      <a:alpha val="100000"/>
+                    </a:srgbClr>
+                  </a:solidFill>
+                  <a:latin typeface="Arial"/>
+                  <a:cs typeface="Arial"/>
+                </a:rPr>
+                <a:t>+</a:t>
+              </a:r>
+            </a:p>
+          </p:txBody>
+        </p:sp>
+        <p:sp>
+          <p:nvSpPr>
+            <p:cNvPr id="148" name="rc147"/>
+            <p:cNvSpPr/>
+            <p:nvPr/>
+          </p:nvSpPr>
+          <p:spPr>
+            <a:xfrm>
+              <a:off x="5624745" y="3630784"/>
+              <a:ext cx="219455" cy="219456"/>
+            </a:xfrm>
+            <a:prstGeom prst="rect">
+              <a:avLst/>
+            </a:prstGeom>
+            <a:solidFill>
+              <a:srgbClr val="EBEBEB">
+                <a:alpha val="100000"/>
+              </a:srgbClr>
+            </a:solidFill>
+          </p:spPr>
+          <p:txBody>
+            <a:bodyPr/>
+            <a:lstStyle/>
+            <a:p/>
+          </p:txBody>
+        </p:sp>
+        <p:sp>
+          <p:nvSpPr>
+            <p:cNvPr id="149" name="pl148"/>
+            <p:cNvSpPr/>
+            <p:nvPr/>
+          </p:nvSpPr>
+          <p:spPr>
+            <a:xfrm>
+              <a:off x="5646691" y="3740512"/>
+              <a:ext cx="175564" cy="0"/>
+            </a:xfrm>
+            <a:custGeom>
+              <a:avLst/>
+              <a:pathLst>
+                <a:path w="175564" h="0">
+                  <a:moveTo>
+                    <a:pt x="0" y="0"/>
+                  </a:moveTo>
+                  <a:lnTo>
+                    <a:pt x="175564" y="0"/>
+                  </a:lnTo>
+                </a:path>
+              </a:pathLst>
+            </a:custGeom>
+            <a:ln w="27101" cap="flat">
+              <a:solidFill>
+                <a:srgbClr val="F564E3">
+                  <a:alpha val="100000"/>
+                </a:srgbClr>
+              </a:solidFill>
+              <a:prstDash val="solid"/>
+              <a:round/>
+            </a:ln>
+          </p:spPr>
+          <p:txBody>
+            <a:bodyPr/>
+            <a:lstStyle/>
+            <a:p/>
+          </p:txBody>
+        </p:sp>
+        <p:sp>
+          <p:nvSpPr>
+            <p:cNvPr id="150" name="tx149"/>
+            <p:cNvSpPr/>
+            <p:nvPr/>
+          </p:nvSpPr>
+          <p:spPr>
+            <a:xfrm>
+              <a:off x="5683489" y="3719411"/>
+              <a:ext cx="101968" cy="82614"/>
+            </a:xfrm>
+            <a:prstGeom prst="rect">
+              <a:avLst/>
+            </a:prstGeom>
+            <a:noFill/>
+          </p:spPr>
+          <p:txBody>
+            <a:bodyPr lIns="0" rIns="0" tIns="0" bIns="0" anchorCtr="1" anchor="ctr" wrap="none"/>
+            <a:lstStyle/>
+            <a:p>
+              <a:pPr algn="l" marL="0" marR="0" indent="0">
+                <a:lnSpc>
+                  <a:spcPts val="1374"/>
+                </a:lnSpc>
+                <a:spcBef>
+                  <a:spcPts val="0"/>
+                </a:spcBef>
+                <a:spcAft>
+                  <a:spcPts val="0"/>
+                </a:spcAft>
+              </a:pPr>
+              <a:r>
+                <a:rPr sz="1374">
+                  <a:solidFill>
+                    <a:srgbClr val="F564E3">
+                      <a:alpha val="100000"/>
+                    </a:srgbClr>
+                  </a:solidFill>
+                  <a:latin typeface="Arial"/>
+                  <a:cs typeface="Arial"/>
+                </a:rPr>
+                <a:t>+</a:t>
+              </a:r>
+            </a:p>
+          </p:txBody>
+        </p:sp>
+        <p:sp>
+          <p:nvSpPr>
+            <p:cNvPr id="151" name="rc150"/>
+            <p:cNvSpPr/>
+            <p:nvPr/>
+          </p:nvSpPr>
+          <p:spPr>
+            <a:xfrm>
+              <a:off x="5624745" y="3850240"/>
+              <a:ext cx="219455" cy="219456"/>
+            </a:xfrm>
+            <a:prstGeom prst="rect">
+              <a:avLst/>
+            </a:prstGeom>
+            <a:solidFill>
+              <a:srgbClr val="EBEBEB">
+                <a:alpha val="100000"/>
+              </a:srgbClr>
+            </a:solidFill>
+          </p:spPr>
+          <p:txBody>
+            <a:bodyPr/>
+            <a:lstStyle/>
+            <a:p/>
+          </p:txBody>
+        </p:sp>
+        <p:sp>
+          <p:nvSpPr>
+            <p:cNvPr id="152" name="pl151"/>
+            <p:cNvSpPr/>
+            <p:nvPr/>
+          </p:nvSpPr>
+          <p:spPr>
+            <a:xfrm>
+              <a:off x="5646691" y="3959968"/>
+              <a:ext cx="175564" cy="0"/>
+            </a:xfrm>
+            <a:custGeom>
+              <a:avLst/>
+              <a:pathLst>
+                <a:path w="175564" h="0">
+                  <a:moveTo>
+                    <a:pt x="0" y="0"/>
+                  </a:moveTo>
+                  <a:lnTo>
+                    <a:pt x="175564" y="0"/>
+                  </a:lnTo>
+                </a:path>
+              </a:pathLst>
+            </a:custGeom>
+            <a:ln w="27101" cap="flat">
+              <a:solidFill>
+                <a:srgbClr val="FF64B0">
+                  <a:alpha val="100000"/>
+                </a:srgbClr>
+              </a:solidFill>
+              <a:prstDash val="solid"/>
+              <a:round/>
+            </a:ln>
+          </p:spPr>
+          <p:txBody>
+            <a:bodyPr/>
+            <a:lstStyle/>
+            <a:p/>
+          </p:txBody>
+        </p:sp>
+        <p:sp>
+          <p:nvSpPr>
+            <p:cNvPr id="153" name="tx152"/>
+            <p:cNvSpPr/>
+            <p:nvPr/>
+          </p:nvSpPr>
+          <p:spPr>
+            <a:xfrm>
+              <a:off x="5683489" y="3938867"/>
+              <a:ext cx="101968" cy="82614"/>
+            </a:xfrm>
+            <a:prstGeom prst="rect">
+              <a:avLst/>
+            </a:prstGeom>
+            <a:noFill/>
+          </p:spPr>
+          <p:txBody>
+            <a:bodyPr lIns="0" rIns="0" tIns="0" bIns="0" anchorCtr="1" anchor="ctr" wrap="none"/>
+            <a:lstStyle/>
+            <a:p>
+              <a:pPr algn="l" marL="0" marR="0" indent="0">
+                <a:lnSpc>
+                  <a:spcPts val="1374"/>
+                </a:lnSpc>
+                <a:spcBef>
+                  <a:spcPts val="0"/>
+                </a:spcBef>
+                <a:spcAft>
+                  <a:spcPts val="0"/>
+                </a:spcAft>
+              </a:pPr>
+              <a:r>
+                <a:rPr sz="1374">
+                  <a:solidFill>
+                    <a:srgbClr val="FF64B0">
+                      <a:alpha val="100000"/>
+                    </a:srgbClr>
+                  </a:solidFill>
+                  <a:latin typeface="Arial"/>
+                  <a:cs typeface="Arial"/>
+                </a:rPr>
+                <a:t>+</a:t>
+              </a:r>
+            </a:p>
+          </p:txBody>
+        </p:sp>
+        <p:sp>
+          <p:nvSpPr>
+            <p:cNvPr id="154" name="tx153"/>
+            <p:cNvSpPr/>
+            <p:nvPr/>
+          </p:nvSpPr>
+          <p:spPr>
+            <a:xfrm>
+              <a:off x="5913790" y="1488762"/>
+              <a:ext cx="341664" cy="97189"/>
             </a:xfrm>
             <a:prstGeom prst="rect">
               <a:avLst/>
@@ -6482,7 +9752,513 @@
                   <a:latin typeface="Arial"/>
                   <a:cs typeface="Arial"/>
                 </a:rPr>
-                <a:t>A</a:t>
+                <a:t>A, C14</a:t>
+              </a:r>
+            </a:p>
+          </p:txBody>
+        </p:sp>
+        <p:sp>
+          <p:nvSpPr>
+            <p:cNvPr id="155" name="tx154"/>
+            <p:cNvSpPr/>
+            <p:nvPr/>
+          </p:nvSpPr>
+          <p:spPr>
+            <a:xfrm>
+              <a:off x="5913790" y="1708218"/>
+              <a:ext cx="279509" cy="97189"/>
+            </a:xfrm>
+            <a:prstGeom prst="rect">
+              <a:avLst/>
+            </a:prstGeom>
+            <a:noFill/>
+          </p:spPr>
+          <p:txBody>
+            <a:bodyPr lIns="0" rIns="0" tIns="0" bIns="0" anchorCtr="1" anchor="ctr" wrap="none"/>
+            <a:lstStyle/>
+            <a:p>
+              <a:pPr algn="l" marL="0" marR="0" indent="0">
+                <a:lnSpc>
+                  <a:spcPts val="880"/>
+                </a:lnSpc>
+                <a:spcBef>
+                  <a:spcPts val="0"/>
+                </a:spcBef>
+                <a:spcAft>
+                  <a:spcPts val="0"/>
+                </a:spcAft>
+              </a:pPr>
+              <a:r>
+                <a:rPr sz="880">
+                  <a:solidFill>
+                    <a:srgbClr val="000000">
+                      <a:alpha val="100000"/>
+                    </a:srgbClr>
+                  </a:solidFill>
+                  <a:latin typeface="Arial"/>
+                  <a:cs typeface="Arial"/>
+                </a:rPr>
+                <a:t>A, C2</a:t>
+              </a:r>
+            </a:p>
+          </p:txBody>
+        </p:sp>
+        <p:sp>
+          <p:nvSpPr>
+            <p:cNvPr id="156" name="tx155"/>
+            <p:cNvSpPr/>
+            <p:nvPr/>
+          </p:nvSpPr>
+          <p:spPr>
+            <a:xfrm>
+              <a:off x="5913790" y="1927674"/>
+              <a:ext cx="279509" cy="97189"/>
+            </a:xfrm>
+            <a:prstGeom prst="rect">
+              <a:avLst/>
+            </a:prstGeom>
+            <a:noFill/>
+          </p:spPr>
+          <p:txBody>
+            <a:bodyPr lIns="0" rIns="0" tIns="0" bIns="0" anchorCtr="1" anchor="ctr" wrap="none"/>
+            <a:lstStyle/>
+            <a:p>
+              <a:pPr algn="l" marL="0" marR="0" indent="0">
+                <a:lnSpc>
+                  <a:spcPts val="880"/>
+                </a:lnSpc>
+                <a:spcBef>
+                  <a:spcPts val="0"/>
+                </a:spcBef>
+                <a:spcAft>
+                  <a:spcPts val="0"/>
+                </a:spcAft>
+              </a:pPr>
+              <a:r>
+                <a:rPr sz="880">
+                  <a:solidFill>
+                    <a:srgbClr val="000000">
+                      <a:alpha val="100000"/>
+                    </a:srgbClr>
+                  </a:solidFill>
+                  <a:latin typeface="Arial"/>
+                  <a:cs typeface="Arial"/>
+                </a:rPr>
+                <a:t>A, C9</a:t>
+              </a:r>
+            </a:p>
+          </p:txBody>
+        </p:sp>
+        <p:sp>
+          <p:nvSpPr>
+            <p:cNvPr id="157" name="tx156"/>
+            <p:cNvSpPr/>
+            <p:nvPr/>
+          </p:nvSpPr>
+          <p:spPr>
+            <a:xfrm>
+              <a:off x="5913790" y="2147130"/>
+              <a:ext cx="279509" cy="97189"/>
+            </a:xfrm>
+            <a:prstGeom prst="rect">
+              <a:avLst/>
+            </a:prstGeom>
+            <a:noFill/>
+          </p:spPr>
+          <p:txBody>
+            <a:bodyPr lIns="0" rIns="0" tIns="0" bIns="0" anchorCtr="1" anchor="ctr" wrap="none"/>
+            <a:lstStyle/>
+            <a:p>
+              <a:pPr algn="l" marL="0" marR="0" indent="0">
+                <a:lnSpc>
+                  <a:spcPts val="880"/>
+                </a:lnSpc>
+                <a:spcBef>
+                  <a:spcPts val="0"/>
+                </a:spcBef>
+                <a:spcAft>
+                  <a:spcPts val="0"/>
+                </a:spcAft>
+              </a:pPr>
+              <a:r>
+                <a:rPr sz="880">
+                  <a:solidFill>
+                    <a:srgbClr val="000000">
+                      <a:alpha val="100000"/>
+                    </a:srgbClr>
+                  </a:solidFill>
+                  <a:latin typeface="Arial"/>
+                  <a:cs typeface="Arial"/>
+                </a:rPr>
+                <a:t>B, C1</a:t>
+              </a:r>
+            </a:p>
+          </p:txBody>
+        </p:sp>
+        <p:sp>
+          <p:nvSpPr>
+            <p:cNvPr id="158" name="tx157"/>
+            <p:cNvSpPr/>
+            <p:nvPr/>
+          </p:nvSpPr>
+          <p:spPr>
+            <a:xfrm>
+              <a:off x="5913790" y="2366586"/>
+              <a:ext cx="341664" cy="97189"/>
+            </a:xfrm>
+            <a:prstGeom prst="rect">
+              <a:avLst/>
+            </a:prstGeom>
+            <a:noFill/>
+          </p:spPr>
+          <p:txBody>
+            <a:bodyPr lIns="0" rIns="0" tIns="0" bIns="0" anchorCtr="1" anchor="ctr" wrap="none"/>
+            <a:lstStyle/>
+            <a:p>
+              <a:pPr algn="l" marL="0" marR="0" indent="0">
+                <a:lnSpc>
+                  <a:spcPts val="880"/>
+                </a:lnSpc>
+                <a:spcBef>
+                  <a:spcPts val="0"/>
+                </a:spcBef>
+                <a:spcAft>
+                  <a:spcPts val="0"/>
+                </a:spcAft>
+              </a:pPr>
+              <a:r>
+                <a:rPr sz="880">
+                  <a:solidFill>
+                    <a:srgbClr val="000000">
+                      <a:alpha val="100000"/>
+                    </a:srgbClr>
+                  </a:solidFill>
+                  <a:latin typeface="Arial"/>
+                  <a:cs typeface="Arial"/>
+                </a:rPr>
+                <a:t>B, C11</a:t>
+              </a:r>
+            </a:p>
+          </p:txBody>
+        </p:sp>
+        <p:sp>
+          <p:nvSpPr>
+            <p:cNvPr id="159" name="tx158"/>
+            <p:cNvSpPr/>
+            <p:nvPr/>
+          </p:nvSpPr>
+          <p:spPr>
+            <a:xfrm>
+              <a:off x="5913790" y="2586042"/>
+              <a:ext cx="279509" cy="97189"/>
+            </a:xfrm>
+            <a:prstGeom prst="rect">
+              <a:avLst/>
+            </a:prstGeom>
+            <a:noFill/>
+          </p:spPr>
+          <p:txBody>
+            <a:bodyPr lIns="0" rIns="0" tIns="0" bIns="0" anchorCtr="1" anchor="ctr" wrap="none"/>
+            <a:lstStyle/>
+            <a:p>
+              <a:pPr algn="l" marL="0" marR="0" indent="0">
+                <a:lnSpc>
+                  <a:spcPts val="880"/>
+                </a:lnSpc>
+                <a:spcBef>
+                  <a:spcPts val="0"/>
+                </a:spcBef>
+                <a:spcAft>
+                  <a:spcPts val="0"/>
+                </a:spcAft>
+              </a:pPr>
+              <a:r>
+                <a:rPr sz="880">
+                  <a:solidFill>
+                    <a:srgbClr val="000000">
+                      <a:alpha val="100000"/>
+                    </a:srgbClr>
+                  </a:solidFill>
+                  <a:latin typeface="Arial"/>
+                  <a:cs typeface="Arial"/>
+                </a:rPr>
+                <a:t>B, C6</a:t>
+              </a:r>
+            </a:p>
+          </p:txBody>
+        </p:sp>
+        <p:sp>
+          <p:nvSpPr>
+            <p:cNvPr id="160" name="tx159"/>
+            <p:cNvSpPr/>
+            <p:nvPr/>
+          </p:nvSpPr>
+          <p:spPr>
+            <a:xfrm>
+              <a:off x="5913790" y="2805498"/>
+              <a:ext cx="347831" cy="97189"/>
+            </a:xfrm>
+            <a:prstGeom prst="rect">
+              <a:avLst/>
+            </a:prstGeom>
+            <a:noFill/>
+          </p:spPr>
+          <p:txBody>
+            <a:bodyPr lIns="0" rIns="0" tIns="0" bIns="0" anchorCtr="1" anchor="ctr" wrap="none"/>
+            <a:lstStyle/>
+            <a:p>
+              <a:pPr algn="l" marL="0" marR="0" indent="0">
+                <a:lnSpc>
+                  <a:spcPts val="880"/>
+                </a:lnSpc>
+                <a:spcBef>
+                  <a:spcPts val="0"/>
+                </a:spcBef>
+                <a:spcAft>
+                  <a:spcPts val="0"/>
+                </a:spcAft>
+              </a:pPr>
+              <a:r>
+                <a:rPr sz="880">
+                  <a:solidFill>
+                    <a:srgbClr val="000000">
+                      <a:alpha val="100000"/>
+                    </a:srgbClr>
+                  </a:solidFill>
+                  <a:latin typeface="Arial"/>
+                  <a:cs typeface="Arial"/>
+                </a:rPr>
+                <a:t>C, C12</a:t>
+              </a:r>
+            </a:p>
+          </p:txBody>
+        </p:sp>
+        <p:sp>
+          <p:nvSpPr>
+            <p:cNvPr id="161" name="tx160"/>
+            <p:cNvSpPr/>
+            <p:nvPr/>
+          </p:nvSpPr>
+          <p:spPr>
+            <a:xfrm>
+              <a:off x="5913790" y="3024954"/>
+              <a:ext cx="347831" cy="97189"/>
+            </a:xfrm>
+            <a:prstGeom prst="rect">
+              <a:avLst/>
+            </a:prstGeom>
+            <a:noFill/>
+          </p:spPr>
+          <p:txBody>
+            <a:bodyPr lIns="0" rIns="0" tIns="0" bIns="0" anchorCtr="1" anchor="ctr" wrap="none"/>
+            <a:lstStyle/>
+            <a:p>
+              <a:pPr algn="l" marL="0" marR="0" indent="0">
+                <a:lnSpc>
+                  <a:spcPts val="880"/>
+                </a:lnSpc>
+                <a:spcBef>
+                  <a:spcPts val="0"/>
+                </a:spcBef>
+                <a:spcAft>
+                  <a:spcPts val="0"/>
+                </a:spcAft>
+              </a:pPr>
+              <a:r>
+                <a:rPr sz="880">
+                  <a:solidFill>
+                    <a:srgbClr val="000000">
+                      <a:alpha val="100000"/>
+                    </a:srgbClr>
+                  </a:solidFill>
+                  <a:latin typeface="Arial"/>
+                  <a:cs typeface="Arial"/>
+                </a:rPr>
+                <a:t>C, C15</a:t>
+              </a:r>
+            </a:p>
+          </p:txBody>
+        </p:sp>
+        <p:sp>
+          <p:nvSpPr>
+            <p:cNvPr id="162" name="tx161"/>
+            <p:cNvSpPr/>
+            <p:nvPr/>
+          </p:nvSpPr>
+          <p:spPr>
+            <a:xfrm>
+              <a:off x="5913790" y="3244410"/>
+              <a:ext cx="285675" cy="97189"/>
+            </a:xfrm>
+            <a:prstGeom prst="rect">
+              <a:avLst/>
+            </a:prstGeom>
+            <a:noFill/>
+          </p:spPr>
+          <p:txBody>
+            <a:bodyPr lIns="0" rIns="0" tIns="0" bIns="0" anchorCtr="1" anchor="ctr" wrap="none"/>
+            <a:lstStyle/>
+            <a:p>
+              <a:pPr algn="l" marL="0" marR="0" indent="0">
+                <a:lnSpc>
+                  <a:spcPts val="880"/>
+                </a:lnSpc>
+                <a:spcBef>
+                  <a:spcPts val="0"/>
+                </a:spcBef>
+                <a:spcAft>
+                  <a:spcPts val="0"/>
+                </a:spcAft>
+              </a:pPr>
+              <a:r>
+                <a:rPr sz="880">
+                  <a:solidFill>
+                    <a:srgbClr val="000000">
+                      <a:alpha val="100000"/>
+                    </a:srgbClr>
+                  </a:solidFill>
+                  <a:latin typeface="Arial"/>
+                  <a:cs typeface="Arial"/>
+                </a:rPr>
+                <a:t>C, C3</a:t>
+              </a:r>
+            </a:p>
+          </p:txBody>
+        </p:sp>
+        <p:sp>
+          <p:nvSpPr>
+            <p:cNvPr id="163" name="tx162"/>
+            <p:cNvSpPr/>
+            <p:nvPr/>
+          </p:nvSpPr>
+          <p:spPr>
+            <a:xfrm>
+              <a:off x="5913790" y="3463866"/>
+              <a:ext cx="285675" cy="97189"/>
+            </a:xfrm>
+            <a:prstGeom prst="rect">
+              <a:avLst/>
+            </a:prstGeom>
+            <a:noFill/>
+          </p:spPr>
+          <p:txBody>
+            <a:bodyPr lIns="0" rIns="0" tIns="0" bIns="0" anchorCtr="1" anchor="ctr" wrap="none"/>
+            <a:lstStyle/>
+            <a:p>
+              <a:pPr algn="l" marL="0" marR="0" indent="0">
+                <a:lnSpc>
+                  <a:spcPts val="880"/>
+                </a:lnSpc>
+                <a:spcBef>
+                  <a:spcPts val="0"/>
+                </a:spcBef>
+                <a:spcAft>
+                  <a:spcPts val="0"/>
+                </a:spcAft>
+              </a:pPr>
+              <a:r>
+                <a:rPr sz="880">
+                  <a:solidFill>
+                    <a:srgbClr val="000000">
+                      <a:alpha val="100000"/>
+                    </a:srgbClr>
+                  </a:solidFill>
+                  <a:latin typeface="Arial"/>
+                  <a:cs typeface="Arial"/>
+                </a:rPr>
+                <a:t>D, C4</a:t>
+              </a:r>
+            </a:p>
+          </p:txBody>
+        </p:sp>
+        <p:sp>
+          <p:nvSpPr>
+            <p:cNvPr id="164" name="tx163"/>
+            <p:cNvSpPr/>
+            <p:nvPr/>
+          </p:nvSpPr>
+          <p:spPr>
+            <a:xfrm>
+              <a:off x="5913790" y="3683322"/>
+              <a:ext cx="285675" cy="97189"/>
+            </a:xfrm>
+            <a:prstGeom prst="rect">
+              <a:avLst/>
+            </a:prstGeom>
+            <a:noFill/>
+          </p:spPr>
+          <p:txBody>
+            <a:bodyPr lIns="0" rIns="0" tIns="0" bIns="0" anchorCtr="1" anchor="ctr" wrap="none"/>
+            <a:lstStyle/>
+            <a:p>
+              <a:pPr algn="l" marL="0" marR="0" indent="0">
+                <a:lnSpc>
+                  <a:spcPts val="880"/>
+                </a:lnSpc>
+                <a:spcBef>
+                  <a:spcPts val="0"/>
+                </a:spcBef>
+                <a:spcAft>
+                  <a:spcPts val="0"/>
+                </a:spcAft>
+              </a:pPr>
+              <a:r>
+                <a:rPr sz="880">
+                  <a:solidFill>
+                    <a:srgbClr val="000000">
+                      <a:alpha val="100000"/>
+                    </a:srgbClr>
+                  </a:solidFill>
+                  <a:latin typeface="Arial"/>
+                  <a:cs typeface="Arial"/>
+                </a:rPr>
+                <a:t>D, C5</a:t>
+              </a:r>
+            </a:p>
+          </p:txBody>
+        </p:sp>
+        <p:sp>
+          <p:nvSpPr>
+            <p:cNvPr id="165" name="tx164"/>
+            <p:cNvSpPr/>
+            <p:nvPr/>
+          </p:nvSpPr>
+          <p:spPr>
+            <a:xfrm>
+              <a:off x="5913790" y="3902778"/>
+              <a:ext cx="285675" cy="97189"/>
+            </a:xfrm>
+            <a:prstGeom prst="rect">
+              <a:avLst/>
+            </a:prstGeom>
+            <a:noFill/>
+          </p:spPr>
+          <p:txBody>
+            <a:bodyPr lIns="0" rIns="0" tIns="0" bIns="0" anchorCtr="1" anchor="ctr" wrap="none"/>
+            <a:lstStyle/>
+            <a:p>
+              <a:pPr algn="l" marL="0" marR="0" indent="0">
+                <a:lnSpc>
+                  <a:spcPts val="880"/>
+                </a:lnSpc>
+                <a:spcBef>
+                  <a:spcPts val="0"/>
+                </a:spcBef>
+                <a:spcAft>
+                  <a:spcPts val="0"/>
+                </a:spcAft>
+              </a:pPr>
+              <a:r>
+                <a:rPr sz="880">
+                  <a:solidFill>
+                    <a:srgbClr val="000000">
+                      <a:alpha val="100000"/>
+                    </a:srgbClr>
+                  </a:solidFill>
+                  <a:latin typeface="Arial"/>
+                  <a:cs typeface="Arial"/>
+                </a:rPr>
+                <a:t>D, C8</a:t>
               </a:r>
             </a:p>
           </p:txBody>

--- a/ONDA_XX-Survival Curve.pptx
+++ b/ONDA_XX-Survival Curve.pptx
@@ -2334,7 +2334,7 @@
           <p:spPr>
             <a:xfrm>
               <a:off x="1496652" y="983989"/>
-              <a:ext cx="3919325" cy="3188077"/>
+              <a:ext cx="3453404" cy="3188077"/>
             </a:xfrm>
             <a:prstGeom prst="rect">
               <a:avLst/>
@@ -2360,20 +2360,20 @@
           <p:spPr>
             <a:xfrm>
               <a:off x="1496652" y="4017305"/>
-              <a:ext cx="3919325" cy="0"/>
+              <a:ext cx="3453404" cy="0"/>
             </a:xfrm>
             <a:custGeom>
               <a:avLst/>
               <a:pathLst>
-                <a:path w="3919325" h="0">
+                <a:path w="3453404" h="0">
                   <a:moveTo>
                     <a:pt x="0" y="0"/>
                   </a:moveTo>
                   <a:lnTo>
-                    <a:pt x="3919325" y="0"/>
-                  </a:lnTo>
-                  <a:lnTo>
-                    <a:pt x="3919325" y="0"/>
+                    <a:pt x="3453404" y="0"/>
+                  </a:lnTo>
+                  <a:lnTo>
+                    <a:pt x="3453404" y="0"/>
                   </a:lnTo>
                 </a:path>
               </a:pathLst>
@@ -2403,20 +2403,20 @@
           <p:spPr>
             <a:xfrm>
               <a:off x="1496652" y="3707783"/>
-              <a:ext cx="3919325" cy="0"/>
+              <a:ext cx="3453404" cy="0"/>
             </a:xfrm>
             <a:custGeom>
               <a:avLst/>
               <a:pathLst>
-                <a:path w="3919325" h="0">
+                <a:path w="3453404" h="0">
                   <a:moveTo>
                     <a:pt x="0" y="0"/>
                   </a:moveTo>
                   <a:lnTo>
-                    <a:pt x="3919325" y="0"/>
-                  </a:lnTo>
-                  <a:lnTo>
-                    <a:pt x="3919325" y="0"/>
+                    <a:pt x="3453404" y="0"/>
+                  </a:lnTo>
+                  <a:lnTo>
+                    <a:pt x="3453404" y="0"/>
                   </a:lnTo>
                 </a:path>
               </a:pathLst>
@@ -2446,20 +2446,20 @@
           <p:spPr>
             <a:xfrm>
               <a:off x="1496652" y="3398261"/>
-              <a:ext cx="3919325" cy="0"/>
+              <a:ext cx="3453404" cy="0"/>
             </a:xfrm>
             <a:custGeom>
               <a:avLst/>
               <a:pathLst>
-                <a:path w="3919325" h="0">
+                <a:path w="3453404" h="0">
                   <a:moveTo>
                     <a:pt x="0" y="0"/>
                   </a:moveTo>
                   <a:lnTo>
-                    <a:pt x="3919325" y="0"/>
-                  </a:lnTo>
-                  <a:lnTo>
-                    <a:pt x="3919325" y="0"/>
+                    <a:pt x="3453404" y="0"/>
+                  </a:lnTo>
+                  <a:lnTo>
+                    <a:pt x="3453404" y="0"/>
                   </a:lnTo>
                 </a:path>
               </a:pathLst>
@@ -2489,20 +2489,20 @@
           <p:spPr>
             <a:xfrm>
               <a:off x="1496652" y="3088739"/>
-              <a:ext cx="3919325" cy="0"/>
+              <a:ext cx="3453404" cy="0"/>
             </a:xfrm>
             <a:custGeom>
               <a:avLst/>
               <a:pathLst>
-                <a:path w="3919325" h="0">
+                <a:path w="3453404" h="0">
                   <a:moveTo>
                     <a:pt x="0" y="0"/>
                   </a:moveTo>
                   <a:lnTo>
-                    <a:pt x="3919325" y="0"/>
-                  </a:lnTo>
-                  <a:lnTo>
-                    <a:pt x="3919325" y="0"/>
+                    <a:pt x="3453404" y="0"/>
+                  </a:lnTo>
+                  <a:lnTo>
+                    <a:pt x="3453404" y="0"/>
                   </a:lnTo>
                 </a:path>
               </a:pathLst>
@@ -2532,20 +2532,20 @@
           <p:spPr>
             <a:xfrm>
               <a:off x="1496652" y="2779217"/>
-              <a:ext cx="3919325" cy="0"/>
+              <a:ext cx="3453404" cy="0"/>
             </a:xfrm>
             <a:custGeom>
               <a:avLst/>
               <a:pathLst>
-                <a:path w="3919325" h="0">
+                <a:path w="3453404" h="0">
                   <a:moveTo>
                     <a:pt x="0" y="0"/>
                   </a:moveTo>
                   <a:lnTo>
-                    <a:pt x="3919325" y="0"/>
-                  </a:lnTo>
-                  <a:lnTo>
-                    <a:pt x="3919325" y="0"/>
+                    <a:pt x="3453404" y="0"/>
+                  </a:lnTo>
+                  <a:lnTo>
+                    <a:pt x="3453404" y="0"/>
                   </a:lnTo>
                 </a:path>
               </a:pathLst>
@@ -2575,20 +2575,20 @@
           <p:spPr>
             <a:xfrm>
               <a:off x="1496652" y="2469695"/>
-              <a:ext cx="3919325" cy="0"/>
+              <a:ext cx="3453404" cy="0"/>
             </a:xfrm>
             <a:custGeom>
               <a:avLst/>
               <a:pathLst>
-                <a:path w="3919325" h="0">
+                <a:path w="3453404" h="0">
                   <a:moveTo>
                     <a:pt x="0" y="0"/>
                   </a:moveTo>
                   <a:lnTo>
-                    <a:pt x="3919325" y="0"/>
-                  </a:lnTo>
-                  <a:lnTo>
-                    <a:pt x="3919325" y="0"/>
+                    <a:pt x="3453404" y="0"/>
+                  </a:lnTo>
+                  <a:lnTo>
+                    <a:pt x="3453404" y="0"/>
                   </a:lnTo>
                 </a:path>
               </a:pathLst>
@@ -2618,20 +2618,20 @@
           <p:spPr>
             <a:xfrm>
               <a:off x="1496652" y="2160172"/>
-              <a:ext cx="3919325" cy="0"/>
+              <a:ext cx="3453404" cy="0"/>
             </a:xfrm>
             <a:custGeom>
               <a:avLst/>
               <a:pathLst>
-                <a:path w="3919325" h="0">
+                <a:path w="3453404" h="0">
                   <a:moveTo>
                     <a:pt x="0" y="0"/>
                   </a:moveTo>
                   <a:lnTo>
-                    <a:pt x="3919325" y="0"/>
-                  </a:lnTo>
-                  <a:lnTo>
-                    <a:pt x="3919325" y="0"/>
+                    <a:pt x="3453404" y="0"/>
+                  </a:lnTo>
+                  <a:lnTo>
+                    <a:pt x="3453404" y="0"/>
                   </a:lnTo>
                 </a:path>
               </a:pathLst>
@@ -2661,20 +2661,20 @@
           <p:spPr>
             <a:xfrm>
               <a:off x="1496652" y="1850650"/>
-              <a:ext cx="3919325" cy="0"/>
+              <a:ext cx="3453404" cy="0"/>
             </a:xfrm>
             <a:custGeom>
               <a:avLst/>
               <a:pathLst>
-                <a:path w="3919325" h="0">
+                <a:path w="3453404" h="0">
                   <a:moveTo>
                     <a:pt x="0" y="0"/>
                   </a:moveTo>
                   <a:lnTo>
-                    <a:pt x="3919325" y="0"/>
-                  </a:lnTo>
-                  <a:lnTo>
-                    <a:pt x="3919325" y="0"/>
+                    <a:pt x="3453404" y="0"/>
+                  </a:lnTo>
+                  <a:lnTo>
+                    <a:pt x="3453404" y="0"/>
                   </a:lnTo>
                 </a:path>
               </a:pathLst>
@@ -2704,20 +2704,20 @@
           <p:spPr>
             <a:xfrm>
               <a:off x="1496652" y="1541128"/>
-              <a:ext cx="3919325" cy="0"/>
+              <a:ext cx="3453404" cy="0"/>
             </a:xfrm>
             <a:custGeom>
               <a:avLst/>
               <a:pathLst>
-                <a:path w="3919325" h="0">
+                <a:path w="3453404" h="0">
                   <a:moveTo>
                     <a:pt x="0" y="0"/>
                   </a:moveTo>
                   <a:lnTo>
-                    <a:pt x="3919325" y="0"/>
-                  </a:lnTo>
-                  <a:lnTo>
-                    <a:pt x="3919325" y="0"/>
+                    <a:pt x="3453404" y="0"/>
+                  </a:lnTo>
+                  <a:lnTo>
+                    <a:pt x="3453404" y="0"/>
                   </a:lnTo>
                 </a:path>
               </a:pathLst>
@@ -2747,20 +2747,20 @@
           <p:spPr>
             <a:xfrm>
               <a:off x="1496652" y="1231606"/>
-              <a:ext cx="3919325" cy="0"/>
+              <a:ext cx="3453404" cy="0"/>
             </a:xfrm>
             <a:custGeom>
               <a:avLst/>
               <a:pathLst>
-                <a:path w="3919325" h="0">
+                <a:path w="3453404" h="0">
                   <a:moveTo>
                     <a:pt x="0" y="0"/>
                   </a:moveTo>
                   <a:lnTo>
-                    <a:pt x="3919325" y="0"/>
-                  </a:lnTo>
-                  <a:lnTo>
-                    <a:pt x="3919325" y="0"/>
+                    <a:pt x="3453404" y="0"/>
+                  </a:lnTo>
+                  <a:lnTo>
+                    <a:pt x="3453404" y="0"/>
                   </a:lnTo>
                 </a:path>
               </a:pathLst>
@@ -2789,7 +2789,7 @@
           </p:nvSpPr>
           <p:spPr>
             <a:xfrm>
-              <a:off x="1710434" y="983989"/>
+              <a:off x="1693990" y="983989"/>
               <a:ext cx="0" cy="3188077"/>
             </a:xfrm>
             <a:custGeom>
@@ -2832,7 +2832,7 @@
           </p:nvSpPr>
           <p:spPr>
             <a:xfrm>
-              <a:off x="2137997" y="983989"/>
+              <a:off x="2088665" y="983989"/>
               <a:ext cx="0" cy="3188077"/>
             </a:xfrm>
             <a:custGeom>
@@ -2875,7 +2875,7 @@
           </p:nvSpPr>
           <p:spPr>
             <a:xfrm>
-              <a:off x="2565559" y="983989"/>
+              <a:off x="2483339" y="983989"/>
               <a:ext cx="0" cy="3188077"/>
             </a:xfrm>
             <a:custGeom>
@@ -2918,7 +2918,7 @@
           </p:nvSpPr>
           <p:spPr>
             <a:xfrm>
-              <a:off x="2993122" y="983989"/>
+              <a:off x="2878014" y="983989"/>
               <a:ext cx="0" cy="3188077"/>
             </a:xfrm>
             <a:custGeom>
@@ -2961,7 +2961,7 @@
           </p:nvSpPr>
           <p:spPr>
             <a:xfrm>
-              <a:off x="3420685" y="983989"/>
+              <a:off x="3272689" y="983989"/>
               <a:ext cx="0" cy="3188077"/>
             </a:xfrm>
             <a:custGeom>
@@ -3004,7 +3004,7 @@
           </p:nvSpPr>
           <p:spPr>
             <a:xfrm>
-              <a:off x="3848248" y="983989"/>
+              <a:off x="3667364" y="983989"/>
               <a:ext cx="0" cy="3188077"/>
             </a:xfrm>
             <a:custGeom>
@@ -3047,7 +3047,7 @@
           </p:nvSpPr>
           <p:spPr>
             <a:xfrm>
-              <a:off x="4275811" y="983989"/>
+              <a:off x="4062038" y="983989"/>
               <a:ext cx="0" cy="3188077"/>
             </a:xfrm>
             <a:custGeom>
@@ -3090,7 +3090,7 @@
           </p:nvSpPr>
           <p:spPr>
             <a:xfrm>
-              <a:off x="4703373" y="983989"/>
+              <a:off x="4456713" y="983989"/>
               <a:ext cx="0" cy="3188077"/>
             </a:xfrm>
             <a:custGeom>
@@ -3133,7 +3133,7 @@
           </p:nvSpPr>
           <p:spPr>
             <a:xfrm>
-              <a:off x="5130936" y="983989"/>
+              <a:off x="4851388" y="983989"/>
               <a:ext cx="0" cy="3188077"/>
             </a:xfrm>
             <a:custGeom>
@@ -3177,20 +3177,20 @@
           <p:spPr>
             <a:xfrm>
               <a:off x="1496652" y="4172066"/>
-              <a:ext cx="3919325" cy="0"/>
+              <a:ext cx="3453404" cy="0"/>
             </a:xfrm>
             <a:custGeom>
               <a:avLst/>
               <a:pathLst>
-                <a:path w="3919325" h="0">
+                <a:path w="3453404" h="0">
                   <a:moveTo>
                     <a:pt x="0" y="0"/>
                   </a:moveTo>
                   <a:lnTo>
-                    <a:pt x="3919325" y="0"/>
-                  </a:lnTo>
-                  <a:lnTo>
-                    <a:pt x="3919325" y="0"/>
+                    <a:pt x="3453404" y="0"/>
+                  </a:lnTo>
+                  <a:lnTo>
+                    <a:pt x="3453404" y="0"/>
                   </a:lnTo>
                 </a:path>
               </a:pathLst>
@@ -3220,20 +3220,20 @@
           <p:spPr>
             <a:xfrm>
               <a:off x="1496652" y="3862544"/>
-              <a:ext cx="3919325" cy="0"/>
+              <a:ext cx="3453404" cy="0"/>
             </a:xfrm>
             <a:custGeom>
               <a:avLst/>
               <a:pathLst>
-                <a:path w="3919325" h="0">
+                <a:path w="3453404" h="0">
                   <a:moveTo>
                     <a:pt x="0" y="0"/>
                   </a:moveTo>
                   <a:lnTo>
-                    <a:pt x="3919325" y="0"/>
-                  </a:lnTo>
-                  <a:lnTo>
-                    <a:pt x="3919325" y="0"/>
+                    <a:pt x="3453404" y="0"/>
+                  </a:lnTo>
+                  <a:lnTo>
+                    <a:pt x="3453404" y="0"/>
                   </a:lnTo>
                 </a:path>
               </a:pathLst>
@@ -3263,20 +3263,20 @@
           <p:spPr>
             <a:xfrm>
               <a:off x="1496652" y="3553022"/>
-              <a:ext cx="3919325" cy="0"/>
+              <a:ext cx="3453404" cy="0"/>
             </a:xfrm>
             <a:custGeom>
               <a:avLst/>
               <a:pathLst>
-                <a:path w="3919325" h="0">
+                <a:path w="3453404" h="0">
                   <a:moveTo>
                     <a:pt x="0" y="0"/>
                   </a:moveTo>
                   <a:lnTo>
-                    <a:pt x="3919325" y="0"/>
-                  </a:lnTo>
-                  <a:lnTo>
-                    <a:pt x="3919325" y="0"/>
+                    <a:pt x="3453404" y="0"/>
+                  </a:lnTo>
+                  <a:lnTo>
+                    <a:pt x="3453404" y="0"/>
                   </a:lnTo>
                 </a:path>
               </a:pathLst>
@@ -3306,20 +3306,20 @@
           <p:spPr>
             <a:xfrm>
               <a:off x="1496652" y="3243500"/>
-              <a:ext cx="3919325" cy="0"/>
+              <a:ext cx="3453404" cy="0"/>
             </a:xfrm>
             <a:custGeom>
               <a:avLst/>
               <a:pathLst>
-                <a:path w="3919325" h="0">
+                <a:path w="3453404" h="0">
                   <a:moveTo>
                     <a:pt x="0" y="0"/>
                   </a:moveTo>
                   <a:lnTo>
-                    <a:pt x="3919325" y="0"/>
-                  </a:lnTo>
-                  <a:lnTo>
-                    <a:pt x="3919325" y="0"/>
+                    <a:pt x="3453404" y="0"/>
+                  </a:lnTo>
+                  <a:lnTo>
+                    <a:pt x="3453404" y="0"/>
                   </a:lnTo>
                 </a:path>
               </a:pathLst>
@@ -3349,20 +3349,20 @@
           <p:spPr>
             <a:xfrm>
               <a:off x="1496652" y="2933978"/>
-              <a:ext cx="3919325" cy="0"/>
+              <a:ext cx="3453404" cy="0"/>
             </a:xfrm>
             <a:custGeom>
               <a:avLst/>
               <a:pathLst>
-                <a:path w="3919325" h="0">
+                <a:path w="3453404" h="0">
                   <a:moveTo>
                     <a:pt x="0" y="0"/>
                   </a:moveTo>
                   <a:lnTo>
-                    <a:pt x="3919325" y="0"/>
-                  </a:lnTo>
-                  <a:lnTo>
-                    <a:pt x="3919325" y="0"/>
+                    <a:pt x="3453404" y="0"/>
+                  </a:lnTo>
+                  <a:lnTo>
+                    <a:pt x="3453404" y="0"/>
                   </a:lnTo>
                 </a:path>
               </a:pathLst>
@@ -3392,20 +3392,20 @@
           <p:spPr>
             <a:xfrm>
               <a:off x="1496652" y="2624456"/>
-              <a:ext cx="3919325" cy="0"/>
+              <a:ext cx="3453404" cy="0"/>
             </a:xfrm>
             <a:custGeom>
               <a:avLst/>
               <a:pathLst>
-                <a:path w="3919325" h="0">
+                <a:path w="3453404" h="0">
                   <a:moveTo>
                     <a:pt x="0" y="0"/>
                   </a:moveTo>
                   <a:lnTo>
-                    <a:pt x="3919325" y="0"/>
-                  </a:lnTo>
-                  <a:lnTo>
-                    <a:pt x="3919325" y="0"/>
+                    <a:pt x="3453404" y="0"/>
+                  </a:lnTo>
+                  <a:lnTo>
+                    <a:pt x="3453404" y="0"/>
                   </a:lnTo>
                 </a:path>
               </a:pathLst>
@@ -3435,20 +3435,20 @@
           <p:spPr>
             <a:xfrm>
               <a:off x="1496652" y="2314934"/>
-              <a:ext cx="3919325" cy="0"/>
+              <a:ext cx="3453404" cy="0"/>
             </a:xfrm>
             <a:custGeom>
               <a:avLst/>
               <a:pathLst>
-                <a:path w="3919325" h="0">
+                <a:path w="3453404" h="0">
                   <a:moveTo>
                     <a:pt x="0" y="0"/>
                   </a:moveTo>
                   <a:lnTo>
-                    <a:pt x="3919325" y="0"/>
-                  </a:lnTo>
-                  <a:lnTo>
-                    <a:pt x="3919325" y="0"/>
+                    <a:pt x="3453404" y="0"/>
+                  </a:lnTo>
+                  <a:lnTo>
+                    <a:pt x="3453404" y="0"/>
                   </a:lnTo>
                 </a:path>
               </a:pathLst>
@@ -3478,20 +3478,20 @@
           <p:spPr>
             <a:xfrm>
               <a:off x="1496652" y="2005411"/>
-              <a:ext cx="3919325" cy="0"/>
+              <a:ext cx="3453404" cy="0"/>
             </a:xfrm>
             <a:custGeom>
               <a:avLst/>
               <a:pathLst>
-                <a:path w="3919325" h="0">
+                <a:path w="3453404" h="0">
                   <a:moveTo>
                     <a:pt x="0" y="0"/>
                   </a:moveTo>
                   <a:lnTo>
-                    <a:pt x="3919325" y="0"/>
-                  </a:lnTo>
-                  <a:lnTo>
-                    <a:pt x="3919325" y="0"/>
+                    <a:pt x="3453404" y="0"/>
+                  </a:lnTo>
+                  <a:lnTo>
+                    <a:pt x="3453404" y="0"/>
                   </a:lnTo>
                 </a:path>
               </a:pathLst>
@@ -3521,20 +3521,20 @@
           <p:spPr>
             <a:xfrm>
               <a:off x="1496652" y="1695889"/>
-              <a:ext cx="3919325" cy="0"/>
+              <a:ext cx="3453404" cy="0"/>
             </a:xfrm>
             <a:custGeom>
               <a:avLst/>
               <a:pathLst>
-                <a:path w="3919325" h="0">
+                <a:path w="3453404" h="0">
                   <a:moveTo>
                     <a:pt x="0" y="0"/>
                   </a:moveTo>
                   <a:lnTo>
-                    <a:pt x="3919325" y="0"/>
-                  </a:lnTo>
-                  <a:lnTo>
-                    <a:pt x="3919325" y="0"/>
+                    <a:pt x="3453404" y="0"/>
+                  </a:lnTo>
+                  <a:lnTo>
+                    <a:pt x="3453404" y="0"/>
                   </a:lnTo>
                 </a:path>
               </a:pathLst>
@@ -3564,20 +3564,20 @@
           <p:spPr>
             <a:xfrm>
               <a:off x="1496652" y="1386367"/>
-              <a:ext cx="3919325" cy="0"/>
+              <a:ext cx="3453404" cy="0"/>
             </a:xfrm>
             <a:custGeom>
               <a:avLst/>
               <a:pathLst>
-                <a:path w="3919325" h="0">
+                <a:path w="3453404" h="0">
                   <a:moveTo>
                     <a:pt x="0" y="0"/>
                   </a:moveTo>
                   <a:lnTo>
-                    <a:pt x="3919325" y="0"/>
-                  </a:lnTo>
-                  <a:lnTo>
-                    <a:pt x="3919325" y="0"/>
+                    <a:pt x="3453404" y="0"/>
+                  </a:lnTo>
+                  <a:lnTo>
+                    <a:pt x="3453404" y="0"/>
                   </a:lnTo>
                 </a:path>
               </a:pathLst>
@@ -3607,20 +3607,20 @@
           <p:spPr>
             <a:xfrm>
               <a:off x="1496652" y="1076845"/>
-              <a:ext cx="3919325" cy="0"/>
+              <a:ext cx="3453404" cy="0"/>
             </a:xfrm>
             <a:custGeom>
               <a:avLst/>
               <a:pathLst>
-                <a:path w="3919325" h="0">
+                <a:path w="3453404" h="0">
                   <a:moveTo>
                     <a:pt x="0" y="0"/>
                   </a:moveTo>
                   <a:lnTo>
-                    <a:pt x="3919325" y="0"/>
-                  </a:lnTo>
-                  <a:lnTo>
-                    <a:pt x="3919325" y="0"/>
+                    <a:pt x="3453404" y="0"/>
+                  </a:lnTo>
+                  <a:lnTo>
+                    <a:pt x="3453404" y="0"/>
                   </a:lnTo>
                 </a:path>
               </a:pathLst>
@@ -3692,7 +3692,7 @@
           </p:nvSpPr>
           <p:spPr>
             <a:xfrm>
-              <a:off x="1924215" y="983989"/>
+              <a:off x="1891327" y="983989"/>
               <a:ext cx="0" cy="3188077"/>
             </a:xfrm>
             <a:custGeom>
@@ -3735,7 +3735,7 @@
           </p:nvSpPr>
           <p:spPr>
             <a:xfrm>
-              <a:off x="2351778" y="983989"/>
+              <a:off x="2286002" y="983989"/>
               <a:ext cx="0" cy="3188077"/>
             </a:xfrm>
             <a:custGeom>
@@ -3778,7 +3778,7 @@
           </p:nvSpPr>
           <p:spPr>
             <a:xfrm>
-              <a:off x="2779341" y="983989"/>
+              <a:off x="2680677" y="983989"/>
               <a:ext cx="0" cy="3188077"/>
             </a:xfrm>
             <a:custGeom>
@@ -3821,7 +3821,7 @@
           </p:nvSpPr>
           <p:spPr>
             <a:xfrm>
-              <a:off x="3206904" y="983989"/>
+              <a:off x="3075352" y="983989"/>
               <a:ext cx="0" cy="3188077"/>
             </a:xfrm>
             <a:custGeom>
@@ -3864,7 +3864,7 @@
           </p:nvSpPr>
           <p:spPr>
             <a:xfrm>
-              <a:off x="3634466" y="983989"/>
+              <a:off x="3470026" y="983989"/>
               <a:ext cx="0" cy="3188077"/>
             </a:xfrm>
             <a:custGeom>
@@ -3907,7 +3907,7 @@
           </p:nvSpPr>
           <p:spPr>
             <a:xfrm>
-              <a:off x="4062029" y="983989"/>
+              <a:off x="3864701" y="983989"/>
               <a:ext cx="0" cy="3188077"/>
             </a:xfrm>
             <a:custGeom>
@@ -3950,7 +3950,7 @@
           </p:nvSpPr>
           <p:spPr>
             <a:xfrm>
-              <a:off x="4489592" y="983989"/>
+              <a:off x="4259376" y="983989"/>
               <a:ext cx="0" cy="3188077"/>
             </a:xfrm>
             <a:custGeom>
@@ -3993,7 +3993,7 @@
           </p:nvSpPr>
           <p:spPr>
             <a:xfrm>
-              <a:off x="4917155" y="983989"/>
+              <a:off x="4654051" y="983989"/>
               <a:ext cx="0" cy="3188077"/>
             </a:xfrm>
             <a:custGeom>
@@ -4036,178 +4036,57 @@
           </p:nvSpPr>
           <p:spPr>
             <a:xfrm>
-              <a:off x="5344718" y="983989"/>
-              <a:ext cx="0" cy="3188077"/>
+              <a:off x="1496652" y="1076845"/>
+              <a:ext cx="1874705" cy="1868186"/>
             </a:xfrm>
             <a:custGeom>
               <a:avLst/>
               <a:pathLst>
-                <a:path w="0" h="3188077">
+                <a:path w="1874705" h="1868186">
                   <a:moveTo>
-                    <a:pt x="0" y="3188077"/>
+                    <a:pt x="0" y="0"/>
                   </a:moveTo>
                   <a:lnTo>
-                    <a:pt x="0" y="0"/>
-                  </a:lnTo>
-                  <a:lnTo>
-                    <a:pt x="0" y="0"/>
-                  </a:lnTo>
-                </a:path>
-              </a:pathLst>
-            </a:custGeom>
-            <a:ln w="13550" cap="flat">
-              <a:solidFill>
-                <a:srgbClr val="FFFFFF">
-                  <a:alpha val="100000"/>
-                </a:srgbClr>
-              </a:solidFill>
-              <a:prstDash val="solid"/>
-              <a:round/>
-            </a:ln>
-          </p:spPr>
-          <p:txBody>
-            <a:bodyPr/>
-            <a:lstStyle/>
-            <a:p/>
-          </p:txBody>
-        </p:sp>
-        <p:sp>
-          <p:nvSpPr>
-            <p:cNvPr id="47" name="pl46"/>
-            <p:cNvSpPr/>
-            <p:nvPr/>
-          </p:nvSpPr>
-          <p:spPr>
-            <a:xfrm>
-              <a:off x="1496652" y="1076845"/>
-              <a:ext cx="3848065" cy="1083327"/>
-            </a:xfrm>
-            <a:custGeom>
-              <a:avLst/>
-              <a:pathLst>
-                <a:path w="3848065" h="1083327">
-                  <a:moveTo>
-                    <a:pt x="0" y="0"/>
-                  </a:moveTo>
-                  <a:lnTo>
-                    <a:pt x="1924032" y="0"/>
-                  </a:lnTo>
-                  <a:lnTo>
-                    <a:pt x="1924032" y="30952"/>
-                  </a:lnTo>
-                  <a:lnTo>
-                    <a:pt x="2137814" y="30952"/>
-                  </a:lnTo>
-                  <a:lnTo>
-                    <a:pt x="2137814" y="61904"/>
-                  </a:lnTo>
-                  <a:lnTo>
-                    <a:pt x="2209074" y="61904"/>
-                  </a:lnTo>
-                  <a:lnTo>
-                    <a:pt x="2209074" y="92856"/>
-                  </a:lnTo>
-                  <a:lnTo>
-                    <a:pt x="2280334" y="92856"/>
-                  </a:lnTo>
-                  <a:lnTo>
-                    <a:pt x="2280334" y="123808"/>
-                  </a:lnTo>
-                  <a:lnTo>
-                    <a:pt x="2351595" y="123808"/>
-                  </a:lnTo>
-                  <a:lnTo>
-                    <a:pt x="2351595" y="154761"/>
-                  </a:lnTo>
-                  <a:lnTo>
-                    <a:pt x="2422855" y="154761"/>
-                  </a:lnTo>
-                  <a:lnTo>
-                    <a:pt x="2422855" y="185713"/>
-                  </a:lnTo>
-                  <a:lnTo>
-                    <a:pt x="2494116" y="185713"/>
-                  </a:lnTo>
-                  <a:lnTo>
-                    <a:pt x="2494116" y="216665"/>
-                  </a:lnTo>
-                  <a:lnTo>
-                    <a:pt x="2565376" y="216665"/>
-                  </a:lnTo>
-                  <a:lnTo>
-                    <a:pt x="2565376" y="340474"/>
-                  </a:lnTo>
-                  <a:lnTo>
-                    <a:pt x="2636637" y="340474"/>
-                  </a:lnTo>
-                  <a:lnTo>
-                    <a:pt x="2636637" y="464283"/>
-                  </a:lnTo>
-                  <a:lnTo>
-                    <a:pt x="2707897" y="464283"/>
-                  </a:lnTo>
-                  <a:lnTo>
-                    <a:pt x="2707897" y="526187"/>
-                  </a:lnTo>
-                  <a:lnTo>
-                    <a:pt x="2779158" y="526187"/>
-                  </a:lnTo>
-                  <a:lnTo>
-                    <a:pt x="2779158" y="619044"/>
-                  </a:lnTo>
-                  <a:lnTo>
-                    <a:pt x="2850418" y="619044"/>
-                  </a:lnTo>
-                  <a:lnTo>
-                    <a:pt x="2850418" y="680948"/>
-                  </a:lnTo>
-                  <a:lnTo>
-                    <a:pt x="2921679" y="680948"/>
-                  </a:lnTo>
-                  <a:lnTo>
-                    <a:pt x="2921679" y="742853"/>
-                  </a:lnTo>
-                  <a:lnTo>
-                    <a:pt x="3064200" y="742853"/>
-                  </a:lnTo>
-                  <a:lnTo>
-                    <a:pt x="3064200" y="773805"/>
-                  </a:lnTo>
-                  <a:lnTo>
-                    <a:pt x="3206721" y="773805"/>
-                  </a:lnTo>
-                  <a:lnTo>
-                    <a:pt x="3206721" y="866661"/>
-                  </a:lnTo>
-                  <a:lnTo>
-                    <a:pt x="3349241" y="866661"/>
-                  </a:lnTo>
-                  <a:lnTo>
-                    <a:pt x="3349241" y="959518"/>
-                  </a:lnTo>
-                  <a:lnTo>
-                    <a:pt x="3420502" y="959518"/>
-                  </a:lnTo>
-                  <a:lnTo>
-                    <a:pt x="3420502" y="1021422"/>
-                  </a:lnTo>
-                  <a:lnTo>
-                    <a:pt x="3491762" y="1021422"/>
-                  </a:lnTo>
-                  <a:lnTo>
-                    <a:pt x="3491762" y="1052375"/>
-                  </a:lnTo>
-                  <a:lnTo>
-                    <a:pt x="3563023" y="1052375"/>
-                  </a:lnTo>
-                  <a:lnTo>
-                    <a:pt x="3563023" y="1083327"/>
-                  </a:lnTo>
-                  <a:lnTo>
-                    <a:pt x="3848065" y="1083327"/>
-                  </a:lnTo>
-                  <a:lnTo>
-                    <a:pt x="3848065" y="1083327"/>
+                    <a:pt x="1282693" y="0"/>
+                  </a:lnTo>
+                  <a:lnTo>
+                    <a:pt x="1282693" y="64483"/>
+                  </a:lnTo>
+                  <a:lnTo>
+                    <a:pt x="1381361" y="64483"/>
+                  </a:lnTo>
+                  <a:lnTo>
+                    <a:pt x="1381361" y="257935"/>
+                  </a:lnTo>
+                  <a:lnTo>
+                    <a:pt x="1480030" y="257935"/>
+                  </a:lnTo>
+                  <a:lnTo>
+                    <a:pt x="1480030" y="584038"/>
+                  </a:lnTo>
+                  <a:lnTo>
+                    <a:pt x="1578699" y="584038"/>
+                  </a:lnTo>
+                  <a:lnTo>
+                    <a:pt x="1578699" y="970941"/>
+                  </a:lnTo>
+                  <a:lnTo>
+                    <a:pt x="1677367" y="970941"/>
+                  </a:lnTo>
+                  <a:lnTo>
+                    <a:pt x="1677367" y="1352316"/>
+                  </a:lnTo>
+                  <a:lnTo>
+                    <a:pt x="1776036" y="1352316"/>
+                  </a:lnTo>
+                  <a:lnTo>
+                    <a:pt x="1776036" y="1617621"/>
+                  </a:lnTo>
+                  <a:lnTo>
+                    <a:pt x="1874705" y="1617621"/>
+                  </a:lnTo>
+                  <a:lnTo>
+                    <a:pt x="1874705" y="1868186"/>
                   </a:lnTo>
                 </a:path>
               </a:pathLst>
@@ -4230,866 +4109,177 @@
         </p:sp>
         <p:sp>
           <p:nvSpPr>
-            <p:cNvPr id="48" name="pl47"/>
+            <p:cNvPr id="47" name="pl46"/>
             <p:cNvSpPr/>
             <p:nvPr/>
           </p:nvSpPr>
           <p:spPr>
             <a:xfrm>
               <a:off x="1496652" y="1076845"/>
-              <a:ext cx="3848065" cy="1207136"/>
+              <a:ext cx="3354735" cy="2046301"/>
             </a:xfrm>
             <a:custGeom>
               <a:avLst/>
               <a:pathLst>
-                <a:path w="3848065" h="1207136">
+                <a:path w="3354735" h="2046301">
                   <a:moveTo>
                     <a:pt x="0" y="0"/>
                   </a:moveTo>
                   <a:lnTo>
-                    <a:pt x="1852772" y="0"/>
-                  </a:lnTo>
-                  <a:lnTo>
-                    <a:pt x="1852772" y="30952"/>
-                  </a:lnTo>
-                  <a:lnTo>
-                    <a:pt x="1924032" y="30952"/>
-                  </a:lnTo>
-                  <a:lnTo>
-                    <a:pt x="1924032" y="92856"/>
-                  </a:lnTo>
-                  <a:lnTo>
-                    <a:pt x="2137814" y="92856"/>
-                  </a:lnTo>
-                  <a:lnTo>
-                    <a:pt x="2137814" y="154761"/>
-                  </a:lnTo>
-                  <a:lnTo>
-                    <a:pt x="2209074" y="154761"/>
-                  </a:lnTo>
-                  <a:lnTo>
-                    <a:pt x="2209074" y="216665"/>
-                  </a:lnTo>
-                  <a:lnTo>
-                    <a:pt x="2280334" y="216665"/>
-                  </a:lnTo>
-                  <a:lnTo>
-                    <a:pt x="2280334" y="402378"/>
-                  </a:lnTo>
-                  <a:lnTo>
-                    <a:pt x="2351595" y="402378"/>
-                  </a:lnTo>
-                  <a:lnTo>
-                    <a:pt x="2351595" y="526187"/>
-                  </a:lnTo>
-                  <a:lnTo>
-                    <a:pt x="2422855" y="526187"/>
-                  </a:lnTo>
-                  <a:lnTo>
-                    <a:pt x="2422855" y="619044"/>
-                  </a:lnTo>
-                  <a:lnTo>
-                    <a:pt x="2494116" y="619044"/>
-                  </a:lnTo>
-                  <a:lnTo>
-                    <a:pt x="2494116" y="773805"/>
-                  </a:lnTo>
-                  <a:lnTo>
-                    <a:pt x="2565376" y="773805"/>
-                  </a:lnTo>
-                  <a:lnTo>
-                    <a:pt x="2565376" y="928566"/>
-                  </a:lnTo>
-                  <a:lnTo>
-                    <a:pt x="2636637" y="928566"/>
-                  </a:lnTo>
-                  <a:lnTo>
-                    <a:pt x="2636637" y="990470"/>
-                  </a:lnTo>
-                  <a:lnTo>
-                    <a:pt x="2707897" y="990470"/>
-                  </a:lnTo>
-                  <a:lnTo>
-                    <a:pt x="2707897" y="1021422"/>
-                  </a:lnTo>
-                  <a:lnTo>
-                    <a:pt x="2779158" y="1021422"/>
-                  </a:lnTo>
-                  <a:lnTo>
-                    <a:pt x="2779158" y="1052375"/>
-                  </a:lnTo>
-                  <a:lnTo>
-                    <a:pt x="2850418" y="1052375"/>
-                  </a:lnTo>
-                  <a:lnTo>
-                    <a:pt x="2850418" y="1114279"/>
-                  </a:lnTo>
-                  <a:lnTo>
-                    <a:pt x="3349241" y="1114279"/>
-                  </a:lnTo>
-                  <a:lnTo>
-                    <a:pt x="3349241" y="1145231"/>
-                  </a:lnTo>
-                  <a:lnTo>
-                    <a:pt x="3420502" y="1145231"/>
-                  </a:lnTo>
-                  <a:lnTo>
-                    <a:pt x="3420502" y="1176183"/>
-                  </a:lnTo>
-                  <a:lnTo>
-                    <a:pt x="3848065" y="1176183"/>
-                  </a:lnTo>
-                  <a:lnTo>
-                    <a:pt x="3848065" y="1207136"/>
-                  </a:lnTo>
-                </a:path>
-              </a:pathLst>
-            </a:custGeom>
-            <a:ln w="27101" cap="flat">
-              <a:solidFill>
-                <a:srgbClr val="DE8C00">
-                  <a:alpha val="100000"/>
-                </a:srgbClr>
-              </a:solidFill>
-              <a:prstDash val="solid"/>
-              <a:round/>
-            </a:ln>
-          </p:spPr>
-          <p:txBody>
-            <a:bodyPr/>
-            <a:lstStyle/>
-            <a:p/>
-          </p:txBody>
-        </p:sp>
-        <p:sp>
-          <p:nvSpPr>
-            <p:cNvPr id="49" name="pl48"/>
-            <p:cNvSpPr/>
-            <p:nvPr/>
-          </p:nvSpPr>
-          <p:spPr>
-            <a:xfrm>
-              <a:off x="1496652" y="1076845"/>
-              <a:ext cx="3848065" cy="1021422"/>
-            </a:xfrm>
-            <a:custGeom>
-              <a:avLst/>
-              <a:pathLst>
-                <a:path w="3848065" h="1021422">
-                  <a:moveTo>
-                    <a:pt x="0" y="0"/>
-                  </a:moveTo>
-                  <a:lnTo>
-                    <a:pt x="1638990" y="0"/>
-                  </a:lnTo>
-                  <a:lnTo>
-                    <a:pt x="1638990" y="30952"/>
-                  </a:lnTo>
-                  <a:lnTo>
-                    <a:pt x="1852772" y="30952"/>
-                  </a:lnTo>
-                  <a:lnTo>
-                    <a:pt x="1852772" y="154761"/>
-                  </a:lnTo>
-                  <a:lnTo>
-                    <a:pt x="1924032" y="154761"/>
-                  </a:lnTo>
-                  <a:lnTo>
-                    <a:pt x="1924032" y="185713"/>
-                  </a:lnTo>
-                  <a:lnTo>
-                    <a:pt x="2066553" y="185713"/>
-                  </a:lnTo>
-                  <a:lnTo>
-                    <a:pt x="2066553" y="216665"/>
-                  </a:lnTo>
-                  <a:lnTo>
-                    <a:pt x="2209074" y="216665"/>
-                  </a:lnTo>
-                  <a:lnTo>
-                    <a:pt x="2209074" y="247617"/>
-                  </a:lnTo>
-                  <a:lnTo>
-                    <a:pt x="2280334" y="247617"/>
-                  </a:lnTo>
-                  <a:lnTo>
-                    <a:pt x="2280334" y="278569"/>
-                  </a:lnTo>
-                  <a:lnTo>
-                    <a:pt x="2351595" y="278569"/>
-                  </a:lnTo>
-                  <a:lnTo>
-                    <a:pt x="2351595" y="309522"/>
-                  </a:lnTo>
-                  <a:lnTo>
-                    <a:pt x="2422855" y="309522"/>
-                  </a:lnTo>
-                  <a:lnTo>
-                    <a:pt x="2422855" y="371426"/>
-                  </a:lnTo>
-                  <a:lnTo>
-                    <a:pt x="2494116" y="371426"/>
-                  </a:lnTo>
-                  <a:lnTo>
-                    <a:pt x="2494116" y="433330"/>
-                  </a:lnTo>
-                  <a:lnTo>
-                    <a:pt x="2565376" y="433330"/>
-                  </a:lnTo>
-                  <a:lnTo>
-                    <a:pt x="2565376" y="495235"/>
-                  </a:lnTo>
-                  <a:lnTo>
-                    <a:pt x="2636637" y="495235"/>
-                  </a:lnTo>
-                  <a:lnTo>
-                    <a:pt x="2636637" y="557139"/>
-                  </a:lnTo>
-                  <a:lnTo>
-                    <a:pt x="2850418" y="557139"/>
-                  </a:lnTo>
-                  <a:lnTo>
-                    <a:pt x="2850418" y="619044"/>
-                  </a:lnTo>
-                  <a:lnTo>
-                    <a:pt x="3064200" y="619044"/>
-                  </a:lnTo>
-                  <a:lnTo>
-                    <a:pt x="3064200" y="649996"/>
-                  </a:lnTo>
-                  <a:lnTo>
-                    <a:pt x="3135460" y="649996"/>
-                  </a:lnTo>
-                  <a:lnTo>
-                    <a:pt x="3135460" y="711900"/>
-                  </a:lnTo>
-                  <a:lnTo>
-                    <a:pt x="3206721" y="711900"/>
-                  </a:lnTo>
-                  <a:lnTo>
-                    <a:pt x="3206721" y="804757"/>
-                  </a:lnTo>
-                  <a:lnTo>
-                    <a:pt x="3277981" y="804757"/>
-                  </a:lnTo>
-                  <a:lnTo>
-                    <a:pt x="3277981" y="835709"/>
-                  </a:lnTo>
-                  <a:lnTo>
-                    <a:pt x="3420502" y="835709"/>
-                  </a:lnTo>
-                  <a:lnTo>
-                    <a:pt x="3420502" y="928566"/>
-                  </a:lnTo>
-                  <a:lnTo>
-                    <a:pt x="3491762" y="928566"/>
-                  </a:lnTo>
-                  <a:lnTo>
-                    <a:pt x="3491762" y="990470"/>
-                  </a:lnTo>
-                  <a:lnTo>
-                    <a:pt x="3563023" y="990470"/>
-                  </a:lnTo>
-                  <a:lnTo>
-                    <a:pt x="3563023" y="1021422"/>
-                  </a:lnTo>
-                  <a:lnTo>
-                    <a:pt x="3848065" y="1021422"/>
-                  </a:lnTo>
-                  <a:lnTo>
-                    <a:pt x="3848065" y="1021422"/>
-                  </a:lnTo>
-                </a:path>
-              </a:pathLst>
-            </a:custGeom>
-            <a:ln w="27101" cap="flat">
-              <a:solidFill>
-                <a:srgbClr val="B79F00">
-                  <a:alpha val="100000"/>
-                </a:srgbClr>
-              </a:solidFill>
-              <a:prstDash val="solid"/>
-              <a:round/>
-            </a:ln>
-          </p:spPr>
-          <p:txBody>
-            <a:bodyPr/>
-            <a:lstStyle/>
-            <a:p/>
-          </p:txBody>
-        </p:sp>
-        <p:sp>
-          <p:nvSpPr>
-            <p:cNvPr id="50" name="pl49"/>
-            <p:cNvSpPr/>
-            <p:nvPr/>
-          </p:nvSpPr>
-          <p:spPr>
-            <a:xfrm>
-              <a:off x="1496652" y="1076845"/>
-              <a:ext cx="3848065" cy="1145231"/>
-            </a:xfrm>
-            <a:custGeom>
-              <a:avLst/>
-              <a:pathLst>
-                <a:path w="3848065" h="1145231">
-                  <a:moveTo>
-                    <a:pt x="0" y="0"/>
-                  </a:moveTo>
-                  <a:lnTo>
-                    <a:pt x="0" y="0"/>
-                  </a:lnTo>
-                  <a:lnTo>
-                    <a:pt x="0" y="30952"/>
-                  </a:lnTo>
-                  <a:lnTo>
-                    <a:pt x="1353948" y="30952"/>
-                  </a:lnTo>
-                  <a:lnTo>
-                    <a:pt x="1353948" y="61904"/>
-                  </a:lnTo>
-                  <a:lnTo>
-                    <a:pt x="1496469" y="61904"/>
-                  </a:lnTo>
-                  <a:lnTo>
-                    <a:pt x="1496469" y="92856"/>
-                  </a:lnTo>
-                  <a:lnTo>
-                    <a:pt x="1567730" y="92856"/>
-                  </a:lnTo>
-                  <a:lnTo>
-                    <a:pt x="1567730" y="123808"/>
-                  </a:lnTo>
-                  <a:lnTo>
-                    <a:pt x="1710251" y="123808"/>
-                  </a:lnTo>
-                  <a:lnTo>
-                    <a:pt x="1710251" y="154761"/>
-                  </a:lnTo>
-                  <a:lnTo>
-                    <a:pt x="1924032" y="154761"/>
-                  </a:lnTo>
-                  <a:lnTo>
-                    <a:pt x="1924032" y="216665"/>
-                  </a:lnTo>
-                  <a:lnTo>
-                    <a:pt x="2066553" y="216665"/>
-                  </a:lnTo>
-                  <a:lnTo>
-                    <a:pt x="2066553" y="247617"/>
-                  </a:lnTo>
-                  <a:lnTo>
-                    <a:pt x="2137814" y="247617"/>
-                  </a:lnTo>
-                  <a:lnTo>
-                    <a:pt x="2137814" y="402378"/>
-                  </a:lnTo>
-                  <a:lnTo>
-                    <a:pt x="2209074" y="402378"/>
-                  </a:lnTo>
-                  <a:lnTo>
-                    <a:pt x="2209074" y="433330"/>
-                  </a:lnTo>
-                  <a:lnTo>
-                    <a:pt x="2351595" y="433330"/>
-                  </a:lnTo>
-                  <a:lnTo>
-                    <a:pt x="2351595" y="557139"/>
-                  </a:lnTo>
-                  <a:lnTo>
-                    <a:pt x="2422855" y="557139"/>
-                  </a:lnTo>
-                  <a:lnTo>
-                    <a:pt x="2422855" y="649996"/>
-                  </a:lnTo>
-                  <a:lnTo>
-                    <a:pt x="2494116" y="649996"/>
-                  </a:lnTo>
-                  <a:lnTo>
-                    <a:pt x="2494116" y="742853"/>
-                  </a:lnTo>
-                  <a:lnTo>
-                    <a:pt x="2565376" y="742853"/>
-                  </a:lnTo>
-                  <a:lnTo>
-                    <a:pt x="2565376" y="804757"/>
-                  </a:lnTo>
-                  <a:lnTo>
-                    <a:pt x="2636637" y="804757"/>
-                  </a:lnTo>
-                  <a:lnTo>
-                    <a:pt x="2636637" y="866661"/>
-                  </a:lnTo>
-                  <a:lnTo>
-                    <a:pt x="2707897" y="866661"/>
-                  </a:lnTo>
-                  <a:lnTo>
-                    <a:pt x="2707897" y="897614"/>
-                  </a:lnTo>
-                  <a:lnTo>
-                    <a:pt x="2850418" y="897614"/>
-                  </a:lnTo>
-                  <a:lnTo>
-                    <a:pt x="2850418" y="959518"/>
-                  </a:lnTo>
-                  <a:lnTo>
-                    <a:pt x="2921679" y="959518"/>
-                  </a:lnTo>
-                  <a:lnTo>
-                    <a:pt x="2921679" y="1021422"/>
-                  </a:lnTo>
-                  <a:lnTo>
-                    <a:pt x="2992939" y="1021422"/>
-                  </a:lnTo>
-                  <a:lnTo>
-                    <a:pt x="2992939" y="1052375"/>
-                  </a:lnTo>
-                  <a:lnTo>
-                    <a:pt x="3064200" y="1052375"/>
-                  </a:lnTo>
-                  <a:lnTo>
-                    <a:pt x="3064200" y="1114279"/>
-                  </a:lnTo>
-                  <a:lnTo>
-                    <a:pt x="3491762" y="1114279"/>
-                  </a:lnTo>
-                  <a:lnTo>
-                    <a:pt x="3491762" y="1145231"/>
-                  </a:lnTo>
-                  <a:lnTo>
-                    <a:pt x="3848065" y="1145231"/>
-                  </a:lnTo>
-                  <a:lnTo>
-                    <a:pt x="3848065" y="1145231"/>
-                  </a:lnTo>
-                </a:path>
-              </a:pathLst>
-            </a:custGeom>
-            <a:ln w="27101" cap="flat">
-              <a:solidFill>
-                <a:srgbClr val="7CAE00">
-                  <a:alpha val="100000"/>
-                </a:srgbClr>
-              </a:solidFill>
-              <a:prstDash val="solid"/>
-              <a:round/>
-            </a:ln>
-          </p:spPr>
-          <p:txBody>
-            <a:bodyPr/>
-            <a:lstStyle/>
-            <a:p/>
-          </p:txBody>
-        </p:sp>
-        <p:sp>
-          <p:nvSpPr>
-            <p:cNvPr id="51" name="pl50"/>
-            <p:cNvSpPr/>
-            <p:nvPr/>
-          </p:nvSpPr>
-          <p:spPr>
-            <a:xfrm>
-              <a:off x="1496652" y="1076845"/>
-              <a:ext cx="3848065" cy="1114279"/>
-            </a:xfrm>
-            <a:custGeom>
-              <a:avLst/>
-              <a:pathLst>
-                <a:path w="3848065" h="1114279">
-                  <a:moveTo>
-                    <a:pt x="0" y="0"/>
-                  </a:moveTo>
-                  <a:lnTo>
-                    <a:pt x="1425209" y="0"/>
-                  </a:lnTo>
-                  <a:lnTo>
-                    <a:pt x="1425209" y="61904"/>
-                  </a:lnTo>
-                  <a:lnTo>
-                    <a:pt x="1710251" y="61904"/>
-                  </a:lnTo>
-                  <a:lnTo>
-                    <a:pt x="1710251" y="92856"/>
-                  </a:lnTo>
-                  <a:lnTo>
-                    <a:pt x="1781511" y="92856"/>
-                  </a:lnTo>
-                  <a:lnTo>
-                    <a:pt x="1781511" y="123808"/>
-                  </a:lnTo>
-                  <a:lnTo>
-                    <a:pt x="1852772" y="123808"/>
-                  </a:lnTo>
-                  <a:lnTo>
-                    <a:pt x="1852772" y="247617"/>
-                  </a:lnTo>
-                  <a:lnTo>
-                    <a:pt x="1924032" y="247617"/>
-                  </a:lnTo>
-                  <a:lnTo>
-                    <a:pt x="1924032" y="371426"/>
-                  </a:lnTo>
-                  <a:lnTo>
-                    <a:pt x="1995293" y="371426"/>
-                  </a:lnTo>
-                  <a:lnTo>
-                    <a:pt x="1995293" y="433330"/>
-                  </a:lnTo>
-                  <a:lnTo>
-                    <a:pt x="2066553" y="433330"/>
-                  </a:lnTo>
-                  <a:lnTo>
-                    <a:pt x="2066553" y="557139"/>
-                  </a:lnTo>
-                  <a:lnTo>
-                    <a:pt x="2137814" y="557139"/>
-                  </a:lnTo>
-                  <a:lnTo>
-                    <a:pt x="2137814" y="680948"/>
-                  </a:lnTo>
-                  <a:lnTo>
-                    <a:pt x="2209074" y="680948"/>
-                  </a:lnTo>
-                  <a:lnTo>
-                    <a:pt x="2209074" y="773805"/>
-                  </a:lnTo>
-                  <a:lnTo>
-                    <a:pt x="2280334" y="773805"/>
-                  </a:lnTo>
-                  <a:lnTo>
-                    <a:pt x="2280334" y="804757"/>
-                  </a:lnTo>
-                  <a:lnTo>
-                    <a:pt x="2351595" y="804757"/>
-                  </a:lnTo>
-                  <a:lnTo>
-                    <a:pt x="2351595" y="866661"/>
-                  </a:lnTo>
-                  <a:lnTo>
-                    <a:pt x="2422855" y="866661"/>
-                  </a:lnTo>
-                  <a:lnTo>
-                    <a:pt x="2422855" y="897614"/>
-                  </a:lnTo>
-                  <a:lnTo>
-                    <a:pt x="2494116" y="897614"/>
-                  </a:lnTo>
-                  <a:lnTo>
-                    <a:pt x="2494116" y="959518"/>
-                  </a:lnTo>
-                  <a:lnTo>
-                    <a:pt x="2565376" y="959518"/>
-                  </a:lnTo>
-                  <a:lnTo>
-                    <a:pt x="2565376" y="990470"/>
-                  </a:lnTo>
-                  <a:lnTo>
-                    <a:pt x="2636637" y="990470"/>
-                  </a:lnTo>
-                  <a:lnTo>
-                    <a:pt x="2636637" y="1021422"/>
-                  </a:lnTo>
-                  <a:lnTo>
-                    <a:pt x="2707897" y="1021422"/>
-                  </a:lnTo>
-                  <a:lnTo>
-                    <a:pt x="2707897" y="1052375"/>
-                  </a:lnTo>
-                  <a:lnTo>
-                    <a:pt x="2850418" y="1052375"/>
-                  </a:lnTo>
-                  <a:lnTo>
-                    <a:pt x="2850418" y="1083327"/>
-                  </a:lnTo>
-                  <a:lnTo>
-                    <a:pt x="3064200" y="1083327"/>
-                  </a:lnTo>
-                  <a:lnTo>
-                    <a:pt x="3064200" y="1114279"/>
-                  </a:lnTo>
-                  <a:lnTo>
-                    <a:pt x="3848065" y="1114279"/>
-                  </a:lnTo>
-                  <a:lnTo>
-                    <a:pt x="3848065" y="1114279"/>
-                  </a:lnTo>
-                </a:path>
-              </a:pathLst>
-            </a:custGeom>
-            <a:ln w="27101" cap="flat">
-              <a:solidFill>
-                <a:srgbClr val="00BA38">
-                  <a:alpha val="100000"/>
-                </a:srgbClr>
-              </a:solidFill>
-              <a:prstDash val="solid"/>
-              <a:round/>
-            </a:ln>
-          </p:spPr>
-          <p:txBody>
-            <a:bodyPr/>
-            <a:lstStyle/>
-            <a:p/>
-          </p:txBody>
-        </p:sp>
-        <p:sp>
-          <p:nvSpPr>
-            <p:cNvPr id="52" name="pl51"/>
-            <p:cNvSpPr/>
-            <p:nvPr/>
-          </p:nvSpPr>
-          <p:spPr>
-            <a:xfrm>
-              <a:off x="1496652" y="1076845"/>
-              <a:ext cx="3848065" cy="1083327"/>
-            </a:xfrm>
-            <a:custGeom>
-              <a:avLst/>
-              <a:pathLst>
-                <a:path w="3848065" h="1083327">
-                  <a:moveTo>
-                    <a:pt x="0" y="0"/>
-                  </a:moveTo>
-                  <a:lnTo>
-                    <a:pt x="285041" y="0"/>
-                  </a:lnTo>
-                  <a:lnTo>
-                    <a:pt x="285041" y="30952"/>
-                  </a:lnTo>
-                  <a:lnTo>
-                    <a:pt x="498823" y="30952"/>
-                  </a:lnTo>
-                  <a:lnTo>
-                    <a:pt x="498823" y="61904"/>
-                  </a:lnTo>
-                  <a:lnTo>
-                    <a:pt x="1567730" y="61904"/>
-                  </a:lnTo>
-                  <a:lnTo>
-                    <a:pt x="1567730" y="92856"/>
-                  </a:lnTo>
-                  <a:lnTo>
-                    <a:pt x="1781511" y="92856"/>
-                  </a:lnTo>
-                  <a:lnTo>
-                    <a:pt x="1781511" y="123808"/>
-                  </a:lnTo>
-                  <a:lnTo>
-                    <a:pt x="1924032" y="123808"/>
-                  </a:lnTo>
-                  <a:lnTo>
-                    <a:pt x="1924032" y="185713"/>
-                  </a:lnTo>
-                  <a:lnTo>
-                    <a:pt x="1995293" y="185713"/>
-                  </a:lnTo>
-                  <a:lnTo>
-                    <a:pt x="1995293" y="247617"/>
-                  </a:lnTo>
-                  <a:lnTo>
-                    <a:pt x="2066553" y="247617"/>
-                  </a:lnTo>
-                  <a:lnTo>
-                    <a:pt x="2066553" y="340474"/>
-                  </a:lnTo>
-                  <a:lnTo>
-                    <a:pt x="2137814" y="340474"/>
-                  </a:lnTo>
-                  <a:lnTo>
-                    <a:pt x="2137814" y="526187"/>
-                  </a:lnTo>
-                  <a:lnTo>
-                    <a:pt x="2209074" y="526187"/>
-                  </a:lnTo>
-                  <a:lnTo>
-                    <a:pt x="2209074" y="588091"/>
-                  </a:lnTo>
-                  <a:lnTo>
-                    <a:pt x="2280334" y="588091"/>
-                  </a:lnTo>
-                  <a:lnTo>
-                    <a:pt x="2280334" y="649996"/>
-                  </a:lnTo>
-                  <a:lnTo>
-                    <a:pt x="2351595" y="649996"/>
-                  </a:lnTo>
-                  <a:lnTo>
-                    <a:pt x="2351595" y="742853"/>
-                  </a:lnTo>
-                  <a:lnTo>
-                    <a:pt x="2422855" y="742853"/>
-                  </a:lnTo>
-                  <a:lnTo>
-                    <a:pt x="2422855" y="804757"/>
-                  </a:lnTo>
-                  <a:lnTo>
-                    <a:pt x="2494116" y="804757"/>
-                  </a:lnTo>
-                  <a:lnTo>
-                    <a:pt x="2494116" y="897614"/>
-                  </a:lnTo>
-                  <a:lnTo>
-                    <a:pt x="2565376" y="897614"/>
-                  </a:lnTo>
-                  <a:lnTo>
-                    <a:pt x="2565376" y="928566"/>
-                  </a:lnTo>
-                  <a:lnTo>
-                    <a:pt x="2636637" y="928566"/>
-                  </a:lnTo>
-                  <a:lnTo>
-                    <a:pt x="2636637" y="1021422"/>
-                  </a:lnTo>
-                  <a:lnTo>
-                    <a:pt x="2707897" y="1021422"/>
-                  </a:lnTo>
-                  <a:lnTo>
-                    <a:pt x="2707897" y="1052375"/>
-                  </a:lnTo>
-                  <a:lnTo>
-                    <a:pt x="3420502" y="1052375"/>
-                  </a:lnTo>
-                  <a:lnTo>
-                    <a:pt x="3420502" y="1083327"/>
-                  </a:lnTo>
-                  <a:lnTo>
-                    <a:pt x="3848065" y="1083327"/>
-                  </a:lnTo>
-                  <a:lnTo>
-                    <a:pt x="3848065" y="1083327"/>
-                  </a:lnTo>
-                </a:path>
-              </a:pathLst>
-            </a:custGeom>
-            <a:ln w="27101" cap="flat">
-              <a:solidFill>
-                <a:srgbClr val="00C08B">
-                  <a:alpha val="100000"/>
-                </a:srgbClr>
-              </a:solidFill>
-              <a:prstDash val="solid"/>
-              <a:round/>
-            </a:ln>
-          </p:spPr>
-          <p:txBody>
-            <a:bodyPr/>
-            <a:lstStyle/>
-            <a:p/>
-          </p:txBody>
-        </p:sp>
-        <p:sp>
-          <p:nvSpPr>
-            <p:cNvPr id="53" name="pl52"/>
-            <p:cNvSpPr/>
-            <p:nvPr/>
-          </p:nvSpPr>
-          <p:spPr>
-            <a:xfrm>
-              <a:off x="1496652" y="1076845"/>
-              <a:ext cx="3848065" cy="835709"/>
-            </a:xfrm>
-            <a:custGeom>
-              <a:avLst/>
-              <a:pathLst>
-                <a:path w="3848065" h="835709">
-                  <a:moveTo>
-                    <a:pt x="0" y="0"/>
-                  </a:moveTo>
-                  <a:lnTo>
-                    <a:pt x="1425209" y="0"/>
-                  </a:lnTo>
-                  <a:lnTo>
-                    <a:pt x="1425209" y="30952"/>
-                  </a:lnTo>
-                  <a:lnTo>
-                    <a:pt x="1852772" y="30952"/>
-                  </a:lnTo>
-                  <a:lnTo>
-                    <a:pt x="1852772" y="61904"/>
-                  </a:lnTo>
-                  <a:lnTo>
-                    <a:pt x="1995293" y="61904"/>
-                  </a:lnTo>
-                  <a:lnTo>
-                    <a:pt x="1995293" y="92856"/>
-                  </a:lnTo>
-                  <a:lnTo>
-                    <a:pt x="2066553" y="92856"/>
-                  </a:lnTo>
-                  <a:lnTo>
-                    <a:pt x="2066553" y="123808"/>
-                  </a:lnTo>
-                  <a:lnTo>
-                    <a:pt x="2137814" y="123808"/>
-                  </a:lnTo>
-                  <a:lnTo>
-                    <a:pt x="2137814" y="216665"/>
-                  </a:lnTo>
-                  <a:lnTo>
-                    <a:pt x="2209074" y="216665"/>
-                  </a:lnTo>
-                  <a:lnTo>
-                    <a:pt x="2209074" y="309522"/>
-                  </a:lnTo>
-                  <a:lnTo>
-                    <a:pt x="2280334" y="309522"/>
-                  </a:lnTo>
-                  <a:lnTo>
-                    <a:pt x="2280334" y="340474"/>
-                  </a:lnTo>
-                  <a:lnTo>
-                    <a:pt x="2351595" y="340474"/>
-                  </a:lnTo>
-                  <a:lnTo>
-                    <a:pt x="2351595" y="464283"/>
-                  </a:lnTo>
-                  <a:lnTo>
-                    <a:pt x="2422855" y="464283"/>
-                  </a:lnTo>
-                  <a:lnTo>
-                    <a:pt x="2422855" y="526187"/>
-                  </a:lnTo>
-                  <a:lnTo>
-                    <a:pt x="2494116" y="526187"/>
-                  </a:lnTo>
-                  <a:lnTo>
-                    <a:pt x="2494116" y="588091"/>
-                  </a:lnTo>
-                  <a:lnTo>
-                    <a:pt x="2565376" y="588091"/>
-                  </a:lnTo>
-                  <a:lnTo>
-                    <a:pt x="2565376" y="649996"/>
-                  </a:lnTo>
-                  <a:lnTo>
-                    <a:pt x="2636637" y="649996"/>
-                  </a:lnTo>
-                  <a:lnTo>
-                    <a:pt x="2636637" y="711900"/>
-                  </a:lnTo>
-                  <a:lnTo>
-                    <a:pt x="2779158" y="711900"/>
-                  </a:lnTo>
-                  <a:lnTo>
-                    <a:pt x="2779158" y="742853"/>
-                  </a:lnTo>
-                  <a:lnTo>
-                    <a:pt x="2921679" y="742853"/>
-                  </a:lnTo>
-                  <a:lnTo>
-                    <a:pt x="2921679" y="804757"/>
-                  </a:lnTo>
-                  <a:lnTo>
-                    <a:pt x="3135460" y="804757"/>
-                  </a:lnTo>
-                  <a:lnTo>
-                    <a:pt x="3135460" y="835709"/>
-                  </a:lnTo>
-                  <a:lnTo>
-                    <a:pt x="3848065" y="835709"/>
-                  </a:lnTo>
-                  <a:lnTo>
-                    <a:pt x="3848065" y="835709"/>
+                    <a:pt x="690680" y="0"/>
+                  </a:lnTo>
+                  <a:lnTo>
+                    <a:pt x="690680" y="6063"/>
+                  </a:lnTo>
+                  <a:lnTo>
+                    <a:pt x="888018" y="6063"/>
+                  </a:lnTo>
+                  <a:lnTo>
+                    <a:pt x="888018" y="9094"/>
+                  </a:lnTo>
+                  <a:lnTo>
+                    <a:pt x="1085355" y="9094"/>
+                  </a:lnTo>
+                  <a:lnTo>
+                    <a:pt x="1085355" y="24252"/>
+                  </a:lnTo>
+                  <a:lnTo>
+                    <a:pt x="1184024" y="24252"/>
+                  </a:lnTo>
+                  <a:lnTo>
+                    <a:pt x="1184024" y="63662"/>
+                  </a:lnTo>
+                  <a:lnTo>
+                    <a:pt x="1282693" y="63662"/>
+                  </a:lnTo>
+                  <a:lnTo>
+                    <a:pt x="1282693" y="157641"/>
+                  </a:lnTo>
+                  <a:lnTo>
+                    <a:pt x="1381361" y="157641"/>
+                  </a:lnTo>
+                  <a:lnTo>
+                    <a:pt x="1381361" y="324376"/>
+                  </a:lnTo>
+                  <a:lnTo>
+                    <a:pt x="1480030" y="324376"/>
+                  </a:lnTo>
+                  <a:lnTo>
+                    <a:pt x="1480030" y="579027"/>
+                  </a:lnTo>
+                  <a:lnTo>
+                    <a:pt x="1578699" y="579027"/>
+                  </a:lnTo>
+                  <a:lnTo>
+                    <a:pt x="1578699" y="806394"/>
+                  </a:lnTo>
+                  <a:lnTo>
+                    <a:pt x="1677367" y="806394"/>
+                  </a:lnTo>
+                  <a:lnTo>
+                    <a:pt x="1677367" y="1033761"/>
+                  </a:lnTo>
+                  <a:lnTo>
+                    <a:pt x="1776036" y="1033761"/>
+                  </a:lnTo>
+                  <a:lnTo>
+                    <a:pt x="1776036" y="1203528"/>
+                  </a:lnTo>
+                  <a:lnTo>
+                    <a:pt x="1874705" y="1203528"/>
+                  </a:lnTo>
+                  <a:lnTo>
+                    <a:pt x="1874705" y="1346011"/>
+                  </a:lnTo>
+                  <a:lnTo>
+                    <a:pt x="1973373" y="1346011"/>
+                  </a:lnTo>
+                  <a:lnTo>
+                    <a:pt x="1973373" y="1443021"/>
+                  </a:lnTo>
+                  <a:lnTo>
+                    <a:pt x="2072042" y="1443021"/>
+                  </a:lnTo>
+                  <a:lnTo>
+                    <a:pt x="2072042" y="1561252"/>
+                  </a:lnTo>
+                  <a:lnTo>
+                    <a:pt x="2170711" y="1561252"/>
+                  </a:lnTo>
+                  <a:lnTo>
+                    <a:pt x="2170711" y="1637041"/>
+                  </a:lnTo>
+                  <a:lnTo>
+                    <a:pt x="2269380" y="1637041"/>
+                  </a:lnTo>
+                  <a:lnTo>
+                    <a:pt x="2269380" y="1688577"/>
+                  </a:lnTo>
+                  <a:lnTo>
+                    <a:pt x="2368048" y="1688577"/>
+                  </a:lnTo>
+                  <a:lnTo>
+                    <a:pt x="2368048" y="1727988"/>
+                  </a:lnTo>
+                  <a:lnTo>
+                    <a:pt x="2466717" y="1727988"/>
+                  </a:lnTo>
+                  <a:lnTo>
+                    <a:pt x="2466717" y="1770429"/>
+                  </a:lnTo>
+                  <a:lnTo>
+                    <a:pt x="2565386" y="1770429"/>
+                  </a:lnTo>
+                  <a:lnTo>
+                    <a:pt x="2565386" y="1824998"/>
+                  </a:lnTo>
+                  <a:lnTo>
+                    <a:pt x="2664054" y="1824998"/>
+                  </a:lnTo>
+                  <a:lnTo>
+                    <a:pt x="2664054" y="1849250"/>
+                  </a:lnTo>
+                  <a:lnTo>
+                    <a:pt x="2762723" y="1849250"/>
+                  </a:lnTo>
+                  <a:lnTo>
+                    <a:pt x="2762723" y="1867439"/>
+                  </a:lnTo>
+                  <a:lnTo>
+                    <a:pt x="2861392" y="1867439"/>
+                  </a:lnTo>
+                  <a:lnTo>
+                    <a:pt x="2861392" y="1900786"/>
+                  </a:lnTo>
+                  <a:lnTo>
+                    <a:pt x="2960060" y="1900786"/>
+                  </a:lnTo>
+                  <a:lnTo>
+                    <a:pt x="2960060" y="1934134"/>
+                  </a:lnTo>
+                  <a:lnTo>
+                    <a:pt x="3058729" y="1934134"/>
+                  </a:lnTo>
+                  <a:lnTo>
+                    <a:pt x="3058729" y="1958386"/>
+                  </a:lnTo>
+                  <a:lnTo>
+                    <a:pt x="3157398" y="1958386"/>
+                  </a:lnTo>
+                  <a:lnTo>
+                    <a:pt x="3157398" y="1985670"/>
+                  </a:lnTo>
+                  <a:lnTo>
+                    <a:pt x="3256067" y="1985670"/>
+                  </a:lnTo>
+                  <a:lnTo>
+                    <a:pt x="3256067" y="2028112"/>
+                  </a:lnTo>
+                  <a:lnTo>
+                    <a:pt x="3354735" y="2028112"/>
+                  </a:lnTo>
+                  <a:lnTo>
+                    <a:pt x="3354735" y="2046301"/>
                   </a:lnTo>
                 </a:path>
               </a:pathLst>
@@ -5112,702 +4302,13 @@
         </p:sp>
         <p:sp>
           <p:nvSpPr>
-            <p:cNvPr id="54" name="pl53"/>
-            <p:cNvSpPr/>
-            <p:nvPr/>
-          </p:nvSpPr>
-          <p:spPr>
-            <a:xfrm>
-              <a:off x="1496652" y="1076845"/>
-              <a:ext cx="3848065" cy="928566"/>
-            </a:xfrm>
-            <a:custGeom>
-              <a:avLst/>
-              <a:pathLst>
-                <a:path w="3848065" h="928566">
-                  <a:moveTo>
-                    <a:pt x="0" y="0"/>
-                  </a:moveTo>
-                  <a:lnTo>
-                    <a:pt x="1924032" y="0"/>
-                  </a:lnTo>
-                  <a:lnTo>
-                    <a:pt x="1924032" y="30952"/>
-                  </a:lnTo>
-                  <a:lnTo>
-                    <a:pt x="1995293" y="30952"/>
-                  </a:lnTo>
-                  <a:lnTo>
-                    <a:pt x="1995293" y="61904"/>
-                  </a:lnTo>
-                  <a:lnTo>
-                    <a:pt x="2066553" y="61904"/>
-                  </a:lnTo>
-                  <a:lnTo>
-                    <a:pt x="2066553" y="92856"/>
-                  </a:lnTo>
-                  <a:lnTo>
-                    <a:pt x="2137814" y="92856"/>
-                  </a:lnTo>
-                  <a:lnTo>
-                    <a:pt x="2137814" y="123808"/>
-                  </a:lnTo>
-                  <a:lnTo>
-                    <a:pt x="2209074" y="123808"/>
-                  </a:lnTo>
-                  <a:lnTo>
-                    <a:pt x="2209074" y="154761"/>
-                  </a:lnTo>
-                  <a:lnTo>
-                    <a:pt x="2351595" y="154761"/>
-                  </a:lnTo>
-                  <a:lnTo>
-                    <a:pt x="2351595" y="216665"/>
-                  </a:lnTo>
-                  <a:lnTo>
-                    <a:pt x="2422855" y="216665"/>
-                  </a:lnTo>
-                  <a:lnTo>
-                    <a:pt x="2422855" y="247617"/>
-                  </a:lnTo>
-                  <a:lnTo>
-                    <a:pt x="2494116" y="247617"/>
-                  </a:lnTo>
-                  <a:lnTo>
-                    <a:pt x="2494116" y="402378"/>
-                  </a:lnTo>
-                  <a:lnTo>
-                    <a:pt x="2565376" y="402378"/>
-                  </a:lnTo>
-                  <a:lnTo>
-                    <a:pt x="2565376" y="464283"/>
-                  </a:lnTo>
-                  <a:lnTo>
-                    <a:pt x="2636637" y="464283"/>
-                  </a:lnTo>
-                  <a:lnTo>
-                    <a:pt x="2636637" y="526187"/>
-                  </a:lnTo>
-                  <a:lnTo>
-                    <a:pt x="2707897" y="526187"/>
-                  </a:lnTo>
-                  <a:lnTo>
-                    <a:pt x="2707897" y="619044"/>
-                  </a:lnTo>
-                  <a:lnTo>
-                    <a:pt x="2779158" y="619044"/>
-                  </a:lnTo>
-                  <a:lnTo>
-                    <a:pt x="2779158" y="649996"/>
-                  </a:lnTo>
-                  <a:lnTo>
-                    <a:pt x="2850418" y="649996"/>
-                  </a:lnTo>
-                  <a:lnTo>
-                    <a:pt x="2850418" y="680948"/>
-                  </a:lnTo>
-                  <a:lnTo>
-                    <a:pt x="2921679" y="680948"/>
-                  </a:lnTo>
-                  <a:lnTo>
-                    <a:pt x="2921679" y="711900"/>
-                  </a:lnTo>
-                  <a:lnTo>
-                    <a:pt x="3064200" y="711900"/>
-                  </a:lnTo>
-                  <a:lnTo>
-                    <a:pt x="3064200" y="742853"/>
-                  </a:lnTo>
-                  <a:lnTo>
-                    <a:pt x="3206721" y="742853"/>
-                  </a:lnTo>
-                  <a:lnTo>
-                    <a:pt x="3206721" y="835709"/>
-                  </a:lnTo>
-                  <a:lnTo>
-                    <a:pt x="3420502" y="835709"/>
-                  </a:lnTo>
-                  <a:lnTo>
-                    <a:pt x="3420502" y="866661"/>
-                  </a:lnTo>
-                  <a:lnTo>
-                    <a:pt x="3491762" y="866661"/>
-                  </a:lnTo>
-                  <a:lnTo>
-                    <a:pt x="3491762" y="928566"/>
-                  </a:lnTo>
-                  <a:lnTo>
-                    <a:pt x="3848065" y="928566"/>
-                  </a:lnTo>
-                  <a:lnTo>
-                    <a:pt x="3848065" y="928566"/>
-                  </a:lnTo>
-                </a:path>
-              </a:pathLst>
-            </a:custGeom>
-            <a:ln w="27101" cap="flat">
-              <a:solidFill>
-                <a:srgbClr val="00B4F0">
-                  <a:alpha val="100000"/>
-                </a:srgbClr>
-              </a:solidFill>
-              <a:prstDash val="solid"/>
-              <a:round/>
-            </a:ln>
-          </p:spPr>
-          <p:txBody>
-            <a:bodyPr/>
-            <a:lstStyle/>
-            <a:p/>
-          </p:txBody>
-        </p:sp>
-        <p:sp>
-          <p:nvSpPr>
-            <p:cNvPr id="55" name="pl54"/>
-            <p:cNvSpPr/>
-            <p:nvPr/>
-          </p:nvSpPr>
-          <p:spPr>
-            <a:xfrm>
-              <a:off x="1496652" y="1076845"/>
-              <a:ext cx="3848065" cy="959518"/>
-            </a:xfrm>
-            <a:custGeom>
-              <a:avLst/>
-              <a:pathLst>
-                <a:path w="3848065" h="959518">
-                  <a:moveTo>
-                    <a:pt x="0" y="0"/>
-                  </a:moveTo>
-                  <a:lnTo>
-                    <a:pt x="1567730" y="0"/>
-                  </a:lnTo>
-                  <a:lnTo>
-                    <a:pt x="1567730" y="30952"/>
-                  </a:lnTo>
-                  <a:lnTo>
-                    <a:pt x="1710251" y="30952"/>
-                  </a:lnTo>
-                  <a:lnTo>
-                    <a:pt x="1710251" y="61904"/>
-                  </a:lnTo>
-                  <a:lnTo>
-                    <a:pt x="1852772" y="61904"/>
-                  </a:lnTo>
-                  <a:lnTo>
-                    <a:pt x="1852772" y="92856"/>
-                  </a:lnTo>
-                  <a:lnTo>
-                    <a:pt x="1924032" y="92856"/>
-                  </a:lnTo>
-                  <a:lnTo>
-                    <a:pt x="1924032" y="154761"/>
-                  </a:lnTo>
-                  <a:lnTo>
-                    <a:pt x="1995293" y="154761"/>
-                  </a:lnTo>
-                  <a:lnTo>
-                    <a:pt x="1995293" y="185713"/>
-                  </a:lnTo>
-                  <a:lnTo>
-                    <a:pt x="2137814" y="185713"/>
-                  </a:lnTo>
-                  <a:lnTo>
-                    <a:pt x="2137814" y="216665"/>
-                  </a:lnTo>
-                  <a:lnTo>
-                    <a:pt x="2209074" y="216665"/>
-                  </a:lnTo>
-                  <a:lnTo>
-                    <a:pt x="2209074" y="309522"/>
-                  </a:lnTo>
-                  <a:lnTo>
-                    <a:pt x="2280334" y="309522"/>
-                  </a:lnTo>
-                  <a:lnTo>
-                    <a:pt x="2280334" y="340474"/>
-                  </a:lnTo>
-                  <a:lnTo>
-                    <a:pt x="2351595" y="340474"/>
-                  </a:lnTo>
-                  <a:lnTo>
-                    <a:pt x="2351595" y="495235"/>
-                  </a:lnTo>
-                  <a:lnTo>
-                    <a:pt x="2422855" y="495235"/>
-                  </a:lnTo>
-                  <a:lnTo>
-                    <a:pt x="2422855" y="649996"/>
-                  </a:lnTo>
-                  <a:lnTo>
-                    <a:pt x="2494116" y="649996"/>
-                  </a:lnTo>
-                  <a:lnTo>
-                    <a:pt x="2494116" y="742853"/>
-                  </a:lnTo>
-                  <a:lnTo>
-                    <a:pt x="2565376" y="742853"/>
-                  </a:lnTo>
-                  <a:lnTo>
-                    <a:pt x="2565376" y="804757"/>
-                  </a:lnTo>
-                  <a:lnTo>
-                    <a:pt x="2636637" y="804757"/>
-                  </a:lnTo>
-                  <a:lnTo>
-                    <a:pt x="2636637" y="866661"/>
-                  </a:lnTo>
-                  <a:lnTo>
-                    <a:pt x="2707897" y="866661"/>
-                  </a:lnTo>
-                  <a:lnTo>
-                    <a:pt x="2707897" y="897614"/>
-                  </a:lnTo>
-                  <a:lnTo>
-                    <a:pt x="2779158" y="897614"/>
-                  </a:lnTo>
-                  <a:lnTo>
-                    <a:pt x="2779158" y="928566"/>
-                  </a:lnTo>
-                  <a:lnTo>
-                    <a:pt x="3634283" y="928566"/>
-                  </a:lnTo>
-                  <a:lnTo>
-                    <a:pt x="3634283" y="959518"/>
-                  </a:lnTo>
-                  <a:lnTo>
-                    <a:pt x="3848065" y="959518"/>
-                  </a:lnTo>
-                  <a:lnTo>
-                    <a:pt x="3848065" y="959518"/>
-                  </a:lnTo>
-                </a:path>
-              </a:pathLst>
-            </a:custGeom>
-            <a:ln w="27101" cap="flat">
-              <a:solidFill>
-                <a:srgbClr val="619CFF">
-                  <a:alpha val="100000"/>
-                </a:srgbClr>
-              </a:solidFill>
-              <a:prstDash val="solid"/>
-              <a:round/>
-            </a:ln>
-          </p:spPr>
-          <p:txBody>
-            <a:bodyPr/>
-            <a:lstStyle/>
-            <a:p/>
-          </p:txBody>
-        </p:sp>
-        <p:sp>
-          <p:nvSpPr>
-            <p:cNvPr id="56" name="pl55"/>
-            <p:cNvSpPr/>
-            <p:nvPr/>
-          </p:nvSpPr>
-          <p:spPr>
-            <a:xfrm>
-              <a:off x="1496652" y="1076845"/>
-              <a:ext cx="3848065" cy="1083327"/>
-            </a:xfrm>
-            <a:custGeom>
-              <a:avLst/>
-              <a:pathLst>
-                <a:path w="3848065" h="1083327">
-                  <a:moveTo>
-                    <a:pt x="0" y="0"/>
-                  </a:moveTo>
-                  <a:lnTo>
-                    <a:pt x="1924032" y="0"/>
-                  </a:lnTo>
-                  <a:lnTo>
-                    <a:pt x="1924032" y="30952"/>
-                  </a:lnTo>
-                  <a:lnTo>
-                    <a:pt x="2066553" y="30952"/>
-                  </a:lnTo>
-                  <a:lnTo>
-                    <a:pt x="2066553" y="92856"/>
-                  </a:lnTo>
-                  <a:lnTo>
-                    <a:pt x="2137814" y="92856"/>
-                  </a:lnTo>
-                  <a:lnTo>
-                    <a:pt x="2137814" y="247617"/>
-                  </a:lnTo>
-                  <a:lnTo>
-                    <a:pt x="2209074" y="247617"/>
-                  </a:lnTo>
-                  <a:lnTo>
-                    <a:pt x="2209074" y="402378"/>
-                  </a:lnTo>
-                  <a:lnTo>
-                    <a:pt x="2280334" y="402378"/>
-                  </a:lnTo>
-                  <a:lnTo>
-                    <a:pt x="2280334" y="526187"/>
-                  </a:lnTo>
-                  <a:lnTo>
-                    <a:pt x="2351595" y="526187"/>
-                  </a:lnTo>
-                  <a:lnTo>
-                    <a:pt x="2351595" y="557139"/>
-                  </a:lnTo>
-                  <a:lnTo>
-                    <a:pt x="2494116" y="557139"/>
-                  </a:lnTo>
-                  <a:lnTo>
-                    <a:pt x="2494116" y="649996"/>
-                  </a:lnTo>
-                  <a:lnTo>
-                    <a:pt x="2565376" y="649996"/>
-                  </a:lnTo>
-                  <a:lnTo>
-                    <a:pt x="2565376" y="773805"/>
-                  </a:lnTo>
-                  <a:lnTo>
-                    <a:pt x="2636637" y="773805"/>
-                  </a:lnTo>
-                  <a:lnTo>
-                    <a:pt x="2636637" y="804757"/>
-                  </a:lnTo>
-                  <a:lnTo>
-                    <a:pt x="2707897" y="804757"/>
-                  </a:lnTo>
-                  <a:lnTo>
-                    <a:pt x="2707897" y="897614"/>
-                  </a:lnTo>
-                  <a:lnTo>
-                    <a:pt x="2850418" y="897614"/>
-                  </a:lnTo>
-                  <a:lnTo>
-                    <a:pt x="2850418" y="928566"/>
-                  </a:lnTo>
-                  <a:lnTo>
-                    <a:pt x="3206721" y="928566"/>
-                  </a:lnTo>
-                  <a:lnTo>
-                    <a:pt x="3206721" y="990470"/>
-                  </a:lnTo>
-                  <a:lnTo>
-                    <a:pt x="3277981" y="990470"/>
-                  </a:lnTo>
-                  <a:lnTo>
-                    <a:pt x="3277981" y="1021422"/>
-                  </a:lnTo>
-                  <a:lnTo>
-                    <a:pt x="3349241" y="1021422"/>
-                  </a:lnTo>
-                  <a:lnTo>
-                    <a:pt x="3349241" y="1052375"/>
-                  </a:lnTo>
-                  <a:lnTo>
-                    <a:pt x="3420502" y="1052375"/>
-                  </a:lnTo>
-                  <a:lnTo>
-                    <a:pt x="3420502" y="1083327"/>
-                  </a:lnTo>
-                  <a:lnTo>
-                    <a:pt x="3848065" y="1083327"/>
-                  </a:lnTo>
-                  <a:lnTo>
-                    <a:pt x="3848065" y="1083327"/>
-                  </a:lnTo>
-                </a:path>
-              </a:pathLst>
-            </a:custGeom>
-            <a:ln w="27101" cap="flat">
-              <a:solidFill>
-                <a:srgbClr val="C77CFF">
-                  <a:alpha val="100000"/>
-                </a:srgbClr>
-              </a:solidFill>
-              <a:prstDash val="solid"/>
-              <a:round/>
-            </a:ln>
-          </p:spPr>
-          <p:txBody>
-            <a:bodyPr/>
-            <a:lstStyle/>
-            <a:p/>
-          </p:txBody>
-        </p:sp>
-        <p:sp>
-          <p:nvSpPr>
-            <p:cNvPr id="57" name="pl56"/>
-            <p:cNvSpPr/>
-            <p:nvPr/>
-          </p:nvSpPr>
-          <p:spPr>
-            <a:xfrm>
-              <a:off x="1496652" y="1076845"/>
-              <a:ext cx="3848065" cy="835709"/>
-            </a:xfrm>
-            <a:custGeom>
-              <a:avLst/>
-              <a:pathLst>
-                <a:path w="3848065" h="835709">
-                  <a:moveTo>
-                    <a:pt x="0" y="0"/>
-                  </a:moveTo>
-                  <a:lnTo>
-                    <a:pt x="1852772" y="0"/>
-                  </a:lnTo>
-                  <a:lnTo>
-                    <a:pt x="1852772" y="61904"/>
-                  </a:lnTo>
-                  <a:lnTo>
-                    <a:pt x="1924032" y="61904"/>
-                  </a:lnTo>
-                  <a:lnTo>
-                    <a:pt x="1924032" y="92856"/>
-                  </a:lnTo>
-                  <a:lnTo>
-                    <a:pt x="2066553" y="92856"/>
-                  </a:lnTo>
-                  <a:lnTo>
-                    <a:pt x="2066553" y="247617"/>
-                  </a:lnTo>
-                  <a:lnTo>
-                    <a:pt x="2137814" y="247617"/>
-                  </a:lnTo>
-                  <a:lnTo>
-                    <a:pt x="2137814" y="278569"/>
-                  </a:lnTo>
-                  <a:lnTo>
-                    <a:pt x="2351595" y="278569"/>
-                  </a:lnTo>
-                  <a:lnTo>
-                    <a:pt x="2351595" y="309522"/>
-                  </a:lnTo>
-                  <a:lnTo>
-                    <a:pt x="2422855" y="309522"/>
-                  </a:lnTo>
-                  <a:lnTo>
-                    <a:pt x="2422855" y="433330"/>
-                  </a:lnTo>
-                  <a:lnTo>
-                    <a:pt x="2494116" y="433330"/>
-                  </a:lnTo>
-                  <a:lnTo>
-                    <a:pt x="2494116" y="588091"/>
-                  </a:lnTo>
-                  <a:lnTo>
-                    <a:pt x="2565376" y="588091"/>
-                  </a:lnTo>
-                  <a:lnTo>
-                    <a:pt x="2565376" y="649996"/>
-                  </a:lnTo>
-                  <a:lnTo>
-                    <a:pt x="2636637" y="649996"/>
-                  </a:lnTo>
-                  <a:lnTo>
-                    <a:pt x="2636637" y="711900"/>
-                  </a:lnTo>
-                  <a:lnTo>
-                    <a:pt x="2707897" y="711900"/>
-                  </a:lnTo>
-                  <a:lnTo>
-                    <a:pt x="2707897" y="742853"/>
-                  </a:lnTo>
-                  <a:lnTo>
-                    <a:pt x="2779158" y="742853"/>
-                  </a:lnTo>
-                  <a:lnTo>
-                    <a:pt x="2779158" y="773805"/>
-                  </a:lnTo>
-                  <a:lnTo>
-                    <a:pt x="3349241" y="773805"/>
-                  </a:lnTo>
-                  <a:lnTo>
-                    <a:pt x="3349241" y="804757"/>
-                  </a:lnTo>
-                  <a:lnTo>
-                    <a:pt x="3634283" y="804757"/>
-                  </a:lnTo>
-                  <a:lnTo>
-                    <a:pt x="3634283" y="835709"/>
-                  </a:lnTo>
-                  <a:lnTo>
-                    <a:pt x="3848065" y="835709"/>
-                  </a:lnTo>
-                  <a:lnTo>
-                    <a:pt x="3848065" y="835709"/>
-                  </a:lnTo>
-                </a:path>
-              </a:pathLst>
-            </a:custGeom>
-            <a:ln w="27101" cap="flat">
-              <a:solidFill>
-                <a:srgbClr val="F564E3">
-                  <a:alpha val="100000"/>
-                </a:srgbClr>
-              </a:solidFill>
-              <a:prstDash val="solid"/>
-              <a:round/>
-            </a:ln>
-          </p:spPr>
-          <p:txBody>
-            <a:bodyPr/>
-            <a:lstStyle/>
-            <a:p/>
-          </p:txBody>
-        </p:sp>
-        <p:sp>
-          <p:nvSpPr>
-            <p:cNvPr id="58" name="pl57"/>
-            <p:cNvSpPr/>
-            <p:nvPr/>
-          </p:nvSpPr>
-          <p:spPr>
-            <a:xfrm>
-              <a:off x="1496652" y="1076845"/>
-              <a:ext cx="3848065" cy="1052375"/>
-            </a:xfrm>
-            <a:custGeom>
-              <a:avLst/>
-              <a:pathLst>
-                <a:path w="3848065" h="1052375">
-                  <a:moveTo>
-                    <a:pt x="0" y="0"/>
-                  </a:moveTo>
-                  <a:lnTo>
-                    <a:pt x="1353948" y="0"/>
-                  </a:lnTo>
-                  <a:lnTo>
-                    <a:pt x="1353948" y="30952"/>
-                  </a:lnTo>
-                  <a:lnTo>
-                    <a:pt x="1496469" y="30952"/>
-                  </a:lnTo>
-                  <a:lnTo>
-                    <a:pt x="1496469" y="61904"/>
-                  </a:lnTo>
-                  <a:lnTo>
-                    <a:pt x="1567730" y="61904"/>
-                  </a:lnTo>
-                  <a:lnTo>
-                    <a:pt x="1567730" y="92856"/>
-                  </a:lnTo>
-                  <a:lnTo>
-                    <a:pt x="1781511" y="92856"/>
-                  </a:lnTo>
-                  <a:lnTo>
-                    <a:pt x="1781511" y="123808"/>
-                  </a:lnTo>
-                  <a:lnTo>
-                    <a:pt x="1995293" y="123808"/>
-                  </a:lnTo>
-                  <a:lnTo>
-                    <a:pt x="1995293" y="154761"/>
-                  </a:lnTo>
-                  <a:lnTo>
-                    <a:pt x="2137814" y="154761"/>
-                  </a:lnTo>
-                  <a:lnTo>
-                    <a:pt x="2137814" y="185713"/>
-                  </a:lnTo>
-                  <a:lnTo>
-                    <a:pt x="2209074" y="185713"/>
-                  </a:lnTo>
-                  <a:lnTo>
-                    <a:pt x="2209074" y="340474"/>
-                  </a:lnTo>
-                  <a:lnTo>
-                    <a:pt x="2351595" y="340474"/>
-                  </a:lnTo>
-                  <a:lnTo>
-                    <a:pt x="2351595" y="371426"/>
-                  </a:lnTo>
-                  <a:lnTo>
-                    <a:pt x="2422855" y="371426"/>
-                  </a:lnTo>
-                  <a:lnTo>
-                    <a:pt x="2422855" y="464283"/>
-                  </a:lnTo>
-                  <a:lnTo>
-                    <a:pt x="2494116" y="464283"/>
-                  </a:lnTo>
-                  <a:lnTo>
-                    <a:pt x="2494116" y="619044"/>
-                  </a:lnTo>
-                  <a:lnTo>
-                    <a:pt x="2565376" y="619044"/>
-                  </a:lnTo>
-                  <a:lnTo>
-                    <a:pt x="2565376" y="680948"/>
-                  </a:lnTo>
-                  <a:lnTo>
-                    <a:pt x="2636637" y="680948"/>
-                  </a:lnTo>
-                  <a:lnTo>
-                    <a:pt x="2636637" y="711900"/>
-                  </a:lnTo>
-                  <a:lnTo>
-                    <a:pt x="2707897" y="711900"/>
-                  </a:lnTo>
-                  <a:lnTo>
-                    <a:pt x="2707897" y="804757"/>
-                  </a:lnTo>
-                  <a:lnTo>
-                    <a:pt x="2779158" y="804757"/>
-                  </a:lnTo>
-                  <a:lnTo>
-                    <a:pt x="2779158" y="928566"/>
-                  </a:lnTo>
-                  <a:lnTo>
-                    <a:pt x="2850418" y="928566"/>
-                  </a:lnTo>
-                  <a:lnTo>
-                    <a:pt x="2850418" y="959518"/>
-                  </a:lnTo>
-                  <a:lnTo>
-                    <a:pt x="2992939" y="959518"/>
-                  </a:lnTo>
-                  <a:lnTo>
-                    <a:pt x="2992939" y="990470"/>
-                  </a:lnTo>
-                  <a:lnTo>
-                    <a:pt x="3420502" y="990470"/>
-                  </a:lnTo>
-                  <a:lnTo>
-                    <a:pt x="3420502" y="1021422"/>
-                  </a:lnTo>
-                  <a:lnTo>
-                    <a:pt x="3848065" y="1021422"/>
-                  </a:lnTo>
-                  <a:lnTo>
-                    <a:pt x="3848065" y="1052375"/>
-                  </a:lnTo>
-                </a:path>
-              </a:pathLst>
-            </a:custGeom>
-            <a:ln w="27101" cap="flat">
-              <a:solidFill>
-                <a:srgbClr val="FF64B0">
-                  <a:alpha val="100000"/>
-                </a:srgbClr>
-              </a:solidFill>
-              <a:prstDash val="solid"/>
-              <a:round/>
-            </a:ln>
-          </p:spPr>
-          <p:txBody>
-            <a:bodyPr/>
-            <a:lstStyle/>
-            <a:p/>
-          </p:txBody>
-        </p:sp>
-        <p:sp>
-          <p:nvSpPr>
-            <p:cNvPr id="59" name="tx58"/>
-            <p:cNvSpPr/>
-            <p:nvPr/>
-          </p:nvSpPr>
-          <p:spPr>
-            <a:xfrm>
-              <a:off x="5293734" y="2139071"/>
+            <p:cNvPr id="48" name="tx47"/>
+            <p:cNvSpPr/>
+            <p:nvPr/>
+          </p:nvSpPr>
+          <p:spPr>
+            <a:xfrm>
+              <a:off x="3320374" y="2923931"/>
               <a:ext cx="101968" cy="82614"/>
             </a:xfrm>
             <a:prstGeom prst="rect">
@@ -5847,243 +4348,13 @@
         </p:sp>
         <p:sp>
           <p:nvSpPr>
-            <p:cNvPr id="60" name="tx59"/>
-            <p:cNvSpPr/>
-            <p:nvPr/>
-          </p:nvSpPr>
-          <p:spPr>
-            <a:xfrm>
-              <a:off x="5293734" y="2262880"/>
-              <a:ext cx="101968" cy="82614"/>
-            </a:xfrm>
-            <a:prstGeom prst="rect">
-              <a:avLst/>
-            </a:prstGeom>
-            <a:noFill/>
-          </p:spPr>
-          <p:txBody>
-            <a:bodyPr lIns="0" rIns="0" tIns="0" bIns="0" anchorCtr="1" anchor="ctr" wrap="none"/>
-            <a:lstStyle/>
-            <a:p>
-              <a:pPr algn="l" marL="0" marR="0" indent="0">
-                <a:lnSpc>
-                  <a:spcPts val="1374"/>
-                </a:lnSpc>
-                <a:spcBef>
-                  <a:spcPts val="0"/>
-                </a:spcBef>
-                <a:spcAft>
-                  <a:spcPts val="0"/>
-                </a:spcAft>
-              </a:pPr>
-              <a:r>
-                <a:rPr sz="1374">
-                  <a:solidFill>
-                    <a:srgbClr val="DE8C00">
-                      <a:alpha val="100000"/>
-                    </a:srgbClr>
-                  </a:solidFill>
-                  <a:latin typeface="Arial"/>
-                  <a:cs typeface="Arial"/>
-                </a:rPr>
-                <a:t>+</a:t>
-              </a:r>
-            </a:p>
-          </p:txBody>
-        </p:sp>
-        <p:sp>
-          <p:nvSpPr>
-            <p:cNvPr id="61" name="tx60"/>
-            <p:cNvSpPr/>
-            <p:nvPr/>
-          </p:nvSpPr>
-          <p:spPr>
-            <a:xfrm>
-              <a:off x="5293734" y="2077167"/>
-              <a:ext cx="101968" cy="82614"/>
-            </a:xfrm>
-            <a:prstGeom prst="rect">
-              <a:avLst/>
-            </a:prstGeom>
-            <a:noFill/>
-          </p:spPr>
-          <p:txBody>
-            <a:bodyPr lIns="0" rIns="0" tIns="0" bIns="0" anchorCtr="1" anchor="ctr" wrap="none"/>
-            <a:lstStyle/>
-            <a:p>
-              <a:pPr algn="l" marL="0" marR="0" indent="0">
-                <a:lnSpc>
-                  <a:spcPts val="1374"/>
-                </a:lnSpc>
-                <a:spcBef>
-                  <a:spcPts val="0"/>
-                </a:spcBef>
-                <a:spcAft>
-                  <a:spcPts val="0"/>
-                </a:spcAft>
-              </a:pPr>
-              <a:r>
-                <a:rPr sz="1374">
-                  <a:solidFill>
-                    <a:srgbClr val="B79F00">
-                      <a:alpha val="100000"/>
-                    </a:srgbClr>
-                  </a:solidFill>
-                  <a:latin typeface="Arial"/>
-                  <a:cs typeface="Arial"/>
-                </a:rPr>
-                <a:t>+</a:t>
-              </a:r>
-            </a:p>
-          </p:txBody>
-        </p:sp>
-        <p:sp>
-          <p:nvSpPr>
-            <p:cNvPr id="62" name="tx61"/>
-            <p:cNvSpPr/>
-            <p:nvPr/>
-          </p:nvSpPr>
-          <p:spPr>
-            <a:xfrm>
-              <a:off x="5293734" y="2200976"/>
-              <a:ext cx="101968" cy="82614"/>
-            </a:xfrm>
-            <a:prstGeom prst="rect">
-              <a:avLst/>
-            </a:prstGeom>
-            <a:noFill/>
-          </p:spPr>
-          <p:txBody>
-            <a:bodyPr lIns="0" rIns="0" tIns="0" bIns="0" anchorCtr="1" anchor="ctr" wrap="none"/>
-            <a:lstStyle/>
-            <a:p>
-              <a:pPr algn="l" marL="0" marR="0" indent="0">
-                <a:lnSpc>
-                  <a:spcPts val="1374"/>
-                </a:lnSpc>
-                <a:spcBef>
-                  <a:spcPts val="0"/>
-                </a:spcBef>
-                <a:spcAft>
-                  <a:spcPts val="0"/>
-                </a:spcAft>
-              </a:pPr>
-              <a:r>
-                <a:rPr sz="1374">
-                  <a:solidFill>
-                    <a:srgbClr val="7CAE00">
-                      <a:alpha val="100000"/>
-                    </a:srgbClr>
-                  </a:solidFill>
-                  <a:latin typeface="Arial"/>
-                  <a:cs typeface="Arial"/>
-                </a:rPr>
-                <a:t>+</a:t>
-              </a:r>
-            </a:p>
-          </p:txBody>
-        </p:sp>
-        <p:sp>
-          <p:nvSpPr>
-            <p:cNvPr id="63" name="tx62"/>
-            <p:cNvSpPr/>
-            <p:nvPr/>
-          </p:nvSpPr>
-          <p:spPr>
-            <a:xfrm>
-              <a:off x="5293734" y="2170023"/>
-              <a:ext cx="101968" cy="82614"/>
-            </a:xfrm>
-            <a:prstGeom prst="rect">
-              <a:avLst/>
-            </a:prstGeom>
-            <a:noFill/>
-          </p:spPr>
-          <p:txBody>
-            <a:bodyPr lIns="0" rIns="0" tIns="0" bIns="0" anchorCtr="1" anchor="ctr" wrap="none"/>
-            <a:lstStyle/>
-            <a:p>
-              <a:pPr algn="l" marL="0" marR="0" indent="0">
-                <a:lnSpc>
-                  <a:spcPts val="1374"/>
-                </a:lnSpc>
-                <a:spcBef>
-                  <a:spcPts val="0"/>
-                </a:spcBef>
-                <a:spcAft>
-                  <a:spcPts val="0"/>
-                </a:spcAft>
-              </a:pPr>
-              <a:r>
-                <a:rPr sz="1374">
-                  <a:solidFill>
-                    <a:srgbClr val="00BA38">
-                      <a:alpha val="100000"/>
-                    </a:srgbClr>
-                  </a:solidFill>
-                  <a:latin typeface="Arial"/>
-                  <a:cs typeface="Arial"/>
-                </a:rPr>
-                <a:t>+</a:t>
-              </a:r>
-            </a:p>
-          </p:txBody>
-        </p:sp>
-        <p:sp>
-          <p:nvSpPr>
-            <p:cNvPr id="64" name="tx63"/>
-            <p:cNvSpPr/>
-            <p:nvPr/>
-          </p:nvSpPr>
-          <p:spPr>
-            <a:xfrm>
-              <a:off x="5293734" y="2139071"/>
-              <a:ext cx="101968" cy="82614"/>
-            </a:xfrm>
-            <a:prstGeom prst="rect">
-              <a:avLst/>
-            </a:prstGeom>
-            <a:noFill/>
-          </p:spPr>
-          <p:txBody>
-            <a:bodyPr lIns="0" rIns="0" tIns="0" bIns="0" anchorCtr="1" anchor="ctr" wrap="none"/>
-            <a:lstStyle/>
-            <a:p>
-              <a:pPr algn="l" marL="0" marR="0" indent="0">
-                <a:lnSpc>
-                  <a:spcPts val="1374"/>
-                </a:lnSpc>
-                <a:spcBef>
-                  <a:spcPts val="0"/>
-                </a:spcBef>
-                <a:spcAft>
-                  <a:spcPts val="0"/>
-                </a:spcAft>
-              </a:pPr>
-              <a:r>
-                <a:rPr sz="1374">
-                  <a:solidFill>
-                    <a:srgbClr val="00C08B">
-                      <a:alpha val="100000"/>
-                    </a:srgbClr>
-                  </a:solidFill>
-                  <a:latin typeface="Arial"/>
-                  <a:cs typeface="Arial"/>
-                </a:rPr>
-                <a:t>+</a:t>
-              </a:r>
-            </a:p>
-          </p:txBody>
-        </p:sp>
-        <p:sp>
-          <p:nvSpPr>
-            <p:cNvPr id="65" name="tx64"/>
-            <p:cNvSpPr/>
-            <p:nvPr/>
-          </p:nvSpPr>
-          <p:spPr>
-            <a:xfrm>
-              <a:off x="5293734" y="1891454"/>
+            <p:cNvPr id="49" name="tx48"/>
+            <p:cNvSpPr/>
+            <p:nvPr/>
+          </p:nvSpPr>
+          <p:spPr>
+            <a:xfrm>
+              <a:off x="4800404" y="3102046"/>
               <a:ext cx="101968" cy="82614"/>
             </a:xfrm>
             <a:prstGeom prst="rect">
@@ -6123,237 +4394,7 @@
         </p:sp>
         <p:sp>
           <p:nvSpPr>
-            <p:cNvPr id="66" name="tx65"/>
-            <p:cNvSpPr/>
-            <p:nvPr/>
-          </p:nvSpPr>
-          <p:spPr>
-            <a:xfrm>
-              <a:off x="5293734" y="1984310"/>
-              <a:ext cx="101968" cy="82614"/>
-            </a:xfrm>
-            <a:prstGeom prst="rect">
-              <a:avLst/>
-            </a:prstGeom>
-            <a:noFill/>
-          </p:spPr>
-          <p:txBody>
-            <a:bodyPr lIns="0" rIns="0" tIns="0" bIns="0" anchorCtr="1" anchor="ctr" wrap="none"/>
-            <a:lstStyle/>
-            <a:p>
-              <a:pPr algn="l" marL="0" marR="0" indent="0">
-                <a:lnSpc>
-                  <a:spcPts val="1374"/>
-                </a:lnSpc>
-                <a:spcBef>
-                  <a:spcPts val="0"/>
-                </a:spcBef>
-                <a:spcAft>
-                  <a:spcPts val="0"/>
-                </a:spcAft>
-              </a:pPr>
-              <a:r>
-                <a:rPr sz="1374">
-                  <a:solidFill>
-                    <a:srgbClr val="00B4F0">
-                      <a:alpha val="100000"/>
-                    </a:srgbClr>
-                  </a:solidFill>
-                  <a:latin typeface="Arial"/>
-                  <a:cs typeface="Arial"/>
-                </a:rPr>
-                <a:t>+</a:t>
-              </a:r>
-            </a:p>
-          </p:txBody>
-        </p:sp>
-        <p:sp>
-          <p:nvSpPr>
-            <p:cNvPr id="67" name="tx66"/>
-            <p:cNvSpPr/>
-            <p:nvPr/>
-          </p:nvSpPr>
-          <p:spPr>
-            <a:xfrm>
-              <a:off x="5293734" y="2015262"/>
-              <a:ext cx="101968" cy="82614"/>
-            </a:xfrm>
-            <a:prstGeom prst="rect">
-              <a:avLst/>
-            </a:prstGeom>
-            <a:noFill/>
-          </p:spPr>
-          <p:txBody>
-            <a:bodyPr lIns="0" rIns="0" tIns="0" bIns="0" anchorCtr="1" anchor="ctr" wrap="none"/>
-            <a:lstStyle/>
-            <a:p>
-              <a:pPr algn="l" marL="0" marR="0" indent="0">
-                <a:lnSpc>
-                  <a:spcPts val="1374"/>
-                </a:lnSpc>
-                <a:spcBef>
-                  <a:spcPts val="0"/>
-                </a:spcBef>
-                <a:spcAft>
-                  <a:spcPts val="0"/>
-                </a:spcAft>
-              </a:pPr>
-              <a:r>
-                <a:rPr sz="1374">
-                  <a:solidFill>
-                    <a:srgbClr val="619CFF">
-                      <a:alpha val="100000"/>
-                    </a:srgbClr>
-                  </a:solidFill>
-                  <a:latin typeface="Arial"/>
-                  <a:cs typeface="Arial"/>
-                </a:rPr>
-                <a:t>+</a:t>
-              </a:r>
-            </a:p>
-          </p:txBody>
-        </p:sp>
-        <p:sp>
-          <p:nvSpPr>
-            <p:cNvPr id="68" name="tx67"/>
-            <p:cNvSpPr/>
-            <p:nvPr/>
-          </p:nvSpPr>
-          <p:spPr>
-            <a:xfrm>
-              <a:off x="5293734" y="2139071"/>
-              <a:ext cx="101968" cy="82614"/>
-            </a:xfrm>
-            <a:prstGeom prst="rect">
-              <a:avLst/>
-            </a:prstGeom>
-            <a:noFill/>
-          </p:spPr>
-          <p:txBody>
-            <a:bodyPr lIns="0" rIns="0" tIns="0" bIns="0" anchorCtr="1" anchor="ctr" wrap="none"/>
-            <a:lstStyle/>
-            <a:p>
-              <a:pPr algn="l" marL="0" marR="0" indent="0">
-                <a:lnSpc>
-                  <a:spcPts val="1374"/>
-                </a:lnSpc>
-                <a:spcBef>
-                  <a:spcPts val="0"/>
-                </a:spcBef>
-                <a:spcAft>
-                  <a:spcPts val="0"/>
-                </a:spcAft>
-              </a:pPr>
-              <a:r>
-                <a:rPr sz="1374">
-                  <a:solidFill>
-                    <a:srgbClr val="C77CFF">
-                      <a:alpha val="100000"/>
-                    </a:srgbClr>
-                  </a:solidFill>
-                  <a:latin typeface="Arial"/>
-                  <a:cs typeface="Arial"/>
-                </a:rPr>
-                <a:t>+</a:t>
-              </a:r>
-            </a:p>
-          </p:txBody>
-        </p:sp>
-        <p:sp>
-          <p:nvSpPr>
-            <p:cNvPr id="69" name="tx68"/>
-            <p:cNvSpPr/>
-            <p:nvPr/>
-          </p:nvSpPr>
-          <p:spPr>
-            <a:xfrm>
-              <a:off x="5293734" y="1891454"/>
-              <a:ext cx="101968" cy="82614"/>
-            </a:xfrm>
-            <a:prstGeom prst="rect">
-              <a:avLst/>
-            </a:prstGeom>
-            <a:noFill/>
-          </p:spPr>
-          <p:txBody>
-            <a:bodyPr lIns="0" rIns="0" tIns="0" bIns="0" anchorCtr="1" anchor="ctr" wrap="none"/>
-            <a:lstStyle/>
-            <a:p>
-              <a:pPr algn="l" marL="0" marR="0" indent="0">
-                <a:lnSpc>
-                  <a:spcPts val="1374"/>
-                </a:lnSpc>
-                <a:spcBef>
-                  <a:spcPts val="0"/>
-                </a:spcBef>
-                <a:spcAft>
-                  <a:spcPts val="0"/>
-                </a:spcAft>
-              </a:pPr>
-              <a:r>
-                <a:rPr sz="1374">
-                  <a:solidFill>
-                    <a:srgbClr val="F564E3">
-                      <a:alpha val="100000"/>
-                    </a:srgbClr>
-                  </a:solidFill>
-                  <a:latin typeface="Arial"/>
-                  <a:cs typeface="Arial"/>
-                </a:rPr>
-                <a:t>+</a:t>
-              </a:r>
-            </a:p>
-          </p:txBody>
-        </p:sp>
-        <p:sp>
-          <p:nvSpPr>
-            <p:cNvPr id="70" name="tx69"/>
-            <p:cNvSpPr/>
-            <p:nvPr/>
-          </p:nvSpPr>
-          <p:spPr>
-            <a:xfrm>
-              <a:off x="5293734" y="2108119"/>
-              <a:ext cx="101968" cy="82614"/>
-            </a:xfrm>
-            <a:prstGeom prst="rect">
-              <a:avLst/>
-            </a:prstGeom>
-            <a:noFill/>
-          </p:spPr>
-          <p:txBody>
-            <a:bodyPr lIns="0" rIns="0" tIns="0" bIns="0" anchorCtr="1" anchor="ctr" wrap="none"/>
-            <a:lstStyle/>
-            <a:p>
-              <a:pPr algn="l" marL="0" marR="0" indent="0">
-                <a:lnSpc>
-                  <a:spcPts val="1374"/>
-                </a:lnSpc>
-                <a:spcBef>
-                  <a:spcPts val="0"/>
-                </a:spcBef>
-                <a:spcAft>
-                  <a:spcPts val="0"/>
-                </a:spcAft>
-              </a:pPr>
-              <a:r>
-                <a:rPr sz="1374">
-                  <a:solidFill>
-                    <a:srgbClr val="FF64B0">
-                      <a:alpha val="100000"/>
-                    </a:srgbClr>
-                  </a:solidFill>
-                  <a:latin typeface="Arial"/>
-                  <a:cs typeface="Arial"/>
-                </a:rPr>
-                <a:t>+</a:t>
-              </a:r>
-            </a:p>
-          </p:txBody>
-        </p:sp>
-        <p:sp>
-          <p:nvSpPr>
-            <p:cNvPr id="71" name="tx70"/>
+            <p:cNvPr id="50" name="tx49"/>
             <p:cNvSpPr/>
             <p:nvPr/>
           </p:nvSpPr>
@@ -6399,7 +4440,7 @@
         </p:sp>
         <p:sp>
           <p:nvSpPr>
-            <p:cNvPr id="72" name="tx71"/>
+            <p:cNvPr id="51" name="tx50"/>
             <p:cNvSpPr/>
             <p:nvPr/>
           </p:nvSpPr>
@@ -6445,7 +4486,7 @@
         </p:sp>
         <p:sp>
           <p:nvSpPr>
-            <p:cNvPr id="73" name="tx72"/>
+            <p:cNvPr id="52" name="tx51"/>
             <p:cNvSpPr/>
             <p:nvPr/>
           </p:nvSpPr>
@@ -6491,7 +4532,7 @@
         </p:sp>
         <p:sp>
           <p:nvSpPr>
-            <p:cNvPr id="74" name="tx73"/>
+            <p:cNvPr id="53" name="tx52"/>
             <p:cNvSpPr/>
             <p:nvPr/>
           </p:nvSpPr>
@@ -6537,7 +4578,7 @@
         </p:sp>
         <p:sp>
           <p:nvSpPr>
-            <p:cNvPr id="75" name="tx74"/>
+            <p:cNvPr id="54" name="tx53"/>
             <p:cNvSpPr/>
             <p:nvPr/>
           </p:nvSpPr>
@@ -6583,7 +4624,7 @@
         </p:sp>
         <p:sp>
           <p:nvSpPr>
-            <p:cNvPr id="76" name="tx75"/>
+            <p:cNvPr id="55" name="tx54"/>
             <p:cNvSpPr/>
             <p:nvPr/>
           </p:nvSpPr>
@@ -6629,7 +4670,7 @@
         </p:sp>
         <p:sp>
           <p:nvSpPr>
-            <p:cNvPr id="77" name="tx76"/>
+            <p:cNvPr id="56" name="tx55"/>
             <p:cNvSpPr/>
             <p:nvPr/>
           </p:nvSpPr>
@@ -6675,7 +4716,7 @@
         </p:sp>
         <p:sp>
           <p:nvSpPr>
-            <p:cNvPr id="78" name="tx77"/>
+            <p:cNvPr id="57" name="tx56"/>
             <p:cNvSpPr/>
             <p:nvPr/>
           </p:nvSpPr>
@@ -6721,7 +4762,7 @@
         </p:sp>
         <p:sp>
           <p:nvSpPr>
-            <p:cNvPr id="79" name="tx78"/>
+            <p:cNvPr id="58" name="tx57"/>
             <p:cNvSpPr/>
             <p:nvPr/>
           </p:nvSpPr>
@@ -6767,7 +4808,7 @@
         </p:sp>
         <p:sp>
           <p:nvSpPr>
-            <p:cNvPr id="80" name="tx79"/>
+            <p:cNvPr id="59" name="tx58"/>
             <p:cNvSpPr/>
             <p:nvPr/>
           </p:nvSpPr>
@@ -6813,7 +4854,7 @@
         </p:sp>
         <p:sp>
           <p:nvSpPr>
-            <p:cNvPr id="81" name="tx80"/>
+            <p:cNvPr id="60" name="tx59"/>
             <p:cNvSpPr/>
             <p:nvPr/>
           </p:nvSpPr>
@@ -6859,7 +4900,7 @@
         </p:sp>
         <p:sp>
           <p:nvSpPr>
-            <p:cNvPr id="82" name="pl81"/>
+            <p:cNvPr id="61" name="pl60"/>
             <p:cNvSpPr/>
             <p:nvPr/>
           </p:nvSpPr>
@@ -6899,7 +4940,7 @@
         </p:sp>
         <p:sp>
           <p:nvSpPr>
-            <p:cNvPr id="83" name="pl82"/>
+            <p:cNvPr id="62" name="pl61"/>
             <p:cNvSpPr/>
             <p:nvPr/>
           </p:nvSpPr>
@@ -6939,7 +4980,7 @@
         </p:sp>
         <p:sp>
           <p:nvSpPr>
-            <p:cNvPr id="84" name="pl83"/>
+            <p:cNvPr id="63" name="pl62"/>
             <p:cNvSpPr/>
             <p:nvPr/>
           </p:nvSpPr>
@@ -6979,7 +5020,7 @@
         </p:sp>
         <p:sp>
           <p:nvSpPr>
-            <p:cNvPr id="85" name="pl84"/>
+            <p:cNvPr id="64" name="pl63"/>
             <p:cNvSpPr/>
             <p:nvPr/>
           </p:nvSpPr>
@@ -7019,7 +5060,7 @@
         </p:sp>
         <p:sp>
           <p:nvSpPr>
-            <p:cNvPr id="86" name="pl85"/>
+            <p:cNvPr id="65" name="pl64"/>
             <p:cNvSpPr/>
             <p:nvPr/>
           </p:nvSpPr>
@@ -7059,7 +5100,7 @@
         </p:sp>
         <p:sp>
           <p:nvSpPr>
-            <p:cNvPr id="87" name="pl86"/>
+            <p:cNvPr id="66" name="pl65"/>
             <p:cNvSpPr/>
             <p:nvPr/>
           </p:nvSpPr>
@@ -7099,7 +5140,7 @@
         </p:sp>
         <p:sp>
           <p:nvSpPr>
-            <p:cNvPr id="88" name="pl87"/>
+            <p:cNvPr id="67" name="pl66"/>
             <p:cNvSpPr/>
             <p:nvPr/>
           </p:nvSpPr>
@@ -7139,7 +5180,7 @@
         </p:sp>
         <p:sp>
           <p:nvSpPr>
-            <p:cNvPr id="89" name="pl88"/>
+            <p:cNvPr id="68" name="pl67"/>
             <p:cNvSpPr/>
             <p:nvPr/>
           </p:nvSpPr>
@@ -7179,7 +5220,7 @@
         </p:sp>
         <p:sp>
           <p:nvSpPr>
-            <p:cNvPr id="90" name="pl89"/>
+            <p:cNvPr id="69" name="pl68"/>
             <p:cNvSpPr/>
             <p:nvPr/>
           </p:nvSpPr>
@@ -7219,7 +5260,7 @@
         </p:sp>
         <p:sp>
           <p:nvSpPr>
-            <p:cNvPr id="91" name="pl90"/>
+            <p:cNvPr id="70" name="pl69"/>
             <p:cNvSpPr/>
             <p:nvPr/>
           </p:nvSpPr>
@@ -7259,7 +5300,7 @@
         </p:sp>
         <p:sp>
           <p:nvSpPr>
-            <p:cNvPr id="92" name="pl91"/>
+            <p:cNvPr id="71" name="pl70"/>
             <p:cNvSpPr/>
             <p:nvPr/>
           </p:nvSpPr>
@@ -7299,7 +5340,7 @@
         </p:sp>
         <p:sp>
           <p:nvSpPr>
-            <p:cNvPr id="93" name="pl92"/>
+            <p:cNvPr id="72" name="pl71"/>
             <p:cNvSpPr/>
             <p:nvPr/>
           </p:nvSpPr>
@@ -7339,13 +5380,13 @@
         </p:sp>
         <p:sp>
           <p:nvSpPr>
-            <p:cNvPr id="94" name="pl93"/>
-            <p:cNvSpPr/>
-            <p:nvPr/>
-          </p:nvSpPr>
-          <p:spPr>
-            <a:xfrm>
-              <a:off x="1924215" y="4172066"/>
+            <p:cNvPr id="73" name="pl72"/>
+            <p:cNvSpPr/>
+            <p:nvPr/>
+          </p:nvSpPr>
+          <p:spPr>
+            <a:xfrm>
+              <a:off x="1891327" y="4172066"/>
               <a:ext cx="0" cy="34794"/>
             </a:xfrm>
             <a:custGeom>
@@ -7379,13 +5420,13 @@
         </p:sp>
         <p:sp>
           <p:nvSpPr>
-            <p:cNvPr id="95" name="pl94"/>
-            <p:cNvSpPr/>
-            <p:nvPr/>
-          </p:nvSpPr>
-          <p:spPr>
-            <a:xfrm>
-              <a:off x="2351778" y="4172066"/>
+            <p:cNvPr id="74" name="pl73"/>
+            <p:cNvSpPr/>
+            <p:nvPr/>
+          </p:nvSpPr>
+          <p:spPr>
+            <a:xfrm>
+              <a:off x="2286002" y="4172066"/>
               <a:ext cx="0" cy="34794"/>
             </a:xfrm>
             <a:custGeom>
@@ -7419,13 +5460,13 @@
         </p:sp>
         <p:sp>
           <p:nvSpPr>
-            <p:cNvPr id="96" name="pl95"/>
-            <p:cNvSpPr/>
-            <p:nvPr/>
-          </p:nvSpPr>
-          <p:spPr>
-            <a:xfrm>
-              <a:off x="2779341" y="4172066"/>
+            <p:cNvPr id="75" name="pl74"/>
+            <p:cNvSpPr/>
+            <p:nvPr/>
+          </p:nvSpPr>
+          <p:spPr>
+            <a:xfrm>
+              <a:off x="2680677" y="4172066"/>
               <a:ext cx="0" cy="34794"/>
             </a:xfrm>
             <a:custGeom>
@@ -7459,13 +5500,13 @@
         </p:sp>
         <p:sp>
           <p:nvSpPr>
-            <p:cNvPr id="97" name="pl96"/>
-            <p:cNvSpPr/>
-            <p:nvPr/>
-          </p:nvSpPr>
-          <p:spPr>
-            <a:xfrm>
-              <a:off x="3206904" y="4172066"/>
+            <p:cNvPr id="76" name="pl75"/>
+            <p:cNvSpPr/>
+            <p:nvPr/>
+          </p:nvSpPr>
+          <p:spPr>
+            <a:xfrm>
+              <a:off x="3075352" y="4172066"/>
               <a:ext cx="0" cy="34794"/>
             </a:xfrm>
             <a:custGeom>
@@ -7499,13 +5540,13 @@
         </p:sp>
         <p:sp>
           <p:nvSpPr>
-            <p:cNvPr id="98" name="pl97"/>
-            <p:cNvSpPr/>
-            <p:nvPr/>
-          </p:nvSpPr>
-          <p:spPr>
-            <a:xfrm>
-              <a:off x="3634466" y="4172066"/>
+            <p:cNvPr id="77" name="pl76"/>
+            <p:cNvSpPr/>
+            <p:nvPr/>
+          </p:nvSpPr>
+          <p:spPr>
+            <a:xfrm>
+              <a:off x="3470026" y="4172066"/>
               <a:ext cx="0" cy="34794"/>
             </a:xfrm>
             <a:custGeom>
@@ -7539,13 +5580,13 @@
         </p:sp>
         <p:sp>
           <p:nvSpPr>
-            <p:cNvPr id="99" name="pl98"/>
-            <p:cNvSpPr/>
-            <p:nvPr/>
-          </p:nvSpPr>
-          <p:spPr>
-            <a:xfrm>
-              <a:off x="4062029" y="4172066"/>
+            <p:cNvPr id="78" name="pl77"/>
+            <p:cNvSpPr/>
+            <p:nvPr/>
+          </p:nvSpPr>
+          <p:spPr>
+            <a:xfrm>
+              <a:off x="3864701" y="4172066"/>
               <a:ext cx="0" cy="34794"/>
             </a:xfrm>
             <a:custGeom>
@@ -7579,13 +5620,13 @@
         </p:sp>
         <p:sp>
           <p:nvSpPr>
-            <p:cNvPr id="100" name="pl99"/>
-            <p:cNvSpPr/>
-            <p:nvPr/>
-          </p:nvSpPr>
-          <p:spPr>
-            <a:xfrm>
-              <a:off x="4489592" y="4172066"/>
+            <p:cNvPr id="79" name="pl78"/>
+            <p:cNvSpPr/>
+            <p:nvPr/>
+          </p:nvSpPr>
+          <p:spPr>
+            <a:xfrm>
+              <a:off x="4259376" y="4172066"/>
               <a:ext cx="0" cy="34794"/>
             </a:xfrm>
             <a:custGeom>
@@ -7619,13 +5660,13 @@
         </p:sp>
         <p:sp>
           <p:nvSpPr>
-            <p:cNvPr id="101" name="pl100"/>
-            <p:cNvSpPr/>
-            <p:nvPr/>
-          </p:nvSpPr>
-          <p:spPr>
-            <a:xfrm>
-              <a:off x="4917155" y="4172066"/>
+            <p:cNvPr id="80" name="pl79"/>
+            <p:cNvSpPr/>
+            <p:nvPr/>
+          </p:nvSpPr>
+          <p:spPr>
+            <a:xfrm>
+              <a:off x="4654051" y="4172066"/>
               <a:ext cx="0" cy="34794"/>
             </a:xfrm>
             <a:custGeom>
@@ -7659,47 +5700,7 @@
         </p:sp>
         <p:sp>
           <p:nvSpPr>
-            <p:cNvPr id="102" name="pl101"/>
-            <p:cNvSpPr/>
-            <p:nvPr/>
-          </p:nvSpPr>
-          <p:spPr>
-            <a:xfrm>
-              <a:off x="5344718" y="4172066"/>
-              <a:ext cx="0" cy="34794"/>
-            </a:xfrm>
-            <a:custGeom>
-              <a:avLst/>
-              <a:pathLst>
-                <a:path w="0" h="34794">
-                  <a:moveTo>
-                    <a:pt x="0" y="34794"/>
-                  </a:moveTo>
-                  <a:lnTo>
-                    <a:pt x="0" y="0"/>
-                  </a:lnTo>
-                </a:path>
-              </a:pathLst>
-            </a:custGeom>
-            <a:ln w="13550" cap="flat">
-              <a:solidFill>
-                <a:srgbClr val="000000">
-                  <a:alpha val="100000"/>
-                </a:srgbClr>
-              </a:solidFill>
-              <a:prstDash val="solid"/>
-              <a:round/>
-            </a:ln>
-          </p:spPr>
-          <p:txBody>
-            <a:bodyPr/>
-            <a:lstStyle/>
-            <a:p/>
-          </p:txBody>
-        </p:sp>
-        <p:sp>
-          <p:nvSpPr>
-            <p:cNvPr id="103" name="tx102"/>
+            <p:cNvPr id="81" name="tx80"/>
             <p:cNvSpPr/>
             <p:nvPr/>
           </p:nvSpPr>
@@ -7745,14 +5746,14 @@
         </p:sp>
         <p:sp>
           <p:nvSpPr>
-            <p:cNvPr id="104" name="tx103"/>
-            <p:cNvSpPr/>
-            <p:nvPr/>
-          </p:nvSpPr>
-          <p:spPr>
-            <a:xfrm>
-              <a:off x="1893137" y="4233005"/>
-              <a:ext cx="62155" cy="81691"/>
+            <p:cNvPr id="82" name="tx81"/>
+            <p:cNvSpPr/>
+            <p:nvPr/>
+          </p:nvSpPr>
+          <p:spPr>
+            <a:xfrm>
+              <a:off x="1860249" y="4234696"/>
+              <a:ext cx="62155" cy="80000"/>
             </a:xfrm>
             <a:prstGeom prst="rect">
               <a:avLst/>
@@ -7784,20 +5785,66 @@
                   <a:latin typeface="Arial"/>
                   <a:cs typeface="Arial"/>
                 </a:rPr>
-                <a:t>6</a:t>
+                <a:t>4</a:t>
               </a:r>
             </a:p>
           </p:txBody>
         </p:sp>
         <p:sp>
           <p:nvSpPr>
-            <p:cNvPr id="105" name="tx104"/>
-            <p:cNvSpPr/>
-            <p:nvPr/>
-          </p:nvSpPr>
-          <p:spPr>
-            <a:xfrm>
-              <a:off x="2289622" y="4234369"/>
+            <p:cNvPr id="83" name="tx82"/>
+            <p:cNvSpPr/>
+            <p:nvPr/>
+          </p:nvSpPr>
+          <p:spPr>
+            <a:xfrm>
+              <a:off x="2254924" y="4233005"/>
+              <a:ext cx="62155" cy="81691"/>
+            </a:xfrm>
+            <a:prstGeom prst="rect">
+              <a:avLst/>
+            </a:prstGeom>
+            <a:noFill/>
+          </p:spPr>
+          <p:txBody>
+            <a:bodyPr lIns="0" rIns="0" tIns="0" bIns="0" anchorCtr="1" anchor="ctr" wrap="none"/>
+            <a:lstStyle/>
+            <a:p>
+              <a:pPr algn="l" marL="0" marR="0" indent="0">
+                <a:lnSpc>
+                  <a:spcPts val="880"/>
+                </a:lnSpc>
+                <a:spcBef>
+                  <a:spcPts val="0"/>
+                </a:spcBef>
+                <a:spcAft>
+                  <a:spcPts val="0"/>
+                </a:spcAft>
+              </a:pPr>
+              <a:r>
+                <a:rPr sz="880">
+                  <a:solidFill>
+                    <a:srgbClr val="4D4D4D">
+                      <a:alpha val="100000"/>
+                    </a:srgbClr>
+                  </a:solidFill>
+                  <a:latin typeface="Arial"/>
+                  <a:cs typeface="Arial"/>
+                </a:rPr>
+                <a:t>8</a:t>
+              </a:r>
+            </a:p>
+          </p:txBody>
+        </p:sp>
+        <p:sp>
+          <p:nvSpPr>
+            <p:cNvPr id="84" name="tx83"/>
+            <p:cNvSpPr/>
+            <p:nvPr/>
+          </p:nvSpPr>
+          <p:spPr>
+            <a:xfrm>
+              <a:off x="2618521" y="4234369"/>
               <a:ext cx="124311" cy="80327"/>
             </a:xfrm>
             <a:prstGeom prst="rect">
@@ -7837,13 +5884,13 @@
         </p:sp>
         <p:sp>
           <p:nvSpPr>
-            <p:cNvPr id="106" name="tx105"/>
-            <p:cNvSpPr/>
-            <p:nvPr/>
-          </p:nvSpPr>
-          <p:spPr>
-            <a:xfrm>
-              <a:off x="2717185" y="4233005"/>
+            <p:cNvPr id="85" name="tx84"/>
+            <p:cNvSpPr/>
+            <p:nvPr/>
+          </p:nvSpPr>
+          <p:spPr>
+            <a:xfrm>
+              <a:off x="3013196" y="4233005"/>
               <a:ext cx="124311" cy="81691"/>
             </a:xfrm>
             <a:prstGeom prst="rect">
@@ -7876,20 +5923,66 @@
                   <a:latin typeface="Arial"/>
                   <a:cs typeface="Arial"/>
                 </a:rPr>
-                <a:t>18</a:t>
+                <a:t>16</a:t>
               </a:r>
             </a:p>
           </p:txBody>
         </p:sp>
         <p:sp>
           <p:nvSpPr>
-            <p:cNvPr id="107" name="tx106"/>
-            <p:cNvSpPr/>
-            <p:nvPr/>
-          </p:nvSpPr>
-          <p:spPr>
-            <a:xfrm>
-              <a:off x="3144748" y="4234369"/>
+            <p:cNvPr id="86" name="tx85"/>
+            <p:cNvSpPr/>
+            <p:nvPr/>
+          </p:nvSpPr>
+          <p:spPr>
+            <a:xfrm>
+              <a:off x="3407871" y="4233005"/>
+              <a:ext cx="124311" cy="81691"/>
+            </a:xfrm>
+            <a:prstGeom prst="rect">
+              <a:avLst/>
+            </a:prstGeom>
+            <a:noFill/>
+          </p:spPr>
+          <p:txBody>
+            <a:bodyPr lIns="0" rIns="0" tIns="0" bIns="0" anchorCtr="1" anchor="ctr" wrap="none"/>
+            <a:lstStyle/>
+            <a:p>
+              <a:pPr algn="l" marL="0" marR="0" indent="0">
+                <a:lnSpc>
+                  <a:spcPts val="880"/>
+                </a:lnSpc>
+                <a:spcBef>
+                  <a:spcPts val="0"/>
+                </a:spcBef>
+                <a:spcAft>
+                  <a:spcPts val="0"/>
+                </a:spcAft>
+              </a:pPr>
+              <a:r>
+                <a:rPr sz="880">
+                  <a:solidFill>
+                    <a:srgbClr val="4D4D4D">
+                      <a:alpha val="100000"/>
+                    </a:srgbClr>
+                  </a:solidFill>
+                  <a:latin typeface="Arial"/>
+                  <a:cs typeface="Arial"/>
+                </a:rPr>
+                <a:t>20</a:t>
+              </a:r>
+            </a:p>
+          </p:txBody>
+        </p:sp>
+        <p:sp>
+          <p:nvSpPr>
+            <p:cNvPr id="87" name="tx86"/>
+            <p:cNvSpPr/>
+            <p:nvPr/>
+          </p:nvSpPr>
+          <p:spPr>
+            <a:xfrm>
+              <a:off x="3802545" y="4234369"/>
               <a:ext cx="124311" cy="80327"/>
             </a:xfrm>
             <a:prstGeom prst="rect">
@@ -7929,14 +6022,14 @@
         </p:sp>
         <p:sp>
           <p:nvSpPr>
-            <p:cNvPr id="108" name="tx107"/>
-            <p:cNvSpPr/>
-            <p:nvPr/>
-          </p:nvSpPr>
-          <p:spPr>
-            <a:xfrm>
-              <a:off x="3572311" y="4232950"/>
-              <a:ext cx="124311" cy="81746"/>
+            <p:cNvPr id="88" name="tx87"/>
+            <p:cNvSpPr/>
+            <p:nvPr/>
+          </p:nvSpPr>
+          <p:spPr>
+            <a:xfrm>
+              <a:off x="4197220" y="4233005"/>
+              <a:ext cx="124311" cy="81691"/>
             </a:xfrm>
             <a:prstGeom prst="rect">
               <a:avLst/>
@@ -7968,20 +6061,20 @@
                   <a:latin typeface="Arial"/>
                   <a:cs typeface="Arial"/>
                 </a:rPr>
-                <a:t>30</a:t>
+                <a:t>28</a:t>
               </a:r>
             </a:p>
           </p:txBody>
         </p:sp>
         <p:sp>
           <p:nvSpPr>
-            <p:cNvPr id="109" name="tx108"/>
-            <p:cNvSpPr/>
-            <p:nvPr/>
-          </p:nvSpPr>
-          <p:spPr>
-            <a:xfrm>
-              <a:off x="3999874" y="4232950"/>
+            <p:cNvPr id="89" name="tx88"/>
+            <p:cNvSpPr/>
+            <p:nvPr/>
+          </p:nvSpPr>
+          <p:spPr>
+            <a:xfrm>
+              <a:off x="4591895" y="4232950"/>
               <a:ext cx="124311" cy="81746"/>
             </a:xfrm>
             <a:prstGeom prst="rect">
@@ -8014,158 +6107,20 @@
                   <a:latin typeface="Arial"/>
                   <a:cs typeface="Arial"/>
                 </a:rPr>
-                <a:t>36</a:t>
+                <a:t>32</a:t>
               </a:r>
             </a:p>
           </p:txBody>
         </p:sp>
         <p:sp>
           <p:nvSpPr>
-            <p:cNvPr id="110" name="tx109"/>
-            <p:cNvSpPr/>
-            <p:nvPr/>
-          </p:nvSpPr>
-          <p:spPr>
-            <a:xfrm>
-              <a:off x="4427436" y="4234369"/>
-              <a:ext cx="124311" cy="80327"/>
-            </a:xfrm>
-            <a:prstGeom prst="rect">
-              <a:avLst/>
-            </a:prstGeom>
-            <a:noFill/>
-          </p:spPr>
-          <p:txBody>
-            <a:bodyPr lIns="0" rIns="0" tIns="0" bIns="0" anchorCtr="1" anchor="ctr" wrap="none"/>
-            <a:lstStyle/>
-            <a:p>
-              <a:pPr algn="l" marL="0" marR="0" indent="0">
-                <a:lnSpc>
-                  <a:spcPts val="880"/>
-                </a:lnSpc>
-                <a:spcBef>
-                  <a:spcPts val="0"/>
-                </a:spcBef>
-                <a:spcAft>
-                  <a:spcPts val="0"/>
-                </a:spcAft>
-              </a:pPr>
-              <a:r>
-                <a:rPr sz="880">
-                  <a:solidFill>
-                    <a:srgbClr val="4D4D4D">
-                      <a:alpha val="100000"/>
-                    </a:srgbClr>
-                  </a:solidFill>
-                  <a:latin typeface="Arial"/>
-                  <a:cs typeface="Arial"/>
-                </a:rPr>
-                <a:t>42</a:t>
-              </a:r>
-            </a:p>
-          </p:txBody>
-        </p:sp>
-        <p:sp>
-          <p:nvSpPr>
-            <p:cNvPr id="111" name="tx110"/>
-            <p:cNvSpPr/>
-            <p:nvPr/>
-          </p:nvSpPr>
-          <p:spPr>
-            <a:xfrm>
-              <a:off x="4854999" y="4233005"/>
-              <a:ext cx="124311" cy="81691"/>
-            </a:xfrm>
-            <a:prstGeom prst="rect">
-              <a:avLst/>
-            </a:prstGeom>
-            <a:noFill/>
-          </p:spPr>
-          <p:txBody>
-            <a:bodyPr lIns="0" rIns="0" tIns="0" bIns="0" anchorCtr="1" anchor="ctr" wrap="none"/>
-            <a:lstStyle/>
-            <a:p>
-              <a:pPr algn="l" marL="0" marR="0" indent="0">
-                <a:lnSpc>
-                  <a:spcPts val="880"/>
-                </a:lnSpc>
-                <a:spcBef>
-                  <a:spcPts val="0"/>
-                </a:spcBef>
-                <a:spcAft>
-                  <a:spcPts val="0"/>
-                </a:spcAft>
-              </a:pPr>
-              <a:r>
-                <a:rPr sz="880">
-                  <a:solidFill>
-                    <a:srgbClr val="4D4D4D">
-                      <a:alpha val="100000"/>
-                    </a:srgbClr>
-                  </a:solidFill>
-                  <a:latin typeface="Arial"/>
-                  <a:cs typeface="Arial"/>
-                </a:rPr>
-                <a:t>48</a:t>
-              </a:r>
-            </a:p>
-          </p:txBody>
-        </p:sp>
-        <p:sp>
-          <p:nvSpPr>
-            <p:cNvPr id="112" name="tx111"/>
-            <p:cNvSpPr/>
-            <p:nvPr/>
-          </p:nvSpPr>
-          <p:spPr>
-            <a:xfrm>
-              <a:off x="5282562" y="4233332"/>
-              <a:ext cx="124311" cy="81364"/>
-            </a:xfrm>
-            <a:prstGeom prst="rect">
-              <a:avLst/>
-            </a:prstGeom>
-            <a:noFill/>
-          </p:spPr>
-          <p:txBody>
-            <a:bodyPr lIns="0" rIns="0" tIns="0" bIns="0" anchorCtr="1" anchor="ctr" wrap="none"/>
-            <a:lstStyle/>
-            <a:p>
-              <a:pPr algn="l" marL="0" marR="0" indent="0">
-                <a:lnSpc>
-                  <a:spcPts val="880"/>
-                </a:lnSpc>
-                <a:spcBef>
-                  <a:spcPts val="0"/>
-                </a:spcBef>
-                <a:spcAft>
-                  <a:spcPts val="0"/>
-                </a:spcAft>
-              </a:pPr>
-              <a:r>
-                <a:rPr sz="880">
-                  <a:solidFill>
-                    <a:srgbClr val="4D4D4D">
-                      <a:alpha val="100000"/>
-                    </a:srgbClr>
-                  </a:solidFill>
-                  <a:latin typeface="Arial"/>
-                  <a:cs typeface="Arial"/>
-                </a:rPr>
-                <a:t>54</a:t>
-              </a:r>
-            </a:p>
-          </p:txBody>
-        </p:sp>
-        <p:sp>
-          <p:nvSpPr>
-            <p:cNvPr id="113" name="tx112"/>
-            <p:cNvSpPr/>
-            <p:nvPr/>
-          </p:nvSpPr>
-          <p:spPr>
-            <a:xfrm>
-              <a:off x="2804029" y="4341906"/>
+            <p:cNvPr id="90" name="tx89"/>
+            <p:cNvSpPr/>
+            <p:nvPr/>
+          </p:nvSpPr>
+          <p:spPr>
+            <a:xfrm>
+              <a:off x="2571069" y="4341906"/>
               <a:ext cx="1304571" cy="131105"/>
             </a:xfrm>
             <a:prstGeom prst="rect">
@@ -8205,7 +6160,7 @@
         </p:sp>
         <p:sp>
           <p:nvSpPr>
-            <p:cNvPr id="114" name="tx113"/>
+            <p:cNvPr id="91" name="tx90"/>
             <p:cNvSpPr/>
             <p:nvPr/>
           </p:nvSpPr>
@@ -8251,14 +6206,14 @@
         </p:sp>
         <p:sp>
           <p:nvSpPr>
-            <p:cNvPr id="115" name="rc114"/>
-            <p:cNvSpPr/>
-            <p:nvPr/>
-          </p:nvSpPr>
-          <p:spPr>
-            <a:xfrm>
-              <a:off x="5555156" y="1016770"/>
-              <a:ext cx="776054" cy="3122514"/>
+            <p:cNvPr id="92" name="rc91"/>
+            <p:cNvSpPr/>
+            <p:nvPr/>
+          </p:nvSpPr>
+          <p:spPr>
+            <a:xfrm>
+              <a:off x="5089235" y="2189488"/>
+              <a:ext cx="1241975" cy="777078"/>
             </a:xfrm>
             <a:prstGeom prst="rect">
               <a:avLst/>
@@ -8277,14 +6232,14 @@
         </p:sp>
         <p:sp>
           <p:nvSpPr>
-            <p:cNvPr id="116" name="tx115"/>
-            <p:cNvSpPr/>
-            <p:nvPr/>
-          </p:nvSpPr>
-          <p:spPr>
-            <a:xfrm>
-              <a:off x="5624745" y="1081277"/>
-              <a:ext cx="387994" cy="119781"/>
+            <p:cNvPr id="93" name="tx92"/>
+            <p:cNvSpPr/>
+            <p:nvPr/>
+          </p:nvSpPr>
+          <p:spPr>
+            <a:xfrm>
+              <a:off x="5158824" y="2242672"/>
+              <a:ext cx="357230" cy="131105"/>
             </a:xfrm>
             <a:prstGeom prst="rect">
               <a:avLst/>
@@ -8316,66 +6271,20 @@
                   <a:latin typeface="Arial"/>
                   <a:cs typeface="Arial"/>
                 </a:rPr>
-                <a:t>Trt.ID,</a:t>
+                <a:t>Study</a:t>
               </a:r>
             </a:p>
           </p:txBody>
         </p:sp>
         <p:sp>
           <p:nvSpPr>
-            <p:cNvPr id="117" name="tx116"/>
-            <p:cNvSpPr/>
-            <p:nvPr/>
-          </p:nvSpPr>
-          <p:spPr>
-            <a:xfrm>
-              <a:off x="5624745" y="1250298"/>
-              <a:ext cx="489086" cy="101637"/>
-            </a:xfrm>
-            <a:prstGeom prst="rect">
-              <a:avLst/>
-            </a:prstGeom>
-            <a:noFill/>
-          </p:spPr>
-          <p:txBody>
-            <a:bodyPr lIns="0" rIns="0" tIns="0" bIns="0" anchorCtr="1" anchor="ctr" wrap="none"/>
-            <a:lstStyle/>
-            <a:p>
-              <a:pPr algn="l" marL="0" marR="0" indent="0">
-                <a:lnSpc>
-                  <a:spcPts val="1100"/>
-                </a:lnSpc>
-                <a:spcBef>
-                  <a:spcPts val="0"/>
-                </a:spcBef>
-                <a:spcAft>
-                  <a:spcPts val="0"/>
-                </a:spcAft>
-              </a:pPr>
-              <a:r>
-                <a:rPr sz="1100">
-                  <a:solidFill>
-                    <a:srgbClr val="000000">
-                      <a:alpha val="100000"/>
-                    </a:srgbClr>
-                  </a:solidFill>
-                  <a:latin typeface="Arial"/>
-                  <a:cs typeface="Arial"/>
-                </a:rPr>
-                <a:t>Tank.ID</a:t>
-              </a:r>
-            </a:p>
-          </p:txBody>
-        </p:sp>
-        <p:sp>
-          <p:nvSpPr>
-            <p:cNvPr id="118" name="rc117"/>
-            <p:cNvSpPr/>
-            <p:nvPr/>
-          </p:nvSpPr>
-          <p:spPr>
-            <a:xfrm>
-              <a:off x="5624745" y="1436224"/>
+            <p:cNvPr id="94" name="rc93"/>
+            <p:cNvSpPr/>
+            <p:nvPr/>
+          </p:nvSpPr>
+          <p:spPr>
+            <a:xfrm>
+              <a:off x="5158824" y="2458066"/>
               <a:ext cx="219455" cy="219456"/>
             </a:xfrm>
             <a:prstGeom prst="rect">
@@ -8395,13 +6304,13 @@
         </p:sp>
         <p:sp>
           <p:nvSpPr>
-            <p:cNvPr id="119" name="pl118"/>
-            <p:cNvSpPr/>
-            <p:nvPr/>
-          </p:nvSpPr>
-          <p:spPr>
-            <a:xfrm>
-              <a:off x="5646691" y="1545952"/>
+            <p:cNvPr id="95" name="pl94"/>
+            <p:cNvSpPr/>
+            <p:nvPr/>
+          </p:nvSpPr>
+          <p:spPr>
+            <a:xfrm>
+              <a:off x="5180769" y="2567794"/>
               <a:ext cx="175564" cy="0"/>
             </a:xfrm>
             <a:custGeom>
@@ -8435,13 +6344,13 @@
         </p:sp>
         <p:sp>
           <p:nvSpPr>
-            <p:cNvPr id="120" name="tx119"/>
-            <p:cNvSpPr/>
-            <p:nvPr/>
-          </p:nvSpPr>
-          <p:spPr>
-            <a:xfrm>
-              <a:off x="5683489" y="1524851"/>
+            <p:cNvPr id="96" name="tx95"/>
+            <p:cNvSpPr/>
+            <p:nvPr/>
+          </p:nvSpPr>
+          <p:spPr>
+            <a:xfrm>
+              <a:off x="5217568" y="2546693"/>
               <a:ext cx="101968" cy="82614"/>
             </a:xfrm>
             <a:prstGeom prst="rect">
@@ -8481,13 +6390,13 @@
         </p:sp>
         <p:sp>
           <p:nvSpPr>
-            <p:cNvPr id="121" name="rc120"/>
-            <p:cNvSpPr/>
-            <p:nvPr/>
-          </p:nvSpPr>
-          <p:spPr>
-            <a:xfrm>
-              <a:off x="5624745" y="1655680"/>
+            <p:cNvPr id="97" name="rc96"/>
+            <p:cNvSpPr/>
+            <p:nvPr/>
+          </p:nvSpPr>
+          <p:spPr>
+            <a:xfrm>
+              <a:off x="5158824" y="2677522"/>
               <a:ext cx="219455" cy="219456"/>
             </a:xfrm>
             <a:prstGeom prst="rect">
@@ -8507,573 +6416,13 @@
         </p:sp>
         <p:sp>
           <p:nvSpPr>
-            <p:cNvPr id="122" name="pl121"/>
-            <p:cNvSpPr/>
-            <p:nvPr/>
-          </p:nvSpPr>
-          <p:spPr>
-            <a:xfrm>
-              <a:off x="5646691" y="1765408"/>
-              <a:ext cx="175564" cy="0"/>
-            </a:xfrm>
-            <a:custGeom>
-              <a:avLst/>
-              <a:pathLst>
-                <a:path w="175564" h="0">
-                  <a:moveTo>
-                    <a:pt x="0" y="0"/>
-                  </a:moveTo>
-                  <a:lnTo>
-                    <a:pt x="175564" y="0"/>
-                  </a:lnTo>
-                </a:path>
-              </a:pathLst>
-            </a:custGeom>
-            <a:ln w="27101" cap="flat">
-              <a:solidFill>
-                <a:srgbClr val="DE8C00">
-                  <a:alpha val="100000"/>
-                </a:srgbClr>
-              </a:solidFill>
-              <a:prstDash val="solid"/>
-              <a:round/>
-            </a:ln>
-          </p:spPr>
-          <p:txBody>
-            <a:bodyPr/>
-            <a:lstStyle/>
-            <a:p/>
-          </p:txBody>
-        </p:sp>
-        <p:sp>
-          <p:nvSpPr>
-            <p:cNvPr id="123" name="tx122"/>
-            <p:cNvSpPr/>
-            <p:nvPr/>
-          </p:nvSpPr>
-          <p:spPr>
-            <a:xfrm>
-              <a:off x="5683489" y="1744307"/>
-              <a:ext cx="101968" cy="82614"/>
-            </a:xfrm>
-            <a:prstGeom prst="rect">
-              <a:avLst/>
-            </a:prstGeom>
-            <a:noFill/>
-          </p:spPr>
-          <p:txBody>
-            <a:bodyPr lIns="0" rIns="0" tIns="0" bIns="0" anchorCtr="1" anchor="ctr" wrap="none"/>
-            <a:lstStyle/>
-            <a:p>
-              <a:pPr algn="l" marL="0" marR="0" indent="0">
-                <a:lnSpc>
-                  <a:spcPts val="1374"/>
-                </a:lnSpc>
-                <a:spcBef>
-                  <a:spcPts val="0"/>
-                </a:spcBef>
-                <a:spcAft>
-                  <a:spcPts val="0"/>
-                </a:spcAft>
-              </a:pPr>
-              <a:r>
-                <a:rPr sz="1374">
-                  <a:solidFill>
-                    <a:srgbClr val="DE8C00">
-                      <a:alpha val="100000"/>
-                    </a:srgbClr>
-                  </a:solidFill>
-                  <a:latin typeface="Arial"/>
-                  <a:cs typeface="Arial"/>
-                </a:rPr>
-                <a:t>+</a:t>
-              </a:r>
-            </a:p>
-          </p:txBody>
-        </p:sp>
-        <p:sp>
-          <p:nvSpPr>
-            <p:cNvPr id="124" name="rc123"/>
-            <p:cNvSpPr/>
-            <p:nvPr/>
-          </p:nvSpPr>
-          <p:spPr>
-            <a:xfrm>
-              <a:off x="5624745" y="1875136"/>
-              <a:ext cx="219455" cy="219456"/>
-            </a:xfrm>
-            <a:prstGeom prst="rect">
-              <a:avLst/>
-            </a:prstGeom>
-            <a:solidFill>
-              <a:srgbClr val="EBEBEB">
-                <a:alpha val="100000"/>
-              </a:srgbClr>
-            </a:solidFill>
-          </p:spPr>
-          <p:txBody>
-            <a:bodyPr/>
-            <a:lstStyle/>
-            <a:p/>
-          </p:txBody>
-        </p:sp>
-        <p:sp>
-          <p:nvSpPr>
-            <p:cNvPr id="125" name="pl124"/>
-            <p:cNvSpPr/>
-            <p:nvPr/>
-          </p:nvSpPr>
-          <p:spPr>
-            <a:xfrm>
-              <a:off x="5646691" y="1984864"/>
-              <a:ext cx="175564" cy="0"/>
-            </a:xfrm>
-            <a:custGeom>
-              <a:avLst/>
-              <a:pathLst>
-                <a:path w="175564" h="0">
-                  <a:moveTo>
-                    <a:pt x="0" y="0"/>
-                  </a:moveTo>
-                  <a:lnTo>
-                    <a:pt x="175564" y="0"/>
-                  </a:lnTo>
-                </a:path>
-              </a:pathLst>
-            </a:custGeom>
-            <a:ln w="27101" cap="flat">
-              <a:solidFill>
-                <a:srgbClr val="B79F00">
-                  <a:alpha val="100000"/>
-                </a:srgbClr>
-              </a:solidFill>
-              <a:prstDash val="solid"/>
-              <a:round/>
-            </a:ln>
-          </p:spPr>
-          <p:txBody>
-            <a:bodyPr/>
-            <a:lstStyle/>
-            <a:p/>
-          </p:txBody>
-        </p:sp>
-        <p:sp>
-          <p:nvSpPr>
-            <p:cNvPr id="126" name="tx125"/>
-            <p:cNvSpPr/>
-            <p:nvPr/>
-          </p:nvSpPr>
-          <p:spPr>
-            <a:xfrm>
-              <a:off x="5683489" y="1963763"/>
-              <a:ext cx="101968" cy="82614"/>
-            </a:xfrm>
-            <a:prstGeom prst="rect">
-              <a:avLst/>
-            </a:prstGeom>
-            <a:noFill/>
-          </p:spPr>
-          <p:txBody>
-            <a:bodyPr lIns="0" rIns="0" tIns="0" bIns="0" anchorCtr="1" anchor="ctr" wrap="none"/>
-            <a:lstStyle/>
-            <a:p>
-              <a:pPr algn="l" marL="0" marR="0" indent="0">
-                <a:lnSpc>
-                  <a:spcPts val="1374"/>
-                </a:lnSpc>
-                <a:spcBef>
-                  <a:spcPts val="0"/>
-                </a:spcBef>
-                <a:spcAft>
-                  <a:spcPts val="0"/>
-                </a:spcAft>
-              </a:pPr>
-              <a:r>
-                <a:rPr sz="1374">
-                  <a:solidFill>
-                    <a:srgbClr val="B79F00">
-                      <a:alpha val="100000"/>
-                    </a:srgbClr>
-                  </a:solidFill>
-                  <a:latin typeface="Arial"/>
-                  <a:cs typeface="Arial"/>
-                </a:rPr>
-                <a:t>+</a:t>
-              </a:r>
-            </a:p>
-          </p:txBody>
-        </p:sp>
-        <p:sp>
-          <p:nvSpPr>
-            <p:cNvPr id="127" name="rc126"/>
-            <p:cNvSpPr/>
-            <p:nvPr/>
-          </p:nvSpPr>
-          <p:spPr>
-            <a:xfrm>
-              <a:off x="5624745" y="2094592"/>
-              <a:ext cx="219455" cy="219456"/>
-            </a:xfrm>
-            <a:prstGeom prst="rect">
-              <a:avLst/>
-            </a:prstGeom>
-            <a:solidFill>
-              <a:srgbClr val="EBEBEB">
-                <a:alpha val="100000"/>
-              </a:srgbClr>
-            </a:solidFill>
-          </p:spPr>
-          <p:txBody>
-            <a:bodyPr/>
-            <a:lstStyle/>
-            <a:p/>
-          </p:txBody>
-        </p:sp>
-        <p:sp>
-          <p:nvSpPr>
-            <p:cNvPr id="128" name="pl127"/>
-            <p:cNvSpPr/>
-            <p:nvPr/>
-          </p:nvSpPr>
-          <p:spPr>
-            <a:xfrm>
-              <a:off x="5646691" y="2204320"/>
-              <a:ext cx="175564" cy="0"/>
-            </a:xfrm>
-            <a:custGeom>
-              <a:avLst/>
-              <a:pathLst>
-                <a:path w="175564" h="0">
-                  <a:moveTo>
-                    <a:pt x="0" y="0"/>
-                  </a:moveTo>
-                  <a:lnTo>
-                    <a:pt x="175564" y="0"/>
-                  </a:lnTo>
-                </a:path>
-              </a:pathLst>
-            </a:custGeom>
-            <a:ln w="27101" cap="flat">
-              <a:solidFill>
-                <a:srgbClr val="7CAE00">
-                  <a:alpha val="100000"/>
-                </a:srgbClr>
-              </a:solidFill>
-              <a:prstDash val="solid"/>
-              <a:round/>
-            </a:ln>
-          </p:spPr>
-          <p:txBody>
-            <a:bodyPr/>
-            <a:lstStyle/>
-            <a:p/>
-          </p:txBody>
-        </p:sp>
-        <p:sp>
-          <p:nvSpPr>
-            <p:cNvPr id="129" name="tx128"/>
-            <p:cNvSpPr/>
-            <p:nvPr/>
-          </p:nvSpPr>
-          <p:spPr>
-            <a:xfrm>
-              <a:off x="5683489" y="2183219"/>
-              <a:ext cx="101968" cy="82614"/>
-            </a:xfrm>
-            <a:prstGeom prst="rect">
-              <a:avLst/>
-            </a:prstGeom>
-            <a:noFill/>
-          </p:spPr>
-          <p:txBody>
-            <a:bodyPr lIns="0" rIns="0" tIns="0" bIns="0" anchorCtr="1" anchor="ctr" wrap="none"/>
-            <a:lstStyle/>
-            <a:p>
-              <a:pPr algn="l" marL="0" marR="0" indent="0">
-                <a:lnSpc>
-                  <a:spcPts val="1374"/>
-                </a:lnSpc>
-                <a:spcBef>
-                  <a:spcPts val="0"/>
-                </a:spcBef>
-                <a:spcAft>
-                  <a:spcPts val="0"/>
-                </a:spcAft>
-              </a:pPr>
-              <a:r>
-                <a:rPr sz="1374">
-                  <a:solidFill>
-                    <a:srgbClr val="7CAE00">
-                      <a:alpha val="100000"/>
-                    </a:srgbClr>
-                  </a:solidFill>
-                  <a:latin typeface="Arial"/>
-                  <a:cs typeface="Arial"/>
-                </a:rPr>
-                <a:t>+</a:t>
-              </a:r>
-            </a:p>
-          </p:txBody>
-        </p:sp>
-        <p:sp>
-          <p:nvSpPr>
-            <p:cNvPr id="130" name="rc129"/>
-            <p:cNvSpPr/>
-            <p:nvPr/>
-          </p:nvSpPr>
-          <p:spPr>
-            <a:xfrm>
-              <a:off x="5624745" y="2314048"/>
-              <a:ext cx="219455" cy="219456"/>
-            </a:xfrm>
-            <a:prstGeom prst="rect">
-              <a:avLst/>
-            </a:prstGeom>
-            <a:solidFill>
-              <a:srgbClr val="EBEBEB">
-                <a:alpha val="100000"/>
-              </a:srgbClr>
-            </a:solidFill>
-          </p:spPr>
-          <p:txBody>
-            <a:bodyPr/>
-            <a:lstStyle/>
-            <a:p/>
-          </p:txBody>
-        </p:sp>
-        <p:sp>
-          <p:nvSpPr>
-            <p:cNvPr id="131" name="pl130"/>
-            <p:cNvSpPr/>
-            <p:nvPr/>
-          </p:nvSpPr>
-          <p:spPr>
-            <a:xfrm>
-              <a:off x="5646691" y="2423776"/>
-              <a:ext cx="175564" cy="0"/>
-            </a:xfrm>
-            <a:custGeom>
-              <a:avLst/>
-              <a:pathLst>
-                <a:path w="175564" h="0">
-                  <a:moveTo>
-                    <a:pt x="0" y="0"/>
-                  </a:moveTo>
-                  <a:lnTo>
-                    <a:pt x="175564" y="0"/>
-                  </a:lnTo>
-                </a:path>
-              </a:pathLst>
-            </a:custGeom>
-            <a:ln w="27101" cap="flat">
-              <a:solidFill>
-                <a:srgbClr val="00BA38">
-                  <a:alpha val="100000"/>
-                </a:srgbClr>
-              </a:solidFill>
-              <a:prstDash val="solid"/>
-              <a:round/>
-            </a:ln>
-          </p:spPr>
-          <p:txBody>
-            <a:bodyPr/>
-            <a:lstStyle/>
-            <a:p/>
-          </p:txBody>
-        </p:sp>
-        <p:sp>
-          <p:nvSpPr>
-            <p:cNvPr id="132" name="tx131"/>
-            <p:cNvSpPr/>
-            <p:nvPr/>
-          </p:nvSpPr>
-          <p:spPr>
-            <a:xfrm>
-              <a:off x="5683489" y="2402675"/>
-              <a:ext cx="101968" cy="82614"/>
-            </a:xfrm>
-            <a:prstGeom prst="rect">
-              <a:avLst/>
-            </a:prstGeom>
-            <a:noFill/>
-          </p:spPr>
-          <p:txBody>
-            <a:bodyPr lIns="0" rIns="0" tIns="0" bIns="0" anchorCtr="1" anchor="ctr" wrap="none"/>
-            <a:lstStyle/>
-            <a:p>
-              <a:pPr algn="l" marL="0" marR="0" indent="0">
-                <a:lnSpc>
-                  <a:spcPts val="1374"/>
-                </a:lnSpc>
-                <a:spcBef>
-                  <a:spcPts val="0"/>
-                </a:spcBef>
-                <a:spcAft>
-                  <a:spcPts val="0"/>
-                </a:spcAft>
-              </a:pPr>
-              <a:r>
-                <a:rPr sz="1374">
-                  <a:solidFill>
-                    <a:srgbClr val="00BA38">
-                      <a:alpha val="100000"/>
-                    </a:srgbClr>
-                  </a:solidFill>
-                  <a:latin typeface="Arial"/>
-                  <a:cs typeface="Arial"/>
-                </a:rPr>
-                <a:t>+</a:t>
-              </a:r>
-            </a:p>
-          </p:txBody>
-        </p:sp>
-        <p:sp>
-          <p:nvSpPr>
-            <p:cNvPr id="133" name="rc132"/>
-            <p:cNvSpPr/>
-            <p:nvPr/>
-          </p:nvSpPr>
-          <p:spPr>
-            <a:xfrm>
-              <a:off x="5624745" y="2533504"/>
-              <a:ext cx="219455" cy="219456"/>
-            </a:xfrm>
-            <a:prstGeom prst="rect">
-              <a:avLst/>
-            </a:prstGeom>
-            <a:solidFill>
-              <a:srgbClr val="EBEBEB">
-                <a:alpha val="100000"/>
-              </a:srgbClr>
-            </a:solidFill>
-          </p:spPr>
-          <p:txBody>
-            <a:bodyPr/>
-            <a:lstStyle/>
-            <a:p/>
-          </p:txBody>
-        </p:sp>
-        <p:sp>
-          <p:nvSpPr>
-            <p:cNvPr id="134" name="pl133"/>
-            <p:cNvSpPr/>
-            <p:nvPr/>
-          </p:nvSpPr>
-          <p:spPr>
-            <a:xfrm>
-              <a:off x="5646691" y="2643232"/>
-              <a:ext cx="175564" cy="0"/>
-            </a:xfrm>
-            <a:custGeom>
-              <a:avLst/>
-              <a:pathLst>
-                <a:path w="175564" h="0">
-                  <a:moveTo>
-                    <a:pt x="0" y="0"/>
-                  </a:moveTo>
-                  <a:lnTo>
-                    <a:pt x="175564" y="0"/>
-                  </a:lnTo>
-                </a:path>
-              </a:pathLst>
-            </a:custGeom>
-            <a:ln w="27101" cap="flat">
-              <a:solidFill>
-                <a:srgbClr val="00C08B">
-                  <a:alpha val="100000"/>
-                </a:srgbClr>
-              </a:solidFill>
-              <a:prstDash val="solid"/>
-              <a:round/>
-            </a:ln>
-          </p:spPr>
-          <p:txBody>
-            <a:bodyPr/>
-            <a:lstStyle/>
-            <a:p/>
-          </p:txBody>
-        </p:sp>
-        <p:sp>
-          <p:nvSpPr>
-            <p:cNvPr id="135" name="tx134"/>
-            <p:cNvSpPr/>
-            <p:nvPr/>
-          </p:nvSpPr>
-          <p:spPr>
-            <a:xfrm>
-              <a:off x="5683489" y="2622131"/>
-              <a:ext cx="101968" cy="82614"/>
-            </a:xfrm>
-            <a:prstGeom prst="rect">
-              <a:avLst/>
-            </a:prstGeom>
-            <a:noFill/>
-          </p:spPr>
-          <p:txBody>
-            <a:bodyPr lIns="0" rIns="0" tIns="0" bIns="0" anchorCtr="1" anchor="ctr" wrap="none"/>
-            <a:lstStyle/>
-            <a:p>
-              <a:pPr algn="l" marL="0" marR="0" indent="0">
-                <a:lnSpc>
-                  <a:spcPts val="1374"/>
-                </a:lnSpc>
-                <a:spcBef>
-                  <a:spcPts val="0"/>
-                </a:spcBef>
-                <a:spcAft>
-                  <a:spcPts val="0"/>
-                </a:spcAft>
-              </a:pPr>
-              <a:r>
-                <a:rPr sz="1374">
-                  <a:solidFill>
-                    <a:srgbClr val="00C08B">
-                      <a:alpha val="100000"/>
-                    </a:srgbClr>
-                  </a:solidFill>
-                  <a:latin typeface="Arial"/>
-                  <a:cs typeface="Arial"/>
-                </a:rPr>
-                <a:t>+</a:t>
-              </a:r>
-            </a:p>
-          </p:txBody>
-        </p:sp>
-        <p:sp>
-          <p:nvSpPr>
-            <p:cNvPr id="136" name="rc135"/>
-            <p:cNvSpPr/>
-            <p:nvPr/>
-          </p:nvSpPr>
-          <p:spPr>
-            <a:xfrm>
-              <a:off x="5624745" y="2752960"/>
-              <a:ext cx="219455" cy="219456"/>
-            </a:xfrm>
-            <a:prstGeom prst="rect">
-              <a:avLst/>
-            </a:prstGeom>
-            <a:solidFill>
-              <a:srgbClr val="EBEBEB">
-                <a:alpha val="100000"/>
-              </a:srgbClr>
-            </a:solidFill>
-          </p:spPr>
-          <p:txBody>
-            <a:bodyPr/>
-            <a:lstStyle/>
-            <a:p/>
-          </p:txBody>
-        </p:sp>
-        <p:sp>
-          <p:nvSpPr>
-            <p:cNvPr id="137" name="pl136"/>
-            <p:cNvSpPr/>
-            <p:nvPr/>
-          </p:nvSpPr>
-          <p:spPr>
-            <a:xfrm>
-              <a:off x="5646691" y="2862688"/>
+            <p:cNvPr id="98" name="pl97"/>
+            <p:cNvSpPr/>
+            <p:nvPr/>
+          </p:nvSpPr>
+          <p:spPr>
+            <a:xfrm>
+              <a:off x="5180769" y="2787250"/>
               <a:ext cx="175564" cy="0"/>
             </a:xfrm>
             <a:custGeom>
@@ -9107,13 +6456,13 @@
         </p:sp>
         <p:sp>
           <p:nvSpPr>
-            <p:cNvPr id="138" name="tx137"/>
-            <p:cNvSpPr/>
-            <p:nvPr/>
-          </p:nvSpPr>
-          <p:spPr>
-            <a:xfrm>
-              <a:off x="5683489" y="2841587"/>
+            <p:cNvPr id="99" name="tx98"/>
+            <p:cNvSpPr/>
+            <p:nvPr/>
+          </p:nvSpPr>
+          <p:spPr>
+            <a:xfrm>
+              <a:off x="5217568" y="2766149"/>
               <a:ext cx="101968" cy="82614"/>
             </a:xfrm>
             <a:prstGeom prst="rect">
@@ -9153,574 +6502,14 @@
         </p:sp>
         <p:sp>
           <p:nvSpPr>
-            <p:cNvPr id="139" name="rc138"/>
-            <p:cNvSpPr/>
-            <p:nvPr/>
-          </p:nvSpPr>
-          <p:spPr>
-            <a:xfrm>
-              <a:off x="5624745" y="2972416"/>
-              <a:ext cx="219455" cy="219456"/>
-            </a:xfrm>
-            <a:prstGeom prst="rect">
-              <a:avLst/>
-            </a:prstGeom>
-            <a:solidFill>
-              <a:srgbClr val="EBEBEB">
-                <a:alpha val="100000"/>
-              </a:srgbClr>
-            </a:solidFill>
-          </p:spPr>
-          <p:txBody>
-            <a:bodyPr/>
-            <a:lstStyle/>
-            <a:p/>
-          </p:txBody>
-        </p:sp>
-        <p:sp>
-          <p:nvSpPr>
-            <p:cNvPr id="140" name="pl139"/>
-            <p:cNvSpPr/>
-            <p:nvPr/>
-          </p:nvSpPr>
-          <p:spPr>
-            <a:xfrm>
-              <a:off x="5646691" y="3082144"/>
-              <a:ext cx="175564" cy="0"/>
-            </a:xfrm>
-            <a:custGeom>
-              <a:avLst/>
-              <a:pathLst>
-                <a:path w="175564" h="0">
-                  <a:moveTo>
-                    <a:pt x="0" y="0"/>
-                  </a:moveTo>
-                  <a:lnTo>
-                    <a:pt x="175564" y="0"/>
-                  </a:lnTo>
-                </a:path>
-              </a:pathLst>
-            </a:custGeom>
-            <a:ln w="27101" cap="flat">
-              <a:solidFill>
-                <a:srgbClr val="00B4F0">
-                  <a:alpha val="100000"/>
-                </a:srgbClr>
-              </a:solidFill>
-              <a:prstDash val="solid"/>
-              <a:round/>
-            </a:ln>
-          </p:spPr>
-          <p:txBody>
-            <a:bodyPr/>
-            <a:lstStyle/>
-            <a:p/>
-          </p:txBody>
-        </p:sp>
-        <p:sp>
-          <p:nvSpPr>
-            <p:cNvPr id="141" name="tx140"/>
-            <p:cNvSpPr/>
-            <p:nvPr/>
-          </p:nvSpPr>
-          <p:spPr>
-            <a:xfrm>
-              <a:off x="5683489" y="3061043"/>
-              <a:ext cx="101968" cy="82614"/>
-            </a:xfrm>
-            <a:prstGeom prst="rect">
-              <a:avLst/>
-            </a:prstGeom>
-            <a:noFill/>
-          </p:spPr>
-          <p:txBody>
-            <a:bodyPr lIns="0" rIns="0" tIns="0" bIns="0" anchorCtr="1" anchor="ctr" wrap="none"/>
-            <a:lstStyle/>
-            <a:p>
-              <a:pPr algn="l" marL="0" marR="0" indent="0">
-                <a:lnSpc>
-                  <a:spcPts val="1374"/>
-                </a:lnSpc>
-                <a:spcBef>
-                  <a:spcPts val="0"/>
-                </a:spcBef>
-                <a:spcAft>
-                  <a:spcPts val="0"/>
-                </a:spcAft>
-              </a:pPr>
-              <a:r>
-                <a:rPr sz="1374">
-                  <a:solidFill>
-                    <a:srgbClr val="00B4F0">
-                      <a:alpha val="100000"/>
-                    </a:srgbClr>
-                  </a:solidFill>
-                  <a:latin typeface="Arial"/>
-                  <a:cs typeface="Arial"/>
-                </a:rPr>
-                <a:t>+</a:t>
-              </a:r>
-            </a:p>
-          </p:txBody>
-        </p:sp>
-        <p:sp>
-          <p:nvSpPr>
-            <p:cNvPr id="142" name="rc141"/>
-            <p:cNvSpPr/>
-            <p:nvPr/>
-          </p:nvSpPr>
-          <p:spPr>
-            <a:xfrm>
-              <a:off x="5624745" y="3191872"/>
-              <a:ext cx="219455" cy="219456"/>
-            </a:xfrm>
-            <a:prstGeom prst="rect">
-              <a:avLst/>
-            </a:prstGeom>
-            <a:solidFill>
-              <a:srgbClr val="EBEBEB">
-                <a:alpha val="100000"/>
-              </a:srgbClr>
-            </a:solidFill>
-          </p:spPr>
-          <p:txBody>
-            <a:bodyPr/>
-            <a:lstStyle/>
-            <a:p/>
-          </p:txBody>
-        </p:sp>
-        <p:sp>
-          <p:nvSpPr>
-            <p:cNvPr id="143" name="pl142"/>
-            <p:cNvSpPr/>
-            <p:nvPr/>
-          </p:nvSpPr>
-          <p:spPr>
-            <a:xfrm>
-              <a:off x="5646691" y="3301600"/>
-              <a:ext cx="175564" cy="0"/>
-            </a:xfrm>
-            <a:custGeom>
-              <a:avLst/>
-              <a:pathLst>
-                <a:path w="175564" h="0">
-                  <a:moveTo>
-                    <a:pt x="0" y="0"/>
-                  </a:moveTo>
-                  <a:lnTo>
-                    <a:pt x="175564" y="0"/>
-                  </a:lnTo>
-                </a:path>
-              </a:pathLst>
-            </a:custGeom>
-            <a:ln w="27101" cap="flat">
-              <a:solidFill>
-                <a:srgbClr val="619CFF">
-                  <a:alpha val="100000"/>
-                </a:srgbClr>
-              </a:solidFill>
-              <a:prstDash val="solid"/>
-              <a:round/>
-            </a:ln>
-          </p:spPr>
-          <p:txBody>
-            <a:bodyPr/>
-            <a:lstStyle/>
-            <a:p/>
-          </p:txBody>
-        </p:sp>
-        <p:sp>
-          <p:nvSpPr>
-            <p:cNvPr id="144" name="tx143"/>
-            <p:cNvSpPr/>
-            <p:nvPr/>
-          </p:nvSpPr>
-          <p:spPr>
-            <a:xfrm>
-              <a:off x="5683489" y="3280499"/>
-              <a:ext cx="101968" cy="82614"/>
-            </a:xfrm>
-            <a:prstGeom prst="rect">
-              <a:avLst/>
-            </a:prstGeom>
-            <a:noFill/>
-          </p:spPr>
-          <p:txBody>
-            <a:bodyPr lIns="0" rIns="0" tIns="0" bIns="0" anchorCtr="1" anchor="ctr" wrap="none"/>
-            <a:lstStyle/>
-            <a:p>
-              <a:pPr algn="l" marL="0" marR="0" indent="0">
-                <a:lnSpc>
-                  <a:spcPts val="1374"/>
-                </a:lnSpc>
-                <a:spcBef>
-                  <a:spcPts val="0"/>
-                </a:spcBef>
-                <a:spcAft>
-                  <a:spcPts val="0"/>
-                </a:spcAft>
-              </a:pPr>
-              <a:r>
-                <a:rPr sz="1374">
-                  <a:solidFill>
-                    <a:srgbClr val="619CFF">
-                      <a:alpha val="100000"/>
-                    </a:srgbClr>
-                  </a:solidFill>
-                  <a:latin typeface="Arial"/>
-                  <a:cs typeface="Arial"/>
-                </a:rPr>
-                <a:t>+</a:t>
-              </a:r>
-            </a:p>
-          </p:txBody>
-        </p:sp>
-        <p:sp>
-          <p:nvSpPr>
-            <p:cNvPr id="145" name="rc144"/>
-            <p:cNvSpPr/>
-            <p:nvPr/>
-          </p:nvSpPr>
-          <p:spPr>
-            <a:xfrm>
-              <a:off x="5624745" y="3411328"/>
-              <a:ext cx="219455" cy="219455"/>
-            </a:xfrm>
-            <a:prstGeom prst="rect">
-              <a:avLst/>
-            </a:prstGeom>
-            <a:solidFill>
-              <a:srgbClr val="EBEBEB">
-                <a:alpha val="100000"/>
-              </a:srgbClr>
-            </a:solidFill>
-          </p:spPr>
-          <p:txBody>
-            <a:bodyPr/>
-            <a:lstStyle/>
-            <a:p/>
-          </p:txBody>
-        </p:sp>
-        <p:sp>
-          <p:nvSpPr>
-            <p:cNvPr id="146" name="pl145"/>
-            <p:cNvSpPr/>
-            <p:nvPr/>
-          </p:nvSpPr>
-          <p:spPr>
-            <a:xfrm>
-              <a:off x="5646691" y="3521056"/>
-              <a:ext cx="175564" cy="0"/>
-            </a:xfrm>
-            <a:custGeom>
-              <a:avLst/>
-              <a:pathLst>
-                <a:path w="175564" h="0">
-                  <a:moveTo>
-                    <a:pt x="0" y="0"/>
-                  </a:moveTo>
-                  <a:lnTo>
-                    <a:pt x="175564" y="0"/>
-                  </a:lnTo>
-                </a:path>
-              </a:pathLst>
-            </a:custGeom>
-            <a:ln w="27101" cap="flat">
-              <a:solidFill>
-                <a:srgbClr val="C77CFF">
-                  <a:alpha val="100000"/>
-                </a:srgbClr>
-              </a:solidFill>
-              <a:prstDash val="solid"/>
-              <a:round/>
-            </a:ln>
-          </p:spPr>
-          <p:txBody>
-            <a:bodyPr/>
-            <a:lstStyle/>
-            <a:p/>
-          </p:txBody>
-        </p:sp>
-        <p:sp>
-          <p:nvSpPr>
-            <p:cNvPr id="147" name="tx146"/>
-            <p:cNvSpPr/>
-            <p:nvPr/>
-          </p:nvSpPr>
-          <p:spPr>
-            <a:xfrm>
-              <a:off x="5683489" y="3499955"/>
-              <a:ext cx="101968" cy="82614"/>
-            </a:xfrm>
-            <a:prstGeom prst="rect">
-              <a:avLst/>
-            </a:prstGeom>
-            <a:noFill/>
-          </p:spPr>
-          <p:txBody>
-            <a:bodyPr lIns="0" rIns="0" tIns="0" bIns="0" anchorCtr="1" anchor="ctr" wrap="none"/>
-            <a:lstStyle/>
-            <a:p>
-              <a:pPr algn="l" marL="0" marR="0" indent="0">
-                <a:lnSpc>
-                  <a:spcPts val="1374"/>
-                </a:lnSpc>
-                <a:spcBef>
-                  <a:spcPts val="0"/>
-                </a:spcBef>
-                <a:spcAft>
-                  <a:spcPts val="0"/>
-                </a:spcAft>
-              </a:pPr>
-              <a:r>
-                <a:rPr sz="1374">
-                  <a:solidFill>
-                    <a:srgbClr val="C77CFF">
-                      <a:alpha val="100000"/>
-                    </a:srgbClr>
-                  </a:solidFill>
-                  <a:latin typeface="Arial"/>
-                  <a:cs typeface="Arial"/>
-                </a:rPr>
-                <a:t>+</a:t>
-              </a:r>
-            </a:p>
-          </p:txBody>
-        </p:sp>
-        <p:sp>
-          <p:nvSpPr>
-            <p:cNvPr id="148" name="rc147"/>
-            <p:cNvSpPr/>
-            <p:nvPr/>
-          </p:nvSpPr>
-          <p:spPr>
-            <a:xfrm>
-              <a:off x="5624745" y="3630784"/>
-              <a:ext cx="219455" cy="219456"/>
-            </a:xfrm>
-            <a:prstGeom prst="rect">
-              <a:avLst/>
-            </a:prstGeom>
-            <a:solidFill>
-              <a:srgbClr val="EBEBEB">
-                <a:alpha val="100000"/>
-              </a:srgbClr>
-            </a:solidFill>
-          </p:spPr>
-          <p:txBody>
-            <a:bodyPr/>
-            <a:lstStyle/>
-            <a:p/>
-          </p:txBody>
-        </p:sp>
-        <p:sp>
-          <p:nvSpPr>
-            <p:cNvPr id="149" name="pl148"/>
-            <p:cNvSpPr/>
-            <p:nvPr/>
-          </p:nvSpPr>
-          <p:spPr>
-            <a:xfrm>
-              <a:off x="5646691" y="3740512"/>
-              <a:ext cx="175564" cy="0"/>
-            </a:xfrm>
-            <a:custGeom>
-              <a:avLst/>
-              <a:pathLst>
-                <a:path w="175564" h="0">
-                  <a:moveTo>
-                    <a:pt x="0" y="0"/>
-                  </a:moveTo>
-                  <a:lnTo>
-                    <a:pt x="175564" y="0"/>
-                  </a:lnTo>
-                </a:path>
-              </a:pathLst>
-            </a:custGeom>
-            <a:ln w="27101" cap="flat">
-              <a:solidFill>
-                <a:srgbClr val="F564E3">
-                  <a:alpha val="100000"/>
-                </a:srgbClr>
-              </a:solidFill>
-              <a:prstDash val="solid"/>
-              <a:round/>
-            </a:ln>
-          </p:spPr>
-          <p:txBody>
-            <a:bodyPr/>
-            <a:lstStyle/>
-            <a:p/>
-          </p:txBody>
-        </p:sp>
-        <p:sp>
-          <p:nvSpPr>
-            <p:cNvPr id="150" name="tx149"/>
-            <p:cNvSpPr/>
-            <p:nvPr/>
-          </p:nvSpPr>
-          <p:spPr>
-            <a:xfrm>
-              <a:off x="5683489" y="3719411"/>
-              <a:ext cx="101968" cy="82614"/>
-            </a:xfrm>
-            <a:prstGeom prst="rect">
-              <a:avLst/>
-            </a:prstGeom>
-            <a:noFill/>
-          </p:spPr>
-          <p:txBody>
-            <a:bodyPr lIns="0" rIns="0" tIns="0" bIns="0" anchorCtr="1" anchor="ctr" wrap="none"/>
-            <a:lstStyle/>
-            <a:p>
-              <a:pPr algn="l" marL="0" marR="0" indent="0">
-                <a:lnSpc>
-                  <a:spcPts val="1374"/>
-                </a:lnSpc>
-                <a:spcBef>
-                  <a:spcPts val="0"/>
-                </a:spcBef>
-                <a:spcAft>
-                  <a:spcPts val="0"/>
-                </a:spcAft>
-              </a:pPr>
-              <a:r>
-                <a:rPr sz="1374">
-                  <a:solidFill>
-                    <a:srgbClr val="F564E3">
-                      <a:alpha val="100000"/>
-                    </a:srgbClr>
-                  </a:solidFill>
-                  <a:latin typeface="Arial"/>
-                  <a:cs typeface="Arial"/>
-                </a:rPr>
-                <a:t>+</a:t>
-              </a:r>
-            </a:p>
-          </p:txBody>
-        </p:sp>
-        <p:sp>
-          <p:nvSpPr>
-            <p:cNvPr id="151" name="rc150"/>
-            <p:cNvSpPr/>
-            <p:nvPr/>
-          </p:nvSpPr>
-          <p:spPr>
-            <a:xfrm>
-              <a:off x="5624745" y="3850240"/>
-              <a:ext cx="219455" cy="219456"/>
-            </a:xfrm>
-            <a:prstGeom prst="rect">
-              <a:avLst/>
-            </a:prstGeom>
-            <a:solidFill>
-              <a:srgbClr val="EBEBEB">
-                <a:alpha val="100000"/>
-              </a:srgbClr>
-            </a:solidFill>
-          </p:spPr>
-          <p:txBody>
-            <a:bodyPr/>
-            <a:lstStyle/>
-            <a:p/>
-          </p:txBody>
-        </p:sp>
-        <p:sp>
-          <p:nvSpPr>
-            <p:cNvPr id="152" name="pl151"/>
-            <p:cNvSpPr/>
-            <p:nvPr/>
-          </p:nvSpPr>
-          <p:spPr>
-            <a:xfrm>
-              <a:off x="5646691" y="3959968"/>
-              <a:ext cx="175564" cy="0"/>
-            </a:xfrm>
-            <a:custGeom>
-              <a:avLst/>
-              <a:pathLst>
-                <a:path w="175564" h="0">
-                  <a:moveTo>
-                    <a:pt x="0" y="0"/>
-                  </a:moveTo>
-                  <a:lnTo>
-                    <a:pt x="175564" y="0"/>
-                  </a:lnTo>
-                </a:path>
-              </a:pathLst>
-            </a:custGeom>
-            <a:ln w="27101" cap="flat">
-              <a:solidFill>
-                <a:srgbClr val="FF64B0">
-                  <a:alpha val="100000"/>
-                </a:srgbClr>
-              </a:solidFill>
-              <a:prstDash val="solid"/>
-              <a:round/>
-            </a:ln>
-          </p:spPr>
-          <p:txBody>
-            <a:bodyPr/>
-            <a:lstStyle/>
-            <a:p/>
-          </p:txBody>
-        </p:sp>
-        <p:sp>
-          <p:nvSpPr>
-            <p:cNvPr id="153" name="tx152"/>
-            <p:cNvSpPr/>
-            <p:nvPr/>
-          </p:nvSpPr>
-          <p:spPr>
-            <a:xfrm>
-              <a:off x="5683489" y="3938867"/>
-              <a:ext cx="101968" cy="82614"/>
-            </a:xfrm>
-            <a:prstGeom prst="rect">
-              <a:avLst/>
-            </a:prstGeom>
-            <a:noFill/>
-          </p:spPr>
-          <p:txBody>
-            <a:bodyPr lIns="0" rIns="0" tIns="0" bIns="0" anchorCtr="1" anchor="ctr" wrap="none"/>
-            <a:lstStyle/>
-            <a:p>
-              <a:pPr algn="l" marL="0" marR="0" indent="0">
-                <a:lnSpc>
-                  <a:spcPts val="1374"/>
-                </a:lnSpc>
-                <a:spcBef>
-                  <a:spcPts val="0"/>
-                </a:spcBef>
-                <a:spcAft>
-                  <a:spcPts val="0"/>
-                </a:spcAft>
-              </a:pPr>
-              <a:r>
-                <a:rPr sz="1374">
-                  <a:solidFill>
-                    <a:srgbClr val="FF64B0">
-                      <a:alpha val="100000"/>
-                    </a:srgbClr>
-                  </a:solidFill>
-                  <a:latin typeface="Arial"/>
-                  <a:cs typeface="Arial"/>
-                </a:rPr>
-                <a:t>+</a:t>
-              </a:r>
-            </a:p>
-          </p:txBody>
-        </p:sp>
-        <p:sp>
-          <p:nvSpPr>
-            <p:cNvPr id="154" name="tx153"/>
-            <p:cNvSpPr/>
-            <p:nvPr/>
-          </p:nvSpPr>
-          <p:spPr>
-            <a:xfrm>
-              <a:off x="5913790" y="1488762"/>
-              <a:ext cx="341664" cy="97189"/>
+            <p:cNvPr id="100" name="tx99"/>
+            <p:cNvSpPr/>
+            <p:nvPr/>
+          </p:nvSpPr>
+          <p:spPr>
+            <a:xfrm>
+              <a:off x="5447869" y="2525011"/>
+              <a:ext cx="733043" cy="82783"/>
             </a:xfrm>
             <a:prstGeom prst="rect">
               <a:avLst/>
@@ -9752,21 +6541,21 @@
                   <a:latin typeface="Arial"/>
                   <a:cs typeface="Arial"/>
                 </a:rPr>
-                <a:t>A, C14</a:t>
+                <a:t>ONDA01227-2</a:t>
               </a:r>
             </a:p>
           </p:txBody>
         </p:sp>
         <p:sp>
           <p:nvSpPr>
-            <p:cNvPr id="155" name="tx154"/>
-            <p:cNvSpPr/>
-            <p:nvPr/>
-          </p:nvSpPr>
-          <p:spPr>
-            <a:xfrm>
-              <a:off x="5913790" y="1708218"/>
-              <a:ext cx="279509" cy="97189"/>
+            <p:cNvPr id="101" name="tx100"/>
+            <p:cNvSpPr/>
+            <p:nvPr/>
+          </p:nvSpPr>
+          <p:spPr>
+            <a:xfrm>
+              <a:off x="5447869" y="2744467"/>
+              <a:ext cx="813752" cy="82783"/>
             </a:xfrm>
             <a:prstGeom prst="rect">
               <a:avLst/>
@@ -9798,467 +6587,7 @@
                   <a:latin typeface="Arial"/>
                   <a:cs typeface="Arial"/>
                 </a:rPr>
-                <a:t>A, C2</a:t>
-              </a:r>
-            </a:p>
-          </p:txBody>
-        </p:sp>
-        <p:sp>
-          <p:nvSpPr>
-            <p:cNvPr id="156" name="tx155"/>
-            <p:cNvSpPr/>
-            <p:nvPr/>
-          </p:nvSpPr>
-          <p:spPr>
-            <a:xfrm>
-              <a:off x="5913790" y="1927674"/>
-              <a:ext cx="279509" cy="97189"/>
-            </a:xfrm>
-            <a:prstGeom prst="rect">
-              <a:avLst/>
-            </a:prstGeom>
-            <a:noFill/>
-          </p:spPr>
-          <p:txBody>
-            <a:bodyPr lIns="0" rIns="0" tIns="0" bIns="0" anchorCtr="1" anchor="ctr" wrap="none"/>
-            <a:lstStyle/>
-            <a:p>
-              <a:pPr algn="l" marL="0" marR="0" indent="0">
-                <a:lnSpc>
-                  <a:spcPts val="880"/>
-                </a:lnSpc>
-                <a:spcBef>
-                  <a:spcPts val="0"/>
-                </a:spcBef>
-                <a:spcAft>
-                  <a:spcPts val="0"/>
-                </a:spcAft>
-              </a:pPr>
-              <a:r>
-                <a:rPr sz="880">
-                  <a:solidFill>
-                    <a:srgbClr val="000000">
-                      <a:alpha val="100000"/>
-                    </a:srgbClr>
-                  </a:solidFill>
-                  <a:latin typeface="Arial"/>
-                  <a:cs typeface="Arial"/>
-                </a:rPr>
-                <a:t>A, C9</a:t>
-              </a:r>
-            </a:p>
-          </p:txBody>
-        </p:sp>
-        <p:sp>
-          <p:nvSpPr>
-            <p:cNvPr id="157" name="tx156"/>
-            <p:cNvSpPr/>
-            <p:nvPr/>
-          </p:nvSpPr>
-          <p:spPr>
-            <a:xfrm>
-              <a:off x="5913790" y="2147130"/>
-              <a:ext cx="279509" cy="97189"/>
-            </a:xfrm>
-            <a:prstGeom prst="rect">
-              <a:avLst/>
-            </a:prstGeom>
-            <a:noFill/>
-          </p:spPr>
-          <p:txBody>
-            <a:bodyPr lIns="0" rIns="0" tIns="0" bIns="0" anchorCtr="1" anchor="ctr" wrap="none"/>
-            <a:lstStyle/>
-            <a:p>
-              <a:pPr algn="l" marL="0" marR="0" indent="0">
-                <a:lnSpc>
-                  <a:spcPts val="880"/>
-                </a:lnSpc>
-                <a:spcBef>
-                  <a:spcPts val="0"/>
-                </a:spcBef>
-                <a:spcAft>
-                  <a:spcPts val="0"/>
-                </a:spcAft>
-              </a:pPr>
-              <a:r>
-                <a:rPr sz="880">
-                  <a:solidFill>
-                    <a:srgbClr val="000000">
-                      <a:alpha val="100000"/>
-                    </a:srgbClr>
-                  </a:solidFill>
-                  <a:latin typeface="Arial"/>
-                  <a:cs typeface="Arial"/>
-                </a:rPr>
-                <a:t>B, C1</a:t>
-              </a:r>
-            </a:p>
-          </p:txBody>
-        </p:sp>
-        <p:sp>
-          <p:nvSpPr>
-            <p:cNvPr id="158" name="tx157"/>
-            <p:cNvSpPr/>
-            <p:nvPr/>
-          </p:nvSpPr>
-          <p:spPr>
-            <a:xfrm>
-              <a:off x="5913790" y="2366586"/>
-              <a:ext cx="341664" cy="97189"/>
-            </a:xfrm>
-            <a:prstGeom prst="rect">
-              <a:avLst/>
-            </a:prstGeom>
-            <a:noFill/>
-          </p:spPr>
-          <p:txBody>
-            <a:bodyPr lIns="0" rIns="0" tIns="0" bIns="0" anchorCtr="1" anchor="ctr" wrap="none"/>
-            <a:lstStyle/>
-            <a:p>
-              <a:pPr algn="l" marL="0" marR="0" indent="0">
-                <a:lnSpc>
-                  <a:spcPts val="880"/>
-                </a:lnSpc>
-                <a:spcBef>
-                  <a:spcPts val="0"/>
-                </a:spcBef>
-                <a:spcAft>
-                  <a:spcPts val="0"/>
-                </a:spcAft>
-              </a:pPr>
-              <a:r>
-                <a:rPr sz="880">
-                  <a:solidFill>
-                    <a:srgbClr val="000000">
-                      <a:alpha val="100000"/>
-                    </a:srgbClr>
-                  </a:solidFill>
-                  <a:latin typeface="Arial"/>
-                  <a:cs typeface="Arial"/>
-                </a:rPr>
-                <a:t>B, C11</a:t>
-              </a:r>
-            </a:p>
-          </p:txBody>
-        </p:sp>
-        <p:sp>
-          <p:nvSpPr>
-            <p:cNvPr id="159" name="tx158"/>
-            <p:cNvSpPr/>
-            <p:nvPr/>
-          </p:nvSpPr>
-          <p:spPr>
-            <a:xfrm>
-              <a:off x="5913790" y="2586042"/>
-              <a:ext cx="279509" cy="97189"/>
-            </a:xfrm>
-            <a:prstGeom prst="rect">
-              <a:avLst/>
-            </a:prstGeom>
-            <a:noFill/>
-          </p:spPr>
-          <p:txBody>
-            <a:bodyPr lIns="0" rIns="0" tIns="0" bIns="0" anchorCtr="1" anchor="ctr" wrap="none"/>
-            <a:lstStyle/>
-            <a:p>
-              <a:pPr algn="l" marL="0" marR="0" indent="0">
-                <a:lnSpc>
-                  <a:spcPts val="880"/>
-                </a:lnSpc>
-                <a:spcBef>
-                  <a:spcPts val="0"/>
-                </a:spcBef>
-                <a:spcAft>
-                  <a:spcPts val="0"/>
-                </a:spcAft>
-              </a:pPr>
-              <a:r>
-                <a:rPr sz="880">
-                  <a:solidFill>
-                    <a:srgbClr val="000000">
-                      <a:alpha val="100000"/>
-                    </a:srgbClr>
-                  </a:solidFill>
-                  <a:latin typeface="Arial"/>
-                  <a:cs typeface="Arial"/>
-                </a:rPr>
-                <a:t>B, C6</a:t>
-              </a:r>
-            </a:p>
-          </p:txBody>
-        </p:sp>
-        <p:sp>
-          <p:nvSpPr>
-            <p:cNvPr id="160" name="tx159"/>
-            <p:cNvSpPr/>
-            <p:nvPr/>
-          </p:nvSpPr>
-          <p:spPr>
-            <a:xfrm>
-              <a:off x="5913790" y="2805498"/>
-              <a:ext cx="347831" cy="97189"/>
-            </a:xfrm>
-            <a:prstGeom prst="rect">
-              <a:avLst/>
-            </a:prstGeom>
-            <a:noFill/>
-          </p:spPr>
-          <p:txBody>
-            <a:bodyPr lIns="0" rIns="0" tIns="0" bIns="0" anchorCtr="1" anchor="ctr" wrap="none"/>
-            <a:lstStyle/>
-            <a:p>
-              <a:pPr algn="l" marL="0" marR="0" indent="0">
-                <a:lnSpc>
-                  <a:spcPts val="880"/>
-                </a:lnSpc>
-                <a:spcBef>
-                  <a:spcPts val="0"/>
-                </a:spcBef>
-                <a:spcAft>
-                  <a:spcPts val="0"/>
-                </a:spcAft>
-              </a:pPr>
-              <a:r>
-                <a:rPr sz="880">
-                  <a:solidFill>
-                    <a:srgbClr val="000000">
-                      <a:alpha val="100000"/>
-                    </a:srgbClr>
-                  </a:solidFill>
-                  <a:latin typeface="Arial"/>
-                  <a:cs typeface="Arial"/>
-                </a:rPr>
-                <a:t>C, C12</a:t>
-              </a:r>
-            </a:p>
-          </p:txBody>
-        </p:sp>
-        <p:sp>
-          <p:nvSpPr>
-            <p:cNvPr id="161" name="tx160"/>
-            <p:cNvSpPr/>
-            <p:nvPr/>
-          </p:nvSpPr>
-          <p:spPr>
-            <a:xfrm>
-              <a:off x="5913790" y="3024954"/>
-              <a:ext cx="347831" cy="97189"/>
-            </a:xfrm>
-            <a:prstGeom prst="rect">
-              <a:avLst/>
-            </a:prstGeom>
-            <a:noFill/>
-          </p:spPr>
-          <p:txBody>
-            <a:bodyPr lIns="0" rIns="0" tIns="0" bIns="0" anchorCtr="1" anchor="ctr" wrap="none"/>
-            <a:lstStyle/>
-            <a:p>
-              <a:pPr algn="l" marL="0" marR="0" indent="0">
-                <a:lnSpc>
-                  <a:spcPts val="880"/>
-                </a:lnSpc>
-                <a:spcBef>
-                  <a:spcPts val="0"/>
-                </a:spcBef>
-                <a:spcAft>
-                  <a:spcPts val="0"/>
-                </a:spcAft>
-              </a:pPr>
-              <a:r>
-                <a:rPr sz="880">
-                  <a:solidFill>
-                    <a:srgbClr val="000000">
-                      <a:alpha val="100000"/>
-                    </a:srgbClr>
-                  </a:solidFill>
-                  <a:latin typeface="Arial"/>
-                  <a:cs typeface="Arial"/>
-                </a:rPr>
-                <a:t>C, C15</a:t>
-              </a:r>
-            </a:p>
-          </p:txBody>
-        </p:sp>
-        <p:sp>
-          <p:nvSpPr>
-            <p:cNvPr id="162" name="tx161"/>
-            <p:cNvSpPr/>
-            <p:nvPr/>
-          </p:nvSpPr>
-          <p:spPr>
-            <a:xfrm>
-              <a:off x="5913790" y="3244410"/>
-              <a:ext cx="285675" cy="97189"/>
-            </a:xfrm>
-            <a:prstGeom prst="rect">
-              <a:avLst/>
-            </a:prstGeom>
-            <a:noFill/>
-          </p:spPr>
-          <p:txBody>
-            <a:bodyPr lIns="0" rIns="0" tIns="0" bIns="0" anchorCtr="1" anchor="ctr" wrap="none"/>
-            <a:lstStyle/>
-            <a:p>
-              <a:pPr algn="l" marL="0" marR="0" indent="0">
-                <a:lnSpc>
-                  <a:spcPts val="880"/>
-                </a:lnSpc>
-                <a:spcBef>
-                  <a:spcPts val="0"/>
-                </a:spcBef>
-                <a:spcAft>
-                  <a:spcPts val="0"/>
-                </a:spcAft>
-              </a:pPr>
-              <a:r>
-                <a:rPr sz="880">
-                  <a:solidFill>
-                    <a:srgbClr val="000000">
-                      <a:alpha val="100000"/>
-                    </a:srgbClr>
-                  </a:solidFill>
-                  <a:latin typeface="Arial"/>
-                  <a:cs typeface="Arial"/>
-                </a:rPr>
-                <a:t>C, C3</a:t>
-              </a:r>
-            </a:p>
-          </p:txBody>
-        </p:sp>
-        <p:sp>
-          <p:nvSpPr>
-            <p:cNvPr id="163" name="tx162"/>
-            <p:cNvSpPr/>
-            <p:nvPr/>
-          </p:nvSpPr>
-          <p:spPr>
-            <a:xfrm>
-              <a:off x="5913790" y="3463866"/>
-              <a:ext cx="285675" cy="97189"/>
-            </a:xfrm>
-            <a:prstGeom prst="rect">
-              <a:avLst/>
-            </a:prstGeom>
-            <a:noFill/>
-          </p:spPr>
-          <p:txBody>
-            <a:bodyPr lIns="0" rIns="0" tIns="0" bIns="0" anchorCtr="1" anchor="ctr" wrap="none"/>
-            <a:lstStyle/>
-            <a:p>
-              <a:pPr algn="l" marL="0" marR="0" indent="0">
-                <a:lnSpc>
-                  <a:spcPts val="880"/>
-                </a:lnSpc>
-                <a:spcBef>
-                  <a:spcPts val="0"/>
-                </a:spcBef>
-                <a:spcAft>
-                  <a:spcPts val="0"/>
-                </a:spcAft>
-              </a:pPr>
-              <a:r>
-                <a:rPr sz="880">
-                  <a:solidFill>
-                    <a:srgbClr val="000000">
-                      <a:alpha val="100000"/>
-                    </a:srgbClr>
-                  </a:solidFill>
-                  <a:latin typeface="Arial"/>
-                  <a:cs typeface="Arial"/>
-                </a:rPr>
-                <a:t>D, C4</a:t>
-              </a:r>
-            </a:p>
-          </p:txBody>
-        </p:sp>
-        <p:sp>
-          <p:nvSpPr>
-            <p:cNvPr id="164" name="tx163"/>
-            <p:cNvSpPr/>
-            <p:nvPr/>
-          </p:nvSpPr>
-          <p:spPr>
-            <a:xfrm>
-              <a:off x="5913790" y="3683322"/>
-              <a:ext cx="285675" cy="97189"/>
-            </a:xfrm>
-            <a:prstGeom prst="rect">
-              <a:avLst/>
-            </a:prstGeom>
-            <a:noFill/>
-          </p:spPr>
-          <p:txBody>
-            <a:bodyPr lIns="0" rIns="0" tIns="0" bIns="0" anchorCtr="1" anchor="ctr" wrap="none"/>
-            <a:lstStyle/>
-            <a:p>
-              <a:pPr algn="l" marL="0" marR="0" indent="0">
-                <a:lnSpc>
-                  <a:spcPts val="880"/>
-                </a:lnSpc>
-                <a:spcBef>
-                  <a:spcPts val="0"/>
-                </a:spcBef>
-                <a:spcAft>
-                  <a:spcPts val="0"/>
-                </a:spcAft>
-              </a:pPr>
-              <a:r>
-                <a:rPr sz="880">
-                  <a:solidFill>
-                    <a:srgbClr val="000000">
-                      <a:alpha val="100000"/>
-                    </a:srgbClr>
-                  </a:solidFill>
-                  <a:latin typeface="Arial"/>
-                  <a:cs typeface="Arial"/>
-                </a:rPr>
-                <a:t>D, C5</a:t>
-              </a:r>
-            </a:p>
-          </p:txBody>
-        </p:sp>
-        <p:sp>
-          <p:nvSpPr>
-            <p:cNvPr id="165" name="tx164"/>
-            <p:cNvSpPr/>
-            <p:nvPr/>
-          </p:nvSpPr>
-          <p:spPr>
-            <a:xfrm>
-              <a:off x="5913790" y="3902778"/>
-              <a:ext cx="285675" cy="97189"/>
-            </a:xfrm>
-            <a:prstGeom prst="rect">
-              <a:avLst/>
-            </a:prstGeom>
-            <a:noFill/>
-          </p:spPr>
-          <p:txBody>
-            <a:bodyPr lIns="0" rIns="0" tIns="0" bIns="0" anchorCtr="1" anchor="ctr" wrap="none"/>
-            <a:lstStyle/>
-            <a:p>
-              <a:pPr algn="l" marL="0" marR="0" indent="0">
-                <a:lnSpc>
-                  <a:spcPts val="880"/>
-                </a:lnSpc>
-                <a:spcBef>
-                  <a:spcPts val="0"/>
-                </a:spcBef>
-                <a:spcAft>
-                  <a:spcPts val="0"/>
-                </a:spcAft>
-              </a:pPr>
-              <a:r>
-                <a:rPr sz="880">
-                  <a:solidFill>
-                    <a:srgbClr val="000000">
-                      <a:alpha val="100000"/>
-                    </a:srgbClr>
-                  </a:solidFill>
-                  <a:latin typeface="Arial"/>
-                  <a:cs typeface="Arial"/>
-                </a:rPr>
-                <a:t>D, C8</a:t>
+                <a:t>ONDA01227-C1</a:t>
               </a:r>
             </a:p>
           </p:txBody>
